--- a/Презентация/Презентация диплома.pptx
+++ b/Презентация/Презентация диплома.pptx
@@ -20,18 +20,18 @@
     <p:sldId id="297" r:id="rId11"/>
     <p:sldId id="312" r:id="rId12"/>
     <p:sldId id="298" r:id="rId13"/>
-    <p:sldId id="310" r:id="rId14"/>
-    <p:sldId id="313" r:id="rId15"/>
-    <p:sldId id="318" r:id="rId16"/>
-    <p:sldId id="314" r:id="rId17"/>
-    <p:sldId id="278" r:id="rId18"/>
-    <p:sldId id="282" r:id="rId19"/>
-    <p:sldId id="309" r:id="rId20"/>
-    <p:sldId id="299" r:id="rId21"/>
-    <p:sldId id="316" r:id="rId22"/>
-    <p:sldId id="315" r:id="rId23"/>
-    <p:sldId id="317" r:id="rId24"/>
-    <p:sldId id="306" r:id="rId25"/>
+    <p:sldId id="309" r:id="rId14"/>
+    <p:sldId id="310" r:id="rId15"/>
+    <p:sldId id="313" r:id="rId16"/>
+    <p:sldId id="318" r:id="rId17"/>
+    <p:sldId id="314" r:id="rId18"/>
+    <p:sldId id="278" r:id="rId19"/>
+    <p:sldId id="282" r:id="rId20"/>
+    <p:sldId id="306" r:id="rId21"/>
+    <p:sldId id="299" r:id="rId22"/>
+    <p:sldId id="316" r:id="rId23"/>
+    <p:sldId id="315" r:id="rId24"/>
+    <p:sldId id="317" r:id="rId25"/>
     <p:sldId id="319" r:id="rId26"/>
     <p:sldId id="320" r:id="rId27"/>
     <p:sldId id="305" r:id="rId28"/>
@@ -2568,7 +2568,7 @@
               <a:pPr>
                 <a:defRPr/>
               </a:pPr>
-              <a:t>03.06.2021</a:t>
+              <a:t>04.06.2021</a:t>
             </a:fld>
             <a:endParaRPr lang="ru-RU"/>
           </a:p>
@@ -3162,7 +3162,7 @@
               <a:pPr>
                 <a:defRPr/>
               </a:pPr>
-              <a:t>18</a:t>
+              <a:t>19</a:t>
             </a:fld>
             <a:endParaRPr lang="ru-RU" altLang="ru-RU"/>
           </a:p>
@@ -3252,7 +3252,7 @@
               <a:pPr>
                 <a:defRPr/>
               </a:pPr>
-              <a:t>23</a:t>
+              <a:t>24</a:t>
             </a:fld>
             <a:endParaRPr lang="ru-RU" altLang="ru-RU"/>
           </a:p>
@@ -3804,7 +3804,7 @@
               <a:pPr>
                 <a:defRPr/>
               </a:pPr>
-              <a:t>03.06.2021</a:t>
+              <a:t>04.06.2021</a:t>
             </a:fld>
             <a:endParaRPr lang="ru-RU"/>
           </a:p>
@@ -4017,7 +4017,7 @@
               <a:pPr>
                 <a:defRPr/>
               </a:pPr>
-              <a:t>03.06.2021</a:t>
+              <a:t>04.06.2021</a:t>
             </a:fld>
             <a:endParaRPr lang="ru-RU"/>
           </a:p>
@@ -4240,7 +4240,7 @@
               <a:pPr>
                 <a:defRPr/>
               </a:pPr>
-              <a:t>03.06.2021</a:t>
+              <a:t>04.06.2021</a:t>
             </a:fld>
             <a:endParaRPr lang="ru-RU"/>
           </a:p>
@@ -4546,7 +4546,7 @@
               <a:pPr>
                 <a:defRPr/>
               </a:pPr>
-              <a:t>03.06.2021</a:t>
+              <a:t>04.06.2021</a:t>
             </a:fld>
             <a:endParaRPr lang="ru-RU"/>
           </a:p>
@@ -4840,7 +4840,7 @@
               <a:pPr>
                 <a:defRPr/>
               </a:pPr>
-              <a:t>03.06.2021</a:t>
+              <a:t>04.06.2021</a:t>
             </a:fld>
             <a:endParaRPr lang="ru-RU"/>
           </a:p>
@@ -5170,7 +5170,7 @@
               <a:pPr>
                 <a:defRPr/>
               </a:pPr>
-              <a:t>03.06.2021</a:t>
+              <a:t>04.06.2021</a:t>
             </a:fld>
             <a:endParaRPr lang="ru-RU"/>
           </a:p>
@@ -5634,7 +5634,7 @@
               <a:pPr>
                 <a:defRPr/>
               </a:pPr>
-              <a:t>03.06.2021</a:t>
+              <a:t>04.06.2021</a:t>
             </a:fld>
             <a:endParaRPr lang="ru-RU"/>
           </a:p>
@@ -5796,7 +5796,7 @@
               <a:pPr>
                 <a:defRPr/>
               </a:pPr>
-              <a:t>03.06.2021</a:t>
+              <a:t>04.06.2021</a:t>
             </a:fld>
             <a:endParaRPr lang="ru-RU"/>
           </a:p>
@@ -5936,7 +5936,7 @@
               <a:pPr>
                 <a:defRPr/>
               </a:pPr>
-              <a:t>03.06.2021</a:t>
+              <a:t>04.06.2021</a:t>
             </a:fld>
             <a:endParaRPr lang="ru-RU"/>
           </a:p>
@@ -6256,7 +6256,7 @@
               <a:pPr>
                 <a:defRPr/>
               </a:pPr>
-              <a:t>03.06.2021</a:t>
+              <a:t>04.06.2021</a:t>
             </a:fld>
             <a:endParaRPr lang="ru-RU"/>
           </a:p>
@@ -6556,7 +6556,7 @@
               <a:pPr>
                 <a:defRPr/>
               </a:pPr>
-              <a:t>03.06.2021</a:t>
+              <a:t>04.06.2021</a:t>
             </a:fld>
             <a:endParaRPr lang="ru-RU"/>
           </a:p>
@@ -6882,7 +6882,7 @@
               <a:pPr>
                 <a:defRPr/>
               </a:pPr>
-              <a:t>03.06.2021</a:t>
+              <a:t>04.06.2021</a:t>
             </a:fld>
             <a:endParaRPr lang="ru-RU"/>
           </a:p>
@@ -7701,8 +7701,8 @@
           </a:p>
         </p:txBody>
       </p:sp>
-      <mc:AlternateContent xmlns:mc="http://schemas.openxmlformats.org/markup-compatibility/2006">
-        <mc:Choice xmlns:a14="http://schemas.microsoft.com/office/drawing/2010/main" Requires="a14">
+      <mc:AlternateContent xmlns:mc="http://schemas.openxmlformats.org/markup-compatibility/2006" xmlns:a14="http://schemas.microsoft.com/office/drawing/2010/main">
+        <mc:Choice Requires="a14">
           <p:sp>
             <p:nvSpPr>
               <p:cNvPr id="5" name="TextBox 4">
@@ -8743,7 +8743,7 @@
                   <m:oMath xmlns:m="http://schemas.openxmlformats.org/officeDocument/2006/math">
                     <m:r>
                       <a:rPr lang="en-US">
-                        <a:latin typeface="Calibri (Основной текст)"/>
+                        <a:latin typeface="Cambria Math" panose="02040503050406030204" pitchFamily="18" charset="0"/>
                         <a:ea typeface="Times New Roman" panose="02020603050405020304" pitchFamily="18" charset="0"/>
                         <a:cs typeface="Times New Roman" panose="02020603050405020304" pitchFamily="18" charset="0"/>
                       </a:rPr>
@@ -8764,8 +8764,8 @@
                     <m:sSub>
                       <m:sSubPr>
                         <m:ctrlPr>
-                          <a:rPr lang="ru-RU">
-                            <a:latin typeface="Calibri (Основной текст)"/>
+                          <a:rPr lang="ru-RU" i="1">
+                            <a:latin typeface="Cambria Math" panose="02040503050406030204" pitchFamily="18" charset="0"/>
                             <a:ea typeface="Times New Roman" panose="02020603050405020304" pitchFamily="18" charset="0"/>
                             <a:cs typeface="Times New Roman" panose="02020603050405020304" pitchFamily="18" charset="0"/>
                           </a:rPr>
@@ -8774,7 +8774,7 @@
                       <m:e>
                         <m:r>
                           <a:rPr lang="en-US">
-                            <a:latin typeface="Calibri (Основной текст)"/>
+                            <a:latin typeface="Cambria Math" panose="02040503050406030204" pitchFamily="18" charset="0"/>
                             <a:ea typeface="Times New Roman" panose="02020603050405020304" pitchFamily="18" charset="0"/>
                             <a:cs typeface="Times New Roman" panose="02020603050405020304" pitchFamily="18" charset="0"/>
                           </a:rPr>
@@ -8784,7 +8784,7 @@
                       <m:sub>
                         <m:r>
                           <a:rPr lang="en-US">
-                            <a:latin typeface="Calibri (Основной текст)"/>
+                            <a:latin typeface="Cambria Math" panose="02040503050406030204" pitchFamily="18" charset="0"/>
                             <a:ea typeface="Times New Roman" panose="02020603050405020304" pitchFamily="18" charset="0"/>
                             <a:cs typeface="Times New Roman" panose="02020603050405020304" pitchFamily="18" charset="0"/>
                           </a:rPr>
@@ -8814,7 +8814,7 @@
                   <m:oMath xmlns:m="http://schemas.openxmlformats.org/officeDocument/2006/math">
                     <m:r>
                       <a:rPr lang="en-US">
-                        <a:latin typeface="Calibri (Основной текст)"/>
+                        <a:latin typeface="Cambria Math" panose="02040503050406030204" pitchFamily="18" charset="0"/>
                         <a:ea typeface="Times New Roman" panose="02020603050405020304" pitchFamily="18" charset="0"/>
                         <a:cs typeface="Times New Roman" panose="02020603050405020304" pitchFamily="18" charset="0"/>
                       </a:rPr>
@@ -8822,7 +8822,7 @@
                     </m:r>
                     <m:r>
                       <a:rPr lang="ru-RU">
-                        <a:latin typeface="Calibri (Основной текст)"/>
+                        <a:latin typeface="Cambria Math" panose="02040503050406030204" pitchFamily="18" charset="0"/>
                         <a:ea typeface="Times New Roman" panose="02020603050405020304" pitchFamily="18" charset="0"/>
                         <a:cs typeface="Times New Roman" panose="02020603050405020304" pitchFamily="18" charset="0"/>
                       </a:rPr>
@@ -8860,7 +8860,7 @@
             </p:txBody>
           </p:sp>
         </mc:Choice>
-        <mc:Fallback>
+        <mc:Fallback xmlns="">
           <p:sp>
             <p:nvSpPr>
               <p:cNvPr id="5" name="TextBox 4">
@@ -8998,8 +8998,8 @@
           </a:p>
         </p:txBody>
       </p:sp>
-      <mc:AlternateContent xmlns:mc="http://schemas.openxmlformats.org/markup-compatibility/2006">
-        <mc:Choice xmlns:a14="http://schemas.microsoft.com/office/drawing/2010/main" Requires="a14">
+      <mc:AlternateContent xmlns:mc="http://schemas.openxmlformats.org/markup-compatibility/2006" xmlns:a14="http://schemas.microsoft.com/office/drawing/2010/main">
+        <mc:Choice Requires="a14">
           <p:sp>
             <p:nvSpPr>
               <p:cNvPr id="6" name="TextBox 5">
@@ -9039,15 +9039,15 @@
                     <m:sSub>
                       <m:sSubPr>
                         <m:ctrlPr>
-                          <a:rPr lang="ru-RU">
-                            <a:latin typeface="+mn-lt"/>
+                          <a:rPr lang="ru-RU" i="1">
+                            <a:latin typeface="Cambria Math" panose="02040503050406030204" pitchFamily="18" charset="0"/>
                           </a:rPr>
                         </m:ctrlPr>
                       </m:sSubPr>
                       <m:e>
                         <m:r>
                           <a:rPr lang="en-US">
-                            <a:latin typeface="+mn-lt"/>
+                            <a:latin typeface="Cambria Math" panose="02040503050406030204" pitchFamily="18" charset="0"/>
                           </a:rPr>
                           <m:t>𝑤</m:t>
                         </m:r>
@@ -9055,7 +9055,7 @@
                       <m:sub>
                         <m:r>
                           <a:rPr lang="en-US">
-                            <a:latin typeface="+mn-lt"/>
+                            <a:latin typeface="Cambria Math" panose="02040503050406030204" pitchFamily="18" charset="0"/>
                           </a:rPr>
                           <m:t>𝑗</m:t>
                         </m:r>
@@ -9087,22 +9087,22 @@
                   <m:oMath xmlns:m="http://schemas.openxmlformats.org/officeDocument/2006/math">
                     <m:r>
                       <a:rPr lang="ru-RU">
-                        <a:latin typeface="+mn-lt"/>
+                        <a:latin typeface="Cambria Math" panose="02040503050406030204" pitchFamily="18" charset="0"/>
                       </a:rPr>
                       <m:t>&lt;</m:t>
                     </m:r>
                     <m:sSub>
                       <m:sSubPr>
                         <m:ctrlPr>
-                          <a:rPr lang="ru-RU">
-                            <a:latin typeface="+mn-lt"/>
+                          <a:rPr lang="ru-RU" i="1">
+                            <a:latin typeface="Cambria Math" panose="02040503050406030204" pitchFamily="18" charset="0"/>
                           </a:rPr>
                         </m:ctrlPr>
                       </m:sSubPr>
                       <m:e>
                         <m:r>
                           <a:rPr lang="en-US">
-                            <a:latin typeface="+mn-lt"/>
+                            <a:latin typeface="Cambria Math" panose="02040503050406030204" pitchFamily="18" charset="0"/>
                           </a:rPr>
                           <m:t>𝑟</m:t>
                         </m:r>
@@ -9110,7 +9110,7 @@
                       <m:sub>
                         <m:r>
                           <a:rPr lang="en-US">
-                            <a:latin typeface="+mn-lt"/>
+                            <a:latin typeface="Cambria Math" panose="02040503050406030204" pitchFamily="18" charset="0"/>
                           </a:rPr>
                           <m:t>𝑗</m:t>
                         </m:r>
@@ -9118,22 +9118,22 @@
                     </m:sSub>
                     <m:r>
                       <a:rPr lang="ru-RU">
-                        <a:latin typeface="+mn-lt"/>
+                        <a:latin typeface="Cambria Math" panose="02040503050406030204" pitchFamily="18" charset="0"/>
                       </a:rPr>
                       <m:t>, </m:t>
                     </m:r>
                     <m:sSub>
                       <m:sSubPr>
                         <m:ctrlPr>
-                          <a:rPr lang="ru-RU">
-                            <a:latin typeface="+mn-lt"/>
+                          <a:rPr lang="ru-RU" i="1">
+                            <a:latin typeface="Cambria Math" panose="02040503050406030204" pitchFamily="18" charset="0"/>
                           </a:rPr>
                         </m:ctrlPr>
                       </m:sSubPr>
                       <m:e>
                         <m:r>
                           <a:rPr lang="ru-RU">
-                            <a:latin typeface="+mn-lt"/>
+                            <a:latin typeface="Cambria Math" panose="02040503050406030204" pitchFamily="18" charset="0"/>
                           </a:rPr>
                           <m:t>h</m:t>
                         </m:r>
@@ -9141,7 +9141,7 @@
                       <m:sub>
                         <m:r>
                           <a:rPr lang="ru-RU">
-                            <a:latin typeface="+mn-lt"/>
+                            <a:latin typeface="Cambria Math" panose="02040503050406030204" pitchFamily="18" charset="0"/>
                           </a:rPr>
                           <m:t>𝑗</m:t>
                         </m:r>
@@ -9149,15 +9149,15 @@
                     </m:sSub>
                     <m:r>
                       <a:rPr lang="ru-RU">
-                        <a:latin typeface="+mn-lt"/>
+                        <a:latin typeface="Cambria Math" panose="02040503050406030204" pitchFamily="18" charset="0"/>
                       </a:rPr>
                       <m:t>,</m:t>
                     </m:r>
                     <m:sSub>
                       <m:sSubPr>
                         <m:ctrlPr>
-                          <a:rPr lang="ru-RU">
-                            <a:latin typeface="+mn-lt"/>
+                          <a:rPr lang="ru-RU" i="1">
+                            <a:latin typeface="Cambria Math" panose="02040503050406030204" pitchFamily="18" charset="0"/>
                           </a:rPr>
                         </m:ctrlPr>
                       </m:sSubPr>
@@ -9165,15 +9165,15 @@
                         <m:sSub>
                           <m:sSubPr>
                             <m:ctrlPr>
-                              <a:rPr lang="ru-RU">
-                                <a:latin typeface="+mn-lt"/>
+                              <a:rPr lang="ru-RU" i="1">
+                                <a:latin typeface="Cambria Math" panose="02040503050406030204" pitchFamily="18" charset="0"/>
                               </a:rPr>
                             </m:ctrlPr>
                           </m:sSubPr>
                           <m:e>
                             <m:r>
                               <a:rPr lang="en-US">
-                                <a:latin typeface="+mn-lt"/>
+                                <a:latin typeface="Cambria Math" panose="02040503050406030204" pitchFamily="18" charset="0"/>
                               </a:rPr>
                               <m:t>𝑓</m:t>
                             </m:r>
@@ -9181,7 +9181,7 @@
                           <m:sub>
                             <m:r>
                               <a:rPr lang="en-US">
-                                <a:latin typeface="+mn-lt"/>
+                                <a:latin typeface="Cambria Math" panose="02040503050406030204" pitchFamily="18" charset="0"/>
                               </a:rPr>
                               <m:t>𝑗</m:t>
                             </m:r>
@@ -9189,13 +9189,13 @@
                         </m:sSub>
                         <m:r>
                           <a:rPr lang="ru-RU">
-                            <a:latin typeface="+mn-lt"/>
+                            <a:latin typeface="Cambria Math" panose="02040503050406030204" pitchFamily="18" charset="0"/>
                           </a:rPr>
                           <m:t>,</m:t>
                         </m:r>
                         <m:r>
                           <a:rPr lang="en-US">
-                            <a:latin typeface="+mn-lt"/>
+                            <a:latin typeface="Cambria Math" panose="02040503050406030204" pitchFamily="18" charset="0"/>
                           </a:rPr>
                           <m:t>𝑡</m:t>
                         </m:r>
@@ -9203,7 +9203,7 @@
                       <m:sub>
                         <m:r>
                           <a:rPr lang="en-US">
-                            <a:latin typeface="+mn-lt"/>
+                            <a:latin typeface="Cambria Math" panose="02040503050406030204" pitchFamily="18" charset="0"/>
                           </a:rPr>
                           <m:t>𝑗</m:t>
                         </m:r>
@@ -9211,7 +9211,7 @@
                     </m:sSub>
                     <m:r>
                       <a:rPr lang="ru-RU">
-                        <a:latin typeface="+mn-lt"/>
+                        <a:latin typeface="Cambria Math" panose="02040503050406030204" pitchFamily="18" charset="0"/>
                       </a:rPr>
                       <m:t>&gt;</m:t>
                     </m:r>
@@ -9242,15 +9242,15 @@
                     <m:sSub>
                       <m:sSubPr>
                         <m:ctrlPr>
-                          <a:rPr lang="ru-RU">
-                            <a:latin typeface="+mn-lt"/>
+                          <a:rPr lang="ru-RU" i="1">
+                            <a:latin typeface="Cambria Math" panose="02040503050406030204" pitchFamily="18" charset="0"/>
                           </a:rPr>
                         </m:ctrlPr>
                       </m:sSubPr>
                       <m:e>
                         <m:r>
                           <a:rPr lang="en-US">
-                            <a:latin typeface="+mn-lt"/>
+                            <a:latin typeface="Cambria Math" panose="02040503050406030204" pitchFamily="18" charset="0"/>
                           </a:rPr>
                           <m:t>𝑟</m:t>
                         </m:r>
@@ -9258,7 +9258,7 @@
                       <m:sub>
                         <m:r>
                           <a:rPr lang="en-US">
-                            <a:latin typeface="+mn-lt"/>
+                            <a:latin typeface="Cambria Math" panose="02040503050406030204" pitchFamily="18" charset="0"/>
                           </a:rPr>
                           <m:t>𝑗</m:t>
                         </m:r>
@@ -9277,15 +9277,15 @@
                     <m:sSub>
                       <m:sSubPr>
                         <m:ctrlPr>
-                          <a:rPr lang="ru-RU">
-                            <a:latin typeface="+mn-lt"/>
+                          <a:rPr lang="ru-RU" i="1">
+                            <a:latin typeface="Cambria Math" panose="02040503050406030204" pitchFamily="18" charset="0"/>
                           </a:rPr>
                         </m:ctrlPr>
                       </m:sSubPr>
                       <m:e>
                         <m:r>
                           <a:rPr lang="ru-RU">
-                            <a:latin typeface="+mn-lt"/>
+                            <a:latin typeface="Cambria Math" panose="02040503050406030204" pitchFamily="18" charset="0"/>
                           </a:rPr>
                           <m:t>h</m:t>
                         </m:r>
@@ -9293,7 +9293,7 @@
                       <m:sub>
                         <m:r>
                           <a:rPr lang="ru-RU">
-                            <a:latin typeface="+mn-lt"/>
+                            <a:latin typeface="Cambria Math" panose="02040503050406030204" pitchFamily="18" charset="0"/>
                           </a:rPr>
                           <m:t>𝑗</m:t>
                         </m:r>
@@ -9301,7 +9301,7 @@
                     </m:sSub>
                     <m:r>
                       <a:rPr lang="ru-RU">
-                        <a:latin typeface="+mn-lt"/>
+                        <a:latin typeface="Cambria Math" panose="02040503050406030204" pitchFamily="18" charset="0"/>
                       </a:rPr>
                       <m:t> </m:t>
                     </m:r>
@@ -9318,15 +9318,15 @@
                     <m:sSub>
                       <m:sSubPr>
                         <m:ctrlPr>
-                          <a:rPr lang="ru-RU">
-                            <a:latin typeface="+mn-lt"/>
+                          <a:rPr lang="ru-RU" i="1">
+                            <a:latin typeface="Cambria Math" panose="02040503050406030204" pitchFamily="18" charset="0"/>
                           </a:rPr>
                         </m:ctrlPr>
                       </m:sSubPr>
                       <m:e>
                         <m:r>
                           <a:rPr lang="ru-RU">
-                            <a:latin typeface="+mn-lt"/>
+                            <a:latin typeface="Cambria Math" panose="02040503050406030204" pitchFamily="18" charset="0"/>
                           </a:rPr>
                           <m:t>𝑓</m:t>
                         </m:r>
@@ -9334,7 +9334,7 @@
                       <m:sub>
                         <m:r>
                           <a:rPr lang="ru-RU">
-                            <a:latin typeface="+mn-lt"/>
+                            <a:latin typeface="Cambria Math" panose="02040503050406030204" pitchFamily="18" charset="0"/>
                           </a:rPr>
                           <m:t>𝑗</m:t>
                         </m:r>
@@ -9342,7 +9342,7 @@
                     </m:sSub>
                     <m:r>
                       <a:rPr lang="ru-RU">
-                        <a:latin typeface="+mn-lt"/>
+                        <a:latin typeface="Cambria Math" panose="02040503050406030204" pitchFamily="18" charset="0"/>
                       </a:rPr>
                       <m:t> </m:t>
                     </m:r>
@@ -9358,22 +9358,22 @@
                   <m:oMath xmlns:m="http://schemas.openxmlformats.org/officeDocument/2006/math">
                     <m:r>
                       <a:rPr lang="ru-RU">
-                        <a:latin typeface="+mn-lt"/>
+                        <a:latin typeface="Cambria Math" panose="02040503050406030204" pitchFamily="18" charset="0"/>
                       </a:rPr>
                       <m:t> </m:t>
                     </m:r>
                     <m:sSub>
                       <m:sSubPr>
                         <m:ctrlPr>
-                          <a:rPr lang="ru-RU">
-                            <a:latin typeface="+mn-lt"/>
+                          <a:rPr lang="ru-RU" i="1">
+                            <a:latin typeface="Cambria Math" panose="02040503050406030204" pitchFamily="18" charset="0"/>
                           </a:rPr>
                         </m:ctrlPr>
                       </m:sSubPr>
                       <m:e>
                         <m:r>
                           <a:rPr lang="en-US">
-                            <a:latin typeface="+mn-lt"/>
+                            <a:latin typeface="Cambria Math" panose="02040503050406030204" pitchFamily="18" charset="0"/>
                           </a:rPr>
                           <m:t>𝑡</m:t>
                         </m:r>
@@ -9381,7 +9381,7 @@
                       <m:sub>
                         <m:r>
                           <a:rPr lang="en-US">
-                            <a:latin typeface="+mn-lt"/>
+                            <a:latin typeface="Cambria Math" panose="02040503050406030204" pitchFamily="18" charset="0"/>
                           </a:rPr>
                           <m:t>𝑗</m:t>
                         </m:r>
@@ -9399,7 +9399,7 @@
                   <m:oMath xmlns:m="http://schemas.openxmlformats.org/officeDocument/2006/math">
                     <m:r>
                       <a:rPr lang="en-US">
-                        <a:latin typeface="+mn-lt"/>
+                        <a:latin typeface="Cambria Math" panose="02040503050406030204" pitchFamily="18" charset="0"/>
                       </a:rPr>
                       <m:t>𝑗</m:t>
                     </m:r>
@@ -9415,7 +9415,7 @@
             </p:txBody>
           </p:sp>
         </mc:Choice>
-        <mc:Fallback>
+        <mc:Fallback xmlns="">
           <p:sp>
             <p:nvSpPr>
               <p:cNvPr id="6" name="TextBox 5">
@@ -9460,8 +9460,8 @@
           </p:sp>
         </mc:Fallback>
       </mc:AlternateContent>
-      <mc:AlternateContent xmlns:mc="http://schemas.openxmlformats.org/markup-compatibility/2006">
-        <mc:Choice xmlns:a14="http://schemas.microsoft.com/office/drawing/2010/main" Requires="a14">
+      <mc:AlternateContent xmlns:mc="http://schemas.openxmlformats.org/markup-compatibility/2006" xmlns:a14="http://schemas.microsoft.com/office/drawing/2010/main">
+        <mc:Choice Requires="a14">
           <p:sp>
             <p:nvSpPr>
               <p:cNvPr id="8" name="TextBox 7">
@@ -9506,15 +9506,15 @@
                     <m:sSub>
                       <m:sSubPr>
                         <m:ctrlPr>
-                          <a:rPr lang="ru-RU">
-                            <a:latin typeface="+mn-lt"/>
+                          <a:rPr lang="ru-RU" i="1">
+                            <a:latin typeface="Cambria Math" panose="02040503050406030204" pitchFamily="18" charset="0"/>
                           </a:rPr>
                         </m:ctrlPr>
                       </m:sSubPr>
                       <m:e>
                         <m:r>
                           <a:rPr lang="en-US">
-                            <a:latin typeface="+mn-lt"/>
+                            <a:latin typeface="Cambria Math" panose="02040503050406030204" pitchFamily="18" charset="0"/>
                           </a:rPr>
                           <m:t>𝑐</m:t>
                         </m:r>
@@ -9522,7 +9522,7 @@
                       <m:sub>
                         <m:r>
                           <a:rPr lang="en-US">
-                            <a:latin typeface="+mn-lt"/>
+                            <a:latin typeface="Cambria Math" panose="02040503050406030204" pitchFamily="18" charset="0"/>
                           </a:rPr>
                           <m:t>𝑖</m:t>
                         </m:r>
@@ -9553,15 +9553,15 @@
                   <m:oMath xmlns:m="http://schemas.openxmlformats.org/officeDocument/2006/math">
                     <m:r>
                       <a:rPr lang="ru-RU">
-                        <a:latin typeface="+mn-lt"/>
+                        <a:latin typeface="Cambria Math" panose="02040503050406030204" pitchFamily="18" charset="0"/>
                       </a:rPr>
                       <m:t>&lt;</m:t>
                     </m:r>
                     <m:sSub>
                       <m:sSubPr>
                         <m:ctrlPr>
-                          <a:rPr lang="ru-RU">
-                            <a:latin typeface="+mn-lt"/>
+                          <a:rPr lang="ru-RU" i="1">
+                            <a:latin typeface="Cambria Math" panose="02040503050406030204" pitchFamily="18" charset="0"/>
                           </a:rPr>
                         </m:ctrlPr>
                       </m:sSubPr>
@@ -9570,15 +9570,15 @@
                           <m:accPr>
                             <m:chr m:val="̇"/>
                             <m:ctrlPr>
-                              <a:rPr lang="ru-RU">
-                                <a:latin typeface="+mn-lt"/>
+                              <a:rPr lang="ru-RU" i="1">
+                                <a:latin typeface="Cambria Math" panose="02040503050406030204" pitchFamily="18" charset="0"/>
                               </a:rPr>
                             </m:ctrlPr>
                           </m:accPr>
                           <m:e>
                             <m:r>
                               <a:rPr lang="ru-RU">
-                                <a:latin typeface="+mn-lt"/>
+                                <a:latin typeface="Cambria Math" panose="02040503050406030204" pitchFamily="18" charset="0"/>
                               </a:rPr>
                               <m:t>𝑟</m:t>
                             </m:r>
@@ -9588,7 +9588,7 @@
                       <m:sub>
                         <m:r>
                           <a:rPr lang="ru-RU">
-                            <a:latin typeface="+mn-lt"/>
+                            <a:latin typeface="Cambria Math" panose="02040503050406030204" pitchFamily="18" charset="0"/>
                           </a:rPr>
                           <m:t>𝑖</m:t>
                         </m:r>
@@ -9596,7 +9596,7 @@
                     </m:sSub>
                     <m:r>
                       <a:rPr lang="ru-RU">
-                        <a:latin typeface="+mn-lt"/>
+                        <a:latin typeface="Cambria Math" panose="02040503050406030204" pitchFamily="18" charset="0"/>
                       </a:rPr>
                       <m:t>,</m:t>
                     </m:r>
@@ -9604,8 +9604,8 @@
                       <m:accPr>
                         <m:chr m:val="̈"/>
                         <m:ctrlPr>
-                          <a:rPr lang="ru-RU">
-                            <a:latin typeface="+mn-lt"/>
+                          <a:rPr lang="ru-RU" i="1">
+                            <a:latin typeface="Cambria Math" panose="02040503050406030204" pitchFamily="18" charset="0"/>
                           </a:rPr>
                         </m:ctrlPr>
                       </m:accPr>
@@ -9613,15 +9613,15 @@
                         <m:sSub>
                           <m:sSubPr>
                             <m:ctrlPr>
-                              <a:rPr lang="ru-RU">
-                                <a:latin typeface="+mn-lt"/>
+                              <a:rPr lang="ru-RU" i="1">
+                                <a:latin typeface="Cambria Math" panose="02040503050406030204" pitchFamily="18" charset="0"/>
                               </a:rPr>
                             </m:ctrlPr>
                           </m:sSubPr>
                           <m:e>
                             <m:r>
                               <a:rPr lang="ru-RU">
-                                <a:latin typeface="+mn-lt"/>
+                                <a:latin typeface="Cambria Math" panose="02040503050406030204" pitchFamily="18" charset="0"/>
                               </a:rPr>
                               <m:t>𝑟</m:t>
                             </m:r>
@@ -9629,7 +9629,7 @@
                           <m:sub>
                             <m:r>
                               <a:rPr lang="ru-RU">
-                                <a:latin typeface="+mn-lt"/>
+                                <a:latin typeface="Cambria Math" panose="02040503050406030204" pitchFamily="18" charset="0"/>
                               </a:rPr>
                               <m:t>𝑖</m:t>
                             </m:r>
@@ -9639,15 +9639,15 @@
                     </m:acc>
                     <m:r>
                       <a:rPr lang="ru-RU">
-                        <a:latin typeface="+mn-lt"/>
+                        <a:latin typeface="Cambria Math" panose="02040503050406030204" pitchFamily="18" charset="0"/>
                       </a:rPr>
                       <m:t>, </m:t>
                     </m:r>
                     <m:sSub>
                       <m:sSubPr>
                         <m:ctrlPr>
-                          <a:rPr lang="ru-RU">
-                            <a:latin typeface="+mn-lt"/>
+                          <a:rPr lang="ru-RU" i="1">
+                            <a:latin typeface="Cambria Math" panose="02040503050406030204" pitchFamily="18" charset="0"/>
                           </a:rPr>
                         </m:ctrlPr>
                       </m:sSubPr>
@@ -9656,15 +9656,15 @@
                           <m:accPr>
                             <m:chr m:val="̇"/>
                             <m:ctrlPr>
-                              <a:rPr lang="ru-RU">
-                                <a:latin typeface="+mn-lt"/>
+                              <a:rPr lang="ru-RU" i="1">
+                                <a:latin typeface="Cambria Math" panose="02040503050406030204" pitchFamily="18" charset="0"/>
                               </a:rPr>
                             </m:ctrlPr>
                           </m:accPr>
                           <m:e>
                             <m:r>
                               <a:rPr lang="ru-RU">
-                                <a:latin typeface="+mn-lt"/>
+                                <a:latin typeface="Cambria Math" panose="02040503050406030204" pitchFamily="18" charset="0"/>
                               </a:rPr>
                               <m:t>h</m:t>
                             </m:r>
@@ -9674,7 +9674,7 @@
                       <m:sub>
                         <m:r>
                           <a:rPr lang="ru-RU">
-                            <a:latin typeface="+mn-lt"/>
+                            <a:latin typeface="Cambria Math" panose="02040503050406030204" pitchFamily="18" charset="0"/>
                           </a:rPr>
                           <m:t>𝑖</m:t>
                         </m:r>
@@ -9682,15 +9682,15 @@
                     </m:sSub>
                     <m:r>
                       <a:rPr lang="ru-RU">
-                        <a:latin typeface="+mn-lt"/>
+                        <a:latin typeface="Cambria Math" panose="02040503050406030204" pitchFamily="18" charset="0"/>
                       </a:rPr>
                       <m:t>,</m:t>
                     </m:r>
                     <m:sSub>
                       <m:sSubPr>
                         <m:ctrlPr>
-                          <a:rPr lang="ru-RU">
-                            <a:latin typeface="+mn-lt"/>
+                          <a:rPr lang="ru-RU" i="1">
+                            <a:latin typeface="Cambria Math" panose="02040503050406030204" pitchFamily="18" charset="0"/>
                           </a:rPr>
                         </m:ctrlPr>
                       </m:sSubPr>
@@ -9699,15 +9699,15 @@
                           <m:accPr>
                             <m:chr m:val="̈"/>
                             <m:ctrlPr>
-                              <a:rPr lang="ru-RU">
-                                <a:latin typeface="+mn-lt"/>
+                              <a:rPr lang="ru-RU" i="1">
+                                <a:latin typeface="Cambria Math" panose="02040503050406030204" pitchFamily="18" charset="0"/>
                               </a:rPr>
                             </m:ctrlPr>
                           </m:accPr>
                           <m:e>
                             <m:r>
                               <a:rPr lang="ru-RU">
-                                <a:latin typeface="+mn-lt"/>
+                                <a:latin typeface="Cambria Math" panose="02040503050406030204" pitchFamily="18" charset="0"/>
                               </a:rPr>
                               <m:t>h</m:t>
                             </m:r>
@@ -9717,7 +9717,7 @@
                       <m:sub>
                         <m:r>
                           <a:rPr lang="en-US">
-                            <a:latin typeface="+mn-lt"/>
+                            <a:latin typeface="Cambria Math" panose="02040503050406030204" pitchFamily="18" charset="0"/>
                           </a:rPr>
                           <m:t>𝑖</m:t>
                         </m:r>
@@ -9725,15 +9725,15 @@
                     </m:sSub>
                     <m:r>
                       <a:rPr lang="ru-RU">
-                        <a:latin typeface="+mn-lt"/>
+                        <a:latin typeface="Cambria Math" panose="02040503050406030204" pitchFamily="18" charset="0"/>
                       </a:rPr>
                       <m:t>,</m:t>
                     </m:r>
                     <m:sSub>
                       <m:sSubPr>
                         <m:ctrlPr>
-                          <a:rPr lang="ru-RU">
-                            <a:latin typeface="+mn-lt"/>
+                          <a:rPr lang="ru-RU" i="1">
+                            <a:latin typeface="Cambria Math" panose="02040503050406030204" pitchFamily="18" charset="0"/>
                           </a:rPr>
                         </m:ctrlPr>
                       </m:sSubPr>
@@ -9742,15 +9742,15 @@
                           <m:accPr>
                             <m:chr m:val="̇"/>
                             <m:ctrlPr>
-                              <a:rPr lang="ru-RU">
-                                <a:latin typeface="+mn-lt"/>
+                              <a:rPr lang="ru-RU" i="1">
+                                <a:latin typeface="Cambria Math" panose="02040503050406030204" pitchFamily="18" charset="0"/>
                               </a:rPr>
                             </m:ctrlPr>
                           </m:accPr>
                           <m:e>
                             <m:r>
                               <a:rPr lang="en-US">
-                                <a:latin typeface="+mn-lt"/>
+                                <a:latin typeface="Cambria Math" panose="02040503050406030204" pitchFamily="18" charset="0"/>
                               </a:rPr>
                               <m:t>𝑓</m:t>
                             </m:r>
@@ -9760,7 +9760,7 @@
                       <m:sub>
                         <m:r>
                           <a:rPr lang="ru-RU">
-                            <a:latin typeface="+mn-lt"/>
+                            <a:latin typeface="Cambria Math" panose="02040503050406030204" pitchFamily="18" charset="0"/>
                           </a:rPr>
                           <m:t>𝑖</m:t>
                         </m:r>
@@ -9768,22 +9768,22 @@
                     </m:sSub>
                     <m:r>
                       <a:rPr lang="ru-RU">
-                        <a:latin typeface="+mn-lt"/>
+                        <a:latin typeface="Cambria Math" panose="02040503050406030204" pitchFamily="18" charset="0"/>
                       </a:rPr>
                       <m:t>,</m:t>
                     </m:r>
                     <m:sSub>
                       <m:sSubPr>
                         <m:ctrlPr>
-                          <a:rPr lang="ru-RU">
-                            <a:latin typeface="+mn-lt"/>
+                          <a:rPr lang="ru-RU" i="1">
+                            <a:latin typeface="Cambria Math" panose="02040503050406030204" pitchFamily="18" charset="0"/>
                           </a:rPr>
                         </m:ctrlPr>
                       </m:sSubPr>
                       <m:e>
                         <m:r>
                           <a:rPr lang="ru-RU">
-                            <a:latin typeface="+mn-lt"/>
+                            <a:latin typeface="Cambria Math" panose="02040503050406030204" pitchFamily="18" charset="0"/>
                           </a:rPr>
                           <m:t>𝑡</m:t>
                         </m:r>
@@ -9791,7 +9791,7 @@
                       <m:sub>
                         <m:r>
                           <a:rPr lang="ru-RU">
-                            <a:latin typeface="+mn-lt"/>
+                            <a:latin typeface="Cambria Math" panose="02040503050406030204" pitchFamily="18" charset="0"/>
                           </a:rPr>
                           <m:t>𝑖</m:t>
                         </m:r>
@@ -9799,7 +9799,7 @@
                     </m:sSub>
                     <m:r>
                       <a:rPr lang="ru-RU">
-                        <a:latin typeface="+mn-lt"/>
+                        <a:latin typeface="Cambria Math" panose="02040503050406030204" pitchFamily="18" charset="0"/>
                       </a:rPr>
                       <m:t>&gt;</m:t>
                     </m:r>
@@ -9830,8 +9830,8 @@
                     <m:sSub>
                       <m:sSubPr>
                         <m:ctrlPr>
-                          <a:rPr lang="ru-RU">
-                            <a:latin typeface="+mn-lt"/>
+                          <a:rPr lang="ru-RU" i="1">
+                            <a:latin typeface="Cambria Math" panose="02040503050406030204" pitchFamily="18" charset="0"/>
                           </a:rPr>
                         </m:ctrlPr>
                       </m:sSubPr>
@@ -9840,15 +9840,15 @@
                           <m:accPr>
                             <m:chr m:val="̇"/>
                             <m:ctrlPr>
-                              <a:rPr lang="ru-RU">
-                                <a:latin typeface="+mn-lt"/>
+                              <a:rPr lang="ru-RU" i="1">
+                                <a:latin typeface="Cambria Math" panose="02040503050406030204" pitchFamily="18" charset="0"/>
                               </a:rPr>
                             </m:ctrlPr>
                           </m:accPr>
                           <m:e>
                             <m:r>
                               <a:rPr lang="ru-RU">
-                                <a:latin typeface="+mn-lt"/>
+                                <a:latin typeface="Cambria Math" panose="02040503050406030204" pitchFamily="18" charset="0"/>
                               </a:rPr>
                               <m:t>𝑟</m:t>
                             </m:r>
@@ -9858,7 +9858,7 @@
                       <m:sub>
                         <m:r>
                           <a:rPr lang="ru-RU">
-                            <a:latin typeface="+mn-lt"/>
+                            <a:latin typeface="Cambria Math" panose="02040503050406030204" pitchFamily="18" charset="0"/>
                           </a:rPr>
                           <m:t>𝑖</m:t>
                         </m:r>
@@ -9878,8 +9878,8 @@
                       <m:accPr>
                         <m:chr m:val="̈"/>
                         <m:ctrlPr>
-                          <a:rPr lang="ru-RU">
-                            <a:latin typeface="+mn-lt"/>
+                          <a:rPr lang="ru-RU" i="1">
+                            <a:latin typeface="Cambria Math" panose="02040503050406030204" pitchFamily="18" charset="0"/>
                           </a:rPr>
                         </m:ctrlPr>
                       </m:accPr>
@@ -9887,15 +9887,15 @@
                         <m:sSub>
                           <m:sSubPr>
                             <m:ctrlPr>
-                              <a:rPr lang="ru-RU">
-                                <a:latin typeface="+mn-lt"/>
+                              <a:rPr lang="ru-RU" i="1">
+                                <a:latin typeface="Cambria Math" panose="02040503050406030204" pitchFamily="18" charset="0"/>
                               </a:rPr>
                             </m:ctrlPr>
                           </m:sSubPr>
                           <m:e>
                             <m:r>
                               <a:rPr lang="ru-RU">
-                                <a:latin typeface="+mn-lt"/>
+                                <a:latin typeface="Cambria Math" panose="02040503050406030204" pitchFamily="18" charset="0"/>
                               </a:rPr>
                               <m:t>𝑟</m:t>
                             </m:r>
@@ -9903,7 +9903,7 @@
                           <m:sub>
                             <m:r>
                               <a:rPr lang="ru-RU">
-                                <a:latin typeface="+mn-lt"/>
+                                <a:latin typeface="Cambria Math" panose="02040503050406030204" pitchFamily="18" charset="0"/>
                               </a:rPr>
                               <m:t>𝑖</m:t>
                             </m:r>
@@ -9924,8 +9924,8 @@
                     <m:sSub>
                       <m:sSubPr>
                         <m:ctrlPr>
-                          <a:rPr lang="ru-RU">
-                            <a:latin typeface="+mn-lt"/>
+                          <a:rPr lang="ru-RU" i="1">
+                            <a:latin typeface="Cambria Math" panose="02040503050406030204" pitchFamily="18" charset="0"/>
                           </a:rPr>
                         </m:ctrlPr>
                       </m:sSubPr>
@@ -9934,15 +9934,15 @@
                           <m:accPr>
                             <m:chr m:val="̇"/>
                             <m:ctrlPr>
-                              <a:rPr lang="ru-RU">
-                                <a:latin typeface="+mn-lt"/>
+                              <a:rPr lang="ru-RU" i="1">
+                                <a:latin typeface="Cambria Math" panose="02040503050406030204" pitchFamily="18" charset="0"/>
                               </a:rPr>
                             </m:ctrlPr>
                           </m:accPr>
                           <m:e>
                             <m:r>
                               <a:rPr lang="ru-RU">
-                                <a:latin typeface="+mn-lt"/>
+                                <a:latin typeface="Cambria Math" panose="02040503050406030204" pitchFamily="18" charset="0"/>
                               </a:rPr>
                               <m:t>h</m:t>
                             </m:r>
@@ -9952,7 +9952,7 @@
                       <m:sub>
                         <m:r>
                           <a:rPr lang="ru-RU">
-                            <a:latin typeface="+mn-lt"/>
+                            <a:latin typeface="Cambria Math" panose="02040503050406030204" pitchFamily="18" charset="0"/>
                           </a:rPr>
                           <m:t>𝑖</m:t>
                         </m:r>
@@ -9960,7 +9960,7 @@
                     </m:sSub>
                     <m:r>
                       <a:rPr lang="ru-RU">
-                        <a:latin typeface="+mn-lt"/>
+                        <a:latin typeface="Cambria Math" panose="02040503050406030204" pitchFamily="18" charset="0"/>
                       </a:rPr>
                       <m:t> </m:t>
                     </m:r>
@@ -9977,8 +9977,8 @@
                     <m:sSub>
                       <m:sSubPr>
                         <m:ctrlPr>
-                          <a:rPr lang="ru-RU">
-                            <a:latin typeface="+mn-lt"/>
+                          <a:rPr lang="ru-RU" i="1">
+                            <a:latin typeface="Cambria Math" panose="02040503050406030204" pitchFamily="18" charset="0"/>
                           </a:rPr>
                         </m:ctrlPr>
                       </m:sSubPr>
@@ -9987,15 +9987,15 @@
                           <m:accPr>
                             <m:chr m:val="̈"/>
                             <m:ctrlPr>
-                              <a:rPr lang="ru-RU">
-                                <a:latin typeface="+mn-lt"/>
+                              <a:rPr lang="ru-RU" i="1">
+                                <a:latin typeface="Cambria Math" panose="02040503050406030204" pitchFamily="18" charset="0"/>
                               </a:rPr>
                             </m:ctrlPr>
                           </m:accPr>
                           <m:e>
                             <m:r>
                               <a:rPr lang="ru-RU">
-                                <a:latin typeface="+mn-lt"/>
+                                <a:latin typeface="Cambria Math" panose="02040503050406030204" pitchFamily="18" charset="0"/>
                               </a:rPr>
                               <m:t>h</m:t>
                             </m:r>
@@ -10005,7 +10005,7 @@
                       <m:sub>
                         <m:r>
                           <a:rPr lang="en-US">
-                            <a:latin typeface="+mn-lt"/>
+                            <a:latin typeface="Cambria Math" panose="02040503050406030204" pitchFamily="18" charset="0"/>
                           </a:rPr>
                           <m:t>𝑖</m:t>
                         </m:r>
@@ -10013,7 +10013,7 @@
                     </m:sSub>
                     <m:r>
                       <a:rPr lang="en-US">
-                        <a:latin typeface="+mn-lt"/>
+                        <a:latin typeface="Cambria Math" panose="02040503050406030204" pitchFamily="18" charset="0"/>
                       </a:rPr>
                       <m:t> </m:t>
                     </m:r>
@@ -10030,8 +10030,8 @@
                     <m:sSub>
                       <m:sSubPr>
                         <m:ctrlPr>
-                          <a:rPr lang="ru-RU">
-                            <a:latin typeface="+mn-lt"/>
+                          <a:rPr lang="ru-RU" i="1">
+                            <a:latin typeface="Cambria Math" panose="02040503050406030204" pitchFamily="18" charset="0"/>
                           </a:rPr>
                         </m:ctrlPr>
                       </m:sSubPr>
@@ -10040,15 +10040,15 @@
                           <m:accPr>
                             <m:chr m:val="̇"/>
                             <m:ctrlPr>
-                              <a:rPr lang="ru-RU">
-                                <a:latin typeface="+mn-lt"/>
+                              <a:rPr lang="ru-RU" i="1">
+                                <a:latin typeface="Cambria Math" panose="02040503050406030204" pitchFamily="18" charset="0"/>
                               </a:rPr>
                             </m:ctrlPr>
                           </m:accPr>
                           <m:e>
                             <m:r>
                               <a:rPr lang="en-US">
-                                <a:latin typeface="+mn-lt"/>
+                                <a:latin typeface="Cambria Math" panose="02040503050406030204" pitchFamily="18" charset="0"/>
                               </a:rPr>
                               <m:t>𝑓</m:t>
                             </m:r>
@@ -10058,7 +10058,7 @@
                       <m:sub>
                         <m:r>
                           <a:rPr lang="ru-RU">
-                            <a:latin typeface="+mn-lt"/>
+                            <a:latin typeface="Cambria Math" panose="02040503050406030204" pitchFamily="18" charset="0"/>
                           </a:rPr>
                           <m:t>𝑖</m:t>
                         </m:r>
@@ -10066,7 +10066,7 @@
                     </m:sSub>
                     <m:r>
                       <a:rPr lang="ru-RU">
-                        <a:latin typeface="+mn-lt"/>
+                        <a:latin typeface="Cambria Math" panose="02040503050406030204" pitchFamily="18" charset="0"/>
                       </a:rPr>
                       <m:t> </m:t>
                     </m:r>
@@ -10083,15 +10083,15 @@
                     <m:sSub>
                       <m:sSubPr>
                         <m:ctrlPr>
-                          <a:rPr lang="ru-RU">
-                            <a:latin typeface="+mn-lt"/>
+                          <a:rPr lang="ru-RU" i="1">
+                            <a:latin typeface="Cambria Math" panose="02040503050406030204" pitchFamily="18" charset="0"/>
                           </a:rPr>
                         </m:ctrlPr>
                       </m:sSubPr>
                       <m:e>
                         <m:r>
                           <a:rPr lang="en-US">
-                            <a:latin typeface="+mn-lt"/>
+                            <a:latin typeface="Cambria Math" panose="02040503050406030204" pitchFamily="18" charset="0"/>
                           </a:rPr>
                           <m:t>𝑡</m:t>
                         </m:r>
@@ -10099,7 +10099,7 @@
                       <m:sub>
                         <m:r>
                           <a:rPr lang="en-US">
-                            <a:latin typeface="+mn-lt"/>
+                            <a:latin typeface="Cambria Math" panose="02040503050406030204" pitchFamily="18" charset="0"/>
                           </a:rPr>
                           <m:t>𝑖</m:t>
                         </m:r>
@@ -10117,7 +10117,7 @@
             </p:txBody>
           </p:sp>
         </mc:Choice>
-        <mc:Fallback>
+        <mc:Fallback xmlns="">
           <p:sp>
             <p:nvSpPr>
               <p:cNvPr id="8" name="TextBox 7">
@@ -10424,13 +10424,8 @@
           <a:p>
             <a:r>
               <a:rPr lang="ru-RU" dirty="0"/>
-              <a:t>Блок –схема алгоритма </a:t>
+              <a:t>Симулятор инфраструктуры</a:t>
             </a:r>
-            <a:r>
-              <a:rPr lang="en-US" dirty="0"/>
-              <a:t>BFD</a:t>
-            </a:r>
-            <a:endParaRPr lang="ru-RU" dirty="0"/>
           </a:p>
         </p:txBody>
       </p:sp>
@@ -10458,6 +10453,122 @@
                 <a:defRPr/>
               </a:pPr>
               <a:t>13</a:t>
+            </a:fld>
+            <a:endParaRPr lang="ru-RU" altLang="ru-RU"/>
+          </a:p>
+        </p:txBody>
+      </p:sp>
+      <p:pic>
+        <p:nvPicPr>
+          <p:cNvPr id="6" name="Рисунок 5">
+            <a:extLst>
+              <a:ext uri="{FF2B5EF4-FFF2-40B4-BE49-F238E27FC236}">
+                <a16:creationId xmlns:a16="http://schemas.microsoft.com/office/drawing/2014/main" id="{A76CBDE6-CC08-4615-A9E8-E2EFD7CE495F}"/>
+              </a:ext>
+            </a:extLst>
+          </p:cNvPr>
+          <p:cNvPicPr>
+            <a:picLocks noChangeAspect="1"/>
+          </p:cNvPicPr>
+          <p:nvPr/>
+        </p:nvPicPr>
+        <p:blipFill>
+          <a:blip r:embed="rId2"/>
+          <a:stretch>
+            <a:fillRect/>
+          </a:stretch>
+        </p:blipFill>
+        <p:spPr>
+          <a:xfrm>
+            <a:off x="272785" y="2884789"/>
+            <a:ext cx="9360430" cy="1088422"/>
+          </a:xfrm>
+          <a:prstGeom prst="rect">
+            <a:avLst/>
+          </a:prstGeom>
+        </p:spPr>
+      </p:pic>
+    </p:spTree>
+    <p:extLst>
+      <p:ext uri="{BB962C8B-B14F-4D97-AF65-F5344CB8AC3E}">
+        <p14:creationId xmlns:p14="http://schemas.microsoft.com/office/powerpoint/2010/main" val="1002546162"/>
+      </p:ext>
+    </p:extLst>
+  </p:cSld>
+  <p:clrMapOvr>
+    <a:masterClrMapping/>
+  </p:clrMapOvr>
+</p:sld>
+</file>
+
+<file path=ppt/slides/slide14.xml><?xml version="1.0" encoding="utf-8"?>
+<p:sld xmlns:a="http://schemas.openxmlformats.org/drawingml/2006/main" xmlns:r="http://schemas.openxmlformats.org/officeDocument/2006/relationships" xmlns:p="http://schemas.openxmlformats.org/presentationml/2006/main">
+  <p:cSld>
+    <p:spTree>
+      <p:nvGrpSpPr>
+        <p:cNvPr id="1" name=""/>
+        <p:cNvGrpSpPr/>
+        <p:nvPr/>
+      </p:nvGrpSpPr>
+      <p:grpSpPr>
+        <a:xfrm>
+          <a:off x="0" y="0"/>
+          <a:ext cx="0" cy="0"/>
+          <a:chOff x="0" y="0"/>
+          <a:chExt cx="0" cy="0"/>
+        </a:xfrm>
+      </p:grpSpPr>
+      <p:sp>
+        <p:nvSpPr>
+          <p:cNvPr id="2" name="Заголовок 1"/>
+          <p:cNvSpPr>
+            <a:spLocks noGrp="1"/>
+          </p:cNvSpPr>
+          <p:nvPr>
+            <p:ph type="title"/>
+          </p:nvPr>
+        </p:nvSpPr>
+        <p:spPr/>
+        <p:txBody>
+          <a:bodyPr/>
+          <a:lstStyle/>
+          <a:p>
+            <a:r>
+              <a:rPr lang="ru-RU" dirty="0"/>
+              <a:t>Блок –схема алгоритма </a:t>
+            </a:r>
+            <a:r>
+              <a:rPr lang="en-US" dirty="0"/>
+              <a:t>BFD</a:t>
+            </a:r>
+            <a:endParaRPr lang="ru-RU" dirty="0"/>
+          </a:p>
+        </p:txBody>
+      </p:sp>
+      <p:sp>
+        <p:nvSpPr>
+          <p:cNvPr id="4" name="Номер слайда 3"/>
+          <p:cNvSpPr>
+            <a:spLocks noGrp="1"/>
+          </p:cNvSpPr>
+          <p:nvPr>
+            <p:ph type="sldNum" sz="quarter" idx="12"/>
+          </p:nvPr>
+        </p:nvSpPr>
+        <p:spPr/>
+        <p:txBody>
+          <a:bodyPr/>
+          <a:lstStyle/>
+          <a:p>
+            <a:pPr>
+              <a:defRPr/>
+            </a:pPr>
+            <a:fld id="{21BDEC18-8067-4417-9D22-B28DB0185129}" type="slidenum">
+              <a:rPr lang="ru-RU" altLang="ru-RU" smtClean="0"/>
+              <a:pPr>
+                <a:defRPr/>
+              </a:pPr>
+              <a:t>14</a:t>
             </a:fld>
             <a:endParaRPr lang="ru-RU" altLang="ru-RU"/>
           </a:p>
@@ -10506,7 +10617,7 @@
 </p:sld>
 </file>
 
-<file path=ppt/slides/slide14.xml><?xml version="1.0" encoding="utf-8"?>
+<file path=ppt/slides/slide15.xml><?xml version="1.0" encoding="utf-8"?>
 <p:sld xmlns:a="http://schemas.openxmlformats.org/drawingml/2006/main" xmlns:r="http://schemas.openxmlformats.org/officeDocument/2006/relationships" xmlns:p="http://schemas.openxmlformats.org/presentationml/2006/main">
   <p:cSld>
     <p:spTree>
@@ -10568,7 +10679,7 @@
               <a:pPr>
                 <a:defRPr/>
               </a:pPr>
-              <a:t>14</a:t>
+              <a:t>15</a:t>
             </a:fld>
             <a:endParaRPr lang="ru-RU" altLang="ru-RU"/>
           </a:p>
@@ -10617,7 +10728,7 @@
 </p:sld>
 </file>
 
-<file path=ppt/slides/slide15.xml><?xml version="1.0" encoding="utf-8"?>
+<file path=ppt/slides/slide16.xml><?xml version="1.0" encoding="utf-8"?>
 <p:sld xmlns:a="http://schemas.openxmlformats.org/drawingml/2006/main" xmlns:r="http://schemas.openxmlformats.org/officeDocument/2006/relationships" xmlns:p="http://schemas.openxmlformats.org/presentationml/2006/main">
   <p:cSld>
     <p:spTree>
@@ -10662,8 +10773,8 @@
           </a:p>
         </p:txBody>
       </p:sp>
-      <mc:AlternateContent xmlns:mc="http://schemas.openxmlformats.org/markup-compatibility/2006">
-        <mc:Choice xmlns:a14="http://schemas.microsoft.com/office/drawing/2010/main" Requires="a14">
+      <mc:AlternateContent xmlns:mc="http://schemas.openxmlformats.org/markup-compatibility/2006" xmlns:a14="http://schemas.microsoft.com/office/drawing/2010/main">
+        <mc:Choice Requires="a14">
           <p:sp>
             <p:nvSpPr>
               <p:cNvPr id="3" name="Объект 2">
@@ -10699,253 +10810,343 @@
                 <a14:m>
                   <m:oMath xmlns:m="http://schemas.openxmlformats.org/officeDocument/2006/math">
                     <m:r>
-                      <a:rPr lang="en-US" i="1"/>
+                      <a:rPr lang="en-US" i="1">
+                        <a:latin typeface="Cambria Math" panose="02040503050406030204" pitchFamily="18" charset="0"/>
+                      </a:rPr>
                       <m:t>𝐸</m:t>
                     </m:r>
                     <m:r>
-                      <a:rPr lang="ru-RU" i="1"/>
+                      <a:rPr lang="ru-RU" i="1">
+                        <a:latin typeface="Cambria Math" panose="02040503050406030204" pitchFamily="18" charset="0"/>
+                      </a:rPr>
                       <m:t> =−(</m:t>
                     </m:r>
                     <m:sSub>
                       <m:sSubPr>
                         <m:ctrlPr>
-                          <a:rPr lang="ru-RU" i="1"/>
+                          <a:rPr lang="ru-RU" i="1">
+                            <a:latin typeface="Cambria Math" panose="02040503050406030204" pitchFamily="18" charset="0"/>
+                          </a:rPr>
                         </m:ctrlPr>
                       </m:sSubPr>
                       <m:e>
                         <m:r>
-                          <a:rPr lang="en-US" i="1"/>
+                          <a:rPr lang="en-US" i="1">
+                            <a:latin typeface="Cambria Math" panose="02040503050406030204" pitchFamily="18" charset="0"/>
+                          </a:rPr>
                           <m:t>𝑆</m:t>
                         </m:r>
                       </m:e>
                       <m:sub>
                         <m:r>
-                          <a:rPr lang="en-US" i="1"/>
+                          <a:rPr lang="en-US" i="1">
+                            <a:latin typeface="Cambria Math" panose="02040503050406030204" pitchFamily="18" charset="0"/>
+                          </a:rPr>
                           <m:t>𝑓</m:t>
                         </m:r>
                       </m:sub>
                     </m:sSub>
                     <m:r>
-                      <a:rPr lang="ru-RU" i="1"/>
+                      <a:rPr lang="ru-RU" i="1">
+                        <a:latin typeface="Cambria Math" panose="02040503050406030204" pitchFamily="18" charset="0"/>
+                      </a:rPr>
                       <m:t> ∗ </m:t>
                     </m:r>
                     <m:sSub>
                       <m:sSubPr>
                         <m:ctrlPr>
-                          <a:rPr lang="ru-RU" i="1"/>
+                          <a:rPr lang="ru-RU" i="1">
+                            <a:latin typeface="Cambria Math" panose="02040503050406030204" pitchFamily="18" charset="0"/>
+                          </a:rPr>
                         </m:ctrlPr>
                       </m:sSubPr>
                       <m:e>
                         <m:r>
-                          <a:rPr lang="en-US" i="1"/>
+                          <a:rPr lang="en-US" i="1">
+                            <a:latin typeface="Cambria Math" panose="02040503050406030204" pitchFamily="18" charset="0"/>
+                          </a:rPr>
                           <m:t>𝑘</m:t>
                         </m:r>
                       </m:e>
                       <m:sub>
                         <m:r>
-                          <a:rPr lang="ru-RU" i="1"/>
+                          <a:rPr lang="ru-RU" i="1">
+                            <a:latin typeface="Cambria Math" panose="02040503050406030204" pitchFamily="18" charset="0"/>
+                          </a:rPr>
                           <m:t>1</m:t>
                         </m:r>
                       </m:sub>
                     </m:sSub>
                     <m:r>
-                      <a:rPr lang="ru-RU" i="1"/>
+                      <a:rPr lang="ru-RU" i="1">
+                        <a:latin typeface="Cambria Math" panose="02040503050406030204" pitchFamily="18" charset="0"/>
+                      </a:rPr>
                       <m:t> + </m:t>
                     </m:r>
                     <m:sSub>
                       <m:sSubPr>
                         <m:ctrlPr>
-                          <a:rPr lang="ru-RU" i="1"/>
+                          <a:rPr lang="ru-RU" i="1">
+                            <a:latin typeface="Cambria Math" panose="02040503050406030204" pitchFamily="18" charset="0"/>
+                          </a:rPr>
                         </m:ctrlPr>
                       </m:sSubPr>
                       <m:e>
                         <m:r>
-                          <a:rPr lang="en-US" i="1"/>
+                          <a:rPr lang="en-US" i="1">
+                            <a:latin typeface="Cambria Math" panose="02040503050406030204" pitchFamily="18" charset="0"/>
+                          </a:rPr>
                           <m:t>𝐻</m:t>
                         </m:r>
                       </m:e>
                       <m:sub>
                         <m:r>
-                          <a:rPr lang="en-US" i="1"/>
+                          <a:rPr lang="en-US" i="1">
+                            <a:latin typeface="Cambria Math" panose="02040503050406030204" pitchFamily="18" charset="0"/>
+                          </a:rPr>
                           <m:t>𝑛</m:t>
                         </m:r>
                       </m:sub>
                     </m:sSub>
                     <m:r>
-                      <a:rPr lang="ru-RU" i="1"/>
+                      <a:rPr lang="ru-RU" i="1">
+                        <a:latin typeface="Cambria Math" panose="02040503050406030204" pitchFamily="18" charset="0"/>
+                      </a:rPr>
                       <m:t>∗</m:t>
                     </m:r>
                     <m:sSub>
                       <m:sSubPr>
                         <m:ctrlPr>
-                          <a:rPr lang="ru-RU" i="1"/>
+                          <a:rPr lang="ru-RU" i="1">
+                            <a:latin typeface="Cambria Math" panose="02040503050406030204" pitchFamily="18" charset="0"/>
+                          </a:rPr>
                         </m:ctrlPr>
                       </m:sSubPr>
                       <m:e>
                         <m:r>
-                          <a:rPr lang="en-US" i="1"/>
+                          <a:rPr lang="en-US" i="1">
+                            <a:latin typeface="Cambria Math" panose="02040503050406030204" pitchFamily="18" charset="0"/>
+                          </a:rPr>
                           <m:t>𝑘</m:t>
                         </m:r>
                       </m:e>
                       <m:sub>
                         <m:r>
-                          <a:rPr lang="ru-RU" i="1"/>
+                          <a:rPr lang="ru-RU" i="1">
+                            <a:latin typeface="Cambria Math" panose="02040503050406030204" pitchFamily="18" charset="0"/>
+                          </a:rPr>
                           <m:t>2</m:t>
                         </m:r>
                       </m:sub>
                     </m:sSub>
                     <m:r>
-                      <a:rPr lang="ru-RU" i="1"/>
+                      <a:rPr lang="ru-RU" i="1">
+                        <a:latin typeface="Cambria Math" panose="02040503050406030204" pitchFamily="18" charset="0"/>
+                      </a:rPr>
                       <m:t> + </m:t>
                     </m:r>
                     <m:sSub>
                       <m:sSubPr>
                         <m:ctrlPr>
-                          <a:rPr lang="ru-RU" i="1"/>
+                          <a:rPr lang="ru-RU" i="1">
+                            <a:latin typeface="Cambria Math" panose="02040503050406030204" pitchFamily="18" charset="0"/>
+                          </a:rPr>
                         </m:ctrlPr>
                       </m:sSubPr>
                       <m:e>
                         <m:r>
-                          <a:rPr lang="en-US" i="1"/>
+                          <a:rPr lang="en-US" i="1">
+                            <a:latin typeface="Cambria Math" panose="02040503050406030204" pitchFamily="18" charset="0"/>
+                          </a:rPr>
                           <m:t>𝐻</m:t>
                         </m:r>
                       </m:e>
                       <m:sub>
                         <m:r>
-                          <a:rPr lang="en-US" i="1"/>
+                          <a:rPr lang="en-US" i="1">
+                            <a:latin typeface="Cambria Math" panose="02040503050406030204" pitchFamily="18" charset="0"/>
+                          </a:rPr>
                           <m:t>𝑝</m:t>
                         </m:r>
                       </m:sub>
                     </m:sSub>
                     <m:r>
-                      <a:rPr lang="ru-RU" i="1"/>
+                      <a:rPr lang="ru-RU" i="1">
+                        <a:latin typeface="Cambria Math" panose="02040503050406030204" pitchFamily="18" charset="0"/>
+                      </a:rPr>
                       <m:t>∗</m:t>
                     </m:r>
                     <m:sSub>
                       <m:sSubPr>
                         <m:ctrlPr>
-                          <a:rPr lang="ru-RU" i="1"/>
+                          <a:rPr lang="ru-RU" i="1">
+                            <a:latin typeface="Cambria Math" panose="02040503050406030204" pitchFamily="18" charset="0"/>
+                          </a:rPr>
                         </m:ctrlPr>
                       </m:sSubPr>
                       <m:e>
                         <m:r>
-                          <a:rPr lang="en-US" i="1"/>
+                          <a:rPr lang="en-US" i="1">
+                            <a:latin typeface="Cambria Math" panose="02040503050406030204" pitchFamily="18" charset="0"/>
+                          </a:rPr>
                           <m:t>𝑘</m:t>
                         </m:r>
                       </m:e>
                       <m:sub>
                         <m:r>
-                          <a:rPr lang="ru-RU" i="1"/>
+                          <a:rPr lang="ru-RU" i="1">
+                            <a:latin typeface="Cambria Math" panose="02040503050406030204" pitchFamily="18" charset="0"/>
+                          </a:rPr>
                           <m:t>3</m:t>
                         </m:r>
                       </m:sub>
                     </m:sSub>
                     <m:r>
-                      <a:rPr lang="ru-RU" i="1"/>
+                      <a:rPr lang="ru-RU" i="1">
+                        <a:latin typeface="Cambria Math" panose="02040503050406030204" pitchFamily="18" charset="0"/>
+                      </a:rPr>
                       <m:t> + </m:t>
                     </m:r>
                     <m:sSub>
                       <m:sSubPr>
                         <m:ctrlPr>
-                          <a:rPr lang="ru-RU" i="1"/>
+                          <a:rPr lang="ru-RU" i="1">
+                            <a:latin typeface="Cambria Math" panose="02040503050406030204" pitchFamily="18" charset="0"/>
+                          </a:rPr>
                         </m:ctrlPr>
                       </m:sSubPr>
                       <m:e>
                         <m:r>
-                          <a:rPr lang="en-US" i="1"/>
+                          <a:rPr lang="en-US" i="1">
+                            <a:latin typeface="Cambria Math" panose="02040503050406030204" pitchFamily="18" charset="0"/>
+                          </a:rPr>
                           <m:t>𝑅</m:t>
                         </m:r>
                       </m:e>
                       <m:sub>
                         <m:r>
-                          <a:rPr lang="en-US" i="1"/>
+                          <a:rPr lang="en-US" i="1">
+                            <a:latin typeface="Cambria Math" panose="02040503050406030204" pitchFamily="18" charset="0"/>
+                          </a:rPr>
                           <m:t>𝑛</m:t>
                         </m:r>
                       </m:sub>
                     </m:sSub>
                     <m:r>
-                      <a:rPr lang="ru-RU" i="1"/>
+                      <a:rPr lang="ru-RU" i="1">
+                        <a:latin typeface="Cambria Math" panose="02040503050406030204" pitchFamily="18" charset="0"/>
+                      </a:rPr>
                       <m:t>∗</m:t>
                     </m:r>
                     <m:sSub>
                       <m:sSubPr>
                         <m:ctrlPr>
-                          <a:rPr lang="ru-RU" i="1"/>
+                          <a:rPr lang="ru-RU" i="1">
+                            <a:latin typeface="Cambria Math" panose="02040503050406030204" pitchFamily="18" charset="0"/>
+                          </a:rPr>
                         </m:ctrlPr>
                       </m:sSubPr>
                       <m:e>
                         <m:r>
-                          <a:rPr lang="en-US" i="1"/>
+                          <a:rPr lang="en-US" i="1">
+                            <a:latin typeface="Cambria Math" panose="02040503050406030204" pitchFamily="18" charset="0"/>
+                          </a:rPr>
                           <m:t>𝑘</m:t>
                         </m:r>
                       </m:e>
                       <m:sub>
                         <m:r>
-                          <a:rPr lang="ru-RU" i="1"/>
+                          <a:rPr lang="ru-RU" i="1">
+                            <a:latin typeface="Cambria Math" panose="02040503050406030204" pitchFamily="18" charset="0"/>
+                          </a:rPr>
                           <m:t>4</m:t>
                         </m:r>
                       </m:sub>
                     </m:sSub>
                     <m:r>
-                      <a:rPr lang="en-US" i="1" baseline="-25000"/>
+                      <a:rPr lang="en-US" i="1" baseline="-25000">
+                        <a:latin typeface="Cambria Math" panose="02040503050406030204" pitchFamily="18" charset="0"/>
+                      </a:rPr>
                       <m:t> </m:t>
                     </m:r>
                     <m:r>
-                      <a:rPr lang="ru-RU" i="1"/>
+                      <a:rPr lang="ru-RU" i="1">
+                        <a:latin typeface="Cambria Math" panose="02040503050406030204" pitchFamily="18" charset="0"/>
+                      </a:rPr>
                       <m:t>+ </m:t>
                     </m:r>
                     <m:sSub>
                       <m:sSubPr>
                         <m:ctrlPr>
-                          <a:rPr lang="ru-RU" i="1"/>
+                          <a:rPr lang="ru-RU" i="1">
+                            <a:latin typeface="Cambria Math" panose="02040503050406030204" pitchFamily="18" charset="0"/>
+                          </a:rPr>
                         </m:ctrlPr>
                       </m:sSubPr>
                       <m:e>
                         <m:r>
-                          <a:rPr lang="en-US" i="1"/>
+                          <a:rPr lang="en-US" i="1">
+                            <a:latin typeface="Cambria Math" panose="02040503050406030204" pitchFamily="18" charset="0"/>
+                          </a:rPr>
                           <m:t>𝑅</m:t>
                         </m:r>
                       </m:e>
                       <m:sub>
                         <m:r>
-                          <a:rPr lang="en-US" i="1"/>
+                          <a:rPr lang="en-US" i="1">
+                            <a:latin typeface="Cambria Math" panose="02040503050406030204" pitchFamily="18" charset="0"/>
+                          </a:rPr>
                           <m:t>𝑝</m:t>
                         </m:r>
                       </m:sub>
                     </m:sSub>
                     <m:r>
-                      <a:rPr lang="ru-RU" i="1"/>
+                      <a:rPr lang="ru-RU" i="1">
+                        <a:latin typeface="Cambria Math" panose="02040503050406030204" pitchFamily="18" charset="0"/>
+                      </a:rPr>
                       <m:t>∗</m:t>
                     </m:r>
                     <m:sSub>
                       <m:sSubPr>
                         <m:ctrlPr>
-                          <a:rPr lang="ru-RU" i="1"/>
+                          <a:rPr lang="ru-RU" i="1">
+                            <a:latin typeface="Cambria Math" panose="02040503050406030204" pitchFamily="18" charset="0"/>
+                          </a:rPr>
                         </m:ctrlPr>
                       </m:sSubPr>
                       <m:e>
                         <m:r>
-                          <a:rPr lang="en-US" i="1"/>
+                          <a:rPr lang="en-US" i="1">
+                            <a:latin typeface="Cambria Math" panose="02040503050406030204" pitchFamily="18" charset="0"/>
+                          </a:rPr>
                           <m:t>𝑘</m:t>
                         </m:r>
                       </m:e>
                       <m:sub>
                         <m:r>
-                          <a:rPr lang="ru-RU" i="1"/>
+                          <a:rPr lang="ru-RU" i="1">
+                            <a:latin typeface="Cambria Math" panose="02040503050406030204" pitchFamily="18" charset="0"/>
+                          </a:rPr>
                           <m:t>5</m:t>
                         </m:r>
                       </m:sub>
                     </m:sSub>
                     <m:r>
-                      <a:rPr lang="ru-RU" i="1"/>
+                      <a:rPr lang="ru-RU" i="1">
+                        <a:latin typeface="Cambria Math" panose="02040503050406030204" pitchFamily="18" charset="0"/>
+                      </a:rPr>
                       <m:t>+</m:t>
                     </m:r>
                     <m:r>
-                      <a:rPr lang="en-US" i="1"/>
+                      <a:rPr lang="en-US" i="1">
+                        <a:latin typeface="Cambria Math" panose="02040503050406030204" pitchFamily="18" charset="0"/>
+                      </a:rPr>
                       <m:t>𝑠</m:t>
                     </m:r>
                     <m:r>
-                      <a:rPr lang="ru-RU" i="1"/>
+                      <a:rPr lang="ru-RU" i="1">
+                        <a:latin typeface="Cambria Math" panose="02040503050406030204" pitchFamily="18" charset="0"/>
+                      </a:rPr>
                       <m:t>)</m:t>
                     </m:r>
                   </m:oMath>
@@ -10961,18 +11162,24 @@
                     <m:sSub>
                       <m:sSubPr>
                         <m:ctrlPr>
-                          <a:rPr lang="ru-RU" i="1"/>
+                          <a:rPr lang="ru-RU" i="1">
+                            <a:latin typeface="Cambria Math" panose="02040503050406030204" pitchFamily="18" charset="0"/>
+                          </a:rPr>
                         </m:ctrlPr>
                       </m:sSubPr>
                       <m:e>
                         <m:r>
-                          <a:rPr lang="en-US" i="1"/>
+                          <a:rPr lang="en-US" i="1">
+                            <a:latin typeface="Cambria Math" panose="02040503050406030204" pitchFamily="18" charset="0"/>
+                          </a:rPr>
                           <m:t>𝑆</m:t>
                         </m:r>
                       </m:e>
                       <m:sub>
                         <m:r>
-                          <a:rPr lang="en-US" i="1"/>
+                          <a:rPr lang="en-US" i="1">
+                            <a:latin typeface="Cambria Math" panose="02040503050406030204" pitchFamily="18" charset="0"/>
+                          </a:rPr>
                           <m:t>𝑓</m:t>
                         </m:r>
                       </m:sub>
@@ -10998,8 +11205,8 @@
                     <m:sSub>
                       <m:sSubPr>
                         <m:ctrlPr>
-                          <a:rPr lang="ru-RU" sz="2000">
-                            <a:latin typeface="+mj-lt"/>
+                          <a:rPr lang="ru-RU" sz="2000" i="1">
+                            <a:latin typeface="Cambria Math" panose="02040503050406030204" pitchFamily="18" charset="0"/>
                             <a:ea typeface="Calibri" panose="020F0502020204030204" pitchFamily="34" charset="0"/>
                             <a:cs typeface="Times New Roman" panose="02020603050405020304" pitchFamily="18" charset="0"/>
                           </a:rPr>
@@ -11008,7 +11215,7 @@
                       <m:e>
                         <m:r>
                           <a:rPr lang="en-US" sz="2000">
-                            <a:latin typeface="+mj-lt"/>
+                            <a:latin typeface="Cambria Math" panose="02040503050406030204" pitchFamily="18" charset="0"/>
                             <a:ea typeface="Calibri" panose="020F0502020204030204" pitchFamily="34" charset="0"/>
                             <a:cs typeface="Times New Roman" panose="02020603050405020304" pitchFamily="18" charset="0"/>
                           </a:rPr>
@@ -11018,7 +11225,7 @@
                       <m:sub>
                         <m:r>
                           <a:rPr lang="en-US" sz="2000">
-                            <a:latin typeface="+mj-lt"/>
+                            <a:latin typeface="Cambria Math" panose="02040503050406030204" pitchFamily="18" charset="0"/>
                             <a:ea typeface="Calibri" panose="020F0502020204030204" pitchFamily="34" charset="0"/>
                             <a:cs typeface="Times New Roman" panose="02020603050405020304" pitchFamily="18" charset="0"/>
                           </a:rPr>
@@ -11043,8 +11250,8 @@
                     <m:sSub>
                       <m:sSubPr>
                         <m:ctrlPr>
-                          <a:rPr lang="ru-RU" sz="2000">
-                            <a:latin typeface="+mj-lt"/>
+                          <a:rPr lang="ru-RU" sz="2000" i="1">
+                            <a:latin typeface="Cambria Math" panose="02040503050406030204" pitchFamily="18" charset="0"/>
                             <a:ea typeface="Calibri" panose="020F0502020204030204" pitchFamily="34" charset="0"/>
                             <a:cs typeface="Times New Roman" panose="02020603050405020304" pitchFamily="18" charset="0"/>
                           </a:rPr>
@@ -11053,7 +11260,7 @@
                       <m:e>
                         <m:r>
                           <a:rPr lang="en-US" sz="2000">
-                            <a:latin typeface="+mj-lt"/>
+                            <a:latin typeface="Cambria Math" panose="02040503050406030204" pitchFamily="18" charset="0"/>
                             <a:ea typeface="Calibri" panose="020F0502020204030204" pitchFamily="34" charset="0"/>
                             <a:cs typeface="Times New Roman" panose="02020603050405020304" pitchFamily="18" charset="0"/>
                           </a:rPr>
@@ -11063,7 +11270,7 @@
                       <m:sub>
                         <m:r>
                           <a:rPr lang="en-US" sz="2000">
-                            <a:latin typeface="+mj-lt"/>
+                            <a:latin typeface="Cambria Math" panose="02040503050406030204" pitchFamily="18" charset="0"/>
                             <a:ea typeface="Calibri" panose="020F0502020204030204" pitchFamily="34" charset="0"/>
                             <a:cs typeface="Times New Roman" panose="02020603050405020304" pitchFamily="18" charset="0"/>
                           </a:rPr>
@@ -11096,8 +11303,8 @@
                     <m:sSub>
                       <m:sSubPr>
                         <m:ctrlPr>
-                          <a:rPr lang="ru-RU" sz="2000">
-                            <a:latin typeface="+mj-lt"/>
+                          <a:rPr lang="ru-RU" sz="2000" i="1">
+                            <a:latin typeface="Cambria Math" panose="02040503050406030204" pitchFamily="18" charset="0"/>
                             <a:ea typeface="Calibri" panose="020F0502020204030204" pitchFamily="34" charset="0"/>
                             <a:cs typeface="Times New Roman" panose="02020603050405020304" pitchFamily="18" charset="0"/>
                           </a:rPr>
@@ -11106,7 +11313,7 @@
                       <m:e>
                         <m:r>
                           <a:rPr lang="en-US" sz="2000">
-                            <a:latin typeface="+mj-lt"/>
+                            <a:latin typeface="Cambria Math" panose="02040503050406030204" pitchFamily="18" charset="0"/>
                             <a:ea typeface="Calibri" panose="020F0502020204030204" pitchFamily="34" charset="0"/>
                             <a:cs typeface="Times New Roman" panose="02020603050405020304" pitchFamily="18" charset="0"/>
                           </a:rPr>
@@ -11116,7 +11323,7 @@
                       <m:sub>
                         <m:r>
                           <a:rPr lang="en-US" sz="2000">
-                            <a:latin typeface="+mj-lt"/>
+                            <a:latin typeface="Cambria Math" panose="02040503050406030204" pitchFamily="18" charset="0"/>
                             <a:ea typeface="Calibri" panose="020F0502020204030204" pitchFamily="34" charset="0"/>
                             <a:cs typeface="Times New Roman" panose="02020603050405020304" pitchFamily="18" charset="0"/>
                           </a:rPr>
@@ -11141,8 +11348,8 @@
                     <m:sSub>
                       <m:sSubPr>
                         <m:ctrlPr>
-                          <a:rPr lang="ru-RU" sz="2000">
-                            <a:latin typeface="+mj-lt"/>
+                          <a:rPr lang="ru-RU" sz="2000" i="1">
+                            <a:latin typeface="Cambria Math" panose="02040503050406030204" pitchFamily="18" charset="0"/>
                             <a:ea typeface="Calibri" panose="020F0502020204030204" pitchFamily="34" charset="0"/>
                             <a:cs typeface="Times New Roman" panose="02020603050405020304" pitchFamily="18" charset="0"/>
                           </a:rPr>
@@ -11151,7 +11358,7 @@
                       <m:e>
                         <m:r>
                           <a:rPr lang="en-US" sz="2000">
-                            <a:latin typeface="+mj-lt"/>
+                            <a:latin typeface="Cambria Math" panose="02040503050406030204" pitchFamily="18" charset="0"/>
                             <a:ea typeface="Calibri" panose="020F0502020204030204" pitchFamily="34" charset="0"/>
                             <a:cs typeface="Times New Roman" panose="02020603050405020304" pitchFamily="18" charset="0"/>
                           </a:rPr>
@@ -11161,7 +11368,7 @@
                       <m:sub>
                         <m:r>
                           <a:rPr lang="en-US" sz="2000">
-                            <a:latin typeface="+mj-lt"/>
+                            <a:latin typeface="Cambria Math" panose="02040503050406030204" pitchFamily="18" charset="0"/>
                             <a:ea typeface="Calibri" panose="020F0502020204030204" pitchFamily="34" charset="0"/>
                             <a:cs typeface="Times New Roman" panose="02020603050405020304" pitchFamily="18" charset="0"/>
                           </a:rPr>
@@ -11185,7 +11392,7 @@
                   <m:oMath xmlns:m="http://schemas.openxmlformats.org/officeDocument/2006/math">
                     <m:r>
                       <a:rPr lang="en-US" sz="2000">
-                        <a:latin typeface="+mj-lt"/>
+                        <a:latin typeface="Cambria Math" panose="02040503050406030204" pitchFamily="18" charset="0"/>
                         <a:ea typeface="Calibri" panose="020F0502020204030204" pitchFamily="34" charset="0"/>
                         <a:cs typeface="Times New Roman" panose="02020603050405020304" pitchFamily="18" charset="0"/>
                       </a:rPr>
@@ -11208,8 +11415,8 @@
                     <m:sSub>
                       <m:sSubPr>
                         <m:ctrlPr>
-                          <a:rPr lang="ru-RU" sz="2000">
-                            <a:latin typeface="+mj-lt"/>
+                          <a:rPr lang="ru-RU" sz="2000" i="1">
+                            <a:latin typeface="Cambria Math" panose="02040503050406030204" pitchFamily="18" charset="0"/>
                             <a:ea typeface="Calibri" panose="020F0502020204030204" pitchFamily="34" charset="0"/>
                             <a:cs typeface="Times New Roman" panose="02020603050405020304" pitchFamily="18" charset="0"/>
                           </a:rPr>
@@ -11218,7 +11425,7 @@
                       <m:e>
                         <m:r>
                           <a:rPr lang="en-US" sz="2000">
-                            <a:latin typeface="+mj-lt"/>
+                            <a:latin typeface="Cambria Math" panose="02040503050406030204" pitchFamily="18" charset="0"/>
                             <a:ea typeface="Calibri" panose="020F0502020204030204" pitchFamily="34" charset="0"/>
                             <a:cs typeface="Times New Roman" panose="02020603050405020304" pitchFamily="18" charset="0"/>
                           </a:rPr>
@@ -11228,7 +11435,7 @@
                       <m:sub>
                         <m:r>
                           <a:rPr lang="ru-RU" sz="2000">
-                            <a:latin typeface="+mj-lt"/>
+                            <a:latin typeface="Cambria Math" panose="02040503050406030204" pitchFamily="18" charset="0"/>
                             <a:ea typeface="Calibri" panose="020F0502020204030204" pitchFamily="34" charset="0"/>
                             <a:cs typeface="Times New Roman" panose="02020603050405020304" pitchFamily="18" charset="0"/>
                           </a:rPr>
@@ -11251,8 +11458,8 @@
                     <m:sSub>
                       <m:sSubPr>
                         <m:ctrlPr>
-                          <a:rPr lang="ru-RU" sz="2000">
-                            <a:latin typeface="+mj-lt"/>
+                          <a:rPr lang="ru-RU" sz="2000" i="1">
+                            <a:latin typeface="Cambria Math" panose="02040503050406030204" pitchFamily="18" charset="0"/>
                             <a:ea typeface="Calibri" panose="020F0502020204030204" pitchFamily="34" charset="0"/>
                             <a:cs typeface="Times New Roman" panose="02020603050405020304" pitchFamily="18" charset="0"/>
                           </a:rPr>
@@ -11261,7 +11468,7 @@
                       <m:e>
                         <m:r>
                           <a:rPr lang="en-US" sz="2000">
-                            <a:latin typeface="+mj-lt"/>
+                            <a:latin typeface="Cambria Math" panose="02040503050406030204" pitchFamily="18" charset="0"/>
                             <a:ea typeface="Calibri" panose="020F0502020204030204" pitchFamily="34" charset="0"/>
                             <a:cs typeface="Times New Roman" panose="02020603050405020304" pitchFamily="18" charset="0"/>
                           </a:rPr>
@@ -11271,7 +11478,7 @@
                       <m:sub>
                         <m:r>
                           <a:rPr lang="ru-RU" sz="2000">
-                            <a:latin typeface="+mj-lt"/>
+                            <a:latin typeface="Cambria Math" panose="02040503050406030204" pitchFamily="18" charset="0"/>
                             <a:ea typeface="Calibri" panose="020F0502020204030204" pitchFamily="34" charset="0"/>
                             <a:cs typeface="Times New Roman" panose="02020603050405020304" pitchFamily="18" charset="0"/>
                           </a:rPr>
@@ -11294,8 +11501,8 @@
                     <m:sSub>
                       <m:sSubPr>
                         <m:ctrlPr>
-                          <a:rPr lang="ru-RU" sz="2000">
-                            <a:latin typeface="+mj-lt"/>
+                          <a:rPr lang="ru-RU" sz="2000" i="1">
+                            <a:latin typeface="Cambria Math" panose="02040503050406030204" pitchFamily="18" charset="0"/>
                             <a:ea typeface="Calibri" panose="020F0502020204030204" pitchFamily="34" charset="0"/>
                             <a:cs typeface="Times New Roman" panose="02020603050405020304" pitchFamily="18" charset="0"/>
                           </a:rPr>
@@ -11304,7 +11511,7 @@
                       <m:e>
                         <m:r>
                           <a:rPr lang="en-US" sz="2000">
-                            <a:latin typeface="+mj-lt"/>
+                            <a:latin typeface="Cambria Math" panose="02040503050406030204" pitchFamily="18" charset="0"/>
                             <a:ea typeface="Calibri" panose="020F0502020204030204" pitchFamily="34" charset="0"/>
                             <a:cs typeface="Times New Roman" panose="02020603050405020304" pitchFamily="18" charset="0"/>
                           </a:rPr>
@@ -11314,7 +11521,7 @@
                       <m:sub>
                         <m:r>
                           <a:rPr lang="ru-RU" sz="2000">
-                            <a:latin typeface="+mj-lt"/>
+                            <a:latin typeface="Cambria Math" panose="02040503050406030204" pitchFamily="18" charset="0"/>
                             <a:ea typeface="Calibri" panose="020F0502020204030204" pitchFamily="34" charset="0"/>
                             <a:cs typeface="Times New Roman" panose="02020603050405020304" pitchFamily="18" charset="0"/>
                           </a:rPr>
@@ -11337,8 +11544,8 @@
                     <m:sSub>
                       <m:sSubPr>
                         <m:ctrlPr>
-                          <a:rPr lang="ru-RU" sz="2000">
-                            <a:latin typeface="+mj-lt"/>
+                          <a:rPr lang="ru-RU" sz="2000" i="1">
+                            <a:latin typeface="Cambria Math" panose="02040503050406030204" pitchFamily="18" charset="0"/>
                             <a:ea typeface="Calibri" panose="020F0502020204030204" pitchFamily="34" charset="0"/>
                             <a:cs typeface="Times New Roman" panose="02020603050405020304" pitchFamily="18" charset="0"/>
                           </a:rPr>
@@ -11347,7 +11554,7 @@
                       <m:e>
                         <m:r>
                           <a:rPr lang="en-US" sz="2000">
-                            <a:latin typeface="+mj-lt"/>
+                            <a:latin typeface="Cambria Math" panose="02040503050406030204" pitchFamily="18" charset="0"/>
                             <a:ea typeface="Calibri" panose="020F0502020204030204" pitchFamily="34" charset="0"/>
                             <a:cs typeface="Times New Roman" panose="02020603050405020304" pitchFamily="18" charset="0"/>
                           </a:rPr>
@@ -11357,7 +11564,7 @@
                       <m:sub>
                         <m:r>
                           <a:rPr lang="ru-RU" sz="2000">
-                            <a:latin typeface="+mj-lt"/>
+                            <a:latin typeface="Cambria Math" panose="02040503050406030204" pitchFamily="18" charset="0"/>
                             <a:ea typeface="Calibri" panose="020F0502020204030204" pitchFamily="34" charset="0"/>
                             <a:cs typeface="Times New Roman" panose="02020603050405020304" pitchFamily="18" charset="0"/>
                           </a:rPr>
@@ -11380,8 +11587,8 @@
                     <m:sSub>
                       <m:sSubPr>
                         <m:ctrlPr>
-                          <a:rPr lang="ru-RU" sz="2000">
-                            <a:latin typeface="+mj-lt"/>
+                          <a:rPr lang="ru-RU" sz="2000" i="1">
+                            <a:latin typeface="Cambria Math" panose="02040503050406030204" pitchFamily="18" charset="0"/>
                             <a:ea typeface="Calibri" panose="020F0502020204030204" pitchFamily="34" charset="0"/>
                             <a:cs typeface="Times New Roman" panose="02020603050405020304" pitchFamily="18" charset="0"/>
                           </a:rPr>
@@ -11390,7 +11597,7 @@
                       <m:e>
                         <m:r>
                           <a:rPr lang="en-US" sz="2000">
-                            <a:latin typeface="+mj-lt"/>
+                            <a:latin typeface="Cambria Math" panose="02040503050406030204" pitchFamily="18" charset="0"/>
                             <a:ea typeface="Calibri" panose="020F0502020204030204" pitchFamily="34" charset="0"/>
                             <a:cs typeface="Times New Roman" panose="02020603050405020304" pitchFamily="18" charset="0"/>
                           </a:rPr>
@@ -11400,7 +11607,7 @@
                       <m:sub>
                         <m:r>
                           <a:rPr lang="ru-RU" sz="2000">
-                            <a:latin typeface="+mj-lt"/>
+                            <a:latin typeface="Cambria Math" panose="02040503050406030204" pitchFamily="18" charset="0"/>
                             <a:ea typeface="Calibri" panose="020F0502020204030204" pitchFamily="34" charset="0"/>
                             <a:cs typeface="Times New Roman" panose="02020603050405020304" pitchFamily="18" charset="0"/>
                           </a:rPr>
@@ -11422,7 +11629,7 @@
             </p:txBody>
           </p:sp>
         </mc:Choice>
-        <mc:Fallback>
+        <mc:Fallback xmlns="">
           <p:sp>
             <p:nvSpPr>
               <p:cNvPr id="3" name="Объект 2">
@@ -11495,14 +11702,14 @@
               <a:pPr>
                 <a:defRPr/>
               </a:pPr>
-              <a:t>15</a:t>
+              <a:t>16</a:t>
             </a:fld>
             <a:endParaRPr lang="ru-RU" altLang="ru-RU" sz="2000"/>
           </a:p>
         </p:txBody>
       </p:sp>
-      <mc:AlternateContent xmlns:mc="http://schemas.openxmlformats.org/markup-compatibility/2006">
-        <mc:Choice xmlns:a14="http://schemas.microsoft.com/office/drawing/2010/main" Requires="a14">
+      <mc:AlternateContent xmlns:mc="http://schemas.openxmlformats.org/markup-compatibility/2006" xmlns:a14="http://schemas.microsoft.com/office/drawing/2010/main">
+        <mc:Choice Requires="a14">
           <p:sp>
             <p:nvSpPr>
               <p:cNvPr id="5" name="TextBox 4">
@@ -11803,7 +12010,7 @@
             </p:txBody>
           </p:sp>
         </mc:Choice>
-        <mc:Fallback>
+        <mc:Fallback xmlns="">
           <p:sp>
             <p:nvSpPr>
               <p:cNvPr id="5" name="TextBox 4">
@@ -11861,7 +12068,7 @@
 </p:sld>
 </file>
 
-<file path=ppt/slides/slide16.xml><?xml version="1.0" encoding="utf-8"?>
+<file path=ppt/slides/slide17.xml><?xml version="1.0" encoding="utf-8"?>
 <p:sld xmlns:a="http://schemas.openxmlformats.org/drawingml/2006/main" xmlns:r="http://schemas.openxmlformats.org/officeDocument/2006/relationships" xmlns:p="http://schemas.openxmlformats.org/presentationml/2006/main">
   <p:cSld>
     <p:spTree>
@@ -11923,7 +12130,7 @@
               <a:pPr>
                 <a:defRPr/>
               </a:pPr>
-              <a:t>16</a:t>
+              <a:t>17</a:t>
             </a:fld>
             <a:endParaRPr lang="ru-RU" altLang="ru-RU"/>
           </a:p>
@@ -11972,7 +12179,7 @@
 </p:sld>
 </file>
 
-<file path=ppt/slides/slide17.xml><?xml version="1.0" encoding="utf-8"?>
+<file path=ppt/slides/slide18.xml><?xml version="1.0" encoding="utf-8"?>
 <p:sld xmlns:a="http://schemas.openxmlformats.org/drawingml/2006/main" xmlns:r="http://schemas.openxmlformats.org/officeDocument/2006/relationships" xmlns:p="http://schemas.openxmlformats.org/presentationml/2006/main">
   <p:cSld>
     <p:spTree>
@@ -12043,7 +12250,7 @@
             </p:spPr>
             <p:txBody>
               <a:bodyPr>
-                <a:normAutofit fontScale="92500" lnSpcReduction="20000"/>
+                <a:normAutofit fontScale="85000" lnSpcReduction="10000"/>
               </a:bodyPr>
               <a:lstStyle/>
               <a:p>
@@ -12620,8 +12827,8 @@
                     <m:sSub>
                       <m:sSubPr>
                         <m:ctrlPr>
-                          <a:rPr lang="ru-RU" sz="2100">
-                            <a:latin typeface="+mj-lt"/>
+                          <a:rPr lang="ru-RU" sz="2100" i="1">
+                            <a:latin typeface="Cambria Math" panose="02040503050406030204" pitchFamily="18" charset="0"/>
                             <a:ea typeface="Calibri" panose="020F0502020204030204" pitchFamily="34" charset="0"/>
                             <a:cs typeface="Times New Roman" panose="02020603050405020304" pitchFamily="18" charset="0"/>
                           </a:rPr>
@@ -12630,7 +12837,7 @@
                       <m:e>
                         <m:r>
                           <a:rPr lang="en-US" sz="2100">
-                            <a:latin typeface="+mj-lt"/>
+                            <a:latin typeface="Cambria Math" panose="02040503050406030204" pitchFamily="18" charset="0"/>
                             <a:ea typeface="Calibri" panose="020F0502020204030204" pitchFamily="34" charset="0"/>
                             <a:cs typeface="Times New Roman" panose="02020603050405020304" pitchFamily="18" charset="0"/>
                           </a:rPr>
@@ -12640,7 +12847,7 @@
                       <m:sub>
                         <m:r>
                           <a:rPr lang="en-US" sz="2100">
-                            <a:latin typeface="+mj-lt"/>
+                            <a:latin typeface="Cambria Math" panose="02040503050406030204" pitchFamily="18" charset="0"/>
                             <a:ea typeface="Calibri" panose="020F0502020204030204" pitchFamily="34" charset="0"/>
                             <a:cs typeface="Times New Roman" panose="02020603050405020304" pitchFamily="18" charset="0"/>
                           </a:rPr>
@@ -12673,8 +12880,8 @@
                     <m:sSub>
                       <m:sSubPr>
                         <m:ctrlPr>
-                          <a:rPr lang="ru-RU" sz="2100">
-                            <a:latin typeface="+mj-lt"/>
+                          <a:rPr lang="ru-RU" sz="2100" i="1">
+                            <a:latin typeface="Cambria Math" panose="02040503050406030204" pitchFamily="18" charset="0"/>
                             <a:ea typeface="Calibri" panose="020F0502020204030204" pitchFamily="34" charset="0"/>
                             <a:cs typeface="Times New Roman" panose="02020603050405020304" pitchFamily="18" charset="0"/>
                           </a:rPr>
@@ -12683,7 +12890,7 @@
                       <m:e>
                         <m:r>
                           <a:rPr lang="en-US" sz="2100">
-                            <a:latin typeface="+mj-lt"/>
+                            <a:latin typeface="Cambria Math" panose="02040503050406030204" pitchFamily="18" charset="0"/>
                             <a:ea typeface="Calibri" panose="020F0502020204030204" pitchFamily="34" charset="0"/>
                             <a:cs typeface="Times New Roman" panose="02020603050405020304" pitchFamily="18" charset="0"/>
                           </a:rPr>
@@ -12693,7 +12900,7 @@
                       <m:sub>
                         <m:r>
                           <a:rPr lang="en-US" sz="2100">
-                            <a:latin typeface="+mj-lt"/>
+                            <a:latin typeface="Cambria Math" panose="02040503050406030204" pitchFamily="18" charset="0"/>
                             <a:ea typeface="Calibri" panose="020F0502020204030204" pitchFamily="34" charset="0"/>
                             <a:cs typeface="Times New Roman" panose="02020603050405020304" pitchFamily="18" charset="0"/>
                           </a:rPr>
@@ -12734,8 +12941,8 @@
                     <m:sSub>
                       <m:sSubPr>
                         <m:ctrlPr>
-                          <a:rPr lang="ru-RU" sz="2100">
-                            <a:latin typeface="+mj-lt"/>
+                          <a:rPr lang="ru-RU" sz="2100" i="1">
+                            <a:latin typeface="Cambria Math" panose="02040503050406030204" pitchFamily="18" charset="0"/>
                             <a:ea typeface="Calibri" panose="020F0502020204030204" pitchFamily="34" charset="0"/>
                             <a:cs typeface="Times New Roman" panose="02020603050405020304" pitchFamily="18" charset="0"/>
                           </a:rPr>
@@ -12744,7 +12951,7 @@
                       <m:e>
                         <m:r>
                           <a:rPr lang="en-US" sz="2100">
-                            <a:latin typeface="+mj-lt"/>
+                            <a:latin typeface="Cambria Math" panose="02040503050406030204" pitchFamily="18" charset="0"/>
                             <a:ea typeface="Calibri" panose="020F0502020204030204" pitchFamily="34" charset="0"/>
                             <a:cs typeface="Times New Roman" panose="02020603050405020304" pitchFamily="18" charset="0"/>
                           </a:rPr>
@@ -12754,7 +12961,7 @@
                       <m:sub>
                         <m:r>
                           <a:rPr lang="en-US" sz="2100">
-                            <a:latin typeface="+mj-lt"/>
+                            <a:latin typeface="Cambria Math" panose="02040503050406030204" pitchFamily="18" charset="0"/>
                             <a:ea typeface="Calibri" panose="020F0502020204030204" pitchFamily="34" charset="0"/>
                             <a:cs typeface="Times New Roman" panose="02020603050405020304" pitchFamily="18" charset="0"/>
                           </a:rPr>
@@ -12787,8 +12994,8 @@
                     <m:sSub>
                       <m:sSubPr>
                         <m:ctrlPr>
-                          <a:rPr lang="ru-RU" sz="2100">
-                            <a:latin typeface="+mj-lt"/>
+                          <a:rPr lang="ru-RU" sz="2100" i="1">
+                            <a:latin typeface="Cambria Math" panose="02040503050406030204" pitchFamily="18" charset="0"/>
                             <a:ea typeface="Calibri" panose="020F0502020204030204" pitchFamily="34" charset="0"/>
                             <a:cs typeface="Times New Roman" panose="02020603050405020304" pitchFamily="18" charset="0"/>
                           </a:rPr>
@@ -12797,7 +13004,7 @@
                       <m:e>
                         <m:r>
                           <a:rPr lang="en-US" sz="2100">
-                            <a:latin typeface="+mj-lt"/>
+                            <a:latin typeface="Cambria Math" panose="02040503050406030204" pitchFamily="18" charset="0"/>
                             <a:ea typeface="Calibri" panose="020F0502020204030204" pitchFamily="34" charset="0"/>
                             <a:cs typeface="Times New Roman" panose="02020603050405020304" pitchFamily="18" charset="0"/>
                           </a:rPr>
@@ -12807,7 +13014,7 @@
                       <m:sub>
                         <m:r>
                           <a:rPr lang="en-US" sz="2100">
-                            <a:latin typeface="+mj-lt"/>
+                            <a:latin typeface="Cambria Math" panose="02040503050406030204" pitchFamily="18" charset="0"/>
                             <a:ea typeface="Calibri" panose="020F0502020204030204" pitchFamily="34" charset="0"/>
                             <a:cs typeface="Times New Roman" panose="02020603050405020304" pitchFamily="18" charset="0"/>
                           </a:rPr>
@@ -12831,7 +13038,7 @@
                   <m:oMath xmlns:m="http://schemas.openxmlformats.org/officeDocument/2006/math">
                     <m:r>
                       <a:rPr lang="en-US" sz="2100">
-                        <a:latin typeface="+mj-lt"/>
+                        <a:latin typeface="Cambria Math" panose="02040503050406030204" pitchFamily="18" charset="0"/>
                         <a:ea typeface="Calibri" panose="020F0502020204030204" pitchFamily="34" charset="0"/>
                         <a:cs typeface="Times New Roman" panose="02020603050405020304" pitchFamily="18" charset="0"/>
                       </a:rPr>
@@ -12854,8 +13061,8 @@
                     <m:sSub>
                       <m:sSubPr>
                         <m:ctrlPr>
-                          <a:rPr lang="ru-RU" sz="2100">
-                            <a:latin typeface="+mj-lt"/>
+                          <a:rPr lang="ru-RU" sz="2100" i="1">
+                            <a:latin typeface="Cambria Math" panose="02040503050406030204" pitchFamily="18" charset="0"/>
                             <a:ea typeface="Calibri" panose="020F0502020204030204" pitchFamily="34" charset="0"/>
                             <a:cs typeface="Times New Roman" panose="02020603050405020304" pitchFamily="18" charset="0"/>
                           </a:rPr>
@@ -12864,7 +13071,7 @@
                       <m:e>
                         <m:r>
                           <a:rPr lang="en-US" sz="2100">
-                            <a:latin typeface="+mj-lt"/>
+                            <a:latin typeface="Cambria Math" panose="02040503050406030204" pitchFamily="18" charset="0"/>
                             <a:ea typeface="Calibri" panose="020F0502020204030204" pitchFamily="34" charset="0"/>
                             <a:cs typeface="Times New Roman" panose="02020603050405020304" pitchFamily="18" charset="0"/>
                           </a:rPr>
@@ -12874,7 +13081,7 @@
                       <m:sub>
                         <m:r>
                           <a:rPr lang="ru-RU" sz="2100">
-                            <a:latin typeface="+mj-lt"/>
+                            <a:latin typeface="Cambria Math" panose="02040503050406030204" pitchFamily="18" charset="0"/>
                             <a:ea typeface="Calibri" panose="020F0502020204030204" pitchFamily="34" charset="0"/>
                             <a:cs typeface="Times New Roman" panose="02020603050405020304" pitchFamily="18" charset="0"/>
                           </a:rPr>
@@ -12897,8 +13104,8 @@
                     <m:sSub>
                       <m:sSubPr>
                         <m:ctrlPr>
-                          <a:rPr lang="ru-RU" sz="2100">
-                            <a:latin typeface="+mj-lt"/>
+                          <a:rPr lang="ru-RU" sz="2100" i="1">
+                            <a:latin typeface="Cambria Math" panose="02040503050406030204" pitchFamily="18" charset="0"/>
                             <a:ea typeface="Calibri" panose="020F0502020204030204" pitchFamily="34" charset="0"/>
                             <a:cs typeface="Times New Roman" panose="02020603050405020304" pitchFamily="18" charset="0"/>
                           </a:rPr>
@@ -12907,7 +13114,7 @@
                       <m:e>
                         <m:r>
                           <a:rPr lang="en-US" sz="2100">
-                            <a:latin typeface="+mj-lt"/>
+                            <a:latin typeface="Cambria Math" panose="02040503050406030204" pitchFamily="18" charset="0"/>
                             <a:ea typeface="Calibri" panose="020F0502020204030204" pitchFamily="34" charset="0"/>
                             <a:cs typeface="Times New Roman" panose="02020603050405020304" pitchFamily="18" charset="0"/>
                           </a:rPr>
@@ -12917,7 +13124,7 @@
                       <m:sub>
                         <m:r>
                           <a:rPr lang="ru-RU" sz="2100">
-                            <a:latin typeface="+mj-lt"/>
+                            <a:latin typeface="Cambria Math" panose="02040503050406030204" pitchFamily="18" charset="0"/>
                             <a:ea typeface="Calibri" panose="020F0502020204030204" pitchFamily="34" charset="0"/>
                             <a:cs typeface="Times New Roman" panose="02020603050405020304" pitchFamily="18" charset="0"/>
                           </a:rPr>
@@ -12940,8 +13147,8 @@
                     <m:sSub>
                       <m:sSubPr>
                         <m:ctrlPr>
-                          <a:rPr lang="ru-RU" sz="2100">
-                            <a:latin typeface="+mj-lt"/>
+                          <a:rPr lang="ru-RU" sz="2100" i="1">
+                            <a:latin typeface="Cambria Math" panose="02040503050406030204" pitchFamily="18" charset="0"/>
                             <a:ea typeface="Calibri" panose="020F0502020204030204" pitchFamily="34" charset="0"/>
                             <a:cs typeface="Times New Roman" panose="02020603050405020304" pitchFamily="18" charset="0"/>
                           </a:rPr>
@@ -12950,7 +13157,7 @@
                       <m:e>
                         <m:r>
                           <a:rPr lang="en-US" sz="2100">
-                            <a:latin typeface="+mj-lt"/>
+                            <a:latin typeface="Cambria Math" panose="02040503050406030204" pitchFamily="18" charset="0"/>
                             <a:ea typeface="Calibri" panose="020F0502020204030204" pitchFamily="34" charset="0"/>
                             <a:cs typeface="Times New Roman" panose="02020603050405020304" pitchFamily="18" charset="0"/>
                           </a:rPr>
@@ -12960,7 +13167,7 @@
                       <m:sub>
                         <m:r>
                           <a:rPr lang="ru-RU" sz="2100">
-                            <a:latin typeface="+mj-lt"/>
+                            <a:latin typeface="Cambria Math" panose="02040503050406030204" pitchFamily="18" charset="0"/>
                             <a:ea typeface="Calibri" panose="020F0502020204030204" pitchFamily="34" charset="0"/>
                             <a:cs typeface="Times New Roman" panose="02020603050405020304" pitchFamily="18" charset="0"/>
                           </a:rPr>
@@ -12983,8 +13190,8 @@
                     <m:sSub>
                       <m:sSubPr>
                         <m:ctrlPr>
-                          <a:rPr lang="ru-RU" sz="2100">
-                            <a:latin typeface="+mj-lt"/>
+                          <a:rPr lang="ru-RU" sz="2100" i="1">
+                            <a:latin typeface="Cambria Math" panose="02040503050406030204" pitchFamily="18" charset="0"/>
                             <a:ea typeface="Calibri" panose="020F0502020204030204" pitchFamily="34" charset="0"/>
                             <a:cs typeface="Times New Roman" panose="02020603050405020304" pitchFamily="18" charset="0"/>
                           </a:rPr>
@@ -12993,7 +13200,7 @@
                       <m:e>
                         <m:r>
                           <a:rPr lang="en-US" sz="2100">
-                            <a:latin typeface="+mj-lt"/>
+                            <a:latin typeface="Cambria Math" panose="02040503050406030204" pitchFamily="18" charset="0"/>
                             <a:ea typeface="Calibri" panose="020F0502020204030204" pitchFamily="34" charset="0"/>
                             <a:cs typeface="Times New Roman" panose="02020603050405020304" pitchFamily="18" charset="0"/>
                           </a:rPr>
@@ -13003,7 +13210,7 @@
                       <m:sub>
                         <m:r>
                           <a:rPr lang="ru-RU" sz="2100">
-                            <a:latin typeface="+mj-lt"/>
+                            <a:latin typeface="Cambria Math" panose="02040503050406030204" pitchFamily="18" charset="0"/>
                             <a:ea typeface="Calibri" panose="020F0502020204030204" pitchFamily="34" charset="0"/>
                             <a:cs typeface="Times New Roman" panose="02020603050405020304" pitchFamily="18" charset="0"/>
                           </a:rPr>
@@ -13026,8 +13233,8 @@
                     <m:sSub>
                       <m:sSubPr>
                         <m:ctrlPr>
-                          <a:rPr lang="ru-RU" sz="2100">
-                            <a:latin typeface="+mj-lt"/>
+                          <a:rPr lang="ru-RU" sz="2100" i="1">
+                            <a:latin typeface="Cambria Math" panose="02040503050406030204" pitchFamily="18" charset="0"/>
                             <a:ea typeface="Calibri" panose="020F0502020204030204" pitchFamily="34" charset="0"/>
                             <a:cs typeface="Times New Roman" panose="02020603050405020304" pitchFamily="18" charset="0"/>
                           </a:rPr>
@@ -13036,7 +13243,7 @@
                       <m:e>
                         <m:r>
                           <a:rPr lang="en-US" sz="2100">
-                            <a:latin typeface="+mj-lt"/>
+                            <a:latin typeface="Cambria Math" panose="02040503050406030204" pitchFamily="18" charset="0"/>
                             <a:ea typeface="Calibri" panose="020F0502020204030204" pitchFamily="34" charset="0"/>
                             <a:cs typeface="Times New Roman" panose="02020603050405020304" pitchFamily="18" charset="0"/>
                           </a:rPr>
@@ -13046,7 +13253,7 @@
                       <m:sub>
                         <m:r>
                           <a:rPr lang="ru-RU" sz="2100">
-                            <a:latin typeface="+mj-lt"/>
+                            <a:latin typeface="Cambria Math" panose="02040503050406030204" pitchFamily="18" charset="0"/>
                             <a:ea typeface="Calibri" panose="020F0502020204030204" pitchFamily="34" charset="0"/>
                             <a:cs typeface="Times New Roman" panose="02020603050405020304" pitchFamily="18" charset="0"/>
                           </a:rPr>
@@ -13101,7 +13308,7 @@
               <a:blipFill>
                 <a:blip r:embed="rId2"/>
                 <a:stretch>
-                  <a:fillRect l="-670" r="-536"/>
+                  <a:fillRect l="-603"/>
                 </a:stretch>
               </a:blipFill>
             </p:spPr>
@@ -13149,7 +13356,7 @@
               <a:pPr>
                 <a:defRPr/>
               </a:pPr>
-              <a:t>17</a:t>
+              <a:t>18</a:t>
             </a:fld>
             <a:endParaRPr lang="ru-RU" altLang="ru-RU" sz="2000"/>
           </a:p>
@@ -13205,7 +13412,7 @@
 </p:sld>
 </file>
 
-<file path=ppt/slides/slide18.xml><?xml version="1.0" encoding="utf-8"?>
+<file path=ppt/slides/slide19.xml><?xml version="1.0" encoding="utf-8"?>
 <p:sld xmlns:a="http://schemas.openxmlformats.org/drawingml/2006/main" xmlns:r="http://schemas.openxmlformats.org/officeDocument/2006/relationships" xmlns:p="http://schemas.openxmlformats.org/presentationml/2006/main">
   <p:cSld>
     <p:spTree>
@@ -13279,7 +13486,7 @@
               <a:pPr>
                 <a:defRPr/>
               </a:pPr>
-              <a:t>18</a:t>
+              <a:t>19</a:t>
             </a:fld>
             <a:endParaRPr lang="ru-RU" altLang="ru-RU" sz="2000"/>
           </a:p>
@@ -13457,117 +13664,6 @@
     <p:extLst>
       <p:ext uri="{BB962C8B-B14F-4D97-AF65-F5344CB8AC3E}">
         <p14:creationId xmlns:p14="http://schemas.microsoft.com/office/powerpoint/2010/main" val="3354369142"/>
-      </p:ext>
-    </p:extLst>
-  </p:cSld>
-  <p:clrMapOvr>
-    <a:masterClrMapping/>
-  </p:clrMapOvr>
-</p:sld>
-</file>
-
-<file path=ppt/slides/slide19.xml><?xml version="1.0" encoding="utf-8"?>
-<p:sld xmlns:a="http://schemas.openxmlformats.org/drawingml/2006/main" xmlns:r="http://schemas.openxmlformats.org/officeDocument/2006/relationships" xmlns:p="http://schemas.openxmlformats.org/presentationml/2006/main">
-  <p:cSld>
-    <p:spTree>
-      <p:nvGrpSpPr>
-        <p:cNvPr id="1" name=""/>
-        <p:cNvGrpSpPr/>
-        <p:nvPr/>
-      </p:nvGrpSpPr>
-      <p:grpSpPr>
-        <a:xfrm>
-          <a:off x="0" y="0"/>
-          <a:ext cx="0" cy="0"/>
-          <a:chOff x="0" y="0"/>
-          <a:chExt cx="0" cy="0"/>
-        </a:xfrm>
-      </p:grpSpPr>
-      <p:sp>
-        <p:nvSpPr>
-          <p:cNvPr id="2" name="Заголовок 1"/>
-          <p:cNvSpPr>
-            <a:spLocks noGrp="1"/>
-          </p:cNvSpPr>
-          <p:nvPr>
-            <p:ph type="title"/>
-          </p:nvPr>
-        </p:nvSpPr>
-        <p:spPr/>
-        <p:txBody>
-          <a:bodyPr/>
-          <a:lstStyle/>
-          <a:p>
-            <a:r>
-              <a:rPr lang="ru-RU" dirty="0"/>
-              <a:t>Симулятор инфраструктуры</a:t>
-            </a:r>
-          </a:p>
-        </p:txBody>
-      </p:sp>
-      <p:sp>
-        <p:nvSpPr>
-          <p:cNvPr id="4" name="Номер слайда 3"/>
-          <p:cNvSpPr>
-            <a:spLocks noGrp="1"/>
-          </p:cNvSpPr>
-          <p:nvPr>
-            <p:ph type="sldNum" sz="quarter" idx="12"/>
-          </p:nvPr>
-        </p:nvSpPr>
-        <p:spPr/>
-        <p:txBody>
-          <a:bodyPr/>
-          <a:lstStyle/>
-          <a:p>
-            <a:pPr>
-              <a:defRPr/>
-            </a:pPr>
-            <a:fld id="{21BDEC18-8067-4417-9D22-B28DB0185129}" type="slidenum">
-              <a:rPr lang="ru-RU" altLang="ru-RU" smtClean="0"/>
-              <a:pPr>
-                <a:defRPr/>
-              </a:pPr>
-              <a:t>19</a:t>
-            </a:fld>
-            <a:endParaRPr lang="ru-RU" altLang="ru-RU"/>
-          </a:p>
-        </p:txBody>
-      </p:sp>
-      <p:pic>
-        <p:nvPicPr>
-          <p:cNvPr id="6" name="Рисунок 5">
-            <a:extLst>
-              <a:ext uri="{FF2B5EF4-FFF2-40B4-BE49-F238E27FC236}">
-                <a16:creationId xmlns:a16="http://schemas.microsoft.com/office/drawing/2014/main" id="{A76CBDE6-CC08-4615-A9E8-E2EFD7CE495F}"/>
-              </a:ext>
-            </a:extLst>
-          </p:cNvPr>
-          <p:cNvPicPr>
-            <a:picLocks noChangeAspect="1"/>
-          </p:cNvPicPr>
-          <p:nvPr/>
-        </p:nvPicPr>
-        <p:blipFill>
-          <a:blip r:embed="rId2"/>
-          <a:stretch>
-            <a:fillRect/>
-          </a:stretch>
-        </p:blipFill>
-        <p:spPr>
-          <a:xfrm>
-            <a:off x="272785" y="2884789"/>
-            <a:ext cx="9360430" cy="1088422"/>
-          </a:xfrm>
-          <a:prstGeom prst="rect">
-            <a:avLst/>
-          </a:prstGeom>
-        </p:spPr>
-      </p:pic>
-    </p:spTree>
-    <p:extLst>
-      <p:ext uri="{BB962C8B-B14F-4D97-AF65-F5344CB8AC3E}">
-        <p14:creationId xmlns:p14="http://schemas.microsoft.com/office/powerpoint/2010/main" val="1002546162"/>
       </p:ext>
     </p:extLst>
   </p:cSld>
@@ -13740,28 +13836,14 @@
             <p:ph type="title"/>
           </p:nvPr>
         </p:nvSpPr>
-        <p:spPr>
-          <a:xfrm>
-            <a:off x="3008784" y="308757"/>
-            <a:ext cx="6401916" cy="846158"/>
-          </a:xfrm>
-        </p:spPr>
+        <p:spPr/>
         <p:txBody>
-          <a:bodyPr>
-            <a:normAutofit fontScale="90000"/>
-          </a:bodyPr>
+          <a:bodyPr/>
           <a:lstStyle/>
           <a:p>
             <a:r>
               <a:rPr lang="ru-RU" dirty="0"/>
-              <a:t>Результаты сравнения работы алгоритмов </a:t>
-            </a:r>
-            <a:br>
-              <a:rPr lang="ru-RU" dirty="0"/>
-            </a:br>
-            <a:r>
-              <a:rPr lang="ru-RU" dirty="0"/>
-              <a:t>на тестовой выборке</a:t>
+              <a:t>Результаты сравнения алгоритмов</a:t>
             </a:r>
           </a:p>
         </p:txBody>
@@ -13803,540 +13885,6 @@
       </p:sp>
       <p:graphicFrame>
         <p:nvGraphicFramePr>
-          <p:cNvPr id="7" name="Диаграмма 6">
-            <a:extLst>
-              <a:ext uri="{FF2B5EF4-FFF2-40B4-BE49-F238E27FC236}">
-                <a16:creationId xmlns:a16="http://schemas.microsoft.com/office/drawing/2014/main" id="{A9B8FA8D-846D-4543-9224-EE639874342B}"/>
-              </a:ext>
-            </a:extLst>
-          </p:cNvPr>
-          <p:cNvGraphicFramePr>
-            <a:graphicFrameLocks/>
-          </p:cNvGraphicFramePr>
-          <p:nvPr>
-            <p:extLst>
-              <p:ext uri="{D42A27DB-BD31-4B8C-83A1-F6EECF244321}">
-                <p14:modId xmlns:p14="http://schemas.microsoft.com/office/powerpoint/2010/main" val="1292552326"/>
-              </p:ext>
-            </p:extLst>
-          </p:nvPr>
-        </p:nvGraphicFramePr>
-        <p:xfrm>
-          <a:off x="128464" y="1268760"/>
-          <a:ext cx="9433644" cy="4873816"/>
-        </p:xfrm>
-        <a:graphic>
-          <a:graphicData uri="http://schemas.openxmlformats.org/drawingml/2006/chart">
-            <c:chart xmlns:c="http://schemas.openxmlformats.org/drawingml/2006/chart" xmlns:r="http://schemas.openxmlformats.org/officeDocument/2006/relationships" r:id="rId2"/>
-          </a:graphicData>
-        </a:graphic>
-      </p:graphicFrame>
-    </p:spTree>
-    <p:extLst>
-      <p:ext uri="{BB962C8B-B14F-4D97-AF65-F5344CB8AC3E}">
-        <p14:creationId xmlns:p14="http://schemas.microsoft.com/office/powerpoint/2010/main" val="3928577520"/>
-      </p:ext>
-    </p:extLst>
-  </p:cSld>
-  <p:clrMapOvr>
-    <a:masterClrMapping/>
-  </p:clrMapOvr>
-</p:sld>
-</file>
-
-<file path=ppt/slides/slide21.xml><?xml version="1.0" encoding="utf-8"?>
-<p:sld xmlns:a="http://schemas.openxmlformats.org/drawingml/2006/main" xmlns:r="http://schemas.openxmlformats.org/officeDocument/2006/relationships" xmlns:p="http://schemas.openxmlformats.org/presentationml/2006/main">
-  <p:cSld>
-    <p:spTree>
-      <p:nvGrpSpPr>
-        <p:cNvPr id="1" name=""/>
-        <p:cNvGrpSpPr/>
-        <p:nvPr/>
-      </p:nvGrpSpPr>
-      <p:grpSpPr>
-        <a:xfrm>
-          <a:off x="0" y="0"/>
-          <a:ext cx="0" cy="0"/>
-          <a:chOff x="0" y="0"/>
-          <a:chExt cx="0" cy="0"/>
-        </a:xfrm>
-      </p:grpSpPr>
-      <p:sp>
-        <p:nvSpPr>
-          <p:cNvPr id="2" name="Заголовок 1">
-            <a:extLst>
-              <a:ext uri="{FF2B5EF4-FFF2-40B4-BE49-F238E27FC236}">
-                <a16:creationId xmlns:a16="http://schemas.microsoft.com/office/drawing/2014/main" id="{6D9263D9-3264-49A0-BA11-69C2C1D7C98C}"/>
-              </a:ext>
-            </a:extLst>
-          </p:cNvPr>
-          <p:cNvSpPr>
-            <a:spLocks noGrp="1"/>
-          </p:cNvSpPr>
-          <p:nvPr>
-            <p:ph type="title"/>
-          </p:nvPr>
-        </p:nvSpPr>
-        <p:spPr>
-          <a:xfrm>
-            <a:off x="3008784" y="308757"/>
-            <a:ext cx="6401916" cy="846158"/>
-          </a:xfrm>
-        </p:spPr>
-        <p:txBody>
-          <a:bodyPr>
-            <a:normAutofit fontScale="90000"/>
-          </a:bodyPr>
-          <a:lstStyle/>
-          <a:p>
-            <a:r>
-              <a:rPr lang="ru-RU" dirty="0"/>
-              <a:t>Результаты сравнения работы алгоритмов </a:t>
-            </a:r>
-            <a:br>
-              <a:rPr lang="ru-RU" dirty="0"/>
-            </a:br>
-            <a:r>
-              <a:rPr lang="ru-RU" dirty="0"/>
-              <a:t>на тестовой выборке</a:t>
-            </a:r>
-          </a:p>
-        </p:txBody>
-      </p:sp>
-      <p:sp>
-        <p:nvSpPr>
-          <p:cNvPr id="4" name="Номер слайда 3">
-            <a:extLst>
-              <a:ext uri="{FF2B5EF4-FFF2-40B4-BE49-F238E27FC236}">
-                <a16:creationId xmlns:a16="http://schemas.microsoft.com/office/drawing/2014/main" id="{9A4583B1-98BC-4668-BABA-F1B98215EBD5}"/>
-              </a:ext>
-            </a:extLst>
-          </p:cNvPr>
-          <p:cNvSpPr>
-            <a:spLocks noGrp="1"/>
-          </p:cNvSpPr>
-          <p:nvPr>
-            <p:ph type="sldNum" sz="quarter" idx="12"/>
-          </p:nvPr>
-        </p:nvSpPr>
-        <p:spPr/>
-        <p:txBody>
-          <a:bodyPr/>
-          <a:lstStyle/>
-          <a:p>
-            <a:pPr>
-              <a:defRPr/>
-            </a:pPr>
-            <a:fld id="{21BDEC18-8067-4417-9D22-B28DB0185129}" type="slidenum">
-              <a:rPr lang="ru-RU" altLang="ru-RU" sz="2000" smtClean="0"/>
-              <a:pPr>
-                <a:defRPr/>
-              </a:pPr>
-              <a:t>21</a:t>
-            </a:fld>
-            <a:endParaRPr lang="ru-RU" altLang="ru-RU" sz="2000"/>
-          </a:p>
-        </p:txBody>
-      </p:sp>
-      <p:graphicFrame>
-        <p:nvGraphicFramePr>
-          <p:cNvPr id="5" name="Диаграмма 4">
-            <a:extLst>
-              <a:ext uri="{FF2B5EF4-FFF2-40B4-BE49-F238E27FC236}">
-                <a16:creationId xmlns:a16="http://schemas.microsoft.com/office/drawing/2014/main" id="{656B9A5C-C379-4C4B-84AD-EA5C6FEBF1C8}"/>
-              </a:ext>
-            </a:extLst>
-          </p:cNvPr>
-          <p:cNvGraphicFramePr>
-            <a:graphicFrameLocks/>
-          </p:cNvGraphicFramePr>
-          <p:nvPr>
-            <p:extLst>
-              <p:ext uri="{D42A27DB-BD31-4B8C-83A1-F6EECF244321}">
-                <p14:modId xmlns:p14="http://schemas.microsoft.com/office/powerpoint/2010/main" val="3142367018"/>
-              </p:ext>
-            </p:extLst>
-          </p:nvPr>
-        </p:nvGraphicFramePr>
-        <p:xfrm>
-          <a:off x="333655" y="1154914"/>
-          <a:ext cx="9238690" cy="5201435"/>
-        </p:xfrm>
-        <a:graphic>
-          <a:graphicData uri="http://schemas.openxmlformats.org/drawingml/2006/chart">
-            <c:chart xmlns:c="http://schemas.openxmlformats.org/drawingml/2006/chart" xmlns:r="http://schemas.openxmlformats.org/officeDocument/2006/relationships" r:id="rId2"/>
-          </a:graphicData>
-        </a:graphic>
-      </p:graphicFrame>
-    </p:spTree>
-    <p:extLst>
-      <p:ext uri="{BB962C8B-B14F-4D97-AF65-F5344CB8AC3E}">
-        <p14:creationId xmlns:p14="http://schemas.microsoft.com/office/powerpoint/2010/main" val="4154424025"/>
-      </p:ext>
-    </p:extLst>
-  </p:cSld>
-  <p:clrMapOvr>
-    <a:masterClrMapping/>
-  </p:clrMapOvr>
-</p:sld>
-</file>
-
-<file path=ppt/slides/slide22.xml><?xml version="1.0" encoding="utf-8"?>
-<p:sld xmlns:a="http://schemas.openxmlformats.org/drawingml/2006/main" xmlns:r="http://schemas.openxmlformats.org/officeDocument/2006/relationships" xmlns:p="http://schemas.openxmlformats.org/presentationml/2006/main">
-  <p:cSld>
-    <p:spTree>
-      <p:nvGrpSpPr>
-        <p:cNvPr id="1" name=""/>
-        <p:cNvGrpSpPr/>
-        <p:nvPr/>
-      </p:nvGrpSpPr>
-      <p:grpSpPr>
-        <a:xfrm>
-          <a:off x="0" y="0"/>
-          <a:ext cx="0" cy="0"/>
-          <a:chOff x="0" y="0"/>
-          <a:chExt cx="0" cy="0"/>
-        </a:xfrm>
-      </p:grpSpPr>
-      <p:sp>
-        <p:nvSpPr>
-          <p:cNvPr id="2" name="Заголовок 1">
-            <a:extLst>
-              <a:ext uri="{FF2B5EF4-FFF2-40B4-BE49-F238E27FC236}">
-                <a16:creationId xmlns:a16="http://schemas.microsoft.com/office/drawing/2014/main" id="{6D9263D9-3264-49A0-BA11-69C2C1D7C98C}"/>
-              </a:ext>
-            </a:extLst>
-          </p:cNvPr>
-          <p:cNvSpPr>
-            <a:spLocks noGrp="1"/>
-          </p:cNvSpPr>
-          <p:nvPr>
-            <p:ph type="title"/>
-          </p:nvPr>
-        </p:nvSpPr>
-        <p:spPr>
-          <a:xfrm>
-            <a:off x="3008784" y="308757"/>
-            <a:ext cx="6401916" cy="846158"/>
-          </a:xfrm>
-        </p:spPr>
-        <p:txBody>
-          <a:bodyPr>
-            <a:normAutofit fontScale="90000"/>
-          </a:bodyPr>
-          <a:lstStyle/>
-          <a:p>
-            <a:r>
-              <a:rPr lang="ru-RU" dirty="0"/>
-              <a:t>Результаты сравнения работы алгоритмов </a:t>
-            </a:r>
-            <a:br>
-              <a:rPr lang="ru-RU" dirty="0"/>
-            </a:br>
-            <a:r>
-              <a:rPr lang="ru-RU" dirty="0"/>
-              <a:t>на тестовой выборке</a:t>
-            </a:r>
-          </a:p>
-        </p:txBody>
-      </p:sp>
-      <p:sp>
-        <p:nvSpPr>
-          <p:cNvPr id="4" name="Номер слайда 3">
-            <a:extLst>
-              <a:ext uri="{FF2B5EF4-FFF2-40B4-BE49-F238E27FC236}">
-                <a16:creationId xmlns:a16="http://schemas.microsoft.com/office/drawing/2014/main" id="{9A4583B1-98BC-4668-BABA-F1B98215EBD5}"/>
-              </a:ext>
-            </a:extLst>
-          </p:cNvPr>
-          <p:cNvSpPr>
-            <a:spLocks noGrp="1"/>
-          </p:cNvSpPr>
-          <p:nvPr>
-            <p:ph type="sldNum" sz="quarter" idx="12"/>
-          </p:nvPr>
-        </p:nvSpPr>
-        <p:spPr/>
-        <p:txBody>
-          <a:bodyPr/>
-          <a:lstStyle/>
-          <a:p>
-            <a:pPr>
-              <a:defRPr/>
-            </a:pPr>
-            <a:fld id="{21BDEC18-8067-4417-9D22-B28DB0185129}" type="slidenum">
-              <a:rPr lang="ru-RU" altLang="ru-RU" sz="2000" smtClean="0"/>
-              <a:pPr>
-                <a:defRPr/>
-              </a:pPr>
-              <a:t>22</a:t>
-            </a:fld>
-            <a:endParaRPr lang="ru-RU" altLang="ru-RU" sz="2000"/>
-          </a:p>
-        </p:txBody>
-      </p:sp>
-      <p:graphicFrame>
-        <p:nvGraphicFramePr>
-          <p:cNvPr id="5" name="Диаграмма 4">
-            <a:extLst>
-              <a:ext uri="{FF2B5EF4-FFF2-40B4-BE49-F238E27FC236}">
-                <a16:creationId xmlns:a16="http://schemas.microsoft.com/office/drawing/2014/main" id="{9BED7B29-68C0-4B62-842E-315B46440ABD}"/>
-              </a:ext>
-            </a:extLst>
-          </p:cNvPr>
-          <p:cNvGraphicFramePr>
-            <a:graphicFrameLocks/>
-          </p:cNvGraphicFramePr>
-          <p:nvPr>
-            <p:extLst>
-              <p:ext uri="{D42A27DB-BD31-4B8C-83A1-F6EECF244321}">
-                <p14:modId xmlns:p14="http://schemas.microsoft.com/office/powerpoint/2010/main" val="1345401940"/>
-              </p:ext>
-            </p:extLst>
-          </p:nvPr>
-        </p:nvGraphicFramePr>
-        <p:xfrm>
-          <a:off x="172010" y="1166830"/>
-          <a:ext cx="9389502" cy="4926466"/>
-        </p:xfrm>
-        <a:graphic>
-          <a:graphicData uri="http://schemas.openxmlformats.org/drawingml/2006/chart">
-            <c:chart xmlns:c="http://schemas.openxmlformats.org/drawingml/2006/chart" xmlns:r="http://schemas.openxmlformats.org/officeDocument/2006/relationships" r:id="rId2"/>
-          </a:graphicData>
-        </a:graphic>
-      </p:graphicFrame>
-    </p:spTree>
-    <p:extLst>
-      <p:ext uri="{BB962C8B-B14F-4D97-AF65-F5344CB8AC3E}">
-        <p14:creationId xmlns:p14="http://schemas.microsoft.com/office/powerpoint/2010/main" val="3355332943"/>
-      </p:ext>
-    </p:extLst>
-  </p:cSld>
-  <p:clrMapOvr>
-    <a:masterClrMapping/>
-  </p:clrMapOvr>
-</p:sld>
-</file>
-
-<file path=ppt/slides/slide23.xml><?xml version="1.0" encoding="utf-8"?>
-<p:sld xmlns:a="http://schemas.openxmlformats.org/drawingml/2006/main" xmlns:r="http://schemas.openxmlformats.org/officeDocument/2006/relationships" xmlns:p="http://schemas.openxmlformats.org/presentationml/2006/main">
-  <p:cSld>
-    <p:spTree>
-      <p:nvGrpSpPr>
-        <p:cNvPr id="1" name=""/>
-        <p:cNvGrpSpPr/>
-        <p:nvPr/>
-      </p:nvGrpSpPr>
-      <p:grpSpPr>
-        <a:xfrm>
-          <a:off x="0" y="0"/>
-          <a:ext cx="0" cy="0"/>
-          <a:chOff x="0" y="0"/>
-          <a:chExt cx="0" cy="0"/>
-        </a:xfrm>
-      </p:grpSpPr>
-      <p:sp>
-        <p:nvSpPr>
-          <p:cNvPr id="2" name="Заголовок 1">
-            <a:extLst>
-              <a:ext uri="{FF2B5EF4-FFF2-40B4-BE49-F238E27FC236}">
-                <a16:creationId xmlns:a16="http://schemas.microsoft.com/office/drawing/2014/main" id="{6D9263D9-3264-49A0-BA11-69C2C1D7C98C}"/>
-              </a:ext>
-            </a:extLst>
-          </p:cNvPr>
-          <p:cNvSpPr>
-            <a:spLocks noGrp="1"/>
-          </p:cNvSpPr>
-          <p:nvPr>
-            <p:ph type="title"/>
-          </p:nvPr>
-        </p:nvSpPr>
-        <p:spPr>
-          <a:xfrm>
-            <a:off x="3008784" y="308757"/>
-            <a:ext cx="6401916" cy="846158"/>
-          </a:xfrm>
-        </p:spPr>
-        <p:txBody>
-          <a:bodyPr>
-            <a:normAutofit fontScale="90000"/>
-          </a:bodyPr>
-          <a:lstStyle/>
-          <a:p>
-            <a:r>
-              <a:rPr lang="ru-RU" dirty="0"/>
-              <a:t>Результаты сравнения работы алгоритмов </a:t>
-            </a:r>
-            <a:br>
-              <a:rPr lang="ru-RU" dirty="0"/>
-            </a:br>
-            <a:r>
-              <a:rPr lang="ru-RU" dirty="0"/>
-              <a:t>на тестовой выборке</a:t>
-            </a:r>
-          </a:p>
-        </p:txBody>
-      </p:sp>
-      <p:sp>
-        <p:nvSpPr>
-          <p:cNvPr id="4" name="Номер слайда 3">
-            <a:extLst>
-              <a:ext uri="{FF2B5EF4-FFF2-40B4-BE49-F238E27FC236}">
-                <a16:creationId xmlns:a16="http://schemas.microsoft.com/office/drawing/2014/main" id="{9A4583B1-98BC-4668-BABA-F1B98215EBD5}"/>
-              </a:ext>
-            </a:extLst>
-          </p:cNvPr>
-          <p:cNvSpPr>
-            <a:spLocks noGrp="1"/>
-          </p:cNvSpPr>
-          <p:nvPr>
-            <p:ph type="sldNum" sz="quarter" idx="12"/>
-          </p:nvPr>
-        </p:nvSpPr>
-        <p:spPr/>
-        <p:txBody>
-          <a:bodyPr/>
-          <a:lstStyle/>
-          <a:p>
-            <a:pPr>
-              <a:defRPr/>
-            </a:pPr>
-            <a:fld id="{21BDEC18-8067-4417-9D22-B28DB0185129}" type="slidenum">
-              <a:rPr lang="ru-RU" altLang="ru-RU" sz="2000" smtClean="0"/>
-              <a:pPr>
-                <a:defRPr/>
-              </a:pPr>
-              <a:t>23</a:t>
-            </a:fld>
-            <a:endParaRPr lang="ru-RU" altLang="ru-RU" sz="2000"/>
-          </a:p>
-        </p:txBody>
-      </p:sp>
-      <p:graphicFrame>
-        <p:nvGraphicFramePr>
-          <p:cNvPr id="6" name="Диаграмма 5">
-            <a:extLst>
-              <a:ext uri="{FF2B5EF4-FFF2-40B4-BE49-F238E27FC236}">
-                <a16:creationId xmlns:a16="http://schemas.microsoft.com/office/drawing/2014/main" id="{344B1A15-3125-406E-A26C-54F8629CECF2}"/>
-              </a:ext>
-            </a:extLst>
-          </p:cNvPr>
-          <p:cNvGraphicFramePr>
-            <a:graphicFrameLocks/>
-          </p:cNvGraphicFramePr>
-          <p:nvPr>
-            <p:extLst>
-              <p:ext uri="{D42A27DB-BD31-4B8C-83A1-F6EECF244321}">
-                <p14:modId xmlns:p14="http://schemas.microsoft.com/office/powerpoint/2010/main" val="419076776"/>
-              </p:ext>
-            </p:extLst>
-          </p:nvPr>
-        </p:nvGraphicFramePr>
-        <p:xfrm>
-          <a:off x="344488" y="1154916"/>
-          <a:ext cx="9361040" cy="5201434"/>
-        </p:xfrm>
-        <a:graphic>
-          <a:graphicData uri="http://schemas.openxmlformats.org/drawingml/2006/chart">
-            <c:chart xmlns:c="http://schemas.openxmlformats.org/drawingml/2006/chart" xmlns:r="http://schemas.openxmlformats.org/officeDocument/2006/relationships" r:id="rId3"/>
-          </a:graphicData>
-        </a:graphic>
-      </p:graphicFrame>
-    </p:spTree>
-    <p:extLst>
-      <p:ext uri="{BB962C8B-B14F-4D97-AF65-F5344CB8AC3E}">
-        <p14:creationId xmlns:p14="http://schemas.microsoft.com/office/powerpoint/2010/main" val="4115259595"/>
-      </p:ext>
-    </p:extLst>
-  </p:cSld>
-  <p:clrMapOvr>
-    <a:masterClrMapping/>
-  </p:clrMapOvr>
-</p:sld>
-</file>
-
-<file path=ppt/slides/slide24.xml><?xml version="1.0" encoding="utf-8"?>
-<p:sld xmlns:a="http://schemas.openxmlformats.org/drawingml/2006/main" xmlns:r="http://schemas.openxmlformats.org/officeDocument/2006/relationships" xmlns:p="http://schemas.openxmlformats.org/presentationml/2006/main">
-  <p:cSld>
-    <p:spTree>
-      <p:nvGrpSpPr>
-        <p:cNvPr id="1" name=""/>
-        <p:cNvGrpSpPr/>
-        <p:nvPr/>
-      </p:nvGrpSpPr>
-      <p:grpSpPr>
-        <a:xfrm>
-          <a:off x="0" y="0"/>
-          <a:ext cx="0" cy="0"/>
-          <a:chOff x="0" y="0"/>
-          <a:chExt cx="0" cy="0"/>
-        </a:xfrm>
-      </p:grpSpPr>
-      <p:sp>
-        <p:nvSpPr>
-          <p:cNvPr id="2" name="Заголовок 1">
-            <a:extLst>
-              <a:ext uri="{FF2B5EF4-FFF2-40B4-BE49-F238E27FC236}">
-                <a16:creationId xmlns:a16="http://schemas.microsoft.com/office/drawing/2014/main" id="{6D9263D9-3264-49A0-BA11-69C2C1D7C98C}"/>
-              </a:ext>
-            </a:extLst>
-          </p:cNvPr>
-          <p:cNvSpPr>
-            <a:spLocks noGrp="1"/>
-          </p:cNvSpPr>
-          <p:nvPr>
-            <p:ph type="title"/>
-          </p:nvPr>
-        </p:nvSpPr>
-        <p:spPr/>
-        <p:txBody>
-          <a:bodyPr/>
-          <a:lstStyle/>
-          <a:p>
-            <a:r>
-              <a:rPr lang="ru-RU" dirty="0"/>
-              <a:t>Результаты сравнения алгоритмов</a:t>
-            </a:r>
-          </a:p>
-        </p:txBody>
-      </p:sp>
-      <p:sp>
-        <p:nvSpPr>
-          <p:cNvPr id="4" name="Номер слайда 3">
-            <a:extLst>
-              <a:ext uri="{FF2B5EF4-FFF2-40B4-BE49-F238E27FC236}">
-                <a16:creationId xmlns:a16="http://schemas.microsoft.com/office/drawing/2014/main" id="{9A4583B1-98BC-4668-BABA-F1B98215EBD5}"/>
-              </a:ext>
-            </a:extLst>
-          </p:cNvPr>
-          <p:cNvSpPr>
-            <a:spLocks noGrp="1"/>
-          </p:cNvSpPr>
-          <p:nvPr>
-            <p:ph type="sldNum" sz="quarter" idx="12"/>
-          </p:nvPr>
-        </p:nvSpPr>
-        <p:spPr/>
-        <p:txBody>
-          <a:bodyPr/>
-          <a:lstStyle/>
-          <a:p>
-            <a:pPr>
-              <a:defRPr/>
-            </a:pPr>
-            <a:fld id="{21BDEC18-8067-4417-9D22-B28DB0185129}" type="slidenum">
-              <a:rPr lang="ru-RU" altLang="ru-RU" sz="2000" smtClean="0"/>
-              <a:pPr>
-                <a:defRPr/>
-              </a:pPr>
-              <a:t>24</a:t>
-            </a:fld>
-            <a:endParaRPr lang="ru-RU" altLang="ru-RU" sz="2000"/>
-          </a:p>
-        </p:txBody>
-      </p:sp>
-      <p:graphicFrame>
-        <p:nvGraphicFramePr>
           <p:cNvPr id="9" name="Содержимое 3">
             <a:extLst>
               <a:ext uri="{FF2B5EF4-FFF2-40B4-BE49-F238E27FC236}">
@@ -14351,7 +13899,7 @@
             <p:ph idx="1"/>
             <p:extLst>
               <p:ext uri="{D42A27DB-BD31-4B8C-83A1-F6EECF244321}">
-                <p14:modId xmlns:p14="http://schemas.microsoft.com/office/powerpoint/2010/main" val="2760534"/>
+                <p14:modId xmlns:p14="http://schemas.microsoft.com/office/powerpoint/2010/main" val="3419179203"/>
               </p:ext>
             </p:extLst>
           </p:nvPr>
@@ -14367,14 +13915,14 @@
                 <a:tableStyleId>{5C22544A-7EE6-4342-B048-85BDC9FD1C3A}</a:tableStyleId>
               </a:tblPr>
               <a:tblGrid>
-                <a:gridCol w="4550569">
+                <a:gridCol w="3484514">
                   <a:extLst>
                     <a:ext uri="{9D8B030D-6E8A-4147-A177-3AD203B41FA5}">
                       <a16:colId xmlns:a16="http://schemas.microsoft.com/office/drawing/2014/main" val="20001"/>
                     </a:ext>
                   </a:extLst>
                 </a:gridCol>
-                <a:gridCol w="4550569">
+                <a:gridCol w="5616624">
                   <a:extLst>
                     <a:ext uri="{9D8B030D-6E8A-4147-A177-3AD203B41FA5}">
                       <a16:colId xmlns:a16="http://schemas.microsoft.com/office/drawing/2014/main" val="735294048"/>
@@ -14683,7 +14231,7 @@
           <p:nvPr>
             <p:extLst>
               <p:ext uri="{D42A27DB-BD31-4B8C-83A1-F6EECF244321}">
-                <p14:modId xmlns:p14="http://schemas.microsoft.com/office/powerpoint/2010/main" val="3668756942"/>
+                <p14:modId xmlns:p14="http://schemas.microsoft.com/office/powerpoint/2010/main" val="3201201097"/>
               </p:ext>
             </p:extLst>
           </p:nvPr>
@@ -14699,14 +14247,14 @@
                 <a:tableStyleId>{5C22544A-7EE6-4342-B048-85BDC9FD1C3A}</a:tableStyleId>
               </a:tblPr>
               <a:tblGrid>
-                <a:gridCol w="4550569">
+                <a:gridCol w="3484514">
                   <a:extLst>
                     <a:ext uri="{9D8B030D-6E8A-4147-A177-3AD203B41FA5}">
                       <a16:colId xmlns:a16="http://schemas.microsoft.com/office/drawing/2014/main" val="20001"/>
                     </a:ext>
                   </a:extLst>
                 </a:gridCol>
-                <a:gridCol w="4550569">
+                <a:gridCol w="5616624">
                   <a:extLst>
                     <a:ext uri="{9D8B030D-6E8A-4147-A177-3AD203B41FA5}">
                       <a16:colId xmlns:a16="http://schemas.microsoft.com/office/drawing/2014/main" val="735294048"/>
@@ -14846,7 +14394,7 @@
                         <a:rPr lang="ru-RU" sz="1400" u="none" strike="noStrike" dirty="0">
                           <a:effectLst/>
                         </a:rPr>
-                        <a:t>0</a:t>
+                        <a:t>0,00</a:t>
                       </a:r>
                       <a:endParaRPr lang="ru-RU" sz="1800" b="0" i="0" u="none" strike="noStrike" dirty="0">
                         <a:effectLst/>
@@ -15015,14 +14563,14 @@
           <p:nvPr>
             <p:extLst>
               <p:ext uri="{D42A27DB-BD31-4B8C-83A1-F6EECF244321}">
-                <p14:modId xmlns:p14="http://schemas.microsoft.com/office/powerpoint/2010/main" val="582745162"/>
+                <p14:modId xmlns:p14="http://schemas.microsoft.com/office/powerpoint/2010/main" val="1331534751"/>
               </p:ext>
             </p:extLst>
           </p:nvPr>
         </p:nvGraphicFramePr>
         <p:xfrm>
-          <a:off x="388366" y="4509119"/>
-          <a:ext cx="9101139" cy="1854200"/>
+          <a:off x="388363" y="4509119"/>
+          <a:ext cx="9101136" cy="1834505"/>
         </p:xfrm>
         <a:graphic>
           <a:graphicData uri="http://schemas.openxmlformats.org/drawingml/2006/table">
@@ -15031,84 +14579,84 @@
                 <a:tableStyleId>{5C22544A-7EE6-4342-B048-85BDC9FD1C3A}</a:tableStyleId>
               </a:tblPr>
               <a:tblGrid>
-                <a:gridCol w="4550566">
+                <a:gridCol w="3484517">
                   <a:extLst>
                     <a:ext uri="{9D8B030D-6E8A-4147-A177-3AD203B41FA5}">
                       <a16:colId xmlns:a16="http://schemas.microsoft.com/office/drawing/2014/main" val="20001"/>
                     </a:ext>
                   </a:extLst>
                 </a:gridCol>
-                <a:gridCol w="413688">
+                <a:gridCol w="499509">
                   <a:extLst>
                     <a:ext uri="{9D8B030D-6E8A-4147-A177-3AD203B41FA5}">
                       <a16:colId xmlns:a16="http://schemas.microsoft.com/office/drawing/2014/main" val="735294048"/>
                     </a:ext>
                   </a:extLst>
                 </a:gridCol>
-                <a:gridCol w="413689">
+                <a:gridCol w="511711">
                   <a:extLst>
                     <a:ext uri="{9D8B030D-6E8A-4147-A177-3AD203B41FA5}">
                       <a16:colId xmlns:a16="http://schemas.microsoft.com/office/drawing/2014/main" val="3986837286"/>
                     </a:ext>
                   </a:extLst>
                 </a:gridCol>
-                <a:gridCol w="413688">
+                <a:gridCol w="511711">
                   <a:extLst>
                     <a:ext uri="{9D8B030D-6E8A-4147-A177-3AD203B41FA5}">
                       <a16:colId xmlns:a16="http://schemas.microsoft.com/office/drawing/2014/main" val="1834727694"/>
                     </a:ext>
                   </a:extLst>
                 </a:gridCol>
-                <a:gridCol w="413689">
+                <a:gridCol w="511711">
                   <a:extLst>
                     <a:ext uri="{9D8B030D-6E8A-4147-A177-3AD203B41FA5}">
                       <a16:colId xmlns:a16="http://schemas.microsoft.com/office/drawing/2014/main" val="1259432453"/>
                     </a:ext>
                   </a:extLst>
                 </a:gridCol>
-                <a:gridCol w="413688">
+                <a:gridCol w="511711">
                   <a:extLst>
                     <a:ext uri="{9D8B030D-6E8A-4147-A177-3AD203B41FA5}">
                       <a16:colId xmlns:a16="http://schemas.microsoft.com/office/drawing/2014/main" val="163934936"/>
                     </a:ext>
                   </a:extLst>
                 </a:gridCol>
-                <a:gridCol w="413689">
+                <a:gridCol w="511711">
                   <a:extLst>
                     <a:ext uri="{9D8B030D-6E8A-4147-A177-3AD203B41FA5}">
                       <a16:colId xmlns:a16="http://schemas.microsoft.com/office/drawing/2014/main" val="1046052704"/>
                     </a:ext>
                   </a:extLst>
                 </a:gridCol>
-                <a:gridCol w="413688">
+                <a:gridCol w="511711">
                   <a:extLst>
                     <a:ext uri="{9D8B030D-6E8A-4147-A177-3AD203B41FA5}">
                       <a16:colId xmlns:a16="http://schemas.microsoft.com/office/drawing/2014/main" val="1572196861"/>
                     </a:ext>
                   </a:extLst>
                 </a:gridCol>
-                <a:gridCol w="413689">
+                <a:gridCol w="511711">
                   <a:extLst>
                     <a:ext uri="{9D8B030D-6E8A-4147-A177-3AD203B41FA5}">
                       <a16:colId xmlns:a16="http://schemas.microsoft.com/office/drawing/2014/main" val="1172199612"/>
                     </a:ext>
                   </a:extLst>
                 </a:gridCol>
-                <a:gridCol w="413688">
+                <a:gridCol w="511711">
                   <a:extLst>
                     <a:ext uri="{9D8B030D-6E8A-4147-A177-3AD203B41FA5}">
                       <a16:colId xmlns:a16="http://schemas.microsoft.com/office/drawing/2014/main" val="3674860533"/>
                     </a:ext>
                   </a:extLst>
                 </a:gridCol>
-                <a:gridCol w="413689">
+                <a:gridCol w="511711">
                   <a:extLst>
                     <a:ext uri="{9D8B030D-6E8A-4147-A177-3AD203B41FA5}">
                       <a16:colId xmlns:a16="http://schemas.microsoft.com/office/drawing/2014/main" val="4121691054"/>
                     </a:ext>
                   </a:extLst>
                 </a:gridCol>
-                <a:gridCol w="413688">
+                <a:gridCol w="511711">
                   <a:extLst>
                     <a:ext uri="{9D8B030D-6E8A-4147-A177-3AD203B41FA5}">
                       <a16:colId xmlns:a16="http://schemas.microsoft.com/office/drawing/2014/main" val="3186213257"/>
@@ -15116,7 +14664,7 @@
                   </a:extLst>
                 </a:gridCol>
               </a:tblGrid>
-              <a:tr h="370840">
+              <a:tr h="366901">
                 <a:tc>
                   <a:txBody>
                     <a:bodyPr/>
@@ -15145,7 +14693,7 @@
                       </a:endParaRPr>
                     </a:p>
                   </a:txBody>
-                  <a:tcPr marL="68580" marR="68580" marT="9525" marB="0">
+                  <a:tcPr marL="68821" marR="68821" marT="9558" marB="0">
                     <a:solidFill>
                       <a:srgbClr val="C00000"/>
                     </a:solidFill>
@@ -15179,7 +14727,7 @@
                       </a:endParaRPr>
                     </a:p>
                   </a:txBody>
-                  <a:tcPr marL="68580" marR="68580" marT="9525" marB="0">
+                  <a:tcPr marL="91761" marR="91761" marT="45881" marB="45881">
                     <a:solidFill>
                       <a:srgbClr val="C00000"/>
                     </a:solidFill>
@@ -15291,7 +14839,7 @@
                   </a:ext>
                 </a:extLst>
               </a:tr>
-              <a:tr h="370840">
+              <a:tr h="366901">
                 <a:tc>
                   <a:txBody>
                     <a:bodyPr/>
@@ -15320,7 +14868,7 @@
                       </a:endParaRPr>
                     </a:p>
                   </a:txBody>
-                  <a:tcPr marL="68580" marR="68580" marT="9525" marB="0" anchor="ctr"/>
+                  <a:tcPr marL="68821" marR="68821" marT="9558" marB="0" anchor="ctr"/>
                 </a:tc>
                 <a:tc>
                   <a:txBody>
@@ -15350,315 +14898,8 @@
                       </a:endParaRPr>
                     </a:p>
                   </a:txBody>
-                  <a:tcPr marL="68580" marR="68580" marT="9525" marB="0" anchor="ctr"/>
+                  <a:tcPr marL="68821" marR="68821" marT="9558" marB="0" anchor="ctr"/>
                 </a:tc>
-                <a:tc>
-                  <a:txBody>
-                    <a:bodyPr/>
-                    <a:lstStyle/>
-                    <a:p>
-                      <a:pPr algn="ctr" fontAlgn="ctr">
-                        <a:lnSpc>
-                          <a:spcPct val="107000"/>
-                        </a:lnSpc>
-                        <a:spcBef>
-                          <a:spcPts val="0"/>
-                        </a:spcBef>
-                        <a:spcAft>
-                          <a:spcPts val="800"/>
-                        </a:spcAft>
-                      </a:pPr>
-                      <a:r>
-                        <a:rPr lang="ru-RU" sz="1400" u="none" strike="noStrike">
-                          <a:effectLst/>
-                        </a:rPr>
-                        <a:t>5</a:t>
-                      </a:r>
-                      <a:endParaRPr lang="ru-RU" sz="1800" b="0" i="0" u="none" strike="noStrike">
-                        <a:effectLst/>
-                        <a:latin typeface="Arial" panose="020B0604020202020204" pitchFamily="34" charset="0"/>
-                      </a:endParaRPr>
-                    </a:p>
-                  </a:txBody>
-                  <a:tcPr marL="68580" marR="68580" marT="9525" marB="0" anchor="ctr"/>
-                </a:tc>
-                <a:tc>
-                  <a:txBody>
-                    <a:bodyPr/>
-                    <a:lstStyle/>
-                    <a:p>
-                      <a:pPr algn="ctr" fontAlgn="ctr">
-                        <a:lnSpc>
-                          <a:spcPct val="107000"/>
-                        </a:lnSpc>
-                        <a:spcBef>
-                          <a:spcPts val="0"/>
-                        </a:spcBef>
-                        <a:spcAft>
-                          <a:spcPts val="800"/>
-                        </a:spcAft>
-                      </a:pPr>
-                      <a:r>
-                        <a:rPr lang="ru-RU" sz="1400" u="none" strike="noStrike">
-                          <a:effectLst/>
-                        </a:rPr>
-                        <a:t>10</a:t>
-                      </a:r>
-                      <a:endParaRPr lang="ru-RU" sz="1800" b="0" i="0" u="none" strike="noStrike">
-                        <a:effectLst/>
-                        <a:latin typeface="Arial" panose="020B0604020202020204" pitchFamily="34" charset="0"/>
-                      </a:endParaRPr>
-                    </a:p>
-                  </a:txBody>
-                  <a:tcPr marL="68580" marR="68580" marT="9525" marB="0" anchor="ctr"/>
-                </a:tc>
-                <a:tc>
-                  <a:txBody>
-                    <a:bodyPr/>
-                    <a:lstStyle/>
-                    <a:p>
-                      <a:pPr algn="ctr" fontAlgn="ctr">
-                        <a:lnSpc>
-                          <a:spcPct val="107000"/>
-                        </a:lnSpc>
-                        <a:spcBef>
-                          <a:spcPts val="0"/>
-                        </a:spcBef>
-                        <a:spcAft>
-                          <a:spcPts val="800"/>
-                        </a:spcAft>
-                      </a:pPr>
-                      <a:r>
-                        <a:rPr lang="ru-RU" sz="1400" u="none" strike="noStrike">
-                          <a:effectLst/>
-                        </a:rPr>
-                        <a:t>15</a:t>
-                      </a:r>
-                      <a:endParaRPr lang="ru-RU" sz="1800" b="0" i="0" u="none" strike="noStrike">
-                        <a:effectLst/>
-                        <a:latin typeface="Arial" panose="020B0604020202020204" pitchFamily="34" charset="0"/>
-                      </a:endParaRPr>
-                    </a:p>
-                  </a:txBody>
-                  <a:tcPr marL="68580" marR="68580" marT="9525" marB="0" anchor="ctr"/>
-                </a:tc>
-                <a:tc>
-                  <a:txBody>
-                    <a:bodyPr/>
-                    <a:lstStyle/>
-                    <a:p>
-                      <a:pPr algn="ctr" fontAlgn="ctr">
-                        <a:lnSpc>
-                          <a:spcPct val="107000"/>
-                        </a:lnSpc>
-                        <a:spcBef>
-                          <a:spcPts val="0"/>
-                        </a:spcBef>
-                        <a:spcAft>
-                          <a:spcPts val="800"/>
-                        </a:spcAft>
-                      </a:pPr>
-                      <a:r>
-                        <a:rPr lang="ru-RU" sz="1400" u="none" strike="noStrike">
-                          <a:effectLst/>
-                        </a:rPr>
-                        <a:t>20</a:t>
-                      </a:r>
-                      <a:endParaRPr lang="ru-RU" sz="1800" b="0" i="0" u="none" strike="noStrike">
-                        <a:effectLst/>
-                        <a:latin typeface="Arial" panose="020B0604020202020204" pitchFamily="34" charset="0"/>
-                      </a:endParaRPr>
-                    </a:p>
-                  </a:txBody>
-                  <a:tcPr marL="68580" marR="68580" marT="9525" marB="0" anchor="ctr"/>
-                </a:tc>
-                <a:tc>
-                  <a:txBody>
-                    <a:bodyPr/>
-                    <a:lstStyle/>
-                    <a:p>
-                      <a:pPr algn="ctr" fontAlgn="ctr">
-                        <a:lnSpc>
-                          <a:spcPct val="107000"/>
-                        </a:lnSpc>
-                        <a:spcBef>
-                          <a:spcPts val="0"/>
-                        </a:spcBef>
-                        <a:spcAft>
-                          <a:spcPts val="800"/>
-                        </a:spcAft>
-                      </a:pPr>
-                      <a:r>
-                        <a:rPr lang="ru-RU" sz="1400" u="none" strike="noStrike">
-                          <a:effectLst/>
-                        </a:rPr>
-                        <a:t>25</a:t>
-                      </a:r>
-                      <a:endParaRPr lang="ru-RU" sz="1800" b="0" i="0" u="none" strike="noStrike">
-                        <a:effectLst/>
-                        <a:latin typeface="Arial" panose="020B0604020202020204" pitchFamily="34" charset="0"/>
-                      </a:endParaRPr>
-                    </a:p>
-                  </a:txBody>
-                  <a:tcPr marL="68580" marR="68580" marT="9525" marB="0" anchor="ctr"/>
-                </a:tc>
-                <a:tc>
-                  <a:txBody>
-                    <a:bodyPr/>
-                    <a:lstStyle/>
-                    <a:p>
-                      <a:pPr algn="ctr" fontAlgn="ctr">
-                        <a:lnSpc>
-                          <a:spcPct val="107000"/>
-                        </a:lnSpc>
-                        <a:spcBef>
-                          <a:spcPts val="0"/>
-                        </a:spcBef>
-                        <a:spcAft>
-                          <a:spcPts val="800"/>
-                        </a:spcAft>
-                      </a:pPr>
-                      <a:r>
-                        <a:rPr lang="ru-RU" sz="1400" u="none" strike="noStrike">
-                          <a:effectLst/>
-                        </a:rPr>
-                        <a:t>30</a:t>
-                      </a:r>
-                      <a:endParaRPr lang="ru-RU" sz="1800" b="0" i="0" u="none" strike="noStrike">
-                        <a:effectLst/>
-                        <a:latin typeface="Arial" panose="020B0604020202020204" pitchFamily="34" charset="0"/>
-                      </a:endParaRPr>
-                    </a:p>
-                  </a:txBody>
-                  <a:tcPr marL="68580" marR="68580" marT="9525" marB="0" anchor="ctr"/>
-                </a:tc>
-                <a:tc>
-                  <a:txBody>
-                    <a:bodyPr/>
-                    <a:lstStyle/>
-                    <a:p>
-                      <a:pPr algn="ctr" fontAlgn="ctr">
-                        <a:lnSpc>
-                          <a:spcPct val="107000"/>
-                        </a:lnSpc>
-                        <a:spcBef>
-                          <a:spcPts val="0"/>
-                        </a:spcBef>
-                        <a:spcAft>
-                          <a:spcPts val="800"/>
-                        </a:spcAft>
-                      </a:pPr>
-                      <a:r>
-                        <a:rPr lang="ru-RU" sz="1400" u="none" strike="noStrike">
-                          <a:effectLst/>
-                        </a:rPr>
-                        <a:t>35</a:t>
-                      </a:r>
-                      <a:endParaRPr lang="ru-RU" sz="1800" b="0" i="0" u="none" strike="noStrike">
-                        <a:effectLst/>
-                        <a:latin typeface="Arial" panose="020B0604020202020204" pitchFamily="34" charset="0"/>
-                      </a:endParaRPr>
-                    </a:p>
-                  </a:txBody>
-                  <a:tcPr marL="68580" marR="68580" marT="9525" marB="0" anchor="ctr"/>
-                </a:tc>
-                <a:tc>
-                  <a:txBody>
-                    <a:bodyPr/>
-                    <a:lstStyle/>
-                    <a:p>
-                      <a:pPr algn="ctr" fontAlgn="ctr">
-                        <a:lnSpc>
-                          <a:spcPct val="107000"/>
-                        </a:lnSpc>
-                        <a:spcBef>
-                          <a:spcPts val="0"/>
-                        </a:spcBef>
-                        <a:spcAft>
-                          <a:spcPts val="800"/>
-                        </a:spcAft>
-                      </a:pPr>
-                      <a:r>
-                        <a:rPr lang="ru-RU" sz="1400" u="none" strike="noStrike">
-                          <a:effectLst/>
-                        </a:rPr>
-                        <a:t>40</a:t>
-                      </a:r>
-                      <a:endParaRPr lang="ru-RU" sz="1800" b="0" i="0" u="none" strike="noStrike">
-                        <a:effectLst/>
-                        <a:latin typeface="Arial" panose="020B0604020202020204" pitchFamily="34" charset="0"/>
-                      </a:endParaRPr>
-                    </a:p>
-                  </a:txBody>
-                  <a:tcPr marL="68580" marR="68580" marT="9525" marB="0" anchor="ctr"/>
-                </a:tc>
-                <a:tc>
-                  <a:txBody>
-                    <a:bodyPr/>
-                    <a:lstStyle/>
-                    <a:p>
-                      <a:pPr algn="ctr" fontAlgn="ctr">
-                        <a:lnSpc>
-                          <a:spcPct val="107000"/>
-                        </a:lnSpc>
-                        <a:spcBef>
-                          <a:spcPts val="0"/>
-                        </a:spcBef>
-                        <a:spcAft>
-                          <a:spcPts val="800"/>
-                        </a:spcAft>
-                      </a:pPr>
-                      <a:r>
-                        <a:rPr lang="ru-RU" sz="1400" u="none" strike="noStrike">
-                          <a:effectLst/>
-                        </a:rPr>
-                        <a:t>45</a:t>
-                      </a:r>
-                      <a:endParaRPr lang="ru-RU" sz="1800" b="0" i="0" u="none" strike="noStrike">
-                        <a:effectLst/>
-                        <a:latin typeface="Arial" panose="020B0604020202020204" pitchFamily="34" charset="0"/>
-                      </a:endParaRPr>
-                    </a:p>
-                  </a:txBody>
-                  <a:tcPr marL="68580" marR="68580" marT="9525" marB="0" anchor="ctr"/>
-                </a:tc>
-                <a:tc>
-                  <a:txBody>
-                    <a:bodyPr/>
-                    <a:lstStyle/>
-                    <a:p>
-                      <a:pPr algn="ctr" fontAlgn="ctr">
-                        <a:lnSpc>
-                          <a:spcPct val="107000"/>
-                        </a:lnSpc>
-                        <a:spcBef>
-                          <a:spcPts val="0"/>
-                        </a:spcBef>
-                        <a:spcAft>
-                          <a:spcPts val="800"/>
-                        </a:spcAft>
-                      </a:pPr>
-                      <a:r>
-                        <a:rPr lang="ru-RU" sz="1400" u="none" strike="noStrike">
-                          <a:effectLst/>
-                        </a:rPr>
-                        <a:t>50</a:t>
-                      </a:r>
-                      <a:endParaRPr lang="ru-RU" sz="1800" b="0" i="0" u="none" strike="noStrike">
-                        <a:effectLst/>
-                        <a:latin typeface="Arial" panose="020B0604020202020204" pitchFamily="34" charset="0"/>
-                      </a:endParaRPr>
-                    </a:p>
-                  </a:txBody>
-                  <a:tcPr marL="68580" marR="68580" marT="9525" marB="0" anchor="ctr"/>
-                </a:tc>
-                <a:extLst>
-                  <a:ext uri="{0D108BD9-81ED-4DB2-BD59-A6C34878D82A}">
-                    <a16:rowId xmlns:a16="http://schemas.microsoft.com/office/drawing/2014/main" val="10001"/>
-                  </a:ext>
-                </a:extLst>
-              </a:tr>
-              <a:tr h="370840">
                 <a:tc>
                   <a:txBody>
                     <a:bodyPr/>
@@ -15679,21 +14920,15 @@
                         <a:rPr lang="ru-RU" sz="1400" u="none" strike="noStrike" dirty="0">
                           <a:effectLst/>
                         </a:rPr>
-                        <a:t>Алгоритм </a:t>
+                        <a:t>5</a:t>
                       </a:r>
-                      <a:r>
-                        <a:rPr lang="en-US" sz="1400" u="none" strike="noStrike" dirty="0">
-                          <a:effectLst/>
-                        </a:rPr>
-                        <a:t>BFD</a:t>
-                      </a:r>
-                      <a:endParaRPr lang="en-US" sz="1800" b="0" i="0" u="none" strike="noStrike" dirty="0">
+                      <a:endParaRPr lang="ru-RU" sz="1800" b="0" i="0" u="none" strike="noStrike" dirty="0">
                         <a:effectLst/>
                         <a:latin typeface="Arial" panose="020B0604020202020204" pitchFamily="34" charset="0"/>
                       </a:endParaRPr>
                     </a:p>
                   </a:txBody>
-                  <a:tcPr marL="68580" marR="68580" marT="9525" marB="0" anchor="ctr"/>
+                  <a:tcPr marL="68821" marR="68821" marT="9558" marB="0" anchor="ctr"/>
                 </a:tc>
                 <a:tc>
                   <a:txBody>
@@ -15712,18 +14947,18 @@
                         </a:spcAft>
                       </a:pPr>
                       <a:r>
-                        <a:rPr lang="ru-RU" sz="1400" u="none" strike="noStrike">
+                        <a:rPr lang="ru-RU" sz="1400" u="none" strike="noStrike" dirty="0">
                           <a:effectLst/>
                         </a:rPr>
-                        <a:t>100</a:t>
+                        <a:t>10</a:t>
                       </a:r>
-                      <a:endParaRPr lang="ru-RU" sz="1800" b="0" i="0" u="none" strike="noStrike">
+                      <a:endParaRPr lang="ru-RU" sz="1800" b="0" i="0" u="none" strike="noStrike" dirty="0">
                         <a:effectLst/>
                         <a:latin typeface="Arial" panose="020B0604020202020204" pitchFamily="34" charset="0"/>
                       </a:endParaRPr>
                     </a:p>
                   </a:txBody>
-                  <a:tcPr marL="68580" marR="68580" marT="9525" marB="0" anchor="ctr"/>
+                  <a:tcPr marL="68821" marR="68821" marT="9558" marB="0" anchor="ctr"/>
                 </a:tc>
                 <a:tc>
                   <a:txBody>
@@ -15742,18 +14977,138 @@
                         </a:spcAft>
                       </a:pPr>
                       <a:r>
-                        <a:rPr lang="ru-RU" sz="1400" u="none" strike="noStrike">
+                        <a:rPr lang="ru-RU" sz="1400" u="none" strike="noStrike" dirty="0">
                           <a:effectLst/>
                         </a:rPr>
-                        <a:t>60</a:t>
+                        <a:t>15</a:t>
                       </a:r>
-                      <a:endParaRPr lang="ru-RU" sz="1800" b="0" i="0" u="none" strike="noStrike">
+                      <a:endParaRPr lang="ru-RU" sz="1800" b="0" i="0" u="none" strike="noStrike" dirty="0">
                         <a:effectLst/>
                         <a:latin typeface="Arial" panose="020B0604020202020204" pitchFamily="34" charset="0"/>
                       </a:endParaRPr>
                     </a:p>
                   </a:txBody>
-                  <a:tcPr marL="68580" marR="68580" marT="9525" marB="0" anchor="ctr"/>
+                  <a:tcPr marL="68821" marR="68821" marT="9558" marB="0" anchor="ctr"/>
+                </a:tc>
+                <a:tc>
+                  <a:txBody>
+                    <a:bodyPr/>
+                    <a:lstStyle/>
+                    <a:p>
+                      <a:pPr algn="ctr" fontAlgn="ctr">
+                        <a:lnSpc>
+                          <a:spcPct val="107000"/>
+                        </a:lnSpc>
+                        <a:spcBef>
+                          <a:spcPts val="0"/>
+                        </a:spcBef>
+                        <a:spcAft>
+                          <a:spcPts val="800"/>
+                        </a:spcAft>
+                      </a:pPr>
+                      <a:r>
+                        <a:rPr lang="ru-RU" sz="1400" u="none" strike="noStrike" dirty="0">
+                          <a:effectLst/>
+                        </a:rPr>
+                        <a:t>20</a:t>
+                      </a:r>
+                      <a:endParaRPr lang="ru-RU" sz="1800" b="0" i="0" u="none" strike="noStrike" dirty="0">
+                        <a:effectLst/>
+                        <a:latin typeface="Arial" panose="020B0604020202020204" pitchFamily="34" charset="0"/>
+                      </a:endParaRPr>
+                    </a:p>
+                  </a:txBody>
+                  <a:tcPr marL="68821" marR="68821" marT="9558" marB="0" anchor="ctr"/>
+                </a:tc>
+                <a:tc>
+                  <a:txBody>
+                    <a:bodyPr/>
+                    <a:lstStyle/>
+                    <a:p>
+                      <a:pPr algn="ctr" fontAlgn="ctr">
+                        <a:lnSpc>
+                          <a:spcPct val="107000"/>
+                        </a:lnSpc>
+                        <a:spcBef>
+                          <a:spcPts val="0"/>
+                        </a:spcBef>
+                        <a:spcAft>
+                          <a:spcPts val="800"/>
+                        </a:spcAft>
+                      </a:pPr>
+                      <a:r>
+                        <a:rPr lang="ru-RU" sz="1400" u="none" strike="noStrike" dirty="0">
+                          <a:effectLst/>
+                        </a:rPr>
+                        <a:t>25</a:t>
+                      </a:r>
+                      <a:endParaRPr lang="ru-RU" sz="1800" b="0" i="0" u="none" strike="noStrike" dirty="0">
+                        <a:effectLst/>
+                        <a:latin typeface="Arial" panose="020B0604020202020204" pitchFamily="34" charset="0"/>
+                      </a:endParaRPr>
+                    </a:p>
+                  </a:txBody>
+                  <a:tcPr marL="68821" marR="68821" marT="9558" marB="0" anchor="ctr"/>
+                </a:tc>
+                <a:tc>
+                  <a:txBody>
+                    <a:bodyPr/>
+                    <a:lstStyle/>
+                    <a:p>
+                      <a:pPr algn="ctr" fontAlgn="ctr">
+                        <a:lnSpc>
+                          <a:spcPct val="107000"/>
+                        </a:lnSpc>
+                        <a:spcBef>
+                          <a:spcPts val="0"/>
+                        </a:spcBef>
+                        <a:spcAft>
+                          <a:spcPts val="800"/>
+                        </a:spcAft>
+                      </a:pPr>
+                      <a:r>
+                        <a:rPr lang="ru-RU" sz="1400" u="none" strike="noStrike" dirty="0">
+                          <a:effectLst/>
+                        </a:rPr>
+                        <a:t>30</a:t>
+                      </a:r>
+                      <a:endParaRPr lang="ru-RU" sz="1800" b="0" i="0" u="none" strike="noStrike" dirty="0">
+                        <a:effectLst/>
+                        <a:latin typeface="Arial" panose="020B0604020202020204" pitchFamily="34" charset="0"/>
+                      </a:endParaRPr>
+                    </a:p>
+                  </a:txBody>
+                  <a:tcPr marL="68821" marR="68821" marT="9558" marB="0" anchor="ctr"/>
+                </a:tc>
+                <a:tc>
+                  <a:txBody>
+                    <a:bodyPr/>
+                    <a:lstStyle/>
+                    <a:p>
+                      <a:pPr algn="ctr" fontAlgn="ctr">
+                        <a:lnSpc>
+                          <a:spcPct val="107000"/>
+                        </a:lnSpc>
+                        <a:spcBef>
+                          <a:spcPts val="0"/>
+                        </a:spcBef>
+                        <a:spcAft>
+                          <a:spcPts val="800"/>
+                        </a:spcAft>
+                      </a:pPr>
+                      <a:r>
+                        <a:rPr lang="ru-RU" sz="1400" u="none" strike="noStrike" dirty="0">
+                          <a:effectLst/>
+                        </a:rPr>
+                        <a:t>35</a:t>
+                      </a:r>
+                      <a:endParaRPr lang="ru-RU" sz="1800" b="0" i="0" u="none" strike="noStrike" dirty="0">
+                        <a:effectLst/>
+                        <a:latin typeface="Arial" panose="020B0604020202020204" pitchFamily="34" charset="0"/>
+                      </a:endParaRPr>
+                    </a:p>
+                  </a:txBody>
+                  <a:tcPr marL="68821" marR="68821" marT="9558" marB="0" anchor="ctr"/>
                 </a:tc>
                 <a:tc>
                   <a:txBody>
@@ -15783,7 +15138,7 @@
                       </a:endParaRPr>
                     </a:p>
                   </a:txBody>
-                  <a:tcPr marL="68580" marR="68580" marT="9525" marB="0" anchor="ctr"/>
+                  <a:tcPr marL="68821" marR="68821" marT="9558" marB="0" anchor="ctr"/>
                 </a:tc>
                 <a:tc>
                   <a:txBody>
@@ -15805,7 +15160,7 @@
                         <a:rPr lang="ru-RU" sz="1400" u="none" strike="noStrike" dirty="0">
                           <a:effectLst/>
                         </a:rPr>
-                        <a:t>20</a:t>
+                        <a:t>45</a:t>
                       </a:r>
                       <a:endParaRPr lang="ru-RU" sz="1800" b="0" i="0" u="none" strike="noStrike" dirty="0">
                         <a:effectLst/>
@@ -15813,187 +15168,7 @@
                       </a:endParaRPr>
                     </a:p>
                   </a:txBody>
-                  <a:tcPr marL="68580" marR="68580" marT="9525" marB="0" anchor="ctr"/>
-                </a:tc>
-                <a:tc>
-                  <a:txBody>
-                    <a:bodyPr/>
-                    <a:lstStyle/>
-                    <a:p>
-                      <a:pPr algn="ctr" fontAlgn="ctr">
-                        <a:lnSpc>
-                          <a:spcPct val="107000"/>
-                        </a:lnSpc>
-                        <a:spcBef>
-                          <a:spcPts val="0"/>
-                        </a:spcBef>
-                        <a:spcAft>
-                          <a:spcPts val="800"/>
-                        </a:spcAft>
-                      </a:pPr>
-                      <a:r>
-                        <a:rPr lang="ru-RU" sz="1400" u="none" strike="noStrike">
-                          <a:effectLst/>
-                        </a:rPr>
-                        <a:t>0</a:t>
-                      </a:r>
-                      <a:endParaRPr lang="ru-RU" sz="1800" b="0" i="0" u="none" strike="noStrike">
-                        <a:effectLst/>
-                        <a:latin typeface="Arial" panose="020B0604020202020204" pitchFamily="34" charset="0"/>
-                      </a:endParaRPr>
-                    </a:p>
-                  </a:txBody>
-                  <a:tcPr marL="68580" marR="68580" marT="9525" marB="0" anchor="ctr"/>
-                </a:tc>
-                <a:tc>
-                  <a:txBody>
-                    <a:bodyPr/>
-                    <a:lstStyle/>
-                    <a:p>
-                      <a:pPr algn="ctr" fontAlgn="ctr">
-                        <a:lnSpc>
-                          <a:spcPct val="107000"/>
-                        </a:lnSpc>
-                        <a:spcBef>
-                          <a:spcPts val="0"/>
-                        </a:spcBef>
-                        <a:spcAft>
-                          <a:spcPts val="800"/>
-                        </a:spcAft>
-                      </a:pPr>
-                      <a:r>
-                        <a:rPr lang="ru-RU" sz="1400" u="none" strike="noStrike">
-                          <a:effectLst/>
-                        </a:rPr>
-                        <a:t>0</a:t>
-                      </a:r>
-                      <a:endParaRPr lang="ru-RU" sz="1800" b="0" i="0" u="none" strike="noStrike">
-                        <a:effectLst/>
-                        <a:latin typeface="Arial" panose="020B0604020202020204" pitchFamily="34" charset="0"/>
-                      </a:endParaRPr>
-                    </a:p>
-                  </a:txBody>
-                  <a:tcPr marL="68580" marR="68580" marT="9525" marB="0" anchor="ctr"/>
-                </a:tc>
-                <a:tc>
-                  <a:txBody>
-                    <a:bodyPr/>
-                    <a:lstStyle/>
-                    <a:p>
-                      <a:pPr algn="ctr" fontAlgn="ctr">
-                        <a:lnSpc>
-                          <a:spcPct val="107000"/>
-                        </a:lnSpc>
-                        <a:spcBef>
-                          <a:spcPts val="0"/>
-                        </a:spcBef>
-                        <a:spcAft>
-                          <a:spcPts val="800"/>
-                        </a:spcAft>
-                      </a:pPr>
-                      <a:r>
-                        <a:rPr lang="ru-RU" sz="1400" u="none" strike="noStrike">
-                          <a:effectLst/>
-                        </a:rPr>
-                        <a:t>0</a:t>
-                      </a:r>
-                      <a:endParaRPr lang="ru-RU" sz="1800" b="0" i="0" u="none" strike="noStrike">
-                        <a:effectLst/>
-                        <a:latin typeface="Arial" panose="020B0604020202020204" pitchFamily="34" charset="0"/>
-                      </a:endParaRPr>
-                    </a:p>
-                  </a:txBody>
-                  <a:tcPr marL="68580" marR="68580" marT="9525" marB="0" anchor="ctr"/>
-                </a:tc>
-                <a:tc>
-                  <a:txBody>
-                    <a:bodyPr/>
-                    <a:lstStyle/>
-                    <a:p>
-                      <a:pPr algn="ctr" fontAlgn="ctr">
-                        <a:lnSpc>
-                          <a:spcPct val="107000"/>
-                        </a:lnSpc>
-                        <a:spcBef>
-                          <a:spcPts val="0"/>
-                        </a:spcBef>
-                        <a:spcAft>
-                          <a:spcPts val="800"/>
-                        </a:spcAft>
-                      </a:pPr>
-                      <a:r>
-                        <a:rPr lang="ru-RU" sz="1400" u="none" strike="noStrike">
-                          <a:effectLst/>
-                        </a:rPr>
-                        <a:t>0</a:t>
-                      </a:r>
-                      <a:endParaRPr lang="ru-RU" sz="1800" b="0" i="0" u="none" strike="noStrike">
-                        <a:effectLst/>
-                        <a:latin typeface="Arial" panose="020B0604020202020204" pitchFamily="34" charset="0"/>
-                      </a:endParaRPr>
-                    </a:p>
-                  </a:txBody>
-                  <a:tcPr marL="68580" marR="68580" marT="9525" marB="0" anchor="ctr"/>
-                </a:tc>
-                <a:tc>
-                  <a:txBody>
-                    <a:bodyPr/>
-                    <a:lstStyle/>
-                    <a:p>
-                      <a:pPr algn="ctr" fontAlgn="ctr">
-                        <a:lnSpc>
-                          <a:spcPct val="107000"/>
-                        </a:lnSpc>
-                        <a:spcBef>
-                          <a:spcPts val="0"/>
-                        </a:spcBef>
-                        <a:spcAft>
-                          <a:spcPts val="800"/>
-                        </a:spcAft>
-                      </a:pPr>
-                      <a:r>
-                        <a:rPr lang="ru-RU" sz="1400" u="none" strike="noStrike">
-                          <a:effectLst/>
-                        </a:rPr>
-                        <a:t>0</a:t>
-                      </a:r>
-                      <a:endParaRPr lang="ru-RU" sz="1800" b="0" i="0" u="none" strike="noStrike">
-                        <a:effectLst/>
-                        <a:latin typeface="Arial" panose="020B0604020202020204" pitchFamily="34" charset="0"/>
-                      </a:endParaRPr>
-                    </a:p>
-                  </a:txBody>
-                  <a:tcPr marL="68580" marR="68580" marT="9525" marB="0" anchor="ctr"/>
-                </a:tc>
-                <a:tc>
-                  <a:txBody>
-                    <a:bodyPr/>
-                    <a:lstStyle/>
-                    <a:p>
-                      <a:pPr algn="ctr" fontAlgn="ctr">
-                        <a:lnSpc>
-                          <a:spcPct val="107000"/>
-                        </a:lnSpc>
-                        <a:spcBef>
-                          <a:spcPts val="0"/>
-                        </a:spcBef>
-                        <a:spcAft>
-                          <a:spcPts val="800"/>
-                        </a:spcAft>
-                      </a:pPr>
-                      <a:r>
-                        <a:rPr lang="ru-RU" sz="1400" u="none" strike="noStrike">
-                          <a:effectLst/>
-                        </a:rPr>
-                        <a:t>0</a:t>
-                      </a:r>
-                      <a:endParaRPr lang="ru-RU" sz="1800" b="0" i="0" u="none" strike="noStrike">
-                        <a:effectLst/>
-                        <a:latin typeface="Arial" panose="020B0604020202020204" pitchFamily="34" charset="0"/>
-                      </a:endParaRPr>
-                    </a:p>
-                  </a:txBody>
-                  <a:tcPr marL="68580" marR="68580" marT="9525" marB="0" anchor="ctr"/>
+                  <a:tcPr marL="68821" marR="68821" marT="9558" marB="0" anchor="ctr"/>
                 </a:tc>
                 <a:tc>
                   <a:txBody>
@@ -16015,7 +15190,7 @@
                         <a:rPr lang="ru-RU" sz="1400" u="none" strike="noStrike" dirty="0">
                           <a:effectLst/>
                         </a:rPr>
-                        <a:t>0</a:t>
+                        <a:t>50</a:t>
                       </a:r>
                       <a:endParaRPr lang="ru-RU" sz="1800" b="0" i="0" u="none" strike="noStrike" dirty="0">
                         <a:effectLst/>
@@ -16023,21 +15198,21 @@
                       </a:endParaRPr>
                     </a:p>
                   </a:txBody>
-                  <a:tcPr marL="68580" marR="68580" marT="9525" marB="0" anchor="ctr"/>
+                  <a:tcPr marL="68821" marR="68821" marT="9558" marB="0" anchor="ctr"/>
                 </a:tc>
                 <a:extLst>
                   <a:ext uri="{0D108BD9-81ED-4DB2-BD59-A6C34878D82A}">
-                    <a16:rowId xmlns:a16="http://schemas.microsoft.com/office/drawing/2014/main" val="10384224"/>
+                    <a16:rowId xmlns:a16="http://schemas.microsoft.com/office/drawing/2014/main" val="10001"/>
                   </a:ext>
                 </a:extLst>
               </a:tr>
-              <a:tr h="370840">
+              <a:tr h="366901">
                 <a:tc>
                   <a:txBody>
                     <a:bodyPr/>
                     <a:lstStyle/>
                     <a:p>
-                      <a:pPr algn="ctr" fontAlgn="ctr">
+                      <a:pPr marL="0" algn="ctr" defTabSz="914400" rtl="0" eaLnBrk="1" fontAlgn="ctr" latinLnBrk="0" hangingPunct="1">
                         <a:lnSpc>
                           <a:spcPct val="107000"/>
                         </a:lnSpc>
@@ -16049,25 +15224,48 @@
                         </a:spcAft>
                       </a:pPr>
                       <a:r>
-                        <a:rPr lang="ru-RU" sz="1400" u="none" strike="noStrike" dirty="0">
+                        <a:rPr lang="ru-RU" sz="1400" u="none" strike="noStrike" kern="1200" dirty="0">
+                          <a:solidFill>
+                            <a:schemeClr val="dk1"/>
+                          </a:solidFill>
                           <a:effectLst/>
+                          <a:latin typeface="+mn-lt"/>
+                          <a:ea typeface="+mn-ea"/>
+                          <a:cs typeface="+mn-cs"/>
                         </a:rPr>
-                        <a:t>Алгоритм имитации отжига</a:t>
+                        <a:t>Алгоритм </a:t>
                       </a:r>
-                      <a:endParaRPr lang="ru-RU" sz="1800" b="0" i="0" u="none" strike="noStrike" dirty="0">
+                      <a:r>
+                        <a:rPr lang="en-US" sz="1400" u="none" strike="noStrike" kern="1200" dirty="0">
+                          <a:solidFill>
+                            <a:schemeClr val="dk1"/>
+                          </a:solidFill>
+                          <a:effectLst/>
+                          <a:latin typeface="+mn-lt"/>
+                          <a:ea typeface="+mn-ea"/>
+                          <a:cs typeface="+mn-cs"/>
+                        </a:rPr>
+                        <a:t>BFD</a:t>
+                      </a:r>
+                      <a:endParaRPr lang="ru-RU" sz="1400" u="none" strike="noStrike" kern="1200" dirty="0">
+                        <a:solidFill>
+                          <a:schemeClr val="dk1"/>
+                        </a:solidFill>
                         <a:effectLst/>
-                        <a:latin typeface="Arial" panose="020B0604020202020204" pitchFamily="34" charset="0"/>
+                        <a:latin typeface="+mn-lt"/>
+                        <a:ea typeface="+mn-ea"/>
+                        <a:cs typeface="+mn-cs"/>
                       </a:endParaRPr>
                     </a:p>
                   </a:txBody>
-                  <a:tcPr marL="68580" marR="68580" marT="9525" marB="0" anchor="ctr"/>
+                  <a:tcPr marL="68821" marR="68821" marT="9558" marB="0" anchor="ctr"/>
                 </a:tc>
                 <a:tc>
                   <a:txBody>
                     <a:bodyPr/>
                     <a:lstStyle/>
                     <a:p>
-                      <a:pPr algn="ctr" fontAlgn="ctr">
+                      <a:pPr marL="0" algn="ctr" defTabSz="914400" rtl="0" eaLnBrk="1" fontAlgn="ctr" latinLnBrk="0" hangingPunct="1">
                         <a:lnSpc>
                           <a:spcPct val="107000"/>
                         </a:lnSpc>
@@ -16079,25 +15277,36 @@
                         </a:spcAft>
                       </a:pPr>
                       <a:r>
-                        <a:rPr lang="ru-RU" sz="1400" u="none" strike="noStrike" dirty="0">
+                        <a:rPr lang="en-US" sz="1400" u="none" strike="noStrike" kern="1200" dirty="0">
+                          <a:solidFill>
+                            <a:schemeClr val="dk1"/>
+                          </a:solidFill>
                           <a:effectLst/>
+                          <a:latin typeface="+mn-lt"/>
+                          <a:ea typeface="+mn-ea"/>
+                          <a:cs typeface="+mn-cs"/>
                         </a:rPr>
                         <a:t>100</a:t>
                       </a:r>
-                      <a:endParaRPr lang="ru-RU" sz="1800" b="0" i="0" u="none" strike="noStrike" dirty="0">
+                      <a:endParaRPr lang="ru-RU" sz="1400" u="none" strike="noStrike" kern="1200" dirty="0">
+                        <a:solidFill>
+                          <a:schemeClr val="dk1"/>
+                        </a:solidFill>
                         <a:effectLst/>
-                        <a:latin typeface="Arial" panose="020B0604020202020204" pitchFamily="34" charset="0"/>
+                        <a:latin typeface="+mn-lt"/>
+                        <a:ea typeface="+mn-ea"/>
+                        <a:cs typeface="+mn-cs"/>
                       </a:endParaRPr>
                     </a:p>
                   </a:txBody>
-                  <a:tcPr marL="68580" marR="68580" marT="9525" marB="0" anchor="ctr"/>
+                  <a:tcPr marL="68821" marR="68821" marT="9558" marB="0" anchor="ctr"/>
                 </a:tc>
                 <a:tc>
                   <a:txBody>
                     <a:bodyPr/>
                     <a:lstStyle/>
                     <a:p>
-                      <a:pPr algn="ctr" fontAlgn="ctr">
+                      <a:pPr marL="0" algn="ctr" defTabSz="914400" rtl="0" eaLnBrk="1" fontAlgn="ctr" latinLnBrk="0" hangingPunct="1">
                         <a:lnSpc>
                           <a:spcPct val="107000"/>
                         </a:lnSpc>
@@ -16109,25 +15318,36 @@
                         </a:spcAft>
                       </a:pPr>
                       <a:r>
-                        <a:rPr lang="ru-RU" sz="1400" u="none" strike="noStrike" dirty="0">
+                        <a:rPr lang="en-US" sz="1400" u="none" strike="noStrike" kern="1200" dirty="0">
+                          <a:solidFill>
+                            <a:schemeClr val="dk1"/>
+                          </a:solidFill>
                           <a:effectLst/>
+                          <a:latin typeface="+mn-lt"/>
+                          <a:ea typeface="+mn-ea"/>
+                          <a:cs typeface="+mn-cs"/>
                         </a:rPr>
-                        <a:t>60</a:t>
+                        <a:t>70</a:t>
                       </a:r>
-                      <a:endParaRPr lang="ru-RU" sz="1800" b="0" i="0" u="none" strike="noStrike" dirty="0">
+                      <a:endParaRPr lang="ru-RU" sz="1400" u="none" strike="noStrike" kern="1200" dirty="0">
+                        <a:solidFill>
+                          <a:schemeClr val="dk1"/>
+                        </a:solidFill>
                         <a:effectLst/>
-                        <a:latin typeface="Arial" panose="020B0604020202020204" pitchFamily="34" charset="0"/>
+                        <a:latin typeface="+mn-lt"/>
+                        <a:ea typeface="+mn-ea"/>
+                        <a:cs typeface="+mn-cs"/>
                       </a:endParaRPr>
                     </a:p>
                   </a:txBody>
-                  <a:tcPr marL="68580" marR="68580" marT="9525" marB="0" anchor="ctr"/>
+                  <a:tcPr marL="68821" marR="68821" marT="9558" marB="0" anchor="ctr"/>
                 </a:tc>
                 <a:tc>
                   <a:txBody>
                     <a:bodyPr/>
                     <a:lstStyle/>
                     <a:p>
-                      <a:pPr algn="ctr" fontAlgn="ctr">
+                      <a:pPr marL="0" algn="ctr" defTabSz="914400" rtl="0" eaLnBrk="1" fontAlgn="ctr" latinLnBrk="0" hangingPunct="1">
                         <a:lnSpc>
                           <a:spcPct val="107000"/>
                         </a:lnSpc>
@@ -16139,25 +15359,36 @@
                         </a:spcAft>
                       </a:pPr>
                       <a:r>
-                        <a:rPr lang="ru-RU" sz="1400" u="none" strike="noStrike" dirty="0">
+                        <a:rPr lang="en-US" sz="1400" u="none" strike="noStrike" kern="1200" dirty="0">
+                          <a:solidFill>
+                            <a:schemeClr val="dk1"/>
+                          </a:solidFill>
                           <a:effectLst/>
+                          <a:latin typeface="+mn-lt"/>
+                          <a:ea typeface="+mn-ea"/>
+                          <a:cs typeface="+mn-cs"/>
                         </a:rPr>
                         <a:t>60</a:t>
                       </a:r>
-                      <a:endParaRPr lang="ru-RU" sz="1800" b="0" i="0" u="none" strike="noStrike" dirty="0">
+                      <a:endParaRPr lang="ru-RU" sz="1400" u="none" strike="noStrike" kern="1200" dirty="0">
+                        <a:solidFill>
+                          <a:schemeClr val="dk1"/>
+                        </a:solidFill>
                         <a:effectLst/>
-                        <a:latin typeface="Arial" panose="020B0604020202020204" pitchFamily="34" charset="0"/>
+                        <a:latin typeface="+mn-lt"/>
+                        <a:ea typeface="+mn-ea"/>
+                        <a:cs typeface="+mn-cs"/>
                       </a:endParaRPr>
                     </a:p>
                   </a:txBody>
-                  <a:tcPr marL="68580" marR="68580" marT="9525" marB="0" anchor="ctr"/>
+                  <a:tcPr marL="68821" marR="68821" marT="9558" marB="0" anchor="ctr"/>
                 </a:tc>
                 <a:tc>
                   <a:txBody>
                     <a:bodyPr/>
                     <a:lstStyle/>
                     <a:p>
-                      <a:pPr algn="ctr" fontAlgn="ctr">
+                      <a:pPr marL="0" algn="ctr" defTabSz="914400" rtl="0" eaLnBrk="1" fontAlgn="ctr" latinLnBrk="0" hangingPunct="1">
                         <a:lnSpc>
                           <a:spcPct val="107000"/>
                         </a:lnSpc>
@@ -16169,25 +15400,36 @@
                         </a:spcAft>
                       </a:pPr>
                       <a:r>
-                        <a:rPr lang="ru-RU" sz="1400" u="none" strike="noStrike">
+                        <a:rPr lang="en-US" sz="1400" u="none" strike="noStrike" kern="1200" dirty="0">
+                          <a:solidFill>
+                            <a:schemeClr val="dk1"/>
+                          </a:solidFill>
                           <a:effectLst/>
+                          <a:latin typeface="+mn-lt"/>
+                          <a:ea typeface="+mn-ea"/>
+                          <a:cs typeface="+mn-cs"/>
                         </a:rPr>
-                        <a:t>60</a:t>
+                        <a:t>50</a:t>
                       </a:r>
-                      <a:endParaRPr lang="ru-RU" sz="1800" b="0" i="0" u="none" strike="noStrike">
+                      <a:endParaRPr lang="ru-RU" sz="1400" u="none" strike="noStrike" kern="1200" dirty="0">
+                        <a:solidFill>
+                          <a:schemeClr val="dk1"/>
+                        </a:solidFill>
                         <a:effectLst/>
-                        <a:latin typeface="Arial" panose="020B0604020202020204" pitchFamily="34" charset="0"/>
+                        <a:latin typeface="+mn-lt"/>
+                        <a:ea typeface="+mn-ea"/>
+                        <a:cs typeface="+mn-cs"/>
                       </a:endParaRPr>
                     </a:p>
                   </a:txBody>
-                  <a:tcPr marL="68580" marR="68580" marT="9525" marB="0" anchor="ctr"/>
+                  <a:tcPr marL="68821" marR="68821" marT="9558" marB="0" anchor="ctr"/>
                 </a:tc>
                 <a:tc>
                   <a:txBody>
                     <a:bodyPr/>
                     <a:lstStyle/>
                     <a:p>
-                      <a:pPr algn="ctr" fontAlgn="ctr">
+                      <a:pPr marL="0" algn="ctr" defTabSz="914400" rtl="0" eaLnBrk="1" fontAlgn="ctr" latinLnBrk="0" hangingPunct="1">
                         <a:lnSpc>
                           <a:spcPct val="107000"/>
                         </a:lnSpc>
@@ -16199,25 +15441,36 @@
                         </a:spcAft>
                       </a:pPr>
                       <a:r>
-                        <a:rPr lang="ru-RU" sz="1400" u="none" strike="noStrike" dirty="0">
+                        <a:rPr lang="en-US" sz="1400" u="none" strike="noStrike" kern="1200" dirty="0">
+                          <a:solidFill>
+                            <a:schemeClr val="dk1"/>
+                          </a:solidFill>
                           <a:effectLst/>
+                          <a:latin typeface="+mn-lt"/>
+                          <a:ea typeface="+mn-ea"/>
+                          <a:cs typeface="+mn-cs"/>
                         </a:rPr>
-                        <a:t>60</a:t>
+                        <a:t>50</a:t>
                       </a:r>
-                      <a:endParaRPr lang="ru-RU" sz="1800" b="0" i="0" u="none" strike="noStrike" dirty="0">
+                      <a:endParaRPr lang="ru-RU" sz="1400" u="none" strike="noStrike" kern="1200" dirty="0">
+                        <a:solidFill>
+                          <a:schemeClr val="dk1"/>
+                        </a:solidFill>
                         <a:effectLst/>
-                        <a:latin typeface="Arial" panose="020B0604020202020204" pitchFamily="34" charset="0"/>
+                        <a:latin typeface="+mn-lt"/>
+                        <a:ea typeface="+mn-ea"/>
+                        <a:cs typeface="+mn-cs"/>
                       </a:endParaRPr>
                     </a:p>
                   </a:txBody>
-                  <a:tcPr marL="68580" marR="68580" marT="9525" marB="0" anchor="ctr"/>
+                  <a:tcPr marL="68821" marR="68821" marT="9558" marB="0" anchor="ctr"/>
                 </a:tc>
                 <a:tc>
                   <a:txBody>
                     <a:bodyPr/>
                     <a:lstStyle/>
                     <a:p>
-                      <a:pPr algn="ctr" fontAlgn="ctr">
+                      <a:pPr marL="0" algn="ctr" defTabSz="914400" rtl="0" eaLnBrk="1" fontAlgn="ctr" latinLnBrk="0" hangingPunct="1">
                         <a:lnSpc>
                           <a:spcPct val="107000"/>
                         </a:lnSpc>
@@ -16229,25 +15482,36 @@
                         </a:spcAft>
                       </a:pPr>
                       <a:r>
-                        <a:rPr lang="ru-RU" sz="1400" u="none" strike="noStrike" dirty="0">
+                        <a:rPr lang="en-US" sz="1400" u="none" strike="noStrike" kern="1200" dirty="0">
+                          <a:solidFill>
+                            <a:schemeClr val="dk1"/>
+                          </a:solidFill>
                           <a:effectLst/>
+                          <a:latin typeface="+mn-lt"/>
+                          <a:ea typeface="+mn-ea"/>
+                          <a:cs typeface="+mn-cs"/>
                         </a:rPr>
                         <a:t>40</a:t>
                       </a:r>
-                      <a:endParaRPr lang="ru-RU" sz="1800" b="0" i="0" u="none" strike="noStrike" dirty="0">
+                      <a:endParaRPr lang="ru-RU" sz="1400" u="none" strike="noStrike" kern="1200" dirty="0">
+                        <a:solidFill>
+                          <a:schemeClr val="dk1"/>
+                        </a:solidFill>
                         <a:effectLst/>
-                        <a:latin typeface="Arial" panose="020B0604020202020204" pitchFamily="34" charset="0"/>
+                        <a:latin typeface="+mn-lt"/>
+                        <a:ea typeface="+mn-ea"/>
+                        <a:cs typeface="+mn-cs"/>
                       </a:endParaRPr>
                     </a:p>
                   </a:txBody>
-                  <a:tcPr marL="68580" marR="68580" marT="9525" marB="0" anchor="ctr"/>
+                  <a:tcPr marL="68821" marR="68821" marT="9558" marB="0" anchor="ctr"/>
                 </a:tc>
                 <a:tc>
                   <a:txBody>
                     <a:bodyPr/>
                     <a:lstStyle/>
                     <a:p>
-                      <a:pPr algn="ctr" fontAlgn="ctr">
+                      <a:pPr marL="0" algn="ctr" defTabSz="914400" rtl="0" eaLnBrk="1" fontAlgn="ctr" latinLnBrk="0" hangingPunct="1">
                         <a:lnSpc>
                           <a:spcPct val="107000"/>
                         </a:lnSpc>
@@ -16259,25 +15523,36 @@
                         </a:spcAft>
                       </a:pPr>
                       <a:r>
-                        <a:rPr lang="ru-RU" sz="1400" u="none" strike="noStrike" dirty="0">
+                        <a:rPr lang="en-US" sz="1400" u="none" strike="noStrike" kern="1200" dirty="0">
+                          <a:solidFill>
+                            <a:schemeClr val="dk1"/>
+                          </a:solidFill>
                           <a:effectLst/>
+                          <a:latin typeface="+mn-lt"/>
+                          <a:ea typeface="+mn-ea"/>
+                          <a:cs typeface="+mn-cs"/>
                         </a:rPr>
                         <a:t>40</a:t>
                       </a:r>
-                      <a:endParaRPr lang="ru-RU" sz="1800" b="0" i="0" u="none" strike="noStrike" dirty="0">
+                      <a:endParaRPr lang="ru-RU" sz="1400" u="none" strike="noStrike" kern="1200" dirty="0">
+                        <a:solidFill>
+                          <a:schemeClr val="dk1"/>
+                        </a:solidFill>
                         <a:effectLst/>
-                        <a:latin typeface="Arial" panose="020B0604020202020204" pitchFamily="34" charset="0"/>
+                        <a:latin typeface="+mn-lt"/>
+                        <a:ea typeface="+mn-ea"/>
+                        <a:cs typeface="+mn-cs"/>
                       </a:endParaRPr>
                     </a:p>
                   </a:txBody>
-                  <a:tcPr marL="68580" marR="68580" marT="9525" marB="0" anchor="ctr"/>
+                  <a:tcPr marL="68821" marR="68821" marT="9558" marB="0" anchor="ctr"/>
                 </a:tc>
                 <a:tc>
                   <a:txBody>
                     <a:bodyPr/>
                     <a:lstStyle/>
                     <a:p>
-                      <a:pPr algn="ctr" fontAlgn="ctr">
+                      <a:pPr marL="0" algn="ctr" defTabSz="914400" rtl="0" eaLnBrk="1" fontAlgn="ctr" latinLnBrk="0" hangingPunct="1">
                         <a:lnSpc>
                           <a:spcPct val="107000"/>
                         </a:lnSpc>
@@ -16289,25 +15564,36 @@
                         </a:spcAft>
                       </a:pPr>
                       <a:r>
-                        <a:rPr lang="ru-RU" sz="1400" u="none" strike="noStrike" dirty="0">
+                        <a:rPr lang="en-US" sz="1400" u="none" strike="noStrike" kern="1200" dirty="0">
+                          <a:solidFill>
+                            <a:schemeClr val="dk1"/>
+                          </a:solidFill>
                           <a:effectLst/>
+                          <a:latin typeface="+mn-lt"/>
+                          <a:ea typeface="+mn-ea"/>
+                          <a:cs typeface="+mn-cs"/>
                         </a:rPr>
-                        <a:t>40</a:t>
+                        <a:t>20</a:t>
                       </a:r>
-                      <a:endParaRPr lang="ru-RU" sz="1800" b="0" i="0" u="none" strike="noStrike" dirty="0">
+                      <a:endParaRPr lang="ru-RU" sz="1400" u="none" strike="noStrike" kern="1200" dirty="0">
+                        <a:solidFill>
+                          <a:schemeClr val="dk1"/>
+                        </a:solidFill>
                         <a:effectLst/>
-                        <a:latin typeface="Arial" panose="020B0604020202020204" pitchFamily="34" charset="0"/>
+                        <a:latin typeface="+mn-lt"/>
+                        <a:ea typeface="+mn-ea"/>
+                        <a:cs typeface="+mn-cs"/>
                       </a:endParaRPr>
                     </a:p>
                   </a:txBody>
-                  <a:tcPr marL="68580" marR="68580" marT="9525" marB="0" anchor="ctr"/>
+                  <a:tcPr marL="68821" marR="68821" marT="9558" marB="0" anchor="ctr"/>
                 </a:tc>
                 <a:tc>
                   <a:txBody>
                     <a:bodyPr/>
                     <a:lstStyle/>
                     <a:p>
-                      <a:pPr algn="ctr" fontAlgn="ctr">
+                      <a:pPr marL="0" algn="ctr" defTabSz="914400" rtl="0" eaLnBrk="1" fontAlgn="ctr" latinLnBrk="0" hangingPunct="1">
                         <a:lnSpc>
                           <a:spcPct val="107000"/>
                         </a:lnSpc>
@@ -16319,25 +15605,36 @@
                         </a:spcAft>
                       </a:pPr>
                       <a:r>
-                        <a:rPr lang="ru-RU" sz="1400" u="none" strike="noStrike" dirty="0">
+                        <a:rPr lang="en-US" sz="1400" u="none" strike="noStrike" kern="1200" dirty="0">
+                          <a:solidFill>
+                            <a:schemeClr val="dk1"/>
+                          </a:solidFill>
                           <a:effectLst/>
+                          <a:latin typeface="+mn-lt"/>
+                          <a:ea typeface="+mn-ea"/>
+                          <a:cs typeface="+mn-cs"/>
                         </a:rPr>
-                        <a:t>0</a:t>
+                        <a:t>20</a:t>
                       </a:r>
-                      <a:endParaRPr lang="ru-RU" sz="1800" b="0" i="0" u="none" strike="noStrike" dirty="0">
+                      <a:endParaRPr lang="ru-RU" sz="1400" u="none" strike="noStrike" kern="1200" dirty="0">
+                        <a:solidFill>
+                          <a:schemeClr val="dk1"/>
+                        </a:solidFill>
                         <a:effectLst/>
-                        <a:latin typeface="Arial" panose="020B0604020202020204" pitchFamily="34" charset="0"/>
+                        <a:latin typeface="+mn-lt"/>
+                        <a:ea typeface="+mn-ea"/>
+                        <a:cs typeface="+mn-cs"/>
                       </a:endParaRPr>
                     </a:p>
                   </a:txBody>
-                  <a:tcPr marL="68580" marR="68580" marT="9525" marB="0" anchor="ctr"/>
+                  <a:tcPr marL="68821" marR="68821" marT="9558" marB="0" anchor="ctr"/>
                 </a:tc>
                 <a:tc>
                   <a:txBody>
                     <a:bodyPr/>
                     <a:lstStyle/>
                     <a:p>
-                      <a:pPr algn="ctr" fontAlgn="ctr">
+                      <a:pPr marL="0" algn="ctr" defTabSz="914400" rtl="0" eaLnBrk="1" fontAlgn="ctr" latinLnBrk="0" hangingPunct="1">
                         <a:lnSpc>
                           <a:spcPct val="107000"/>
                         </a:lnSpc>
@@ -16349,25 +15646,36 @@
                         </a:spcAft>
                       </a:pPr>
                       <a:r>
-                        <a:rPr lang="ru-RU" sz="1400" u="none" strike="noStrike" dirty="0">
+                        <a:rPr lang="en-US" sz="1400" u="none" strike="noStrike" kern="1200" dirty="0">
+                          <a:solidFill>
+                            <a:schemeClr val="dk1"/>
+                          </a:solidFill>
                           <a:effectLst/>
+                          <a:latin typeface="+mn-lt"/>
+                          <a:ea typeface="+mn-ea"/>
+                          <a:cs typeface="+mn-cs"/>
                         </a:rPr>
                         <a:t>0</a:t>
                       </a:r>
-                      <a:endParaRPr lang="ru-RU" sz="1800" b="0" i="0" u="none" strike="noStrike" dirty="0">
+                      <a:endParaRPr lang="ru-RU" sz="1400" u="none" strike="noStrike" kern="1200" dirty="0">
+                        <a:solidFill>
+                          <a:schemeClr val="dk1"/>
+                        </a:solidFill>
                         <a:effectLst/>
-                        <a:latin typeface="Arial" panose="020B0604020202020204" pitchFamily="34" charset="0"/>
+                        <a:latin typeface="+mn-lt"/>
+                        <a:ea typeface="+mn-ea"/>
+                        <a:cs typeface="+mn-cs"/>
                       </a:endParaRPr>
                     </a:p>
                   </a:txBody>
-                  <a:tcPr marL="68580" marR="68580" marT="9525" marB="0" anchor="ctr"/>
+                  <a:tcPr marL="68821" marR="68821" marT="9558" marB="0" anchor="ctr"/>
                 </a:tc>
                 <a:tc>
                   <a:txBody>
                     <a:bodyPr/>
                     <a:lstStyle/>
                     <a:p>
-                      <a:pPr algn="ctr" fontAlgn="ctr">
+                      <a:pPr marL="0" algn="ctr" defTabSz="914400" rtl="0" eaLnBrk="1" fontAlgn="ctr" latinLnBrk="0" hangingPunct="1">
                         <a:lnSpc>
                           <a:spcPct val="107000"/>
                         </a:lnSpc>
@@ -16379,32 +15687,43 @@
                         </a:spcAft>
                       </a:pPr>
                       <a:r>
-                        <a:rPr lang="ru-RU" sz="1400" u="none" strike="noStrike" dirty="0">
+                        <a:rPr lang="en-US" sz="1400" u="none" strike="noStrike" kern="1200" dirty="0">
+                          <a:solidFill>
+                            <a:schemeClr val="dk1"/>
+                          </a:solidFill>
                           <a:effectLst/>
+                          <a:latin typeface="+mn-lt"/>
+                          <a:ea typeface="+mn-ea"/>
+                          <a:cs typeface="+mn-cs"/>
                         </a:rPr>
                         <a:t>0</a:t>
                       </a:r>
-                      <a:endParaRPr lang="ru-RU" sz="1800" b="0" i="0" u="none" strike="noStrike" dirty="0">
+                      <a:endParaRPr lang="ru-RU" sz="1400" u="none" strike="noStrike" kern="1200" dirty="0">
+                        <a:solidFill>
+                          <a:schemeClr val="dk1"/>
+                        </a:solidFill>
                         <a:effectLst/>
-                        <a:latin typeface="Arial" panose="020B0604020202020204" pitchFamily="34" charset="0"/>
+                        <a:latin typeface="+mn-lt"/>
+                        <a:ea typeface="+mn-ea"/>
+                        <a:cs typeface="+mn-cs"/>
                       </a:endParaRPr>
                     </a:p>
                   </a:txBody>
-                  <a:tcPr marL="68580" marR="68580" marT="9525" marB="0" anchor="ctr"/>
+                  <a:tcPr marL="68821" marR="68821" marT="9558" marB="0" anchor="ctr"/>
                 </a:tc>
                 <a:extLst>
                   <a:ext uri="{0D108BD9-81ED-4DB2-BD59-A6C34878D82A}">
-                    <a16:rowId xmlns:a16="http://schemas.microsoft.com/office/drawing/2014/main" val="4169842264"/>
+                    <a16:rowId xmlns:a16="http://schemas.microsoft.com/office/drawing/2014/main" val="2170867277"/>
                   </a:ext>
                 </a:extLst>
               </a:tr>
-              <a:tr h="370840">
+              <a:tr h="366901">
                 <a:tc>
                   <a:txBody>
                     <a:bodyPr/>
                     <a:lstStyle/>
                     <a:p>
-                      <a:pPr algn="ctr" fontAlgn="ctr">
+                      <a:pPr marL="0" algn="ctr" defTabSz="914400" rtl="0" eaLnBrk="1" fontAlgn="ctr" latinLnBrk="0" hangingPunct="1">
                         <a:lnSpc>
                           <a:spcPct val="107000"/>
                         </a:lnSpc>
@@ -16416,25 +15735,27 @@
                         </a:spcAft>
                       </a:pPr>
                       <a:r>
-                        <a:rPr lang="ru-RU" sz="1400" u="none" strike="noStrike" dirty="0">
+                        <a:rPr lang="ru-RU" sz="1400" u="none" strike="noStrike" kern="1200" dirty="0">
+                          <a:solidFill>
+                            <a:schemeClr val="dk1"/>
+                          </a:solidFill>
                           <a:effectLst/>
+                          <a:latin typeface="+mn-lt"/>
+                          <a:ea typeface="+mn-ea"/>
+                          <a:cs typeface="+mn-cs"/>
                         </a:rPr>
-                        <a:t>Генетический алгоритм</a:t>
+                        <a:t>Алгоритм имитации отжига</a:t>
                       </a:r>
-                      <a:endParaRPr lang="ru-RU" sz="1800" b="0" i="0" u="none" strike="noStrike" dirty="0">
-                        <a:effectLst/>
-                        <a:latin typeface="Arial" panose="020B0604020202020204" pitchFamily="34" charset="0"/>
-                      </a:endParaRPr>
                     </a:p>
                   </a:txBody>
-                  <a:tcPr marL="68580" marR="68580" marT="9525" marB="0" anchor="ctr"/>
+                  <a:tcPr marL="68821" marR="68821" marT="9558" marB="0" anchor="ctr"/>
                 </a:tc>
                 <a:tc>
                   <a:txBody>
                     <a:bodyPr/>
                     <a:lstStyle/>
                     <a:p>
-                      <a:pPr algn="ctr" fontAlgn="ctr">
+                      <a:pPr marL="0" algn="ctr" defTabSz="914400" rtl="0" eaLnBrk="1" fontAlgn="ctr" latinLnBrk="0" hangingPunct="1">
                         <a:lnSpc>
                           <a:spcPct val="107000"/>
                         </a:lnSpc>
@@ -16446,25 +15767,36 @@
                         </a:spcAft>
                       </a:pPr>
                       <a:r>
-                        <a:rPr lang="ru-RU" sz="1400" u="none" strike="noStrike" dirty="0">
+                        <a:rPr lang="en-US" sz="1400" u="none" strike="noStrike" kern="1200" dirty="0">
+                          <a:solidFill>
+                            <a:schemeClr val="dk1"/>
+                          </a:solidFill>
                           <a:effectLst/>
+                          <a:latin typeface="+mn-lt"/>
+                          <a:ea typeface="+mn-ea"/>
+                          <a:cs typeface="+mn-cs"/>
                         </a:rPr>
                         <a:t>100</a:t>
                       </a:r>
-                      <a:endParaRPr lang="ru-RU" sz="1800" b="0" i="0" u="none" strike="noStrike" dirty="0">
+                      <a:endParaRPr lang="ru-RU" sz="1400" u="none" strike="noStrike" kern="1200" dirty="0">
+                        <a:solidFill>
+                          <a:schemeClr val="dk1"/>
+                        </a:solidFill>
                         <a:effectLst/>
-                        <a:latin typeface="Arial" panose="020B0604020202020204" pitchFamily="34" charset="0"/>
+                        <a:latin typeface="+mn-lt"/>
+                        <a:ea typeface="+mn-ea"/>
+                        <a:cs typeface="+mn-cs"/>
                       </a:endParaRPr>
                     </a:p>
                   </a:txBody>
-                  <a:tcPr marL="68580" marR="68580" marT="9525" marB="0" anchor="ctr"/>
+                  <a:tcPr marL="68821" marR="68821" marT="9558" marB="0" anchor="ctr"/>
                 </a:tc>
                 <a:tc>
                   <a:txBody>
                     <a:bodyPr/>
                     <a:lstStyle/>
                     <a:p>
-                      <a:pPr algn="ctr" fontAlgn="ctr">
+                      <a:pPr marL="0" algn="ctr" defTabSz="914400" rtl="0" eaLnBrk="1" fontAlgn="ctr" latinLnBrk="0" hangingPunct="1">
                         <a:lnSpc>
                           <a:spcPct val="107000"/>
                         </a:lnSpc>
@@ -16476,25 +15808,36 @@
                         </a:spcAft>
                       </a:pPr>
                       <a:r>
-                        <a:rPr lang="ru-RU" sz="1400" u="none" strike="noStrike" dirty="0">
+                        <a:rPr lang="en-US" sz="1400" u="none" strike="noStrike" kern="1200" dirty="0">
+                          <a:solidFill>
+                            <a:schemeClr val="dk1"/>
+                          </a:solidFill>
                           <a:effectLst/>
+                          <a:latin typeface="+mn-lt"/>
+                          <a:ea typeface="+mn-ea"/>
+                          <a:cs typeface="+mn-cs"/>
                         </a:rPr>
-                        <a:t>60</a:t>
+                        <a:t>80</a:t>
                       </a:r>
-                      <a:endParaRPr lang="ru-RU" sz="1800" b="0" i="0" u="none" strike="noStrike" dirty="0">
+                      <a:endParaRPr lang="ru-RU" sz="1400" u="none" strike="noStrike" kern="1200" dirty="0">
+                        <a:solidFill>
+                          <a:schemeClr val="dk1"/>
+                        </a:solidFill>
                         <a:effectLst/>
-                        <a:latin typeface="Arial" panose="020B0604020202020204" pitchFamily="34" charset="0"/>
+                        <a:latin typeface="+mn-lt"/>
+                        <a:ea typeface="+mn-ea"/>
+                        <a:cs typeface="+mn-cs"/>
                       </a:endParaRPr>
                     </a:p>
                   </a:txBody>
-                  <a:tcPr marL="68580" marR="68580" marT="9525" marB="0" anchor="ctr"/>
+                  <a:tcPr marL="68821" marR="68821" marT="9558" marB="0" anchor="ctr"/>
                 </a:tc>
                 <a:tc>
                   <a:txBody>
                     <a:bodyPr/>
                     <a:lstStyle/>
                     <a:p>
-                      <a:pPr algn="ctr" fontAlgn="ctr">
+                      <a:pPr marL="0" algn="ctr" defTabSz="914400" rtl="0" eaLnBrk="1" fontAlgn="ctr" latinLnBrk="0" hangingPunct="1">
                         <a:lnSpc>
                           <a:spcPct val="107000"/>
                         </a:lnSpc>
@@ -16506,25 +15849,36 @@
                         </a:spcAft>
                       </a:pPr>
                       <a:r>
-                        <a:rPr lang="ru-RU" sz="1400" u="none" strike="noStrike" dirty="0">
+                        <a:rPr lang="en-US" sz="1400" u="none" strike="noStrike" kern="1200" dirty="0">
+                          <a:solidFill>
+                            <a:schemeClr val="dk1"/>
+                          </a:solidFill>
                           <a:effectLst/>
+                          <a:latin typeface="+mn-lt"/>
+                          <a:ea typeface="+mn-ea"/>
+                          <a:cs typeface="+mn-cs"/>
                         </a:rPr>
-                        <a:t>60</a:t>
+                        <a:t>80</a:t>
                       </a:r>
-                      <a:endParaRPr lang="ru-RU" sz="1800" b="0" i="0" u="none" strike="noStrike" dirty="0">
+                      <a:endParaRPr lang="ru-RU" sz="1400" u="none" strike="noStrike" kern="1200" dirty="0">
+                        <a:solidFill>
+                          <a:schemeClr val="dk1"/>
+                        </a:solidFill>
                         <a:effectLst/>
-                        <a:latin typeface="Arial" panose="020B0604020202020204" pitchFamily="34" charset="0"/>
+                        <a:latin typeface="+mn-lt"/>
+                        <a:ea typeface="+mn-ea"/>
+                        <a:cs typeface="+mn-cs"/>
                       </a:endParaRPr>
                     </a:p>
                   </a:txBody>
-                  <a:tcPr marL="68580" marR="68580" marT="9525" marB="0" anchor="ctr"/>
+                  <a:tcPr marL="68821" marR="68821" marT="9558" marB="0" anchor="ctr"/>
                 </a:tc>
                 <a:tc>
                   <a:txBody>
                     <a:bodyPr/>
                     <a:lstStyle/>
                     <a:p>
-                      <a:pPr algn="ctr" fontAlgn="ctr">
+                      <a:pPr marL="0" algn="ctr" defTabSz="914400" rtl="0" eaLnBrk="1" fontAlgn="ctr" latinLnBrk="0" hangingPunct="1">
                         <a:lnSpc>
                           <a:spcPct val="107000"/>
                         </a:lnSpc>
@@ -16536,25 +15890,36 @@
                         </a:spcAft>
                       </a:pPr>
                       <a:r>
-                        <a:rPr lang="ru-RU" sz="1400" u="none" strike="noStrike" dirty="0">
+                        <a:rPr lang="en-US" sz="1400" u="none" strike="noStrike" kern="1200" dirty="0">
+                          <a:solidFill>
+                            <a:schemeClr val="dk1"/>
+                          </a:solidFill>
                           <a:effectLst/>
+                          <a:latin typeface="+mn-lt"/>
+                          <a:ea typeface="+mn-ea"/>
+                          <a:cs typeface="+mn-cs"/>
                         </a:rPr>
-                        <a:t>60</a:t>
+                        <a:t>70</a:t>
                       </a:r>
-                      <a:endParaRPr lang="ru-RU" sz="1800" b="0" i="0" u="none" strike="noStrike" dirty="0">
+                      <a:endParaRPr lang="ru-RU" sz="1400" u="none" strike="noStrike" kern="1200" dirty="0">
+                        <a:solidFill>
+                          <a:schemeClr val="dk1"/>
+                        </a:solidFill>
                         <a:effectLst/>
-                        <a:latin typeface="Arial" panose="020B0604020202020204" pitchFamily="34" charset="0"/>
+                        <a:latin typeface="+mn-lt"/>
+                        <a:ea typeface="+mn-ea"/>
+                        <a:cs typeface="+mn-cs"/>
                       </a:endParaRPr>
                     </a:p>
                   </a:txBody>
-                  <a:tcPr marL="68580" marR="68580" marT="9525" marB="0" anchor="ctr"/>
+                  <a:tcPr marL="68821" marR="68821" marT="9558" marB="0" anchor="ctr"/>
                 </a:tc>
                 <a:tc>
                   <a:txBody>
                     <a:bodyPr/>
                     <a:lstStyle/>
                     <a:p>
-                      <a:pPr algn="ctr" fontAlgn="ctr">
+                      <a:pPr marL="0" algn="ctr" defTabSz="914400" rtl="0" eaLnBrk="1" fontAlgn="ctr" latinLnBrk="0" hangingPunct="1">
                         <a:lnSpc>
                           <a:spcPct val="107000"/>
                         </a:lnSpc>
@@ -16566,25 +15931,36 @@
                         </a:spcAft>
                       </a:pPr>
                       <a:r>
-                        <a:rPr lang="ru-RU" sz="1400" u="none" strike="noStrike" dirty="0">
+                        <a:rPr lang="en-US" sz="1400" u="none" strike="noStrike" kern="1200" dirty="0">
+                          <a:solidFill>
+                            <a:schemeClr val="dk1"/>
+                          </a:solidFill>
                           <a:effectLst/>
+                          <a:latin typeface="+mn-lt"/>
+                          <a:ea typeface="+mn-ea"/>
+                          <a:cs typeface="+mn-cs"/>
                         </a:rPr>
-                        <a:t>60</a:t>
+                        <a:t>70</a:t>
                       </a:r>
-                      <a:endParaRPr lang="ru-RU" sz="1800" b="0" i="0" u="none" strike="noStrike" dirty="0">
+                      <a:endParaRPr lang="ru-RU" sz="1400" u="none" strike="noStrike" kern="1200" dirty="0">
+                        <a:solidFill>
+                          <a:schemeClr val="dk1"/>
+                        </a:solidFill>
                         <a:effectLst/>
-                        <a:latin typeface="Arial" panose="020B0604020202020204" pitchFamily="34" charset="0"/>
+                        <a:latin typeface="+mn-lt"/>
+                        <a:ea typeface="+mn-ea"/>
+                        <a:cs typeface="+mn-cs"/>
                       </a:endParaRPr>
                     </a:p>
                   </a:txBody>
-                  <a:tcPr marL="68580" marR="68580" marT="9525" marB="0" anchor="ctr"/>
+                  <a:tcPr marL="68821" marR="68821" marT="9558" marB="0" anchor="ctr"/>
                 </a:tc>
                 <a:tc>
                   <a:txBody>
                     <a:bodyPr/>
                     <a:lstStyle/>
                     <a:p>
-                      <a:pPr algn="ctr" fontAlgn="ctr">
+                      <a:pPr marL="0" algn="ctr" defTabSz="914400" rtl="0" eaLnBrk="1" fontAlgn="ctr" latinLnBrk="0" hangingPunct="1">
                         <a:lnSpc>
                           <a:spcPct val="107000"/>
                         </a:lnSpc>
@@ -16596,25 +15972,48 @@
                         </a:spcAft>
                       </a:pPr>
                       <a:r>
-                        <a:rPr lang="ru-RU" sz="1400" u="none" strike="noStrike" dirty="0">
+                        <a:rPr lang="ru-RU" sz="1400" u="none" strike="noStrike" kern="1200" dirty="0">
+                          <a:solidFill>
+                            <a:schemeClr val="dk1"/>
+                          </a:solidFill>
                           <a:effectLst/>
+                          <a:latin typeface="+mn-lt"/>
+                          <a:ea typeface="+mn-ea"/>
+                          <a:cs typeface="+mn-cs"/>
                         </a:rPr>
-                        <a:t>60</a:t>
+                        <a:t>6</a:t>
                       </a:r>
-                      <a:endParaRPr lang="ru-RU" sz="1800" b="0" i="0" u="none" strike="noStrike" dirty="0">
+                      <a:r>
+                        <a:rPr lang="en-US" sz="1400" u="none" strike="noStrike" kern="1200" dirty="0">
+                          <a:solidFill>
+                            <a:schemeClr val="dk1"/>
+                          </a:solidFill>
+                          <a:effectLst/>
+                          <a:latin typeface="+mn-lt"/>
+                          <a:ea typeface="+mn-ea"/>
+                          <a:cs typeface="+mn-cs"/>
+                        </a:rPr>
+                        <a:t>0</a:t>
+                      </a:r>
+                      <a:endParaRPr lang="ru-RU" sz="1400" u="none" strike="noStrike" kern="1200" dirty="0">
+                        <a:solidFill>
+                          <a:schemeClr val="dk1"/>
+                        </a:solidFill>
                         <a:effectLst/>
-                        <a:latin typeface="Arial" panose="020B0604020202020204" pitchFamily="34" charset="0"/>
+                        <a:latin typeface="+mn-lt"/>
+                        <a:ea typeface="+mn-ea"/>
+                        <a:cs typeface="+mn-cs"/>
                       </a:endParaRPr>
                     </a:p>
                   </a:txBody>
-                  <a:tcPr marL="68580" marR="68580" marT="9525" marB="0" anchor="ctr"/>
+                  <a:tcPr marL="68821" marR="68821" marT="9558" marB="0" anchor="ctr"/>
                 </a:tc>
                 <a:tc>
                   <a:txBody>
                     <a:bodyPr/>
                     <a:lstStyle/>
                     <a:p>
-                      <a:pPr algn="ctr" fontAlgn="ctr">
+                      <a:pPr marL="0" algn="ctr" defTabSz="914400" rtl="0" eaLnBrk="1" fontAlgn="ctr" latinLnBrk="0" hangingPunct="1">
                         <a:lnSpc>
                           <a:spcPct val="107000"/>
                         </a:lnSpc>
@@ -16626,25 +16025,36 @@
                         </a:spcAft>
                       </a:pPr>
                       <a:r>
-                        <a:rPr lang="ru-RU" sz="1400" u="none" strike="noStrike" dirty="0">
+                        <a:rPr lang="en-US" sz="1400" u="none" strike="noStrike" kern="1200" dirty="0">
+                          <a:solidFill>
+                            <a:schemeClr val="dk1"/>
+                          </a:solidFill>
                           <a:effectLst/>
+                          <a:latin typeface="+mn-lt"/>
+                          <a:ea typeface="+mn-ea"/>
+                          <a:cs typeface="+mn-cs"/>
                         </a:rPr>
-                        <a:t>40</a:t>
+                        <a:t>60</a:t>
                       </a:r>
-                      <a:endParaRPr lang="ru-RU" sz="1800" b="0" i="0" u="none" strike="noStrike" dirty="0">
+                      <a:endParaRPr lang="ru-RU" sz="1400" u="none" strike="noStrike" kern="1200" dirty="0">
+                        <a:solidFill>
+                          <a:schemeClr val="dk1"/>
+                        </a:solidFill>
                         <a:effectLst/>
-                        <a:latin typeface="Arial" panose="020B0604020202020204" pitchFamily="34" charset="0"/>
+                        <a:latin typeface="+mn-lt"/>
+                        <a:ea typeface="+mn-ea"/>
+                        <a:cs typeface="+mn-cs"/>
                       </a:endParaRPr>
                     </a:p>
                   </a:txBody>
-                  <a:tcPr marL="68580" marR="68580" marT="9525" marB="0" anchor="ctr"/>
+                  <a:tcPr marL="68821" marR="68821" marT="9558" marB="0" anchor="ctr"/>
                 </a:tc>
                 <a:tc>
                   <a:txBody>
                     <a:bodyPr/>
                     <a:lstStyle/>
                     <a:p>
-                      <a:pPr algn="ctr" fontAlgn="ctr">
+                      <a:pPr marL="0" algn="ctr" defTabSz="914400" rtl="0" eaLnBrk="1" fontAlgn="ctr" latinLnBrk="0" hangingPunct="1">
                         <a:lnSpc>
                           <a:spcPct val="107000"/>
                         </a:lnSpc>
@@ -16656,25 +16066,36 @@
                         </a:spcAft>
                       </a:pPr>
                       <a:r>
-                        <a:rPr lang="ru-RU" sz="1400" u="none" strike="noStrike" dirty="0">
+                        <a:rPr lang="en-US" sz="1400" u="none" strike="noStrike" kern="1200" dirty="0">
+                          <a:solidFill>
+                            <a:schemeClr val="dk1"/>
+                          </a:solidFill>
                           <a:effectLst/>
+                          <a:latin typeface="+mn-lt"/>
+                          <a:ea typeface="+mn-ea"/>
+                          <a:cs typeface="+mn-cs"/>
                         </a:rPr>
-                        <a:t>40</a:t>
+                        <a:t>60</a:t>
                       </a:r>
-                      <a:endParaRPr lang="ru-RU" sz="1800" b="0" i="0" u="none" strike="noStrike" dirty="0">
+                      <a:endParaRPr lang="ru-RU" sz="1400" u="none" strike="noStrike" kern="1200" dirty="0">
+                        <a:solidFill>
+                          <a:schemeClr val="dk1"/>
+                        </a:solidFill>
                         <a:effectLst/>
-                        <a:latin typeface="Arial" panose="020B0604020202020204" pitchFamily="34" charset="0"/>
+                        <a:latin typeface="+mn-lt"/>
+                        <a:ea typeface="+mn-ea"/>
+                        <a:cs typeface="+mn-cs"/>
                       </a:endParaRPr>
                     </a:p>
                   </a:txBody>
-                  <a:tcPr marL="68580" marR="68580" marT="9525" marB="0" anchor="ctr"/>
+                  <a:tcPr marL="68821" marR="68821" marT="9558" marB="0" anchor="ctr"/>
                 </a:tc>
                 <a:tc>
                   <a:txBody>
                     <a:bodyPr/>
                     <a:lstStyle/>
                     <a:p>
-                      <a:pPr algn="ctr" fontAlgn="ctr">
+                      <a:pPr marL="0" algn="ctr" defTabSz="914400" rtl="0" eaLnBrk="1" fontAlgn="ctr" latinLnBrk="0" hangingPunct="1">
                         <a:lnSpc>
                           <a:spcPct val="107000"/>
                         </a:lnSpc>
@@ -16686,25 +16107,36 @@
                         </a:spcAft>
                       </a:pPr>
                       <a:r>
-                        <a:rPr lang="ru-RU" sz="1400" u="none" strike="noStrike" dirty="0">
+                        <a:rPr lang="en-US" sz="1400" u="none" strike="noStrike" kern="1200" dirty="0">
+                          <a:solidFill>
+                            <a:schemeClr val="dk1"/>
+                          </a:solidFill>
                           <a:effectLst/>
+                          <a:latin typeface="+mn-lt"/>
+                          <a:ea typeface="+mn-ea"/>
+                          <a:cs typeface="+mn-cs"/>
                         </a:rPr>
-                        <a:t>0</a:t>
+                        <a:t>60</a:t>
                       </a:r>
-                      <a:endParaRPr lang="ru-RU" sz="1800" b="0" i="0" u="none" strike="noStrike" dirty="0">
+                      <a:endParaRPr lang="ru-RU" sz="1400" u="none" strike="noStrike" kern="1200" dirty="0">
+                        <a:solidFill>
+                          <a:schemeClr val="dk1"/>
+                        </a:solidFill>
                         <a:effectLst/>
-                        <a:latin typeface="Arial" panose="020B0604020202020204" pitchFamily="34" charset="0"/>
+                        <a:latin typeface="+mn-lt"/>
+                        <a:ea typeface="+mn-ea"/>
+                        <a:cs typeface="+mn-cs"/>
                       </a:endParaRPr>
                     </a:p>
                   </a:txBody>
-                  <a:tcPr marL="68580" marR="68580" marT="9525" marB="0" anchor="ctr"/>
+                  <a:tcPr marL="68821" marR="68821" marT="9558" marB="0" anchor="ctr"/>
                 </a:tc>
                 <a:tc>
                   <a:txBody>
                     <a:bodyPr/>
                     <a:lstStyle/>
                     <a:p>
-                      <a:pPr algn="ctr" fontAlgn="ctr">
+                      <a:pPr marL="0" algn="ctr" defTabSz="914400" rtl="0" eaLnBrk="1" fontAlgn="ctr" latinLnBrk="0" hangingPunct="1">
                         <a:lnSpc>
                           <a:spcPct val="107000"/>
                         </a:lnSpc>
@@ -16716,25 +16148,36 @@
                         </a:spcAft>
                       </a:pPr>
                       <a:r>
-                        <a:rPr lang="ru-RU" sz="1400" u="none" strike="noStrike" dirty="0">
+                        <a:rPr lang="en-US" sz="1400" u="none" strike="noStrike" kern="1200" dirty="0">
+                          <a:solidFill>
+                            <a:schemeClr val="dk1"/>
+                          </a:solidFill>
                           <a:effectLst/>
+                          <a:latin typeface="+mn-lt"/>
+                          <a:ea typeface="+mn-ea"/>
+                          <a:cs typeface="+mn-cs"/>
                         </a:rPr>
-                        <a:t>0</a:t>
+                        <a:t>50</a:t>
                       </a:r>
-                      <a:endParaRPr lang="ru-RU" sz="1800" b="0" i="0" u="none" strike="noStrike" dirty="0">
+                      <a:endParaRPr lang="ru-RU" sz="1400" u="none" strike="noStrike" kern="1200" dirty="0">
+                        <a:solidFill>
+                          <a:schemeClr val="dk1"/>
+                        </a:solidFill>
                         <a:effectLst/>
-                        <a:latin typeface="Arial" panose="020B0604020202020204" pitchFamily="34" charset="0"/>
+                        <a:latin typeface="+mn-lt"/>
+                        <a:ea typeface="+mn-ea"/>
+                        <a:cs typeface="+mn-cs"/>
                       </a:endParaRPr>
                     </a:p>
                   </a:txBody>
-                  <a:tcPr marL="68580" marR="68580" marT="9525" marB="0" anchor="ctr"/>
+                  <a:tcPr marL="68821" marR="68821" marT="9558" marB="0" anchor="ctr"/>
                 </a:tc>
                 <a:tc>
                   <a:txBody>
                     <a:bodyPr/>
                     <a:lstStyle/>
                     <a:p>
-                      <a:pPr algn="ctr" fontAlgn="ctr">
+                      <a:pPr marL="0" algn="ctr" defTabSz="914400" rtl="0" eaLnBrk="1" fontAlgn="ctr" latinLnBrk="0" hangingPunct="1">
                         <a:lnSpc>
                           <a:spcPct val="107000"/>
                         </a:lnSpc>
@@ -16746,22 +16189,424 @@
                         </a:spcAft>
                       </a:pPr>
                       <a:r>
-                        <a:rPr lang="ru-RU" sz="1400" u="none" strike="noStrike" dirty="0">
+                        <a:rPr lang="en-US" sz="1400" u="none" strike="noStrike" kern="1200" dirty="0">
+                          <a:solidFill>
+                            <a:schemeClr val="dk1"/>
+                          </a:solidFill>
                           <a:effectLst/>
+                          <a:latin typeface="+mn-lt"/>
+                          <a:ea typeface="+mn-ea"/>
+                          <a:cs typeface="+mn-cs"/>
                         </a:rPr>
-                        <a:t>0</a:t>
+                        <a:t>50</a:t>
                       </a:r>
-                      <a:endParaRPr lang="ru-RU" sz="1800" b="0" i="0" u="none" strike="noStrike" dirty="0">
+                      <a:endParaRPr lang="ru-RU" sz="1400" u="none" strike="noStrike" kern="1200" dirty="0">
+                        <a:solidFill>
+                          <a:schemeClr val="dk1"/>
+                        </a:solidFill>
                         <a:effectLst/>
-                        <a:latin typeface="Arial" panose="020B0604020202020204" pitchFamily="34" charset="0"/>
+                        <a:latin typeface="+mn-lt"/>
+                        <a:ea typeface="+mn-ea"/>
+                        <a:cs typeface="+mn-cs"/>
                       </a:endParaRPr>
                     </a:p>
                   </a:txBody>
-                  <a:tcPr marL="68580" marR="68580" marT="9525" marB="0" anchor="ctr"/>
+                  <a:tcPr marL="68821" marR="68821" marT="9558" marB="0" anchor="ctr"/>
                 </a:tc>
                 <a:extLst>
                   <a:ext uri="{0D108BD9-81ED-4DB2-BD59-A6C34878D82A}">
-                    <a16:rowId xmlns:a16="http://schemas.microsoft.com/office/drawing/2014/main" val="2227901884"/>
+                    <a16:rowId xmlns:a16="http://schemas.microsoft.com/office/drawing/2014/main" val="2552475185"/>
+                  </a:ext>
+                </a:extLst>
+              </a:tr>
+              <a:tr h="366901">
+                <a:tc>
+                  <a:txBody>
+                    <a:bodyPr/>
+                    <a:lstStyle/>
+                    <a:p>
+                      <a:pPr marL="0" algn="ctr" defTabSz="914400" rtl="0" eaLnBrk="1" fontAlgn="ctr" latinLnBrk="0" hangingPunct="1">
+                        <a:lnSpc>
+                          <a:spcPct val="107000"/>
+                        </a:lnSpc>
+                        <a:spcBef>
+                          <a:spcPts val="0"/>
+                        </a:spcBef>
+                        <a:spcAft>
+                          <a:spcPts val="800"/>
+                        </a:spcAft>
+                      </a:pPr>
+                      <a:r>
+                        <a:rPr lang="ru-RU" sz="1400" u="none" strike="noStrike" kern="1200" dirty="0">
+                          <a:solidFill>
+                            <a:schemeClr val="dk1"/>
+                          </a:solidFill>
+                          <a:effectLst/>
+                          <a:latin typeface="+mn-lt"/>
+                          <a:ea typeface="+mn-ea"/>
+                          <a:cs typeface="+mn-cs"/>
+                        </a:rPr>
+                        <a:t>Генетический алгоритм</a:t>
+                      </a:r>
+                    </a:p>
+                  </a:txBody>
+                  <a:tcPr marL="68821" marR="68821" marT="9558" marB="0" anchor="ctr"/>
+                </a:tc>
+                <a:tc>
+                  <a:txBody>
+                    <a:bodyPr/>
+                    <a:lstStyle/>
+                    <a:p>
+                      <a:pPr marL="0" algn="ctr" defTabSz="914400" rtl="0" eaLnBrk="1" fontAlgn="ctr" latinLnBrk="0" hangingPunct="1">
+                        <a:lnSpc>
+                          <a:spcPct val="107000"/>
+                        </a:lnSpc>
+                        <a:spcBef>
+                          <a:spcPts val="0"/>
+                        </a:spcBef>
+                        <a:spcAft>
+                          <a:spcPts val="800"/>
+                        </a:spcAft>
+                      </a:pPr>
+                      <a:r>
+                        <a:rPr lang="ru-RU" sz="1400" u="none" strike="noStrike" kern="1200" dirty="0">
+                          <a:solidFill>
+                            <a:schemeClr val="dk1"/>
+                          </a:solidFill>
+                          <a:effectLst/>
+                          <a:latin typeface="+mn-lt"/>
+                          <a:ea typeface="+mn-ea"/>
+                          <a:cs typeface="+mn-cs"/>
+                        </a:rPr>
+                        <a:t>100</a:t>
+                      </a:r>
+                    </a:p>
+                  </a:txBody>
+                  <a:tcPr marL="68821" marR="68821" marT="9558" marB="0" anchor="ctr"/>
+                </a:tc>
+                <a:tc>
+                  <a:txBody>
+                    <a:bodyPr/>
+                    <a:lstStyle/>
+                    <a:p>
+                      <a:pPr marL="0" algn="ctr" defTabSz="914400" rtl="0" eaLnBrk="1" fontAlgn="ctr" latinLnBrk="0" hangingPunct="1">
+                        <a:lnSpc>
+                          <a:spcPct val="107000"/>
+                        </a:lnSpc>
+                        <a:spcBef>
+                          <a:spcPts val="0"/>
+                        </a:spcBef>
+                        <a:spcAft>
+                          <a:spcPts val="800"/>
+                        </a:spcAft>
+                      </a:pPr>
+                      <a:r>
+                        <a:rPr lang="ru-RU" sz="1400" u="none" strike="noStrike" kern="1200" dirty="0">
+                          <a:solidFill>
+                            <a:schemeClr val="dk1"/>
+                          </a:solidFill>
+                          <a:effectLst/>
+                          <a:latin typeface="+mn-lt"/>
+                          <a:ea typeface="+mn-ea"/>
+                          <a:cs typeface="+mn-cs"/>
+                        </a:rPr>
+                        <a:t>80</a:t>
+                      </a:r>
+                    </a:p>
+                  </a:txBody>
+                  <a:tcPr marL="68821" marR="68821" marT="9558" marB="0" anchor="ctr"/>
+                </a:tc>
+                <a:tc>
+                  <a:txBody>
+                    <a:bodyPr/>
+                    <a:lstStyle/>
+                    <a:p>
+                      <a:pPr marL="0" algn="ctr" defTabSz="914400" rtl="0" eaLnBrk="1" fontAlgn="ctr" latinLnBrk="0" hangingPunct="1">
+                        <a:lnSpc>
+                          <a:spcPct val="107000"/>
+                        </a:lnSpc>
+                        <a:spcBef>
+                          <a:spcPts val="0"/>
+                        </a:spcBef>
+                        <a:spcAft>
+                          <a:spcPts val="800"/>
+                        </a:spcAft>
+                      </a:pPr>
+                      <a:r>
+                        <a:rPr lang="ru-RU" sz="1400" u="none" strike="noStrike" kern="1200" dirty="0">
+                          <a:solidFill>
+                            <a:schemeClr val="dk1"/>
+                          </a:solidFill>
+                          <a:effectLst/>
+                          <a:latin typeface="+mn-lt"/>
+                          <a:ea typeface="+mn-ea"/>
+                          <a:cs typeface="+mn-cs"/>
+                        </a:rPr>
+                        <a:t>80</a:t>
+                      </a:r>
+                    </a:p>
+                  </a:txBody>
+                  <a:tcPr marL="68821" marR="68821" marT="9558" marB="0" anchor="ctr"/>
+                </a:tc>
+                <a:tc>
+                  <a:txBody>
+                    <a:bodyPr/>
+                    <a:lstStyle/>
+                    <a:p>
+                      <a:pPr marL="0" algn="ctr" defTabSz="914400" rtl="0" eaLnBrk="1" fontAlgn="ctr" latinLnBrk="0" hangingPunct="1">
+                        <a:lnSpc>
+                          <a:spcPct val="107000"/>
+                        </a:lnSpc>
+                        <a:spcBef>
+                          <a:spcPts val="0"/>
+                        </a:spcBef>
+                        <a:spcAft>
+                          <a:spcPts val="800"/>
+                        </a:spcAft>
+                      </a:pPr>
+                      <a:r>
+                        <a:rPr lang="ru-RU" sz="1400" u="none" strike="noStrike" kern="1200" dirty="0">
+                          <a:solidFill>
+                            <a:schemeClr val="dk1"/>
+                          </a:solidFill>
+                          <a:effectLst/>
+                          <a:latin typeface="+mn-lt"/>
+                          <a:ea typeface="+mn-ea"/>
+                          <a:cs typeface="+mn-cs"/>
+                        </a:rPr>
+                        <a:t>70</a:t>
+                      </a:r>
+                    </a:p>
+                  </a:txBody>
+                  <a:tcPr marL="68821" marR="68821" marT="9558" marB="0" anchor="ctr"/>
+                </a:tc>
+                <a:tc>
+                  <a:txBody>
+                    <a:bodyPr/>
+                    <a:lstStyle/>
+                    <a:p>
+                      <a:pPr marL="0" algn="ctr" defTabSz="914400" rtl="0" eaLnBrk="1" fontAlgn="ctr" latinLnBrk="0" hangingPunct="1">
+                        <a:lnSpc>
+                          <a:spcPct val="107000"/>
+                        </a:lnSpc>
+                        <a:spcBef>
+                          <a:spcPts val="0"/>
+                        </a:spcBef>
+                        <a:spcAft>
+                          <a:spcPts val="800"/>
+                        </a:spcAft>
+                      </a:pPr>
+                      <a:r>
+                        <a:rPr lang="ru-RU" sz="1400" u="none" strike="noStrike" kern="1200" dirty="0">
+                          <a:solidFill>
+                            <a:schemeClr val="dk1"/>
+                          </a:solidFill>
+                          <a:effectLst/>
+                          <a:latin typeface="+mn-lt"/>
+                          <a:ea typeface="+mn-ea"/>
+                          <a:cs typeface="+mn-cs"/>
+                        </a:rPr>
+                        <a:t>70</a:t>
+                      </a:r>
+                    </a:p>
+                  </a:txBody>
+                  <a:tcPr marL="68821" marR="68821" marT="9558" marB="0" anchor="ctr"/>
+                </a:tc>
+                <a:tc>
+                  <a:txBody>
+                    <a:bodyPr/>
+                    <a:lstStyle/>
+                    <a:p>
+                      <a:pPr marL="0" algn="ctr" defTabSz="914400" rtl="0" eaLnBrk="1" fontAlgn="ctr" latinLnBrk="0" hangingPunct="1">
+                        <a:lnSpc>
+                          <a:spcPct val="107000"/>
+                        </a:lnSpc>
+                        <a:spcBef>
+                          <a:spcPts val="0"/>
+                        </a:spcBef>
+                        <a:spcAft>
+                          <a:spcPts val="800"/>
+                        </a:spcAft>
+                      </a:pPr>
+                      <a:r>
+                        <a:rPr lang="ru-RU" sz="1400" u="none" strike="noStrike" kern="1200" dirty="0">
+                          <a:solidFill>
+                            <a:schemeClr val="dk1"/>
+                          </a:solidFill>
+                          <a:effectLst/>
+                          <a:latin typeface="+mn-lt"/>
+                          <a:ea typeface="+mn-ea"/>
+                          <a:cs typeface="+mn-cs"/>
+                        </a:rPr>
+                        <a:t>70</a:t>
+                      </a:r>
+                    </a:p>
+                  </a:txBody>
+                  <a:tcPr marL="68821" marR="68821" marT="9558" marB="0" anchor="ctr"/>
+                </a:tc>
+                <a:tc>
+                  <a:txBody>
+                    <a:bodyPr/>
+                    <a:lstStyle/>
+                    <a:p>
+                      <a:pPr marL="0" algn="ctr" defTabSz="914400" rtl="0" eaLnBrk="1" fontAlgn="ctr" latinLnBrk="0" hangingPunct="1">
+                        <a:lnSpc>
+                          <a:spcPct val="107000"/>
+                        </a:lnSpc>
+                        <a:spcBef>
+                          <a:spcPts val="0"/>
+                        </a:spcBef>
+                        <a:spcAft>
+                          <a:spcPts val="800"/>
+                        </a:spcAft>
+                      </a:pPr>
+                      <a:r>
+                        <a:rPr lang="ru-RU" sz="1400" u="none" strike="noStrike" kern="1200" dirty="0">
+                          <a:solidFill>
+                            <a:schemeClr val="dk1"/>
+                          </a:solidFill>
+                          <a:effectLst/>
+                          <a:latin typeface="+mn-lt"/>
+                          <a:ea typeface="+mn-ea"/>
+                          <a:cs typeface="+mn-cs"/>
+                        </a:rPr>
+                        <a:t>60</a:t>
+                      </a:r>
+                    </a:p>
+                  </a:txBody>
+                  <a:tcPr marL="68821" marR="68821" marT="9558" marB="0" anchor="ctr"/>
+                </a:tc>
+                <a:tc>
+                  <a:txBody>
+                    <a:bodyPr/>
+                    <a:lstStyle/>
+                    <a:p>
+                      <a:pPr marL="0" algn="ctr" defTabSz="914400" rtl="0" eaLnBrk="1" fontAlgn="ctr" latinLnBrk="0" hangingPunct="1">
+                        <a:lnSpc>
+                          <a:spcPct val="107000"/>
+                        </a:lnSpc>
+                        <a:spcBef>
+                          <a:spcPts val="0"/>
+                        </a:spcBef>
+                        <a:spcAft>
+                          <a:spcPts val="800"/>
+                        </a:spcAft>
+                      </a:pPr>
+                      <a:r>
+                        <a:rPr lang="ru-RU" sz="1400" u="none" strike="noStrike" kern="1200" dirty="0">
+                          <a:solidFill>
+                            <a:schemeClr val="dk1"/>
+                          </a:solidFill>
+                          <a:effectLst/>
+                          <a:latin typeface="+mn-lt"/>
+                          <a:ea typeface="+mn-ea"/>
+                          <a:cs typeface="+mn-cs"/>
+                        </a:rPr>
+                        <a:t>60</a:t>
+                      </a:r>
+                    </a:p>
+                  </a:txBody>
+                  <a:tcPr marL="68821" marR="68821" marT="9558" marB="0" anchor="ctr"/>
+                </a:tc>
+                <a:tc>
+                  <a:txBody>
+                    <a:bodyPr/>
+                    <a:lstStyle/>
+                    <a:p>
+                      <a:pPr marL="0" algn="ctr" defTabSz="914400" rtl="0" eaLnBrk="1" fontAlgn="ctr" latinLnBrk="0" hangingPunct="1">
+                        <a:lnSpc>
+                          <a:spcPct val="107000"/>
+                        </a:lnSpc>
+                        <a:spcBef>
+                          <a:spcPts val="0"/>
+                        </a:spcBef>
+                        <a:spcAft>
+                          <a:spcPts val="800"/>
+                        </a:spcAft>
+                      </a:pPr>
+                      <a:r>
+                        <a:rPr lang="ru-RU" sz="1400" u="none" strike="noStrike" kern="1200" dirty="0">
+                          <a:solidFill>
+                            <a:schemeClr val="dk1"/>
+                          </a:solidFill>
+                          <a:effectLst/>
+                          <a:latin typeface="+mn-lt"/>
+                          <a:ea typeface="+mn-ea"/>
+                          <a:cs typeface="+mn-cs"/>
+                        </a:rPr>
+                        <a:t>60</a:t>
+                      </a:r>
+                    </a:p>
+                  </a:txBody>
+                  <a:tcPr marL="68821" marR="68821" marT="9558" marB="0" anchor="ctr"/>
+                </a:tc>
+                <a:tc>
+                  <a:txBody>
+                    <a:bodyPr/>
+                    <a:lstStyle/>
+                    <a:p>
+                      <a:pPr marL="0" algn="ctr" defTabSz="914400" rtl="0" eaLnBrk="1" fontAlgn="ctr" latinLnBrk="0" hangingPunct="1">
+                        <a:lnSpc>
+                          <a:spcPct val="107000"/>
+                        </a:lnSpc>
+                        <a:spcBef>
+                          <a:spcPts val="0"/>
+                        </a:spcBef>
+                        <a:spcAft>
+                          <a:spcPts val="800"/>
+                        </a:spcAft>
+                      </a:pPr>
+                      <a:r>
+                        <a:rPr lang="ru-RU" sz="1400" u="none" strike="noStrike" kern="1200" dirty="0">
+                          <a:solidFill>
+                            <a:schemeClr val="dk1"/>
+                          </a:solidFill>
+                          <a:effectLst/>
+                          <a:latin typeface="+mn-lt"/>
+                          <a:ea typeface="+mn-ea"/>
+                          <a:cs typeface="+mn-cs"/>
+                        </a:rPr>
+                        <a:t>50</a:t>
+                      </a:r>
+                    </a:p>
+                  </a:txBody>
+                  <a:tcPr marL="68821" marR="68821" marT="9558" marB="0" anchor="ctr"/>
+                </a:tc>
+                <a:tc>
+                  <a:txBody>
+                    <a:bodyPr/>
+                    <a:lstStyle/>
+                    <a:p>
+                      <a:pPr marL="0" algn="ctr" defTabSz="914400" rtl="0" eaLnBrk="1" fontAlgn="ctr" latinLnBrk="0" hangingPunct="1">
+                        <a:lnSpc>
+                          <a:spcPct val="107000"/>
+                        </a:lnSpc>
+                        <a:spcBef>
+                          <a:spcPts val="0"/>
+                        </a:spcBef>
+                        <a:spcAft>
+                          <a:spcPts val="800"/>
+                        </a:spcAft>
+                      </a:pPr>
+                      <a:r>
+                        <a:rPr lang="ru-RU" sz="1400" u="none" strike="noStrike" kern="1200" dirty="0">
+                          <a:solidFill>
+                            <a:schemeClr val="dk1"/>
+                          </a:solidFill>
+                          <a:effectLst/>
+                          <a:latin typeface="+mn-lt"/>
+                          <a:ea typeface="+mn-ea"/>
+                          <a:cs typeface="+mn-cs"/>
+                        </a:rPr>
+                        <a:t>50</a:t>
+                      </a:r>
+                    </a:p>
+                  </a:txBody>
+                  <a:tcPr marL="68821" marR="68821" marT="9558" marB="0" anchor="ctr"/>
+                </a:tc>
+                <a:extLst>
+                  <a:ext uri="{0D108BD9-81ED-4DB2-BD59-A6C34878D82A}">
+                    <a16:rowId xmlns:a16="http://schemas.microsoft.com/office/drawing/2014/main" val="1278402580"/>
                   </a:ext>
                 </a:extLst>
               </a:tr>
@@ -16773,6 +16618,554 @@
     <p:extLst>
       <p:ext uri="{BB962C8B-B14F-4D97-AF65-F5344CB8AC3E}">
         <p14:creationId xmlns:p14="http://schemas.microsoft.com/office/powerpoint/2010/main" val="2216996579"/>
+      </p:ext>
+    </p:extLst>
+  </p:cSld>
+  <p:clrMapOvr>
+    <a:masterClrMapping/>
+  </p:clrMapOvr>
+</p:sld>
+</file>
+
+<file path=ppt/slides/slide21.xml><?xml version="1.0" encoding="utf-8"?>
+<p:sld xmlns:a="http://schemas.openxmlformats.org/drawingml/2006/main" xmlns:r="http://schemas.openxmlformats.org/officeDocument/2006/relationships" xmlns:p="http://schemas.openxmlformats.org/presentationml/2006/main">
+  <p:cSld>
+    <p:spTree>
+      <p:nvGrpSpPr>
+        <p:cNvPr id="1" name=""/>
+        <p:cNvGrpSpPr/>
+        <p:nvPr/>
+      </p:nvGrpSpPr>
+      <p:grpSpPr>
+        <a:xfrm>
+          <a:off x="0" y="0"/>
+          <a:ext cx="0" cy="0"/>
+          <a:chOff x="0" y="0"/>
+          <a:chExt cx="0" cy="0"/>
+        </a:xfrm>
+      </p:grpSpPr>
+      <p:sp>
+        <p:nvSpPr>
+          <p:cNvPr id="2" name="Заголовок 1">
+            <a:extLst>
+              <a:ext uri="{FF2B5EF4-FFF2-40B4-BE49-F238E27FC236}">
+                <a16:creationId xmlns:a16="http://schemas.microsoft.com/office/drawing/2014/main" id="{6D9263D9-3264-49A0-BA11-69C2C1D7C98C}"/>
+              </a:ext>
+            </a:extLst>
+          </p:cNvPr>
+          <p:cNvSpPr>
+            <a:spLocks noGrp="1"/>
+          </p:cNvSpPr>
+          <p:nvPr>
+            <p:ph type="title"/>
+          </p:nvPr>
+        </p:nvSpPr>
+        <p:spPr>
+          <a:xfrm>
+            <a:off x="3008784" y="308757"/>
+            <a:ext cx="6401916" cy="846158"/>
+          </a:xfrm>
+        </p:spPr>
+        <p:txBody>
+          <a:bodyPr>
+            <a:normAutofit fontScale="90000"/>
+          </a:bodyPr>
+          <a:lstStyle/>
+          <a:p>
+            <a:r>
+              <a:rPr lang="ru-RU" dirty="0"/>
+              <a:t>Результаты сравнения работы алгоритмов </a:t>
+            </a:r>
+            <a:br>
+              <a:rPr lang="ru-RU" dirty="0"/>
+            </a:br>
+            <a:r>
+              <a:rPr lang="ru-RU" dirty="0"/>
+              <a:t>на тестовой выборке</a:t>
+            </a:r>
+          </a:p>
+        </p:txBody>
+      </p:sp>
+      <p:sp>
+        <p:nvSpPr>
+          <p:cNvPr id="4" name="Номер слайда 3">
+            <a:extLst>
+              <a:ext uri="{FF2B5EF4-FFF2-40B4-BE49-F238E27FC236}">
+                <a16:creationId xmlns:a16="http://schemas.microsoft.com/office/drawing/2014/main" id="{9A4583B1-98BC-4668-BABA-F1B98215EBD5}"/>
+              </a:ext>
+            </a:extLst>
+          </p:cNvPr>
+          <p:cNvSpPr>
+            <a:spLocks noGrp="1"/>
+          </p:cNvSpPr>
+          <p:nvPr>
+            <p:ph type="sldNum" sz="quarter" idx="12"/>
+          </p:nvPr>
+        </p:nvSpPr>
+        <p:spPr/>
+        <p:txBody>
+          <a:bodyPr/>
+          <a:lstStyle/>
+          <a:p>
+            <a:pPr>
+              <a:defRPr/>
+            </a:pPr>
+            <a:fld id="{21BDEC18-8067-4417-9D22-B28DB0185129}" type="slidenum">
+              <a:rPr lang="ru-RU" altLang="ru-RU" sz="2000" smtClean="0"/>
+              <a:pPr>
+                <a:defRPr/>
+              </a:pPr>
+              <a:t>21</a:t>
+            </a:fld>
+            <a:endParaRPr lang="ru-RU" altLang="ru-RU" sz="2000"/>
+          </a:p>
+        </p:txBody>
+      </p:sp>
+      <p:graphicFrame>
+        <p:nvGraphicFramePr>
+          <p:cNvPr id="7" name="Диаграмма 6">
+            <a:extLst>
+              <a:ext uri="{FF2B5EF4-FFF2-40B4-BE49-F238E27FC236}">
+                <a16:creationId xmlns:a16="http://schemas.microsoft.com/office/drawing/2014/main" id="{A9B8FA8D-846D-4543-9224-EE639874342B}"/>
+              </a:ext>
+            </a:extLst>
+          </p:cNvPr>
+          <p:cNvGraphicFramePr>
+            <a:graphicFrameLocks/>
+          </p:cNvGraphicFramePr>
+          <p:nvPr>
+            <p:extLst>
+              <p:ext uri="{D42A27DB-BD31-4B8C-83A1-F6EECF244321}">
+                <p14:modId xmlns:p14="http://schemas.microsoft.com/office/powerpoint/2010/main" val="1292552326"/>
+              </p:ext>
+            </p:extLst>
+          </p:nvPr>
+        </p:nvGraphicFramePr>
+        <p:xfrm>
+          <a:off x="128464" y="1268760"/>
+          <a:ext cx="9433644" cy="4873816"/>
+        </p:xfrm>
+        <a:graphic>
+          <a:graphicData uri="http://schemas.openxmlformats.org/drawingml/2006/chart">
+            <c:chart xmlns:c="http://schemas.openxmlformats.org/drawingml/2006/chart" xmlns:r="http://schemas.openxmlformats.org/officeDocument/2006/relationships" r:id="rId2"/>
+          </a:graphicData>
+        </a:graphic>
+      </p:graphicFrame>
+    </p:spTree>
+    <p:extLst>
+      <p:ext uri="{BB962C8B-B14F-4D97-AF65-F5344CB8AC3E}">
+        <p14:creationId xmlns:p14="http://schemas.microsoft.com/office/powerpoint/2010/main" val="3928577520"/>
+      </p:ext>
+    </p:extLst>
+  </p:cSld>
+  <p:clrMapOvr>
+    <a:masterClrMapping/>
+  </p:clrMapOvr>
+</p:sld>
+</file>
+
+<file path=ppt/slides/slide22.xml><?xml version="1.0" encoding="utf-8"?>
+<p:sld xmlns:a="http://schemas.openxmlformats.org/drawingml/2006/main" xmlns:r="http://schemas.openxmlformats.org/officeDocument/2006/relationships" xmlns:p="http://schemas.openxmlformats.org/presentationml/2006/main">
+  <p:cSld>
+    <p:spTree>
+      <p:nvGrpSpPr>
+        <p:cNvPr id="1" name=""/>
+        <p:cNvGrpSpPr/>
+        <p:nvPr/>
+      </p:nvGrpSpPr>
+      <p:grpSpPr>
+        <a:xfrm>
+          <a:off x="0" y="0"/>
+          <a:ext cx="0" cy="0"/>
+          <a:chOff x="0" y="0"/>
+          <a:chExt cx="0" cy="0"/>
+        </a:xfrm>
+      </p:grpSpPr>
+      <p:sp>
+        <p:nvSpPr>
+          <p:cNvPr id="2" name="Заголовок 1">
+            <a:extLst>
+              <a:ext uri="{FF2B5EF4-FFF2-40B4-BE49-F238E27FC236}">
+                <a16:creationId xmlns:a16="http://schemas.microsoft.com/office/drawing/2014/main" id="{6D9263D9-3264-49A0-BA11-69C2C1D7C98C}"/>
+              </a:ext>
+            </a:extLst>
+          </p:cNvPr>
+          <p:cNvSpPr>
+            <a:spLocks noGrp="1"/>
+          </p:cNvSpPr>
+          <p:nvPr>
+            <p:ph type="title"/>
+          </p:nvPr>
+        </p:nvSpPr>
+        <p:spPr>
+          <a:xfrm>
+            <a:off x="3008784" y="308757"/>
+            <a:ext cx="6401916" cy="846158"/>
+          </a:xfrm>
+        </p:spPr>
+        <p:txBody>
+          <a:bodyPr>
+            <a:normAutofit fontScale="90000"/>
+          </a:bodyPr>
+          <a:lstStyle/>
+          <a:p>
+            <a:r>
+              <a:rPr lang="ru-RU" dirty="0"/>
+              <a:t>Результаты сравнения работы алгоритмов </a:t>
+            </a:r>
+            <a:br>
+              <a:rPr lang="ru-RU" dirty="0"/>
+            </a:br>
+            <a:r>
+              <a:rPr lang="ru-RU" dirty="0"/>
+              <a:t>на тестовой выборке</a:t>
+            </a:r>
+          </a:p>
+        </p:txBody>
+      </p:sp>
+      <p:sp>
+        <p:nvSpPr>
+          <p:cNvPr id="4" name="Номер слайда 3">
+            <a:extLst>
+              <a:ext uri="{FF2B5EF4-FFF2-40B4-BE49-F238E27FC236}">
+                <a16:creationId xmlns:a16="http://schemas.microsoft.com/office/drawing/2014/main" id="{9A4583B1-98BC-4668-BABA-F1B98215EBD5}"/>
+              </a:ext>
+            </a:extLst>
+          </p:cNvPr>
+          <p:cNvSpPr>
+            <a:spLocks noGrp="1"/>
+          </p:cNvSpPr>
+          <p:nvPr>
+            <p:ph type="sldNum" sz="quarter" idx="12"/>
+          </p:nvPr>
+        </p:nvSpPr>
+        <p:spPr/>
+        <p:txBody>
+          <a:bodyPr/>
+          <a:lstStyle/>
+          <a:p>
+            <a:pPr>
+              <a:defRPr/>
+            </a:pPr>
+            <a:fld id="{21BDEC18-8067-4417-9D22-B28DB0185129}" type="slidenum">
+              <a:rPr lang="ru-RU" altLang="ru-RU" sz="2000" smtClean="0"/>
+              <a:pPr>
+                <a:defRPr/>
+              </a:pPr>
+              <a:t>22</a:t>
+            </a:fld>
+            <a:endParaRPr lang="ru-RU" altLang="ru-RU" sz="2000"/>
+          </a:p>
+        </p:txBody>
+      </p:sp>
+      <p:graphicFrame>
+        <p:nvGraphicFramePr>
+          <p:cNvPr id="5" name="Диаграмма 4">
+            <a:extLst>
+              <a:ext uri="{FF2B5EF4-FFF2-40B4-BE49-F238E27FC236}">
+                <a16:creationId xmlns:a16="http://schemas.microsoft.com/office/drawing/2014/main" id="{656B9A5C-C379-4C4B-84AD-EA5C6FEBF1C8}"/>
+              </a:ext>
+            </a:extLst>
+          </p:cNvPr>
+          <p:cNvGraphicFramePr>
+            <a:graphicFrameLocks/>
+          </p:cNvGraphicFramePr>
+          <p:nvPr>
+            <p:extLst>
+              <p:ext uri="{D42A27DB-BD31-4B8C-83A1-F6EECF244321}">
+                <p14:modId xmlns:p14="http://schemas.microsoft.com/office/powerpoint/2010/main" val="3142367018"/>
+              </p:ext>
+            </p:extLst>
+          </p:nvPr>
+        </p:nvGraphicFramePr>
+        <p:xfrm>
+          <a:off x="333655" y="1154914"/>
+          <a:ext cx="9238690" cy="5201435"/>
+        </p:xfrm>
+        <a:graphic>
+          <a:graphicData uri="http://schemas.openxmlformats.org/drawingml/2006/chart">
+            <c:chart xmlns:c="http://schemas.openxmlformats.org/drawingml/2006/chart" xmlns:r="http://schemas.openxmlformats.org/officeDocument/2006/relationships" r:id="rId2"/>
+          </a:graphicData>
+        </a:graphic>
+      </p:graphicFrame>
+    </p:spTree>
+    <p:extLst>
+      <p:ext uri="{BB962C8B-B14F-4D97-AF65-F5344CB8AC3E}">
+        <p14:creationId xmlns:p14="http://schemas.microsoft.com/office/powerpoint/2010/main" val="4154424025"/>
+      </p:ext>
+    </p:extLst>
+  </p:cSld>
+  <p:clrMapOvr>
+    <a:masterClrMapping/>
+  </p:clrMapOvr>
+</p:sld>
+</file>
+
+<file path=ppt/slides/slide23.xml><?xml version="1.0" encoding="utf-8"?>
+<p:sld xmlns:a="http://schemas.openxmlformats.org/drawingml/2006/main" xmlns:r="http://schemas.openxmlformats.org/officeDocument/2006/relationships" xmlns:p="http://schemas.openxmlformats.org/presentationml/2006/main">
+  <p:cSld>
+    <p:spTree>
+      <p:nvGrpSpPr>
+        <p:cNvPr id="1" name=""/>
+        <p:cNvGrpSpPr/>
+        <p:nvPr/>
+      </p:nvGrpSpPr>
+      <p:grpSpPr>
+        <a:xfrm>
+          <a:off x="0" y="0"/>
+          <a:ext cx="0" cy="0"/>
+          <a:chOff x="0" y="0"/>
+          <a:chExt cx="0" cy="0"/>
+        </a:xfrm>
+      </p:grpSpPr>
+      <p:sp>
+        <p:nvSpPr>
+          <p:cNvPr id="2" name="Заголовок 1">
+            <a:extLst>
+              <a:ext uri="{FF2B5EF4-FFF2-40B4-BE49-F238E27FC236}">
+                <a16:creationId xmlns:a16="http://schemas.microsoft.com/office/drawing/2014/main" id="{6D9263D9-3264-49A0-BA11-69C2C1D7C98C}"/>
+              </a:ext>
+            </a:extLst>
+          </p:cNvPr>
+          <p:cNvSpPr>
+            <a:spLocks noGrp="1"/>
+          </p:cNvSpPr>
+          <p:nvPr>
+            <p:ph type="title"/>
+          </p:nvPr>
+        </p:nvSpPr>
+        <p:spPr>
+          <a:xfrm>
+            <a:off x="3008784" y="308757"/>
+            <a:ext cx="6401916" cy="846158"/>
+          </a:xfrm>
+        </p:spPr>
+        <p:txBody>
+          <a:bodyPr>
+            <a:normAutofit fontScale="90000"/>
+          </a:bodyPr>
+          <a:lstStyle/>
+          <a:p>
+            <a:r>
+              <a:rPr lang="ru-RU" dirty="0"/>
+              <a:t>Результаты сравнения работы алгоритмов </a:t>
+            </a:r>
+            <a:br>
+              <a:rPr lang="ru-RU" dirty="0"/>
+            </a:br>
+            <a:r>
+              <a:rPr lang="ru-RU" dirty="0"/>
+              <a:t>на тестовой выборке</a:t>
+            </a:r>
+          </a:p>
+        </p:txBody>
+      </p:sp>
+      <p:sp>
+        <p:nvSpPr>
+          <p:cNvPr id="4" name="Номер слайда 3">
+            <a:extLst>
+              <a:ext uri="{FF2B5EF4-FFF2-40B4-BE49-F238E27FC236}">
+                <a16:creationId xmlns:a16="http://schemas.microsoft.com/office/drawing/2014/main" id="{9A4583B1-98BC-4668-BABA-F1B98215EBD5}"/>
+              </a:ext>
+            </a:extLst>
+          </p:cNvPr>
+          <p:cNvSpPr>
+            <a:spLocks noGrp="1"/>
+          </p:cNvSpPr>
+          <p:nvPr>
+            <p:ph type="sldNum" sz="quarter" idx="12"/>
+          </p:nvPr>
+        </p:nvSpPr>
+        <p:spPr/>
+        <p:txBody>
+          <a:bodyPr/>
+          <a:lstStyle/>
+          <a:p>
+            <a:pPr>
+              <a:defRPr/>
+            </a:pPr>
+            <a:fld id="{21BDEC18-8067-4417-9D22-B28DB0185129}" type="slidenum">
+              <a:rPr lang="ru-RU" altLang="ru-RU" sz="2000" smtClean="0"/>
+              <a:pPr>
+                <a:defRPr/>
+              </a:pPr>
+              <a:t>23</a:t>
+            </a:fld>
+            <a:endParaRPr lang="ru-RU" altLang="ru-RU" sz="2000"/>
+          </a:p>
+        </p:txBody>
+      </p:sp>
+      <p:graphicFrame>
+        <p:nvGraphicFramePr>
+          <p:cNvPr id="5" name="Диаграмма 4">
+            <a:extLst>
+              <a:ext uri="{FF2B5EF4-FFF2-40B4-BE49-F238E27FC236}">
+                <a16:creationId xmlns:a16="http://schemas.microsoft.com/office/drawing/2014/main" id="{9BED7B29-68C0-4B62-842E-315B46440ABD}"/>
+              </a:ext>
+            </a:extLst>
+          </p:cNvPr>
+          <p:cNvGraphicFramePr>
+            <a:graphicFrameLocks/>
+          </p:cNvGraphicFramePr>
+          <p:nvPr>
+            <p:extLst>
+              <p:ext uri="{D42A27DB-BD31-4B8C-83A1-F6EECF244321}">
+                <p14:modId xmlns:p14="http://schemas.microsoft.com/office/powerpoint/2010/main" val="1345401940"/>
+              </p:ext>
+            </p:extLst>
+          </p:nvPr>
+        </p:nvGraphicFramePr>
+        <p:xfrm>
+          <a:off x="172010" y="1166830"/>
+          <a:ext cx="9389502" cy="4926466"/>
+        </p:xfrm>
+        <a:graphic>
+          <a:graphicData uri="http://schemas.openxmlformats.org/drawingml/2006/chart">
+            <c:chart xmlns:c="http://schemas.openxmlformats.org/drawingml/2006/chart" xmlns:r="http://schemas.openxmlformats.org/officeDocument/2006/relationships" r:id="rId2"/>
+          </a:graphicData>
+        </a:graphic>
+      </p:graphicFrame>
+    </p:spTree>
+    <p:extLst>
+      <p:ext uri="{BB962C8B-B14F-4D97-AF65-F5344CB8AC3E}">
+        <p14:creationId xmlns:p14="http://schemas.microsoft.com/office/powerpoint/2010/main" val="3355332943"/>
+      </p:ext>
+    </p:extLst>
+  </p:cSld>
+  <p:clrMapOvr>
+    <a:masterClrMapping/>
+  </p:clrMapOvr>
+</p:sld>
+</file>
+
+<file path=ppt/slides/slide24.xml><?xml version="1.0" encoding="utf-8"?>
+<p:sld xmlns:a="http://schemas.openxmlformats.org/drawingml/2006/main" xmlns:r="http://schemas.openxmlformats.org/officeDocument/2006/relationships" xmlns:p="http://schemas.openxmlformats.org/presentationml/2006/main">
+  <p:cSld>
+    <p:spTree>
+      <p:nvGrpSpPr>
+        <p:cNvPr id="1" name=""/>
+        <p:cNvGrpSpPr/>
+        <p:nvPr/>
+      </p:nvGrpSpPr>
+      <p:grpSpPr>
+        <a:xfrm>
+          <a:off x="0" y="0"/>
+          <a:ext cx="0" cy="0"/>
+          <a:chOff x="0" y="0"/>
+          <a:chExt cx="0" cy="0"/>
+        </a:xfrm>
+      </p:grpSpPr>
+      <p:sp>
+        <p:nvSpPr>
+          <p:cNvPr id="2" name="Заголовок 1">
+            <a:extLst>
+              <a:ext uri="{FF2B5EF4-FFF2-40B4-BE49-F238E27FC236}">
+                <a16:creationId xmlns:a16="http://schemas.microsoft.com/office/drawing/2014/main" id="{6D9263D9-3264-49A0-BA11-69C2C1D7C98C}"/>
+              </a:ext>
+            </a:extLst>
+          </p:cNvPr>
+          <p:cNvSpPr>
+            <a:spLocks noGrp="1"/>
+          </p:cNvSpPr>
+          <p:nvPr>
+            <p:ph type="title"/>
+          </p:nvPr>
+        </p:nvSpPr>
+        <p:spPr>
+          <a:xfrm>
+            <a:off x="3008784" y="308757"/>
+            <a:ext cx="6401916" cy="846158"/>
+          </a:xfrm>
+        </p:spPr>
+        <p:txBody>
+          <a:bodyPr>
+            <a:normAutofit fontScale="90000"/>
+          </a:bodyPr>
+          <a:lstStyle/>
+          <a:p>
+            <a:r>
+              <a:rPr lang="ru-RU" dirty="0"/>
+              <a:t>Результаты сравнения работы алгоритмов </a:t>
+            </a:r>
+            <a:br>
+              <a:rPr lang="ru-RU" dirty="0"/>
+            </a:br>
+            <a:r>
+              <a:rPr lang="ru-RU" dirty="0"/>
+              <a:t>на тестовой выборке</a:t>
+            </a:r>
+          </a:p>
+        </p:txBody>
+      </p:sp>
+      <p:sp>
+        <p:nvSpPr>
+          <p:cNvPr id="4" name="Номер слайда 3">
+            <a:extLst>
+              <a:ext uri="{FF2B5EF4-FFF2-40B4-BE49-F238E27FC236}">
+                <a16:creationId xmlns:a16="http://schemas.microsoft.com/office/drawing/2014/main" id="{9A4583B1-98BC-4668-BABA-F1B98215EBD5}"/>
+              </a:ext>
+            </a:extLst>
+          </p:cNvPr>
+          <p:cNvSpPr>
+            <a:spLocks noGrp="1"/>
+          </p:cNvSpPr>
+          <p:nvPr>
+            <p:ph type="sldNum" sz="quarter" idx="12"/>
+          </p:nvPr>
+        </p:nvSpPr>
+        <p:spPr/>
+        <p:txBody>
+          <a:bodyPr/>
+          <a:lstStyle/>
+          <a:p>
+            <a:pPr>
+              <a:defRPr/>
+            </a:pPr>
+            <a:fld id="{21BDEC18-8067-4417-9D22-B28DB0185129}" type="slidenum">
+              <a:rPr lang="ru-RU" altLang="ru-RU" sz="2000" smtClean="0"/>
+              <a:pPr>
+                <a:defRPr/>
+              </a:pPr>
+              <a:t>24</a:t>
+            </a:fld>
+            <a:endParaRPr lang="ru-RU" altLang="ru-RU" sz="2000"/>
+          </a:p>
+        </p:txBody>
+      </p:sp>
+      <p:graphicFrame>
+        <p:nvGraphicFramePr>
+          <p:cNvPr id="6" name="Диаграмма 5">
+            <a:extLst>
+              <a:ext uri="{FF2B5EF4-FFF2-40B4-BE49-F238E27FC236}">
+                <a16:creationId xmlns:a16="http://schemas.microsoft.com/office/drawing/2014/main" id="{344B1A15-3125-406E-A26C-54F8629CECF2}"/>
+              </a:ext>
+            </a:extLst>
+          </p:cNvPr>
+          <p:cNvGraphicFramePr>
+            <a:graphicFrameLocks/>
+          </p:cNvGraphicFramePr>
+          <p:nvPr>
+            <p:extLst>
+              <p:ext uri="{D42A27DB-BD31-4B8C-83A1-F6EECF244321}">
+                <p14:modId xmlns:p14="http://schemas.microsoft.com/office/powerpoint/2010/main" val="419076776"/>
+              </p:ext>
+            </p:extLst>
+          </p:nvPr>
+        </p:nvGraphicFramePr>
+        <p:xfrm>
+          <a:off x="344488" y="1154916"/>
+          <a:ext cx="9361040" cy="5201434"/>
+        </p:xfrm>
+        <a:graphic>
+          <a:graphicData uri="http://schemas.openxmlformats.org/drawingml/2006/chart">
+            <c:chart xmlns:c="http://schemas.openxmlformats.org/drawingml/2006/chart" xmlns:r="http://schemas.openxmlformats.org/officeDocument/2006/relationships" r:id="rId3"/>
+          </a:graphicData>
+        </a:graphic>
+      </p:graphicFrame>
+    </p:spTree>
+    <p:extLst>
+      <p:ext uri="{BB962C8B-B14F-4D97-AF65-F5344CB8AC3E}">
+        <p14:creationId xmlns:p14="http://schemas.microsoft.com/office/powerpoint/2010/main" val="4115259595"/>
       </p:ext>
     </p:extLst>
   </p:cSld>
@@ -16889,7 +17282,7 @@
                 <a:ea typeface="Calibri" panose="020F0502020204030204" pitchFamily="34" charset="0"/>
                 <a:cs typeface="Times New Roman" panose="02020603050405020304" pitchFamily="18" charset="0"/>
               </a:rPr>
-              <a:t>Минимальная вероятность ошибочного решения.</a:t>
+              <a:t>Вероятность ошибочного решения одна из наименьших.</a:t>
             </a:r>
           </a:p>
           <a:p>
@@ -20158,7 +20551,15 @@
             </a:pPr>
             <a:r>
               <a:rPr lang="ru-RU" dirty="0"/>
-              <a:t>При размещении сервисов на сервера должно учитываться ограничение на объем ПЗУ, ОЗУ, кол-во процессорного времени и тип ОС.</a:t>
+              <a:t>При размещении сервисов на сервера должно учитываться ограничение на объем ПЗУ, ОЗУ, кол-во занятого процессорного времени и тип ОС</a:t>
+            </a:r>
+            <a:r>
+              <a:rPr lang="ru-RU" dirty="0">
+                <a:solidFill>
+                  <a:srgbClr val="FF0000"/>
+                </a:solidFill>
+              </a:rPr>
+              <a:t>. Указать эти ограничения на мат модели?</a:t>
             </a:r>
           </a:p>
         </p:txBody>

--- a/Презентация/Презентация диплома.pptx
+++ b/Презентация/Презентация диплома.pptx
@@ -20,13 +20,13 @@
     <p:sldId id="297" r:id="rId11"/>
     <p:sldId id="312" r:id="rId12"/>
     <p:sldId id="298" r:id="rId13"/>
-    <p:sldId id="309" r:id="rId14"/>
-    <p:sldId id="310" r:id="rId15"/>
-    <p:sldId id="313" r:id="rId16"/>
-    <p:sldId id="318" r:id="rId17"/>
-    <p:sldId id="314" r:id="rId18"/>
-    <p:sldId id="278" r:id="rId19"/>
-    <p:sldId id="282" r:id="rId20"/>
+    <p:sldId id="310" r:id="rId14"/>
+    <p:sldId id="313" r:id="rId15"/>
+    <p:sldId id="318" r:id="rId16"/>
+    <p:sldId id="314" r:id="rId17"/>
+    <p:sldId id="278" r:id="rId18"/>
+    <p:sldId id="282" r:id="rId19"/>
+    <p:sldId id="309" r:id="rId20"/>
     <p:sldId id="306" r:id="rId21"/>
     <p:sldId id="299" r:id="rId22"/>
     <p:sldId id="316" r:id="rId23"/>
@@ -199,2251 +199,6 @@
 </p:presentation>
 </file>
 
-<file path=ppt/charts/chart1.xml><?xml version="1.0" encoding="utf-8"?>
-<c:chartSpace xmlns:c="http://schemas.openxmlformats.org/drawingml/2006/chart" xmlns:a="http://schemas.openxmlformats.org/drawingml/2006/main" xmlns:r="http://schemas.openxmlformats.org/officeDocument/2006/relationships" xmlns:c16r2="http://schemas.microsoft.com/office/drawing/2015/06/chart">
-  <c:date1904 val="0"/>
-  <c:lang val="ru-RU"/>
-  <c:roundedCorners val="0"/>
-  <mc:AlternateContent xmlns:mc="http://schemas.openxmlformats.org/markup-compatibility/2006">
-    <mc:Choice xmlns:c14="http://schemas.microsoft.com/office/drawing/2007/8/2/chart" Requires="c14">
-      <c14:style val="102"/>
-    </mc:Choice>
-    <mc:Fallback>
-      <c:style val="2"/>
-    </mc:Fallback>
-  </mc:AlternateContent>
-  <c:chart>
-    <c:title>
-      <c:tx>
-        <c:rich>
-          <a:bodyPr rot="0" spcFirstLastPara="1" vertOverflow="ellipsis" vert="horz" wrap="square" anchor="ctr" anchorCtr="1"/>
-          <a:lstStyle/>
-          <a:p>
-            <a:pPr>
-              <a:defRPr sz="1400" b="0" i="0" u="none" strike="noStrike" kern="1200" cap="none" spc="20" baseline="0">
-                <a:solidFill>
-                  <a:schemeClr val="dk1">
-                    <a:lumMod val="50000"/>
-                    <a:lumOff val="50000"/>
-                  </a:schemeClr>
-                </a:solidFill>
-                <a:latin typeface="+mn-lt"/>
-                <a:ea typeface="+mn-ea"/>
-                <a:cs typeface="+mn-cs"/>
-              </a:defRPr>
-            </a:pPr>
-            <a:r>
-              <a:rPr lang="ru-RU"/>
-              <a:t>Зависимость количества свободных серверов от количества размещаемых сервисов</a:t>
-            </a:r>
-          </a:p>
-        </c:rich>
-      </c:tx>
-      <c:overlay val="0"/>
-      <c:spPr>
-        <a:noFill/>
-        <a:ln>
-          <a:noFill/>
-        </a:ln>
-        <a:effectLst/>
-      </c:spPr>
-    </c:title>
-    <c:autoTitleDeleted val="0"/>
-    <c:plotArea>
-      <c:layout/>
-      <c:lineChart>
-        <c:grouping val="standard"/>
-        <c:varyColors val="0"/>
-        <c:ser>
-          <c:idx val="0"/>
-          <c:order val="1"/>
-          <c:tx>
-            <c:v>Алгоритм BFD</c:v>
-          </c:tx>
-          <c:marker>
-            <c:symbol val="none"/>
-          </c:marker>
-          <c:cat>
-            <c:numRef>
-              <c:f>'% свободных серверов(10серверов'!$F$3:$F$13</c:f>
-              <c:numCache>
-                <c:formatCode>Основной</c:formatCode>
-                <c:ptCount val="11"/>
-                <c:pt idx="0">
-                  <c:v>0</c:v>
-                </c:pt>
-                <c:pt idx="1">
-                  <c:v>5</c:v>
-                </c:pt>
-                <c:pt idx="2">
-                  <c:v>10</c:v>
-                </c:pt>
-                <c:pt idx="3">
-                  <c:v>15</c:v>
-                </c:pt>
-                <c:pt idx="4">
-                  <c:v>20</c:v>
-                </c:pt>
-                <c:pt idx="5">
-                  <c:v>25</c:v>
-                </c:pt>
-                <c:pt idx="6">
-                  <c:v>30</c:v>
-                </c:pt>
-                <c:pt idx="7">
-                  <c:v>35</c:v>
-                </c:pt>
-                <c:pt idx="8">
-                  <c:v>40</c:v>
-                </c:pt>
-                <c:pt idx="9">
-                  <c:v>45</c:v>
-                </c:pt>
-                <c:pt idx="10">
-                  <c:v>50</c:v>
-                </c:pt>
-              </c:numCache>
-            </c:numRef>
-          </c:cat>
-          <c:val>
-            <c:numRef>
-              <c:f>'% свободных серверов(10серверов'!$G$3:$G$13</c:f>
-              <c:numCache>
-                <c:formatCode>Основной</c:formatCode>
-                <c:ptCount val="11"/>
-                <c:pt idx="0">
-                  <c:v>100</c:v>
-                </c:pt>
-                <c:pt idx="1">
-                  <c:v>70</c:v>
-                </c:pt>
-                <c:pt idx="2">
-                  <c:v>60</c:v>
-                </c:pt>
-                <c:pt idx="3">
-                  <c:v>50</c:v>
-                </c:pt>
-                <c:pt idx="4">
-                  <c:v>50</c:v>
-                </c:pt>
-                <c:pt idx="5">
-                  <c:v>40</c:v>
-                </c:pt>
-                <c:pt idx="6">
-                  <c:v>40</c:v>
-                </c:pt>
-                <c:pt idx="7">
-                  <c:v>20</c:v>
-                </c:pt>
-                <c:pt idx="8">
-                  <c:v>20</c:v>
-                </c:pt>
-                <c:pt idx="9">
-                  <c:v>0</c:v>
-                </c:pt>
-                <c:pt idx="10">
-                  <c:v>0</c:v>
-                </c:pt>
-              </c:numCache>
-            </c:numRef>
-          </c:val>
-          <c:smooth val="0"/>
-          <c:extLst>
-            <c:ext xmlns:c16="http://schemas.microsoft.com/office/drawing/2014/chart" uri="{C3380CC4-5D6E-409C-BE32-E72D297353CC}">
-              <c16:uniqueId val="{00000000-4DB6-4D8A-A9E1-5C80886FEEDD}"/>
-            </c:ext>
-          </c:extLst>
-        </c:ser>
-        <c:dLbls>
-          <c:showLegendKey val="0"/>
-          <c:showVal val="0"/>
-          <c:showCatName val="0"/>
-          <c:showSerName val="0"/>
-          <c:showPercent val="0"/>
-          <c:showBubbleSize val="0"/>
-        </c:dLbls>
-        <c:dropLines>
-          <c:spPr>
-            <a:ln w="9525" cap="flat" cmpd="sng" algn="ctr">
-              <a:solidFill>
-                <a:schemeClr val="dk1">
-                  <a:lumMod val="35000"/>
-                  <a:lumOff val="65000"/>
-                  <a:alpha val="33000"/>
-                </a:schemeClr>
-              </a:solidFill>
-              <a:round/>
-            </a:ln>
-            <a:effectLst/>
-          </c:spPr>
-        </c:dropLines>
-        <c:smooth val="0"/>
-        <c:axId val="1664134592"/>
-        <c:axId val="1664135008"/>
-        <c:extLst>
-          <c:ext xmlns:c15="http://schemas.microsoft.com/office/drawing/2012/chart" uri="{02D57815-91ED-43cb-92C2-25804820EDAC}">
-            <c15:filteredLineSeries>
-              <c15:ser>
-                <c:idx val="1"/>
-                <c:order val="0"/>
-                <c:tx>
-                  <c:v>Генетический алгоритм</c:v>
-                </c:tx>
-                <c:spPr>
-                  <a:ln w="22225" cap="rnd" cmpd="sng" algn="ctr">
-                    <a:solidFill>
-                      <a:schemeClr val="accent2"/>
-                    </a:solidFill>
-                    <a:round/>
-                  </a:ln>
-                  <a:effectLst/>
-                </c:spPr>
-                <c:marker>
-                  <c:symbol val="none"/>
-                </c:marker>
-                <c:cat>
-                  <c:numRef>
-                    <c:extLst>
-                      <c:ext uri="{02D57815-91ED-43cb-92C2-25804820EDAC}">
-                        <c15:formulaRef>
-                          <c15:sqref>'% свободных серверов(10серверов'!$F$3:$F$13</c15:sqref>
-                        </c15:formulaRef>
-                      </c:ext>
-                    </c:extLst>
-                    <c:numCache>
-                      <c:formatCode>Основной</c:formatCode>
-                      <c:ptCount val="11"/>
-                      <c:pt idx="0">
-                        <c:v>0</c:v>
-                      </c:pt>
-                      <c:pt idx="1">
-                        <c:v>5</c:v>
-                      </c:pt>
-                      <c:pt idx="2">
-                        <c:v>10</c:v>
-                      </c:pt>
-                      <c:pt idx="3">
-                        <c:v>15</c:v>
-                      </c:pt>
-                      <c:pt idx="4">
-                        <c:v>20</c:v>
-                      </c:pt>
-                      <c:pt idx="5">
-                        <c:v>25</c:v>
-                      </c:pt>
-                      <c:pt idx="6">
-                        <c:v>30</c:v>
-                      </c:pt>
-                      <c:pt idx="7">
-                        <c:v>35</c:v>
-                      </c:pt>
-                      <c:pt idx="8">
-                        <c:v>40</c:v>
-                      </c:pt>
-                      <c:pt idx="9">
-                        <c:v>45</c:v>
-                      </c:pt>
-                      <c:pt idx="10">
-                        <c:v>50</c:v>
-                      </c:pt>
-                    </c:numCache>
-                  </c:numRef>
-                </c:cat>
-                <c:val>
-                  <c:numRef>
-                    <c:extLst>
-                      <c:ext uri="{02D57815-91ED-43cb-92C2-25804820EDAC}">
-                        <c15:formulaRef>
-                          <c15:sqref>'% свободных серверов(10серверов'!$D$3:$D$13</c15:sqref>
-                        </c15:formulaRef>
-                      </c:ext>
-                    </c:extLst>
-                    <c:numCache>
-                      <c:formatCode>Основной</c:formatCode>
-                      <c:ptCount val="11"/>
-                      <c:pt idx="0">
-                        <c:v>100</c:v>
-                      </c:pt>
-                      <c:pt idx="1">
-                        <c:v>80</c:v>
-                      </c:pt>
-                      <c:pt idx="2">
-                        <c:v>80</c:v>
-                      </c:pt>
-                      <c:pt idx="3">
-                        <c:v>70</c:v>
-                      </c:pt>
-                      <c:pt idx="4">
-                        <c:v>70</c:v>
-                      </c:pt>
-                      <c:pt idx="5">
-                        <c:v>70</c:v>
-                      </c:pt>
-                      <c:pt idx="6">
-                        <c:v>60</c:v>
-                      </c:pt>
-                      <c:pt idx="7">
-                        <c:v>60</c:v>
-                      </c:pt>
-                      <c:pt idx="8">
-                        <c:v>60</c:v>
-                      </c:pt>
-                      <c:pt idx="9">
-                        <c:v>50</c:v>
-                      </c:pt>
-                      <c:pt idx="10">
-                        <c:v>50</c:v>
-                      </c:pt>
-                    </c:numCache>
-                  </c:numRef>
-                </c:val>
-                <c:smooth val="0"/>
-                <c:extLst>
-                  <c:ext xmlns:c16="http://schemas.microsoft.com/office/drawing/2014/chart" uri="{C3380CC4-5D6E-409C-BE32-E72D297353CC}">
-                    <c16:uniqueId val="{00000001-4DB6-4D8A-A9E1-5C80886FEEDD}"/>
-                  </c:ext>
-                </c:extLst>
-              </c15:ser>
-            </c15:filteredLineSeries>
-          </c:ext>
-        </c:extLst>
-      </c:lineChart>
-      <c:catAx>
-        <c:axId val="1664134592"/>
-        <c:scaling>
-          <c:orientation val="minMax"/>
-        </c:scaling>
-        <c:delete val="0"/>
-        <c:axPos val="b"/>
-        <c:title>
-          <c:tx>
-            <c:rich>
-              <a:bodyPr rot="0" spcFirstLastPara="1" vertOverflow="ellipsis" vert="horz" wrap="square" anchor="ctr" anchorCtr="1"/>
-              <a:lstStyle/>
-              <a:p>
-                <a:pPr>
-                  <a:defRPr sz="900" b="0" i="0" u="none" strike="noStrike" kern="1200" cap="all" baseline="0">
-                    <a:solidFill>
-                      <a:schemeClr val="dk1">
-                        <a:lumMod val="65000"/>
-                        <a:lumOff val="35000"/>
-                      </a:schemeClr>
-                    </a:solidFill>
-                    <a:latin typeface="+mn-lt"/>
-                    <a:ea typeface="+mn-ea"/>
-                    <a:cs typeface="+mn-cs"/>
-                  </a:defRPr>
-                </a:pPr>
-                <a:r>
-                  <a:rPr lang="ru-RU"/>
-                  <a:t>Количество сервисов</a:t>
-                </a:r>
-              </a:p>
-            </c:rich>
-          </c:tx>
-          <c:overlay val="0"/>
-          <c:spPr>
-            <a:noFill/>
-            <a:ln>
-              <a:noFill/>
-            </a:ln>
-            <a:effectLst/>
-          </c:spPr>
-        </c:title>
-        <c:numFmt formatCode="Основной" sourceLinked="1"/>
-        <c:majorTickMark val="none"/>
-        <c:minorTickMark val="none"/>
-        <c:tickLblPos val="nextTo"/>
-        <c:spPr>
-          <a:noFill/>
-          <a:ln w="9525" cap="flat" cmpd="sng" algn="ctr">
-            <a:solidFill>
-              <a:schemeClr val="dk1">
-                <a:lumMod val="15000"/>
-                <a:lumOff val="85000"/>
-              </a:schemeClr>
-            </a:solidFill>
-            <a:round/>
-          </a:ln>
-          <a:effectLst/>
-        </c:spPr>
-        <c:txPr>
-          <a:bodyPr rot="-60000000" spcFirstLastPara="1" vertOverflow="ellipsis" vert="horz" wrap="square" anchor="ctr" anchorCtr="1"/>
-          <a:lstStyle/>
-          <a:p>
-            <a:pPr>
-              <a:defRPr sz="900" b="0" i="0" u="none" strike="noStrike" kern="1200" spc="20" baseline="0">
-                <a:solidFill>
-                  <a:schemeClr val="dk1">
-                    <a:lumMod val="65000"/>
-                    <a:lumOff val="35000"/>
-                  </a:schemeClr>
-                </a:solidFill>
-                <a:latin typeface="+mn-lt"/>
-                <a:ea typeface="+mn-ea"/>
-                <a:cs typeface="+mn-cs"/>
-              </a:defRPr>
-            </a:pPr>
-            <a:endParaRPr lang="ru-RU"/>
-          </a:p>
-        </c:txPr>
-        <c:crossAx val="1664135008"/>
-        <c:crosses val="autoZero"/>
-        <c:auto val="1"/>
-        <c:lblAlgn val="ctr"/>
-        <c:lblOffset val="100"/>
-        <c:noMultiLvlLbl val="0"/>
-      </c:catAx>
-      <c:valAx>
-        <c:axId val="1664135008"/>
-        <c:scaling>
-          <c:orientation val="minMax"/>
-          <c:max val="100"/>
-        </c:scaling>
-        <c:delete val="0"/>
-        <c:axPos val="l"/>
-        <c:title>
-          <c:tx>
-            <c:rich>
-              <a:bodyPr rot="-5400000" spcFirstLastPara="1" vertOverflow="ellipsis" vert="horz" wrap="square" anchor="ctr" anchorCtr="1"/>
-              <a:lstStyle/>
-              <a:p>
-                <a:pPr>
-                  <a:defRPr sz="900" b="0" i="0" u="none" strike="noStrike" kern="1200" cap="all" baseline="0">
-                    <a:solidFill>
-                      <a:schemeClr val="dk1">
-                        <a:lumMod val="65000"/>
-                        <a:lumOff val="35000"/>
-                      </a:schemeClr>
-                    </a:solidFill>
-                    <a:latin typeface="+mn-lt"/>
-                    <a:ea typeface="+mn-ea"/>
-                    <a:cs typeface="+mn-cs"/>
-                  </a:defRPr>
-                </a:pPr>
-                <a:r>
-                  <a:rPr lang="ru-RU"/>
-                  <a:t>% свободных серверов</a:t>
-                </a:r>
-              </a:p>
-            </c:rich>
-          </c:tx>
-          <c:overlay val="0"/>
-          <c:spPr>
-            <a:noFill/>
-            <a:ln>
-              <a:noFill/>
-            </a:ln>
-            <a:effectLst/>
-          </c:spPr>
-        </c:title>
-        <c:numFmt formatCode="Основной" sourceLinked="1"/>
-        <c:majorTickMark val="none"/>
-        <c:minorTickMark val="none"/>
-        <c:tickLblPos val="nextTo"/>
-        <c:spPr>
-          <a:noFill/>
-          <a:ln>
-            <a:noFill/>
-          </a:ln>
-          <a:effectLst/>
-        </c:spPr>
-        <c:txPr>
-          <a:bodyPr rot="-60000000" spcFirstLastPara="1" vertOverflow="ellipsis" vert="horz" wrap="square" anchor="ctr" anchorCtr="1"/>
-          <a:lstStyle/>
-          <a:p>
-            <a:pPr>
-              <a:defRPr sz="900" b="0" i="0" u="none" strike="noStrike" kern="1200" spc="20" baseline="0">
-                <a:solidFill>
-                  <a:schemeClr val="dk1">
-                    <a:lumMod val="65000"/>
-                    <a:lumOff val="35000"/>
-                  </a:schemeClr>
-                </a:solidFill>
-                <a:latin typeface="+mn-lt"/>
-                <a:ea typeface="+mn-ea"/>
-                <a:cs typeface="+mn-cs"/>
-              </a:defRPr>
-            </a:pPr>
-            <a:endParaRPr lang="ru-RU"/>
-          </a:p>
-        </c:txPr>
-        <c:crossAx val="1664134592"/>
-        <c:crosses val="autoZero"/>
-        <c:crossBetween val="midCat"/>
-      </c:valAx>
-      <c:spPr>
-        <a:gradFill>
-          <a:gsLst>
-            <a:gs pos="100000">
-              <a:schemeClr val="lt1">
-                <a:lumMod val="95000"/>
-              </a:schemeClr>
-            </a:gs>
-            <a:gs pos="0">
-              <a:schemeClr val="lt1"/>
-            </a:gs>
-          </a:gsLst>
-          <a:lin ang="5400000" scaled="0"/>
-        </a:gradFill>
-        <a:ln>
-          <a:noFill/>
-        </a:ln>
-        <a:effectLst/>
-      </c:spPr>
-    </c:plotArea>
-    <c:legend>
-      <c:legendPos val="b"/>
-      <c:overlay val="0"/>
-      <c:spPr>
-        <a:noFill/>
-        <a:ln>
-          <a:noFill/>
-        </a:ln>
-        <a:effectLst/>
-      </c:spPr>
-      <c:txPr>
-        <a:bodyPr rot="0" spcFirstLastPara="1" vertOverflow="ellipsis" vert="horz" wrap="square" anchor="ctr" anchorCtr="1"/>
-        <a:lstStyle/>
-        <a:p>
-          <a:pPr>
-            <a:defRPr sz="900" b="0" i="0" u="none" strike="noStrike" kern="1200" baseline="0">
-              <a:solidFill>
-                <a:schemeClr val="dk1">
-                  <a:lumMod val="65000"/>
-                  <a:lumOff val="35000"/>
-                </a:schemeClr>
-              </a:solidFill>
-              <a:latin typeface="+mn-lt"/>
-              <a:ea typeface="+mn-ea"/>
-              <a:cs typeface="+mn-cs"/>
-            </a:defRPr>
-          </a:pPr>
-          <a:endParaRPr lang="ru-RU"/>
-        </a:p>
-      </c:txPr>
-    </c:legend>
-    <c:plotVisOnly val="1"/>
-    <c:dispBlanksAs val="gap"/>
-    <c:showDLblsOverMax val="0"/>
-    <c:extLst/>
-  </c:chart>
-  <c:txPr>
-    <a:bodyPr/>
-    <a:lstStyle/>
-    <a:p>
-      <a:pPr>
-        <a:defRPr/>
-      </a:pPr>
-      <a:endParaRPr lang="ru-RU"/>
-    </a:p>
-  </c:txPr>
-  <c:externalData r:id="rId1">
-    <c:autoUpdate val="0"/>
-  </c:externalData>
-</c:chartSpace>
-</file>
-
-<file path=ppt/charts/chart2.xml><?xml version="1.0" encoding="utf-8"?>
-<c:chartSpace xmlns:c="http://schemas.openxmlformats.org/drawingml/2006/chart" xmlns:a="http://schemas.openxmlformats.org/drawingml/2006/main" xmlns:r="http://schemas.openxmlformats.org/officeDocument/2006/relationships" xmlns:c16r2="http://schemas.microsoft.com/office/drawing/2015/06/chart">
-  <c:date1904 val="0"/>
-  <c:lang val="ru-RU"/>
-  <c:roundedCorners val="0"/>
-  <mc:AlternateContent xmlns:mc="http://schemas.openxmlformats.org/markup-compatibility/2006">
-    <mc:Choice xmlns:c14="http://schemas.microsoft.com/office/drawing/2007/8/2/chart" Requires="c14">
-      <c14:style val="102"/>
-    </mc:Choice>
-    <mc:Fallback>
-      <c:style val="2"/>
-    </mc:Fallback>
-  </mc:AlternateContent>
-  <c:chart>
-    <c:title>
-      <c:tx>
-        <c:rich>
-          <a:bodyPr rot="0" spcFirstLastPara="1" vertOverflow="ellipsis" vert="horz" wrap="square" anchor="ctr" anchorCtr="1"/>
-          <a:lstStyle/>
-          <a:p>
-            <a:pPr>
-              <a:defRPr sz="1400" b="0" i="0" u="none" strike="noStrike" kern="1200" cap="none" spc="20" baseline="0">
-                <a:solidFill>
-                  <a:schemeClr val="dk1">
-                    <a:lumMod val="50000"/>
-                    <a:lumOff val="50000"/>
-                  </a:schemeClr>
-                </a:solidFill>
-                <a:latin typeface="+mn-lt"/>
-                <a:ea typeface="+mn-ea"/>
-                <a:cs typeface="+mn-cs"/>
-              </a:defRPr>
-            </a:pPr>
-            <a:r>
-              <a:rPr lang="ru-RU"/>
-              <a:t>Зависимость количества свободных серверов от количества размещаемых сервисов</a:t>
-            </a:r>
-          </a:p>
-        </c:rich>
-      </c:tx>
-      <c:overlay val="0"/>
-      <c:spPr>
-        <a:noFill/>
-        <a:ln>
-          <a:noFill/>
-        </a:ln>
-        <a:effectLst/>
-      </c:spPr>
-    </c:title>
-    <c:autoTitleDeleted val="0"/>
-    <c:plotArea>
-      <c:layout/>
-      <c:lineChart>
-        <c:grouping val="standard"/>
-        <c:varyColors val="0"/>
-        <c:ser>
-          <c:idx val="2"/>
-          <c:order val="2"/>
-          <c:tx>
-            <c:v>Алгоритм имитации отжига</c:v>
-          </c:tx>
-          <c:spPr>
-            <a:ln>
-              <a:solidFill>
-                <a:srgbClr val="00B050"/>
-              </a:solidFill>
-            </a:ln>
-          </c:spPr>
-          <c:marker>
-            <c:symbol val="none"/>
-          </c:marker>
-          <c:val>
-            <c:numRef>
-              <c:f>'% свободных серверов(10серверов'!$J$3:$J$13</c:f>
-              <c:numCache>
-                <c:formatCode>Основной</c:formatCode>
-                <c:ptCount val="11"/>
-                <c:pt idx="0">
-                  <c:v>100</c:v>
-                </c:pt>
-                <c:pt idx="1">
-                  <c:v>80</c:v>
-                </c:pt>
-                <c:pt idx="2">
-                  <c:v>80</c:v>
-                </c:pt>
-                <c:pt idx="3">
-                  <c:v>70</c:v>
-                </c:pt>
-                <c:pt idx="4">
-                  <c:v>70</c:v>
-                </c:pt>
-                <c:pt idx="5">
-                  <c:v>60</c:v>
-                </c:pt>
-                <c:pt idx="6">
-                  <c:v>60</c:v>
-                </c:pt>
-                <c:pt idx="7">
-                  <c:v>60</c:v>
-                </c:pt>
-                <c:pt idx="8">
-                  <c:v>60</c:v>
-                </c:pt>
-                <c:pt idx="9">
-                  <c:v>50</c:v>
-                </c:pt>
-                <c:pt idx="10">
-                  <c:v>50</c:v>
-                </c:pt>
-              </c:numCache>
-            </c:numRef>
-          </c:val>
-          <c:smooth val="0"/>
-          <c:extLst>
-            <c:ext xmlns:c16="http://schemas.microsoft.com/office/drawing/2014/chart" uri="{C3380CC4-5D6E-409C-BE32-E72D297353CC}">
-              <c16:uniqueId val="{00000000-AFB4-4BA6-82AF-65F7AADC1BE7}"/>
-            </c:ext>
-          </c:extLst>
-        </c:ser>
-        <c:dLbls>
-          <c:showLegendKey val="0"/>
-          <c:showVal val="0"/>
-          <c:showCatName val="0"/>
-          <c:showSerName val="0"/>
-          <c:showPercent val="0"/>
-          <c:showBubbleSize val="0"/>
-        </c:dLbls>
-        <c:dropLines>
-          <c:spPr>
-            <a:ln w="9525" cap="flat" cmpd="sng" algn="ctr">
-              <a:solidFill>
-                <a:schemeClr val="dk1">
-                  <a:lumMod val="35000"/>
-                  <a:lumOff val="65000"/>
-                  <a:alpha val="33000"/>
-                </a:schemeClr>
-              </a:solidFill>
-              <a:round/>
-            </a:ln>
-            <a:effectLst/>
-          </c:spPr>
-        </c:dropLines>
-        <c:smooth val="0"/>
-        <c:axId val="1664134592"/>
-        <c:axId val="1664135008"/>
-        <c:extLst>
-          <c:ext xmlns:c15="http://schemas.microsoft.com/office/drawing/2012/chart" uri="{02D57815-91ED-43cb-92C2-25804820EDAC}">
-            <c15:filteredLineSeries>
-              <c15:ser>
-                <c:idx val="1"/>
-                <c:order val="0"/>
-                <c:tx>
-                  <c:v>Генетический алгоритм</c:v>
-                </c:tx>
-                <c:spPr>
-                  <a:ln w="22225" cap="rnd" cmpd="sng" algn="ctr">
-                    <a:solidFill>
-                      <a:schemeClr val="accent2"/>
-                    </a:solidFill>
-                    <a:round/>
-                  </a:ln>
-                  <a:effectLst/>
-                </c:spPr>
-                <c:marker>
-                  <c:symbol val="none"/>
-                </c:marker>
-                <c:cat>
-                  <c:numRef>
-                    <c:extLst>
-                      <c:ext uri="{02D57815-91ED-43cb-92C2-25804820EDAC}">
-                        <c15:formulaRef>
-                          <c15:sqref>'% свободных серверов(10серверов'!$F$3:$F$13</c15:sqref>
-                        </c15:formulaRef>
-                      </c:ext>
-                    </c:extLst>
-                    <c:numCache>
-                      <c:formatCode>Основной</c:formatCode>
-                      <c:ptCount val="11"/>
-                      <c:pt idx="0">
-                        <c:v>0</c:v>
-                      </c:pt>
-                      <c:pt idx="1">
-                        <c:v>5</c:v>
-                      </c:pt>
-                      <c:pt idx="2">
-                        <c:v>10</c:v>
-                      </c:pt>
-                      <c:pt idx="3">
-                        <c:v>15</c:v>
-                      </c:pt>
-                      <c:pt idx="4">
-                        <c:v>20</c:v>
-                      </c:pt>
-                      <c:pt idx="5">
-                        <c:v>25</c:v>
-                      </c:pt>
-                      <c:pt idx="6">
-                        <c:v>30</c:v>
-                      </c:pt>
-                      <c:pt idx="7">
-                        <c:v>35</c:v>
-                      </c:pt>
-                      <c:pt idx="8">
-                        <c:v>40</c:v>
-                      </c:pt>
-                      <c:pt idx="9">
-                        <c:v>45</c:v>
-                      </c:pt>
-                      <c:pt idx="10">
-                        <c:v>50</c:v>
-                      </c:pt>
-                    </c:numCache>
-                  </c:numRef>
-                </c:cat>
-                <c:val>
-                  <c:numRef>
-                    <c:extLst>
-                      <c:ext uri="{02D57815-91ED-43cb-92C2-25804820EDAC}">
-                        <c15:formulaRef>
-                          <c15:sqref>'% свободных серверов(10серверов'!$D$3:$D$13</c15:sqref>
-                        </c15:formulaRef>
-                      </c:ext>
-                    </c:extLst>
-                    <c:numCache>
-                      <c:formatCode>Основной</c:formatCode>
-                      <c:ptCount val="11"/>
-                      <c:pt idx="0">
-                        <c:v>100</c:v>
-                      </c:pt>
-                      <c:pt idx="1">
-                        <c:v>80</c:v>
-                      </c:pt>
-                      <c:pt idx="2">
-                        <c:v>80</c:v>
-                      </c:pt>
-                      <c:pt idx="3">
-                        <c:v>70</c:v>
-                      </c:pt>
-                      <c:pt idx="4">
-                        <c:v>70</c:v>
-                      </c:pt>
-                      <c:pt idx="5">
-                        <c:v>70</c:v>
-                      </c:pt>
-                      <c:pt idx="6">
-                        <c:v>60</c:v>
-                      </c:pt>
-                      <c:pt idx="7">
-                        <c:v>60</c:v>
-                      </c:pt>
-                      <c:pt idx="8">
-                        <c:v>60</c:v>
-                      </c:pt>
-                      <c:pt idx="9">
-                        <c:v>50</c:v>
-                      </c:pt>
-                      <c:pt idx="10">
-                        <c:v>50</c:v>
-                      </c:pt>
-                    </c:numCache>
-                  </c:numRef>
-                </c:val>
-                <c:smooth val="0"/>
-                <c:extLst>
-                  <c:ext xmlns:c16="http://schemas.microsoft.com/office/drawing/2014/chart" uri="{C3380CC4-5D6E-409C-BE32-E72D297353CC}">
-                    <c16:uniqueId val="{00000001-AFB4-4BA6-82AF-65F7AADC1BE7}"/>
-                  </c:ext>
-                </c:extLst>
-              </c15:ser>
-            </c15:filteredLineSeries>
-            <c15:filteredLineSeries>
-              <c15:ser>
-                <c:idx val="0"/>
-                <c:order val="1"/>
-                <c:tx>
-                  <c:v>Эвристический алгоритм</c:v>
-                </c:tx>
-                <c:spPr>
-                  <a:ln w="22225" cap="rnd" cmpd="sng" algn="ctr">
-                    <a:solidFill>
-                      <a:schemeClr val="accent1"/>
-                    </a:solidFill>
-                    <a:round/>
-                  </a:ln>
-                  <a:effectLst/>
-                </c:spPr>
-                <c:marker>
-                  <c:symbol val="none"/>
-                </c:marker>
-                <c:cat>
-                  <c:numRef>
-                    <c:extLst xmlns:c15="http://schemas.microsoft.com/office/drawing/2012/chart">
-                      <c:ext xmlns:c15="http://schemas.microsoft.com/office/drawing/2012/chart" uri="{02D57815-91ED-43cb-92C2-25804820EDAC}">
-                        <c15:formulaRef>
-                          <c15:sqref>'% свободных серверов(10серверов'!$F$3:$F$13</c15:sqref>
-                        </c15:formulaRef>
-                      </c:ext>
-                    </c:extLst>
-                    <c:numCache>
-                      <c:formatCode>Основной</c:formatCode>
-                      <c:ptCount val="11"/>
-                      <c:pt idx="0">
-                        <c:v>0</c:v>
-                      </c:pt>
-                      <c:pt idx="1">
-                        <c:v>5</c:v>
-                      </c:pt>
-                      <c:pt idx="2">
-                        <c:v>10</c:v>
-                      </c:pt>
-                      <c:pt idx="3">
-                        <c:v>15</c:v>
-                      </c:pt>
-                      <c:pt idx="4">
-                        <c:v>20</c:v>
-                      </c:pt>
-                      <c:pt idx="5">
-                        <c:v>25</c:v>
-                      </c:pt>
-                      <c:pt idx="6">
-                        <c:v>30</c:v>
-                      </c:pt>
-                      <c:pt idx="7">
-                        <c:v>35</c:v>
-                      </c:pt>
-                      <c:pt idx="8">
-                        <c:v>40</c:v>
-                      </c:pt>
-                      <c:pt idx="9">
-                        <c:v>45</c:v>
-                      </c:pt>
-                      <c:pt idx="10">
-                        <c:v>50</c:v>
-                      </c:pt>
-                    </c:numCache>
-                  </c:numRef>
-                </c:cat>
-                <c:val>
-                  <c:numRef>
-                    <c:extLst xmlns:c15="http://schemas.microsoft.com/office/drawing/2012/chart">
-                      <c:ext xmlns:c15="http://schemas.microsoft.com/office/drawing/2012/chart" uri="{02D57815-91ED-43cb-92C2-25804820EDAC}">
-                        <c15:formulaRef>
-                          <c15:sqref>'% свободных серверов(10серверов'!$G$3:$G$13</c15:sqref>
-                        </c15:formulaRef>
-                      </c:ext>
-                    </c:extLst>
-                    <c:numCache>
-                      <c:formatCode>Основной</c:formatCode>
-                      <c:ptCount val="11"/>
-                      <c:pt idx="0">
-                        <c:v>100</c:v>
-                      </c:pt>
-                      <c:pt idx="1">
-                        <c:v>70</c:v>
-                      </c:pt>
-                      <c:pt idx="2">
-                        <c:v>60</c:v>
-                      </c:pt>
-                      <c:pt idx="3">
-                        <c:v>50</c:v>
-                      </c:pt>
-                      <c:pt idx="4">
-                        <c:v>50</c:v>
-                      </c:pt>
-                      <c:pt idx="5">
-                        <c:v>40</c:v>
-                      </c:pt>
-                      <c:pt idx="6">
-                        <c:v>40</c:v>
-                      </c:pt>
-                      <c:pt idx="7">
-                        <c:v>20</c:v>
-                      </c:pt>
-                      <c:pt idx="8">
-                        <c:v>20</c:v>
-                      </c:pt>
-                      <c:pt idx="9">
-                        <c:v>0</c:v>
-                      </c:pt>
-                      <c:pt idx="10">
-                        <c:v>0</c:v>
-                      </c:pt>
-                    </c:numCache>
-                  </c:numRef>
-                </c:val>
-                <c:smooth val="0"/>
-                <c:extLst xmlns:c15="http://schemas.microsoft.com/office/drawing/2012/chart">
-                  <c:ext xmlns:c16="http://schemas.microsoft.com/office/drawing/2014/chart" uri="{C3380CC4-5D6E-409C-BE32-E72D297353CC}">
-                    <c16:uniqueId val="{00000002-AFB4-4BA6-82AF-65F7AADC1BE7}"/>
-                  </c:ext>
-                </c:extLst>
-              </c15:ser>
-            </c15:filteredLineSeries>
-          </c:ext>
-        </c:extLst>
-      </c:lineChart>
-      <c:catAx>
-        <c:axId val="1664134592"/>
-        <c:scaling>
-          <c:orientation val="minMax"/>
-        </c:scaling>
-        <c:delete val="0"/>
-        <c:axPos val="b"/>
-        <c:title>
-          <c:tx>
-            <c:rich>
-              <a:bodyPr rot="0" spcFirstLastPara="1" vertOverflow="ellipsis" vert="horz" wrap="square" anchor="ctr" anchorCtr="1"/>
-              <a:lstStyle/>
-              <a:p>
-                <a:pPr>
-                  <a:defRPr sz="900" b="0" i="0" u="none" strike="noStrike" kern="1200" cap="all" baseline="0">
-                    <a:solidFill>
-                      <a:schemeClr val="dk1">
-                        <a:lumMod val="65000"/>
-                        <a:lumOff val="35000"/>
-                      </a:schemeClr>
-                    </a:solidFill>
-                    <a:latin typeface="+mn-lt"/>
-                    <a:ea typeface="+mn-ea"/>
-                    <a:cs typeface="+mn-cs"/>
-                  </a:defRPr>
-                </a:pPr>
-                <a:r>
-                  <a:rPr lang="ru-RU"/>
-                  <a:t>Количество сервисов</a:t>
-                </a:r>
-              </a:p>
-            </c:rich>
-          </c:tx>
-          <c:overlay val="0"/>
-          <c:spPr>
-            <a:noFill/>
-            <a:ln>
-              <a:noFill/>
-            </a:ln>
-            <a:effectLst/>
-          </c:spPr>
-        </c:title>
-        <c:numFmt formatCode="Основной" sourceLinked="1"/>
-        <c:majorTickMark val="none"/>
-        <c:minorTickMark val="none"/>
-        <c:tickLblPos val="nextTo"/>
-        <c:spPr>
-          <a:noFill/>
-          <a:ln w="9525" cap="flat" cmpd="sng" algn="ctr">
-            <a:solidFill>
-              <a:schemeClr val="dk1">
-                <a:lumMod val="15000"/>
-                <a:lumOff val="85000"/>
-              </a:schemeClr>
-            </a:solidFill>
-            <a:round/>
-          </a:ln>
-          <a:effectLst/>
-        </c:spPr>
-        <c:txPr>
-          <a:bodyPr rot="-60000000" spcFirstLastPara="1" vertOverflow="ellipsis" vert="horz" wrap="square" anchor="ctr" anchorCtr="1"/>
-          <a:lstStyle/>
-          <a:p>
-            <a:pPr>
-              <a:defRPr sz="900" b="0" i="0" u="none" strike="noStrike" kern="1200" spc="20" baseline="0">
-                <a:solidFill>
-                  <a:schemeClr val="dk1">
-                    <a:lumMod val="65000"/>
-                    <a:lumOff val="35000"/>
-                  </a:schemeClr>
-                </a:solidFill>
-                <a:latin typeface="+mn-lt"/>
-                <a:ea typeface="+mn-ea"/>
-                <a:cs typeface="+mn-cs"/>
-              </a:defRPr>
-            </a:pPr>
-            <a:endParaRPr lang="ru-RU"/>
-          </a:p>
-        </c:txPr>
-        <c:crossAx val="1664135008"/>
-        <c:crosses val="autoZero"/>
-        <c:auto val="1"/>
-        <c:lblAlgn val="ctr"/>
-        <c:lblOffset val="100"/>
-        <c:noMultiLvlLbl val="0"/>
-      </c:catAx>
-      <c:valAx>
-        <c:axId val="1664135008"/>
-        <c:scaling>
-          <c:orientation val="minMax"/>
-          <c:max val="100"/>
-        </c:scaling>
-        <c:delete val="0"/>
-        <c:axPos val="l"/>
-        <c:title>
-          <c:tx>
-            <c:rich>
-              <a:bodyPr rot="-5400000" spcFirstLastPara="1" vertOverflow="ellipsis" vert="horz" wrap="square" anchor="ctr" anchorCtr="1"/>
-              <a:lstStyle/>
-              <a:p>
-                <a:pPr>
-                  <a:defRPr sz="900" b="0" i="0" u="none" strike="noStrike" kern="1200" cap="all" baseline="0">
-                    <a:solidFill>
-                      <a:schemeClr val="dk1">
-                        <a:lumMod val="65000"/>
-                        <a:lumOff val="35000"/>
-                      </a:schemeClr>
-                    </a:solidFill>
-                    <a:latin typeface="+mn-lt"/>
-                    <a:ea typeface="+mn-ea"/>
-                    <a:cs typeface="+mn-cs"/>
-                  </a:defRPr>
-                </a:pPr>
-                <a:r>
-                  <a:rPr lang="ru-RU"/>
-                  <a:t>% свободных серверов</a:t>
-                </a:r>
-              </a:p>
-            </c:rich>
-          </c:tx>
-          <c:overlay val="0"/>
-          <c:spPr>
-            <a:noFill/>
-            <a:ln>
-              <a:noFill/>
-            </a:ln>
-            <a:effectLst/>
-          </c:spPr>
-        </c:title>
-        <c:numFmt formatCode="Основной" sourceLinked="1"/>
-        <c:majorTickMark val="none"/>
-        <c:minorTickMark val="none"/>
-        <c:tickLblPos val="nextTo"/>
-        <c:spPr>
-          <a:noFill/>
-          <a:ln>
-            <a:noFill/>
-          </a:ln>
-          <a:effectLst/>
-        </c:spPr>
-        <c:txPr>
-          <a:bodyPr rot="-60000000" spcFirstLastPara="1" vertOverflow="ellipsis" vert="horz" wrap="square" anchor="ctr" anchorCtr="1"/>
-          <a:lstStyle/>
-          <a:p>
-            <a:pPr>
-              <a:defRPr sz="900" b="0" i="0" u="none" strike="noStrike" kern="1200" spc="20" baseline="0">
-                <a:solidFill>
-                  <a:schemeClr val="dk1">
-                    <a:lumMod val="65000"/>
-                    <a:lumOff val="35000"/>
-                  </a:schemeClr>
-                </a:solidFill>
-                <a:latin typeface="+mn-lt"/>
-                <a:ea typeface="+mn-ea"/>
-                <a:cs typeface="+mn-cs"/>
-              </a:defRPr>
-            </a:pPr>
-            <a:endParaRPr lang="ru-RU"/>
-          </a:p>
-        </c:txPr>
-        <c:crossAx val="1664134592"/>
-        <c:crosses val="autoZero"/>
-        <c:crossBetween val="midCat"/>
-      </c:valAx>
-      <c:spPr>
-        <a:gradFill>
-          <a:gsLst>
-            <a:gs pos="100000">
-              <a:schemeClr val="lt1">
-                <a:lumMod val="95000"/>
-              </a:schemeClr>
-            </a:gs>
-            <a:gs pos="0">
-              <a:schemeClr val="lt1"/>
-            </a:gs>
-          </a:gsLst>
-          <a:lin ang="5400000" scaled="0"/>
-        </a:gradFill>
-        <a:ln>
-          <a:noFill/>
-        </a:ln>
-        <a:effectLst/>
-      </c:spPr>
-    </c:plotArea>
-    <c:legend>
-      <c:legendPos val="b"/>
-      <c:overlay val="0"/>
-    </c:legend>
-    <c:plotVisOnly val="1"/>
-    <c:dispBlanksAs val="gap"/>
-    <c:showDLblsOverMax val="0"/>
-    <c:extLst/>
-  </c:chart>
-  <c:txPr>
-    <a:bodyPr/>
-    <a:lstStyle/>
-    <a:p>
-      <a:pPr>
-        <a:defRPr/>
-      </a:pPr>
-      <a:endParaRPr lang="ru-RU"/>
-    </a:p>
-  </c:txPr>
-  <c:externalData r:id="rId1">
-    <c:autoUpdate val="0"/>
-  </c:externalData>
-</c:chartSpace>
-</file>
-
-<file path=ppt/charts/chart3.xml><?xml version="1.0" encoding="utf-8"?>
-<c:chartSpace xmlns:c="http://schemas.openxmlformats.org/drawingml/2006/chart" xmlns:a="http://schemas.openxmlformats.org/drawingml/2006/main" xmlns:r="http://schemas.openxmlformats.org/officeDocument/2006/relationships" xmlns:c16r2="http://schemas.microsoft.com/office/drawing/2015/06/chart">
-  <c:date1904 val="0"/>
-  <c:lang val="ru-RU"/>
-  <c:roundedCorners val="0"/>
-  <mc:AlternateContent xmlns:mc="http://schemas.openxmlformats.org/markup-compatibility/2006">
-    <mc:Choice xmlns:c14="http://schemas.microsoft.com/office/drawing/2007/8/2/chart" Requires="c14">
-      <c14:style val="102"/>
-    </mc:Choice>
-    <mc:Fallback>
-      <c:style val="2"/>
-    </mc:Fallback>
-  </mc:AlternateContent>
-  <c:chart>
-    <c:title>
-      <c:tx>
-        <c:rich>
-          <a:bodyPr rot="0" spcFirstLastPara="1" vertOverflow="ellipsis" vert="horz" wrap="square" anchor="ctr" anchorCtr="1"/>
-          <a:lstStyle/>
-          <a:p>
-            <a:pPr>
-              <a:defRPr sz="1400" b="0" i="0" u="none" strike="noStrike" kern="1200" cap="none" spc="20" baseline="0">
-                <a:solidFill>
-                  <a:schemeClr val="dk1">
-                    <a:lumMod val="50000"/>
-                    <a:lumOff val="50000"/>
-                  </a:schemeClr>
-                </a:solidFill>
-                <a:latin typeface="+mn-lt"/>
-                <a:ea typeface="+mn-ea"/>
-                <a:cs typeface="+mn-cs"/>
-              </a:defRPr>
-            </a:pPr>
-            <a:r>
-              <a:rPr lang="ru-RU"/>
-              <a:t>Зависимость количества свободных серверов от количества размещаемых сервисов</a:t>
-            </a:r>
-          </a:p>
-        </c:rich>
-      </c:tx>
-      <c:overlay val="0"/>
-      <c:spPr>
-        <a:noFill/>
-        <a:ln>
-          <a:noFill/>
-        </a:ln>
-        <a:effectLst/>
-      </c:spPr>
-    </c:title>
-    <c:autoTitleDeleted val="0"/>
-    <c:plotArea>
-      <c:layout/>
-      <c:lineChart>
-        <c:grouping val="standard"/>
-        <c:varyColors val="0"/>
-        <c:ser>
-          <c:idx val="1"/>
-          <c:order val="0"/>
-          <c:tx>
-            <c:v>Генетический алгоритм</c:v>
-          </c:tx>
-          <c:spPr>
-            <a:ln w="22225" cap="rnd" cmpd="sng" algn="ctr">
-              <a:solidFill>
-                <a:srgbClr val="FF0000"/>
-              </a:solidFill>
-              <a:round/>
-            </a:ln>
-            <a:effectLst/>
-          </c:spPr>
-          <c:marker>
-            <c:symbol val="none"/>
-          </c:marker>
-          <c:cat>
-            <c:numRef>
-              <c:f>'% свободных серверов(10серверов'!$F$3:$F$13</c:f>
-              <c:numCache>
-                <c:formatCode>Основной</c:formatCode>
-                <c:ptCount val="11"/>
-                <c:pt idx="0">
-                  <c:v>0</c:v>
-                </c:pt>
-                <c:pt idx="1">
-                  <c:v>5</c:v>
-                </c:pt>
-                <c:pt idx="2">
-                  <c:v>10</c:v>
-                </c:pt>
-                <c:pt idx="3">
-                  <c:v>15</c:v>
-                </c:pt>
-                <c:pt idx="4">
-                  <c:v>20</c:v>
-                </c:pt>
-                <c:pt idx="5">
-                  <c:v>25</c:v>
-                </c:pt>
-                <c:pt idx="6">
-                  <c:v>30</c:v>
-                </c:pt>
-                <c:pt idx="7">
-                  <c:v>35</c:v>
-                </c:pt>
-                <c:pt idx="8">
-                  <c:v>40</c:v>
-                </c:pt>
-                <c:pt idx="9">
-                  <c:v>45</c:v>
-                </c:pt>
-                <c:pt idx="10">
-                  <c:v>50</c:v>
-                </c:pt>
-              </c:numCache>
-            </c:numRef>
-          </c:cat>
-          <c:val>
-            <c:numRef>
-              <c:f>'% свободных серверов(10серверов'!$D$3:$D$13</c:f>
-              <c:numCache>
-                <c:formatCode>Основной</c:formatCode>
-                <c:ptCount val="11"/>
-                <c:pt idx="0">
-                  <c:v>100</c:v>
-                </c:pt>
-                <c:pt idx="1">
-                  <c:v>80</c:v>
-                </c:pt>
-                <c:pt idx="2">
-                  <c:v>80</c:v>
-                </c:pt>
-                <c:pt idx="3">
-                  <c:v>70</c:v>
-                </c:pt>
-                <c:pt idx="4">
-                  <c:v>70</c:v>
-                </c:pt>
-                <c:pt idx="5">
-                  <c:v>70</c:v>
-                </c:pt>
-                <c:pt idx="6">
-                  <c:v>60</c:v>
-                </c:pt>
-                <c:pt idx="7">
-                  <c:v>60</c:v>
-                </c:pt>
-                <c:pt idx="8">
-                  <c:v>60</c:v>
-                </c:pt>
-                <c:pt idx="9">
-                  <c:v>50</c:v>
-                </c:pt>
-                <c:pt idx="10">
-                  <c:v>50</c:v>
-                </c:pt>
-              </c:numCache>
-            </c:numRef>
-          </c:val>
-          <c:smooth val="0"/>
-          <c:extLst>
-            <c:ext xmlns:c16="http://schemas.microsoft.com/office/drawing/2014/chart" uri="{C3380CC4-5D6E-409C-BE32-E72D297353CC}">
-              <c16:uniqueId val="{00000000-6B1C-427C-8B70-8EBC64C9B42F}"/>
-            </c:ext>
-          </c:extLst>
-        </c:ser>
-        <c:dLbls>
-          <c:showLegendKey val="0"/>
-          <c:showVal val="0"/>
-          <c:showCatName val="0"/>
-          <c:showSerName val="0"/>
-          <c:showPercent val="0"/>
-          <c:showBubbleSize val="0"/>
-        </c:dLbls>
-        <c:dropLines>
-          <c:spPr>
-            <a:ln w="9525" cap="flat" cmpd="sng" algn="ctr">
-              <a:solidFill>
-                <a:schemeClr val="dk1">
-                  <a:lumMod val="35000"/>
-                  <a:lumOff val="65000"/>
-                  <a:alpha val="33000"/>
-                </a:schemeClr>
-              </a:solidFill>
-              <a:round/>
-            </a:ln>
-            <a:effectLst/>
-          </c:spPr>
-        </c:dropLines>
-        <c:smooth val="0"/>
-        <c:axId val="1664134592"/>
-        <c:axId val="1664135008"/>
-        <c:extLst>
-          <c:ext xmlns:c15="http://schemas.microsoft.com/office/drawing/2012/chart" uri="{02D57815-91ED-43cb-92C2-25804820EDAC}">
-            <c15:filteredLineSeries>
-              <c15:ser>
-                <c:idx val="0"/>
-                <c:order val="1"/>
-                <c:tx>
-                  <c:v>Эвристический алгоритм</c:v>
-                </c:tx>
-                <c:spPr>
-                  <a:ln w="22225" cap="rnd" cmpd="sng" algn="ctr">
-                    <a:solidFill>
-                      <a:schemeClr val="accent1"/>
-                    </a:solidFill>
-                    <a:round/>
-                  </a:ln>
-                  <a:effectLst/>
-                </c:spPr>
-                <c:marker>
-                  <c:symbol val="none"/>
-                </c:marker>
-                <c:cat>
-                  <c:numRef>
-                    <c:extLst>
-                      <c:ext uri="{02D57815-91ED-43cb-92C2-25804820EDAC}">
-                        <c15:formulaRef>
-                          <c15:sqref>'% свободных серверов(10серверов'!$F$3:$F$13</c15:sqref>
-                        </c15:formulaRef>
-                      </c:ext>
-                    </c:extLst>
-                    <c:numCache>
-                      <c:formatCode>Основной</c:formatCode>
-                      <c:ptCount val="11"/>
-                      <c:pt idx="0">
-                        <c:v>0</c:v>
-                      </c:pt>
-                      <c:pt idx="1">
-                        <c:v>5</c:v>
-                      </c:pt>
-                      <c:pt idx="2">
-                        <c:v>10</c:v>
-                      </c:pt>
-                      <c:pt idx="3">
-                        <c:v>15</c:v>
-                      </c:pt>
-                      <c:pt idx="4">
-                        <c:v>20</c:v>
-                      </c:pt>
-                      <c:pt idx="5">
-                        <c:v>25</c:v>
-                      </c:pt>
-                      <c:pt idx="6">
-                        <c:v>30</c:v>
-                      </c:pt>
-                      <c:pt idx="7">
-                        <c:v>35</c:v>
-                      </c:pt>
-                      <c:pt idx="8">
-                        <c:v>40</c:v>
-                      </c:pt>
-                      <c:pt idx="9">
-                        <c:v>45</c:v>
-                      </c:pt>
-                      <c:pt idx="10">
-                        <c:v>50</c:v>
-                      </c:pt>
-                    </c:numCache>
-                  </c:numRef>
-                </c:cat>
-                <c:val>
-                  <c:numRef>
-                    <c:extLst>
-                      <c:ext uri="{02D57815-91ED-43cb-92C2-25804820EDAC}">
-                        <c15:formulaRef>
-                          <c15:sqref>'% свободных серверов(10серверов'!$G$3:$G$13</c15:sqref>
-                        </c15:formulaRef>
-                      </c:ext>
-                    </c:extLst>
-                    <c:numCache>
-                      <c:formatCode>Основной</c:formatCode>
-                      <c:ptCount val="11"/>
-                      <c:pt idx="0">
-                        <c:v>100</c:v>
-                      </c:pt>
-                      <c:pt idx="1">
-                        <c:v>70</c:v>
-                      </c:pt>
-                      <c:pt idx="2">
-                        <c:v>60</c:v>
-                      </c:pt>
-                      <c:pt idx="3">
-                        <c:v>50</c:v>
-                      </c:pt>
-                      <c:pt idx="4">
-                        <c:v>50</c:v>
-                      </c:pt>
-                      <c:pt idx="5">
-                        <c:v>40</c:v>
-                      </c:pt>
-                      <c:pt idx="6">
-                        <c:v>40</c:v>
-                      </c:pt>
-                      <c:pt idx="7">
-                        <c:v>20</c:v>
-                      </c:pt>
-                      <c:pt idx="8">
-                        <c:v>20</c:v>
-                      </c:pt>
-                      <c:pt idx="9">
-                        <c:v>0</c:v>
-                      </c:pt>
-                      <c:pt idx="10">
-                        <c:v>0</c:v>
-                      </c:pt>
-                    </c:numCache>
-                  </c:numRef>
-                </c:val>
-                <c:smooth val="0"/>
-                <c:extLst>
-                  <c:ext xmlns:c16="http://schemas.microsoft.com/office/drawing/2014/chart" uri="{C3380CC4-5D6E-409C-BE32-E72D297353CC}">
-                    <c16:uniqueId val="{00000001-6B1C-427C-8B70-8EBC64C9B42F}"/>
-                  </c:ext>
-                </c:extLst>
-              </c15:ser>
-            </c15:filteredLineSeries>
-          </c:ext>
-        </c:extLst>
-      </c:lineChart>
-      <c:catAx>
-        <c:axId val="1664134592"/>
-        <c:scaling>
-          <c:orientation val="minMax"/>
-        </c:scaling>
-        <c:delete val="0"/>
-        <c:axPos val="b"/>
-        <c:title>
-          <c:tx>
-            <c:rich>
-              <a:bodyPr rot="0" spcFirstLastPara="1" vertOverflow="ellipsis" vert="horz" wrap="square" anchor="ctr" anchorCtr="1"/>
-              <a:lstStyle/>
-              <a:p>
-                <a:pPr>
-                  <a:defRPr sz="900" b="0" i="0" u="none" strike="noStrike" kern="1200" cap="all" baseline="0">
-                    <a:solidFill>
-                      <a:schemeClr val="dk1">
-                        <a:lumMod val="65000"/>
-                        <a:lumOff val="35000"/>
-                      </a:schemeClr>
-                    </a:solidFill>
-                    <a:latin typeface="+mn-lt"/>
-                    <a:ea typeface="+mn-ea"/>
-                    <a:cs typeface="+mn-cs"/>
-                  </a:defRPr>
-                </a:pPr>
-                <a:r>
-                  <a:rPr lang="ru-RU"/>
-                  <a:t>Количество сервисов</a:t>
-                </a:r>
-              </a:p>
-            </c:rich>
-          </c:tx>
-          <c:overlay val="0"/>
-          <c:spPr>
-            <a:noFill/>
-            <a:ln>
-              <a:noFill/>
-            </a:ln>
-            <a:effectLst/>
-          </c:spPr>
-        </c:title>
-        <c:numFmt formatCode="Основной" sourceLinked="1"/>
-        <c:majorTickMark val="none"/>
-        <c:minorTickMark val="none"/>
-        <c:tickLblPos val="nextTo"/>
-        <c:spPr>
-          <a:noFill/>
-          <a:ln w="9525" cap="flat" cmpd="sng" algn="ctr">
-            <a:solidFill>
-              <a:schemeClr val="dk1">
-                <a:lumMod val="15000"/>
-                <a:lumOff val="85000"/>
-              </a:schemeClr>
-            </a:solidFill>
-            <a:round/>
-          </a:ln>
-          <a:effectLst/>
-        </c:spPr>
-        <c:txPr>
-          <a:bodyPr rot="-60000000" spcFirstLastPara="1" vertOverflow="ellipsis" vert="horz" wrap="square" anchor="ctr" anchorCtr="1"/>
-          <a:lstStyle/>
-          <a:p>
-            <a:pPr>
-              <a:defRPr sz="900" b="0" i="0" u="none" strike="noStrike" kern="1200" spc="20" baseline="0">
-                <a:solidFill>
-                  <a:schemeClr val="dk1">
-                    <a:lumMod val="65000"/>
-                    <a:lumOff val="35000"/>
-                  </a:schemeClr>
-                </a:solidFill>
-                <a:latin typeface="+mn-lt"/>
-                <a:ea typeface="+mn-ea"/>
-                <a:cs typeface="+mn-cs"/>
-              </a:defRPr>
-            </a:pPr>
-            <a:endParaRPr lang="ru-RU"/>
-          </a:p>
-        </c:txPr>
-        <c:crossAx val="1664135008"/>
-        <c:crosses val="autoZero"/>
-        <c:auto val="1"/>
-        <c:lblAlgn val="ctr"/>
-        <c:lblOffset val="100"/>
-        <c:noMultiLvlLbl val="0"/>
-      </c:catAx>
-      <c:valAx>
-        <c:axId val="1664135008"/>
-        <c:scaling>
-          <c:orientation val="minMax"/>
-          <c:max val="100"/>
-        </c:scaling>
-        <c:delete val="0"/>
-        <c:axPos val="l"/>
-        <c:title>
-          <c:tx>
-            <c:rich>
-              <a:bodyPr rot="-5400000" spcFirstLastPara="1" vertOverflow="ellipsis" vert="horz" wrap="square" anchor="ctr" anchorCtr="1"/>
-              <a:lstStyle/>
-              <a:p>
-                <a:pPr>
-                  <a:defRPr sz="900" b="0" i="0" u="none" strike="noStrike" kern="1200" cap="all" baseline="0">
-                    <a:solidFill>
-                      <a:schemeClr val="dk1">
-                        <a:lumMod val="65000"/>
-                        <a:lumOff val="35000"/>
-                      </a:schemeClr>
-                    </a:solidFill>
-                    <a:latin typeface="+mn-lt"/>
-                    <a:ea typeface="+mn-ea"/>
-                    <a:cs typeface="+mn-cs"/>
-                  </a:defRPr>
-                </a:pPr>
-                <a:r>
-                  <a:rPr lang="ru-RU"/>
-                  <a:t>% свободных серверов</a:t>
-                </a:r>
-              </a:p>
-            </c:rich>
-          </c:tx>
-          <c:overlay val="0"/>
-          <c:spPr>
-            <a:noFill/>
-            <a:ln>
-              <a:noFill/>
-            </a:ln>
-            <a:effectLst/>
-          </c:spPr>
-        </c:title>
-        <c:numFmt formatCode="Основной" sourceLinked="1"/>
-        <c:majorTickMark val="none"/>
-        <c:minorTickMark val="none"/>
-        <c:tickLblPos val="nextTo"/>
-        <c:spPr>
-          <a:noFill/>
-          <a:ln>
-            <a:noFill/>
-          </a:ln>
-          <a:effectLst/>
-        </c:spPr>
-        <c:txPr>
-          <a:bodyPr rot="-60000000" spcFirstLastPara="1" vertOverflow="ellipsis" vert="horz" wrap="square" anchor="ctr" anchorCtr="1"/>
-          <a:lstStyle/>
-          <a:p>
-            <a:pPr>
-              <a:defRPr sz="900" b="0" i="0" u="none" strike="noStrike" kern="1200" spc="20" baseline="0">
-                <a:solidFill>
-                  <a:schemeClr val="dk1">
-                    <a:lumMod val="65000"/>
-                    <a:lumOff val="35000"/>
-                  </a:schemeClr>
-                </a:solidFill>
-                <a:latin typeface="+mn-lt"/>
-                <a:ea typeface="+mn-ea"/>
-                <a:cs typeface="+mn-cs"/>
-              </a:defRPr>
-            </a:pPr>
-            <a:endParaRPr lang="ru-RU"/>
-          </a:p>
-        </c:txPr>
-        <c:crossAx val="1664134592"/>
-        <c:crosses val="autoZero"/>
-        <c:crossBetween val="midCat"/>
-      </c:valAx>
-      <c:spPr>
-        <a:gradFill>
-          <a:gsLst>
-            <a:gs pos="100000">
-              <a:schemeClr val="lt1">
-                <a:lumMod val="95000"/>
-              </a:schemeClr>
-            </a:gs>
-            <a:gs pos="0">
-              <a:schemeClr val="lt1"/>
-            </a:gs>
-          </a:gsLst>
-          <a:lin ang="5400000" scaled="0"/>
-        </a:gradFill>
-        <a:ln>
-          <a:noFill/>
-        </a:ln>
-        <a:effectLst/>
-      </c:spPr>
-    </c:plotArea>
-    <c:legend>
-      <c:legendPos val="b"/>
-      <c:overlay val="0"/>
-    </c:legend>
-    <c:plotVisOnly val="1"/>
-    <c:dispBlanksAs val="gap"/>
-    <c:showDLblsOverMax val="0"/>
-    <c:extLst/>
-  </c:chart>
-  <c:txPr>
-    <a:bodyPr/>
-    <a:lstStyle/>
-    <a:p>
-      <a:pPr>
-        <a:defRPr/>
-      </a:pPr>
-      <a:endParaRPr lang="ru-RU"/>
-    </a:p>
-  </c:txPr>
-  <c:externalData r:id="rId1">
-    <c:autoUpdate val="0"/>
-  </c:externalData>
-</c:chartSpace>
-</file>
-
-<file path=ppt/charts/chart4.xml><?xml version="1.0" encoding="utf-8"?>
-<c:chartSpace xmlns:c="http://schemas.openxmlformats.org/drawingml/2006/chart" xmlns:a="http://schemas.openxmlformats.org/drawingml/2006/main" xmlns:r="http://schemas.openxmlformats.org/officeDocument/2006/relationships" xmlns:c16r2="http://schemas.microsoft.com/office/drawing/2015/06/chart">
-  <c:date1904 val="0"/>
-  <c:lang val="ru-RU"/>
-  <c:roundedCorners val="0"/>
-  <mc:AlternateContent xmlns:mc="http://schemas.openxmlformats.org/markup-compatibility/2006">
-    <mc:Choice xmlns:c14="http://schemas.microsoft.com/office/drawing/2007/8/2/chart" Requires="c14">
-      <c14:style val="102"/>
-    </mc:Choice>
-    <mc:Fallback>
-      <c:style val="2"/>
-    </mc:Fallback>
-  </mc:AlternateContent>
-  <c:chart>
-    <c:title>
-      <c:tx>
-        <c:rich>
-          <a:bodyPr rot="0" spcFirstLastPara="1" vertOverflow="ellipsis" vert="horz" wrap="square" anchor="ctr" anchorCtr="1"/>
-          <a:lstStyle/>
-          <a:p>
-            <a:pPr>
-              <a:defRPr sz="1400" b="0" i="0" u="none" strike="noStrike" kern="1200" cap="none" spc="20" baseline="0">
-                <a:solidFill>
-                  <a:schemeClr val="dk1">
-                    <a:lumMod val="50000"/>
-                    <a:lumOff val="50000"/>
-                  </a:schemeClr>
-                </a:solidFill>
-                <a:latin typeface="+mn-lt"/>
-                <a:ea typeface="+mn-ea"/>
-                <a:cs typeface="+mn-cs"/>
-              </a:defRPr>
-            </a:pPr>
-            <a:r>
-              <a:rPr lang="ru-RU"/>
-              <a:t>Зависимость количества свободных серверов от количества размещаемых сервисов</a:t>
-            </a:r>
-          </a:p>
-        </c:rich>
-      </c:tx>
-      <c:overlay val="0"/>
-      <c:spPr>
-        <a:noFill/>
-        <a:ln>
-          <a:noFill/>
-        </a:ln>
-        <a:effectLst/>
-      </c:spPr>
-    </c:title>
-    <c:autoTitleDeleted val="0"/>
-    <c:plotArea>
-      <c:layout/>
-      <c:lineChart>
-        <c:grouping val="standard"/>
-        <c:varyColors val="0"/>
-        <c:ser>
-          <c:idx val="1"/>
-          <c:order val="0"/>
-          <c:tx>
-            <c:v>Генетический алгоритм</c:v>
-          </c:tx>
-          <c:spPr>
-            <a:ln w="22225" cap="rnd" cmpd="sng" algn="ctr">
-              <a:solidFill>
-                <a:schemeClr val="accent2"/>
-              </a:solidFill>
-              <a:round/>
-            </a:ln>
-            <a:effectLst/>
-          </c:spPr>
-          <c:marker>
-            <c:symbol val="none"/>
-          </c:marker>
-          <c:cat>
-            <c:numRef>
-              <c:f>'% свободных серверов(10серверов'!$F$3:$F$13</c:f>
-              <c:numCache>
-                <c:formatCode>Основной</c:formatCode>
-                <c:ptCount val="11"/>
-                <c:pt idx="0">
-                  <c:v>0</c:v>
-                </c:pt>
-                <c:pt idx="1">
-                  <c:v>5</c:v>
-                </c:pt>
-                <c:pt idx="2">
-                  <c:v>10</c:v>
-                </c:pt>
-                <c:pt idx="3">
-                  <c:v>15</c:v>
-                </c:pt>
-                <c:pt idx="4">
-                  <c:v>20</c:v>
-                </c:pt>
-                <c:pt idx="5">
-                  <c:v>25</c:v>
-                </c:pt>
-                <c:pt idx="6">
-                  <c:v>30</c:v>
-                </c:pt>
-                <c:pt idx="7">
-                  <c:v>35</c:v>
-                </c:pt>
-                <c:pt idx="8">
-                  <c:v>40</c:v>
-                </c:pt>
-                <c:pt idx="9">
-                  <c:v>45</c:v>
-                </c:pt>
-                <c:pt idx="10">
-                  <c:v>50</c:v>
-                </c:pt>
-              </c:numCache>
-            </c:numRef>
-          </c:cat>
-          <c:val>
-            <c:numRef>
-              <c:f>'% свободных серверов(10серверов'!$D$3:$D$13</c:f>
-              <c:numCache>
-                <c:formatCode>Основной</c:formatCode>
-                <c:ptCount val="11"/>
-                <c:pt idx="0">
-                  <c:v>100</c:v>
-                </c:pt>
-                <c:pt idx="1">
-                  <c:v>80</c:v>
-                </c:pt>
-                <c:pt idx="2">
-                  <c:v>80</c:v>
-                </c:pt>
-                <c:pt idx="3">
-                  <c:v>70</c:v>
-                </c:pt>
-                <c:pt idx="4">
-                  <c:v>70</c:v>
-                </c:pt>
-                <c:pt idx="5">
-                  <c:v>70</c:v>
-                </c:pt>
-                <c:pt idx="6">
-                  <c:v>60</c:v>
-                </c:pt>
-                <c:pt idx="7">
-                  <c:v>60</c:v>
-                </c:pt>
-                <c:pt idx="8">
-                  <c:v>60</c:v>
-                </c:pt>
-                <c:pt idx="9">
-                  <c:v>50</c:v>
-                </c:pt>
-                <c:pt idx="10">
-                  <c:v>50</c:v>
-                </c:pt>
-              </c:numCache>
-            </c:numRef>
-          </c:val>
-          <c:smooth val="0"/>
-          <c:extLst>
-            <c:ext xmlns:c16="http://schemas.microsoft.com/office/drawing/2014/chart" uri="{C3380CC4-5D6E-409C-BE32-E72D297353CC}">
-              <c16:uniqueId val="{00000000-7CF5-4135-BA9E-F09467ED8141}"/>
-            </c:ext>
-          </c:extLst>
-        </c:ser>
-        <c:ser>
-          <c:idx val="0"/>
-          <c:order val="1"/>
-          <c:tx>
-            <c:v>Алгоритм BFD</c:v>
-          </c:tx>
-          <c:spPr>
-            <a:ln w="22225" cap="rnd" cmpd="sng" algn="ctr">
-              <a:solidFill>
-                <a:schemeClr val="accent1"/>
-              </a:solidFill>
-              <a:round/>
-            </a:ln>
-            <a:effectLst/>
-          </c:spPr>
-          <c:marker>
-            <c:symbol val="none"/>
-          </c:marker>
-          <c:cat>
-            <c:numRef>
-              <c:f>'% свободных серверов(10серверов'!$F$3:$F$13</c:f>
-              <c:numCache>
-                <c:formatCode>Основной</c:formatCode>
-                <c:ptCount val="11"/>
-                <c:pt idx="0">
-                  <c:v>0</c:v>
-                </c:pt>
-                <c:pt idx="1">
-                  <c:v>5</c:v>
-                </c:pt>
-                <c:pt idx="2">
-                  <c:v>10</c:v>
-                </c:pt>
-                <c:pt idx="3">
-                  <c:v>15</c:v>
-                </c:pt>
-                <c:pt idx="4">
-                  <c:v>20</c:v>
-                </c:pt>
-                <c:pt idx="5">
-                  <c:v>25</c:v>
-                </c:pt>
-                <c:pt idx="6">
-                  <c:v>30</c:v>
-                </c:pt>
-                <c:pt idx="7">
-                  <c:v>35</c:v>
-                </c:pt>
-                <c:pt idx="8">
-                  <c:v>40</c:v>
-                </c:pt>
-                <c:pt idx="9">
-                  <c:v>45</c:v>
-                </c:pt>
-                <c:pt idx="10">
-                  <c:v>50</c:v>
-                </c:pt>
-              </c:numCache>
-            </c:numRef>
-          </c:cat>
-          <c:val>
-            <c:numRef>
-              <c:f>'% свободных серверов(10серверов'!$G$3:$G$13</c:f>
-              <c:numCache>
-                <c:formatCode>Основной</c:formatCode>
-                <c:ptCount val="11"/>
-                <c:pt idx="0">
-                  <c:v>100</c:v>
-                </c:pt>
-                <c:pt idx="1">
-                  <c:v>70</c:v>
-                </c:pt>
-                <c:pt idx="2">
-                  <c:v>60</c:v>
-                </c:pt>
-                <c:pt idx="3">
-                  <c:v>50</c:v>
-                </c:pt>
-                <c:pt idx="4">
-                  <c:v>50</c:v>
-                </c:pt>
-                <c:pt idx="5">
-                  <c:v>40</c:v>
-                </c:pt>
-                <c:pt idx="6">
-                  <c:v>40</c:v>
-                </c:pt>
-                <c:pt idx="7">
-                  <c:v>20</c:v>
-                </c:pt>
-                <c:pt idx="8">
-                  <c:v>20</c:v>
-                </c:pt>
-                <c:pt idx="9">
-                  <c:v>0</c:v>
-                </c:pt>
-                <c:pt idx="10">
-                  <c:v>0</c:v>
-                </c:pt>
-              </c:numCache>
-            </c:numRef>
-          </c:val>
-          <c:smooth val="0"/>
-          <c:extLst>
-            <c:ext xmlns:c16="http://schemas.microsoft.com/office/drawing/2014/chart" uri="{C3380CC4-5D6E-409C-BE32-E72D297353CC}">
-              <c16:uniqueId val="{00000001-7CF5-4135-BA9E-F09467ED8141}"/>
-            </c:ext>
-          </c:extLst>
-        </c:ser>
-        <c:ser>
-          <c:idx val="2"/>
-          <c:order val="2"/>
-          <c:tx>
-            <c:v>Алгоритм имитации отжига</c:v>
-          </c:tx>
-          <c:marker>
-            <c:symbol val="none"/>
-          </c:marker>
-          <c:val>
-            <c:numRef>
-              <c:f>'% свободных серверов(10серверов'!$J$3:$J$13</c:f>
-              <c:numCache>
-                <c:formatCode>Основной</c:formatCode>
-                <c:ptCount val="11"/>
-                <c:pt idx="0">
-                  <c:v>100</c:v>
-                </c:pt>
-                <c:pt idx="1">
-                  <c:v>80</c:v>
-                </c:pt>
-                <c:pt idx="2">
-                  <c:v>80</c:v>
-                </c:pt>
-                <c:pt idx="3">
-                  <c:v>70</c:v>
-                </c:pt>
-                <c:pt idx="4">
-                  <c:v>70</c:v>
-                </c:pt>
-                <c:pt idx="5">
-                  <c:v>60</c:v>
-                </c:pt>
-                <c:pt idx="6">
-                  <c:v>60</c:v>
-                </c:pt>
-                <c:pt idx="7">
-                  <c:v>60</c:v>
-                </c:pt>
-                <c:pt idx="8">
-                  <c:v>60</c:v>
-                </c:pt>
-                <c:pt idx="9">
-                  <c:v>50</c:v>
-                </c:pt>
-                <c:pt idx="10">
-                  <c:v>50</c:v>
-                </c:pt>
-              </c:numCache>
-            </c:numRef>
-          </c:val>
-          <c:smooth val="0"/>
-          <c:extLst>
-            <c:ext xmlns:c16="http://schemas.microsoft.com/office/drawing/2014/chart" uri="{C3380CC4-5D6E-409C-BE32-E72D297353CC}">
-              <c16:uniqueId val="{00000002-7CF5-4135-BA9E-F09467ED8141}"/>
-            </c:ext>
-          </c:extLst>
-        </c:ser>
-        <c:dLbls>
-          <c:showLegendKey val="0"/>
-          <c:showVal val="0"/>
-          <c:showCatName val="0"/>
-          <c:showSerName val="0"/>
-          <c:showPercent val="0"/>
-          <c:showBubbleSize val="0"/>
-        </c:dLbls>
-        <c:dropLines>
-          <c:spPr>
-            <a:ln w="9525" cap="flat" cmpd="sng" algn="ctr">
-              <a:solidFill>
-                <a:schemeClr val="dk1">
-                  <a:lumMod val="35000"/>
-                  <a:lumOff val="65000"/>
-                  <a:alpha val="33000"/>
-                </a:schemeClr>
-              </a:solidFill>
-              <a:round/>
-            </a:ln>
-            <a:effectLst/>
-          </c:spPr>
-        </c:dropLines>
-        <c:smooth val="0"/>
-        <c:axId val="1664134592"/>
-        <c:axId val="1664135008"/>
-      </c:lineChart>
-      <c:catAx>
-        <c:axId val="1664134592"/>
-        <c:scaling>
-          <c:orientation val="minMax"/>
-        </c:scaling>
-        <c:delete val="0"/>
-        <c:axPos val="b"/>
-        <c:title>
-          <c:tx>
-            <c:rich>
-              <a:bodyPr rot="0" spcFirstLastPara="1" vertOverflow="ellipsis" vert="horz" wrap="square" anchor="ctr" anchorCtr="1"/>
-              <a:lstStyle/>
-              <a:p>
-                <a:pPr>
-                  <a:defRPr sz="900" b="0" i="0" u="none" strike="noStrike" kern="1200" cap="all" baseline="0">
-                    <a:solidFill>
-                      <a:schemeClr val="dk1">
-                        <a:lumMod val="65000"/>
-                        <a:lumOff val="35000"/>
-                      </a:schemeClr>
-                    </a:solidFill>
-                    <a:latin typeface="+mn-lt"/>
-                    <a:ea typeface="+mn-ea"/>
-                    <a:cs typeface="+mn-cs"/>
-                  </a:defRPr>
-                </a:pPr>
-                <a:r>
-                  <a:rPr lang="ru-RU"/>
-                  <a:t>Количество сервисов</a:t>
-                </a:r>
-              </a:p>
-            </c:rich>
-          </c:tx>
-          <c:overlay val="0"/>
-          <c:spPr>
-            <a:noFill/>
-            <a:ln>
-              <a:noFill/>
-            </a:ln>
-            <a:effectLst/>
-          </c:spPr>
-        </c:title>
-        <c:numFmt formatCode="Основной" sourceLinked="1"/>
-        <c:majorTickMark val="none"/>
-        <c:minorTickMark val="none"/>
-        <c:tickLblPos val="nextTo"/>
-        <c:spPr>
-          <a:noFill/>
-          <a:ln w="9525" cap="flat" cmpd="sng" algn="ctr">
-            <a:solidFill>
-              <a:schemeClr val="dk1">
-                <a:lumMod val="15000"/>
-                <a:lumOff val="85000"/>
-              </a:schemeClr>
-            </a:solidFill>
-            <a:round/>
-          </a:ln>
-          <a:effectLst/>
-        </c:spPr>
-        <c:txPr>
-          <a:bodyPr rot="-60000000" spcFirstLastPara="1" vertOverflow="ellipsis" vert="horz" wrap="square" anchor="ctr" anchorCtr="1"/>
-          <a:lstStyle/>
-          <a:p>
-            <a:pPr>
-              <a:defRPr sz="900" b="0" i="0" u="none" strike="noStrike" kern="1200" spc="20" baseline="0">
-                <a:solidFill>
-                  <a:schemeClr val="dk1">
-                    <a:lumMod val="65000"/>
-                    <a:lumOff val="35000"/>
-                  </a:schemeClr>
-                </a:solidFill>
-                <a:latin typeface="+mn-lt"/>
-                <a:ea typeface="+mn-ea"/>
-                <a:cs typeface="+mn-cs"/>
-              </a:defRPr>
-            </a:pPr>
-            <a:endParaRPr lang="ru-RU"/>
-          </a:p>
-        </c:txPr>
-        <c:crossAx val="1664135008"/>
-        <c:crosses val="autoZero"/>
-        <c:auto val="1"/>
-        <c:lblAlgn val="ctr"/>
-        <c:lblOffset val="100"/>
-        <c:noMultiLvlLbl val="0"/>
-      </c:catAx>
-      <c:valAx>
-        <c:axId val="1664135008"/>
-        <c:scaling>
-          <c:orientation val="minMax"/>
-          <c:max val="100"/>
-        </c:scaling>
-        <c:delete val="0"/>
-        <c:axPos val="l"/>
-        <c:title>
-          <c:tx>
-            <c:rich>
-              <a:bodyPr rot="-5400000" spcFirstLastPara="1" vertOverflow="ellipsis" vert="horz" wrap="square" anchor="ctr" anchorCtr="1"/>
-              <a:lstStyle/>
-              <a:p>
-                <a:pPr>
-                  <a:defRPr sz="900" b="0" i="0" u="none" strike="noStrike" kern="1200" cap="all" baseline="0">
-                    <a:solidFill>
-                      <a:schemeClr val="dk1">
-                        <a:lumMod val="65000"/>
-                        <a:lumOff val="35000"/>
-                      </a:schemeClr>
-                    </a:solidFill>
-                    <a:latin typeface="+mn-lt"/>
-                    <a:ea typeface="+mn-ea"/>
-                    <a:cs typeface="+mn-cs"/>
-                  </a:defRPr>
-                </a:pPr>
-                <a:r>
-                  <a:rPr lang="ru-RU"/>
-                  <a:t>% свободных серверов</a:t>
-                </a:r>
-              </a:p>
-            </c:rich>
-          </c:tx>
-          <c:overlay val="0"/>
-          <c:spPr>
-            <a:noFill/>
-            <a:ln>
-              <a:noFill/>
-            </a:ln>
-            <a:effectLst/>
-          </c:spPr>
-        </c:title>
-        <c:numFmt formatCode="Основной" sourceLinked="1"/>
-        <c:majorTickMark val="none"/>
-        <c:minorTickMark val="none"/>
-        <c:tickLblPos val="nextTo"/>
-        <c:spPr>
-          <a:noFill/>
-          <a:ln>
-            <a:noFill/>
-          </a:ln>
-          <a:effectLst/>
-        </c:spPr>
-        <c:txPr>
-          <a:bodyPr rot="-60000000" spcFirstLastPara="1" vertOverflow="ellipsis" vert="horz" wrap="square" anchor="ctr" anchorCtr="1"/>
-          <a:lstStyle/>
-          <a:p>
-            <a:pPr>
-              <a:defRPr sz="900" b="0" i="0" u="none" strike="noStrike" kern="1200" spc="20" baseline="0">
-                <a:solidFill>
-                  <a:schemeClr val="dk1">
-                    <a:lumMod val="65000"/>
-                    <a:lumOff val="35000"/>
-                  </a:schemeClr>
-                </a:solidFill>
-                <a:latin typeface="+mn-lt"/>
-                <a:ea typeface="+mn-ea"/>
-                <a:cs typeface="+mn-cs"/>
-              </a:defRPr>
-            </a:pPr>
-            <a:endParaRPr lang="ru-RU"/>
-          </a:p>
-        </c:txPr>
-        <c:crossAx val="1664134592"/>
-        <c:crosses val="autoZero"/>
-        <c:crossBetween val="midCat"/>
-      </c:valAx>
-      <c:spPr>
-        <a:gradFill>
-          <a:gsLst>
-            <a:gs pos="100000">
-              <a:schemeClr val="lt1">
-                <a:lumMod val="95000"/>
-              </a:schemeClr>
-            </a:gs>
-            <a:gs pos="0">
-              <a:schemeClr val="lt1"/>
-            </a:gs>
-          </a:gsLst>
-          <a:lin ang="5400000" scaled="0"/>
-        </a:gradFill>
-        <a:ln>
-          <a:noFill/>
-        </a:ln>
-        <a:effectLst/>
-      </c:spPr>
-    </c:plotArea>
-    <c:legend>
-      <c:legendPos val="b"/>
-      <c:overlay val="0"/>
-    </c:legend>
-    <c:plotVisOnly val="1"/>
-    <c:dispBlanksAs val="gap"/>
-    <c:showDLblsOverMax val="0"/>
-    <c:extLst/>
-  </c:chart>
-  <c:txPr>
-    <a:bodyPr/>
-    <a:lstStyle/>
-    <a:p>
-      <a:pPr>
-        <a:defRPr/>
-      </a:pPr>
-      <a:endParaRPr lang="ru-RU"/>
-    </a:p>
-  </c:txPr>
-  <c:externalData r:id="rId1">
-    <c:autoUpdate val="0"/>
-  </c:externalData>
-</c:chartSpace>
-</file>
-
 <file path=ppt/notesMasters/notesMaster1.xml><?xml version="1.0" encoding="utf-8"?>
 <p:notesMaster xmlns:a="http://schemas.openxmlformats.org/drawingml/2006/main" xmlns:r="http://schemas.openxmlformats.org/officeDocument/2006/relationships" xmlns:p="http://schemas.openxmlformats.org/presentationml/2006/main">
   <p:cSld>
@@ -2568,7 +323,7 @@
               <a:pPr>
                 <a:defRPr/>
               </a:pPr>
-              <a:t>04.06.2021</a:t>
+              <a:t>06.06.2021</a:t>
             </a:fld>
             <a:endParaRPr lang="ru-RU"/>
           </a:p>
@@ -3162,7 +917,7 @@
               <a:pPr>
                 <a:defRPr/>
               </a:pPr>
-              <a:t>19</a:t>
+              <a:t>18</a:t>
             </a:fld>
             <a:endParaRPr lang="ru-RU" altLang="ru-RU"/>
           </a:p>
@@ -3804,7 +1559,7 @@
               <a:pPr>
                 <a:defRPr/>
               </a:pPr>
-              <a:t>04.06.2021</a:t>
+              <a:t>06.06.2021</a:t>
             </a:fld>
             <a:endParaRPr lang="ru-RU"/>
           </a:p>
@@ -4017,7 +1772,7 @@
               <a:pPr>
                 <a:defRPr/>
               </a:pPr>
-              <a:t>04.06.2021</a:t>
+              <a:t>06.06.2021</a:t>
             </a:fld>
             <a:endParaRPr lang="ru-RU"/>
           </a:p>
@@ -4240,7 +1995,7 @@
               <a:pPr>
                 <a:defRPr/>
               </a:pPr>
-              <a:t>04.06.2021</a:t>
+              <a:t>06.06.2021</a:t>
             </a:fld>
             <a:endParaRPr lang="ru-RU"/>
           </a:p>
@@ -4546,7 +2301,7 @@
               <a:pPr>
                 <a:defRPr/>
               </a:pPr>
-              <a:t>04.06.2021</a:t>
+              <a:t>06.06.2021</a:t>
             </a:fld>
             <a:endParaRPr lang="ru-RU"/>
           </a:p>
@@ -4840,7 +2595,7 @@
               <a:pPr>
                 <a:defRPr/>
               </a:pPr>
-              <a:t>04.06.2021</a:t>
+              <a:t>06.06.2021</a:t>
             </a:fld>
             <a:endParaRPr lang="ru-RU"/>
           </a:p>
@@ -5170,7 +2925,7 @@
               <a:pPr>
                 <a:defRPr/>
               </a:pPr>
-              <a:t>04.06.2021</a:t>
+              <a:t>06.06.2021</a:t>
             </a:fld>
             <a:endParaRPr lang="ru-RU"/>
           </a:p>
@@ -5634,7 +3389,7 @@
               <a:pPr>
                 <a:defRPr/>
               </a:pPr>
-              <a:t>04.06.2021</a:t>
+              <a:t>06.06.2021</a:t>
             </a:fld>
             <a:endParaRPr lang="ru-RU"/>
           </a:p>
@@ -5796,7 +3551,7 @@
               <a:pPr>
                 <a:defRPr/>
               </a:pPr>
-              <a:t>04.06.2021</a:t>
+              <a:t>06.06.2021</a:t>
             </a:fld>
             <a:endParaRPr lang="ru-RU"/>
           </a:p>
@@ -5936,7 +3691,7 @@
               <a:pPr>
                 <a:defRPr/>
               </a:pPr>
-              <a:t>04.06.2021</a:t>
+              <a:t>06.06.2021</a:t>
             </a:fld>
             <a:endParaRPr lang="ru-RU"/>
           </a:p>
@@ -6256,7 +4011,7 @@
               <a:pPr>
                 <a:defRPr/>
               </a:pPr>
-              <a:t>04.06.2021</a:t>
+              <a:t>06.06.2021</a:t>
             </a:fld>
             <a:endParaRPr lang="ru-RU"/>
           </a:p>
@@ -6556,7 +4311,7 @@
               <a:pPr>
                 <a:defRPr/>
               </a:pPr>
-              <a:t>04.06.2021</a:t>
+              <a:t>06.06.2021</a:t>
             </a:fld>
             <a:endParaRPr lang="ru-RU"/>
           </a:p>
@@ -6882,7 +4637,7 @@
               <a:pPr>
                 <a:defRPr/>
               </a:pPr>
-              <a:t>04.06.2021</a:t>
+              <a:t>06.06.2021</a:t>
             </a:fld>
             <a:endParaRPr lang="ru-RU"/>
           </a:p>
@@ -10424,8 +8179,13 @@
           <a:p>
             <a:r>
               <a:rPr lang="ru-RU" dirty="0"/>
-              <a:t>Симулятор инфраструктуры</a:t>
+              <a:t>Блок –схема алгоритма </a:t>
             </a:r>
+            <a:r>
+              <a:rPr lang="en-US" dirty="0"/>
+              <a:t>BFD</a:t>
+            </a:r>
+            <a:endParaRPr lang="ru-RU" dirty="0"/>
           </a:p>
         </p:txBody>
       </p:sp>
@@ -10453,122 +8213,6 @@
                 <a:defRPr/>
               </a:pPr>
               <a:t>13</a:t>
-            </a:fld>
-            <a:endParaRPr lang="ru-RU" altLang="ru-RU"/>
-          </a:p>
-        </p:txBody>
-      </p:sp>
-      <p:pic>
-        <p:nvPicPr>
-          <p:cNvPr id="6" name="Рисунок 5">
-            <a:extLst>
-              <a:ext uri="{FF2B5EF4-FFF2-40B4-BE49-F238E27FC236}">
-                <a16:creationId xmlns:a16="http://schemas.microsoft.com/office/drawing/2014/main" id="{A76CBDE6-CC08-4615-A9E8-E2EFD7CE495F}"/>
-              </a:ext>
-            </a:extLst>
-          </p:cNvPr>
-          <p:cNvPicPr>
-            <a:picLocks noChangeAspect="1"/>
-          </p:cNvPicPr>
-          <p:nvPr/>
-        </p:nvPicPr>
-        <p:blipFill>
-          <a:blip r:embed="rId2"/>
-          <a:stretch>
-            <a:fillRect/>
-          </a:stretch>
-        </p:blipFill>
-        <p:spPr>
-          <a:xfrm>
-            <a:off x="272785" y="2884789"/>
-            <a:ext cx="9360430" cy="1088422"/>
-          </a:xfrm>
-          <a:prstGeom prst="rect">
-            <a:avLst/>
-          </a:prstGeom>
-        </p:spPr>
-      </p:pic>
-    </p:spTree>
-    <p:extLst>
-      <p:ext uri="{BB962C8B-B14F-4D97-AF65-F5344CB8AC3E}">
-        <p14:creationId xmlns:p14="http://schemas.microsoft.com/office/powerpoint/2010/main" val="1002546162"/>
-      </p:ext>
-    </p:extLst>
-  </p:cSld>
-  <p:clrMapOvr>
-    <a:masterClrMapping/>
-  </p:clrMapOvr>
-</p:sld>
-</file>
-
-<file path=ppt/slides/slide14.xml><?xml version="1.0" encoding="utf-8"?>
-<p:sld xmlns:a="http://schemas.openxmlformats.org/drawingml/2006/main" xmlns:r="http://schemas.openxmlformats.org/officeDocument/2006/relationships" xmlns:p="http://schemas.openxmlformats.org/presentationml/2006/main">
-  <p:cSld>
-    <p:spTree>
-      <p:nvGrpSpPr>
-        <p:cNvPr id="1" name=""/>
-        <p:cNvGrpSpPr/>
-        <p:nvPr/>
-      </p:nvGrpSpPr>
-      <p:grpSpPr>
-        <a:xfrm>
-          <a:off x="0" y="0"/>
-          <a:ext cx="0" cy="0"/>
-          <a:chOff x="0" y="0"/>
-          <a:chExt cx="0" cy="0"/>
-        </a:xfrm>
-      </p:grpSpPr>
-      <p:sp>
-        <p:nvSpPr>
-          <p:cNvPr id="2" name="Заголовок 1"/>
-          <p:cNvSpPr>
-            <a:spLocks noGrp="1"/>
-          </p:cNvSpPr>
-          <p:nvPr>
-            <p:ph type="title"/>
-          </p:nvPr>
-        </p:nvSpPr>
-        <p:spPr/>
-        <p:txBody>
-          <a:bodyPr/>
-          <a:lstStyle/>
-          <a:p>
-            <a:r>
-              <a:rPr lang="ru-RU" dirty="0"/>
-              <a:t>Блок –схема алгоритма </a:t>
-            </a:r>
-            <a:r>
-              <a:rPr lang="en-US" dirty="0"/>
-              <a:t>BFD</a:t>
-            </a:r>
-            <a:endParaRPr lang="ru-RU" dirty="0"/>
-          </a:p>
-        </p:txBody>
-      </p:sp>
-      <p:sp>
-        <p:nvSpPr>
-          <p:cNvPr id="4" name="Номер слайда 3"/>
-          <p:cNvSpPr>
-            <a:spLocks noGrp="1"/>
-          </p:cNvSpPr>
-          <p:nvPr>
-            <p:ph type="sldNum" sz="quarter" idx="12"/>
-          </p:nvPr>
-        </p:nvSpPr>
-        <p:spPr/>
-        <p:txBody>
-          <a:bodyPr/>
-          <a:lstStyle/>
-          <a:p>
-            <a:pPr>
-              <a:defRPr/>
-            </a:pPr>
-            <a:fld id="{21BDEC18-8067-4417-9D22-B28DB0185129}" type="slidenum">
-              <a:rPr lang="ru-RU" altLang="ru-RU" smtClean="0"/>
-              <a:pPr>
-                <a:defRPr/>
-              </a:pPr>
-              <a:t>14</a:t>
             </a:fld>
             <a:endParaRPr lang="ru-RU" altLang="ru-RU"/>
           </a:p>
@@ -10617,7 +8261,7 @@
 </p:sld>
 </file>
 
-<file path=ppt/slides/slide15.xml><?xml version="1.0" encoding="utf-8"?>
+<file path=ppt/slides/slide14.xml><?xml version="1.0" encoding="utf-8"?>
 <p:sld xmlns:a="http://schemas.openxmlformats.org/drawingml/2006/main" xmlns:r="http://schemas.openxmlformats.org/officeDocument/2006/relationships" xmlns:p="http://schemas.openxmlformats.org/presentationml/2006/main">
   <p:cSld>
     <p:spTree>
@@ -10679,7 +8323,7 @@
               <a:pPr>
                 <a:defRPr/>
               </a:pPr>
-              <a:t>15</a:t>
+              <a:t>14</a:t>
             </a:fld>
             <a:endParaRPr lang="ru-RU" altLang="ru-RU"/>
           </a:p>
@@ -10728,7 +8372,7 @@
 </p:sld>
 </file>
 
-<file path=ppt/slides/slide16.xml><?xml version="1.0" encoding="utf-8"?>
+<file path=ppt/slides/slide15.xml><?xml version="1.0" encoding="utf-8"?>
 <p:sld xmlns:a="http://schemas.openxmlformats.org/drawingml/2006/main" xmlns:r="http://schemas.openxmlformats.org/officeDocument/2006/relationships" xmlns:p="http://schemas.openxmlformats.org/presentationml/2006/main">
   <p:cSld>
     <p:spTree>
@@ -11702,7 +9346,7 @@
               <a:pPr>
                 <a:defRPr/>
               </a:pPr>
-              <a:t>16</a:t>
+              <a:t>15</a:t>
             </a:fld>
             <a:endParaRPr lang="ru-RU" altLang="ru-RU" sz="2000"/>
           </a:p>
@@ -12068,7 +9712,7 @@
 </p:sld>
 </file>
 
-<file path=ppt/slides/slide17.xml><?xml version="1.0" encoding="utf-8"?>
+<file path=ppt/slides/slide16.xml><?xml version="1.0" encoding="utf-8"?>
 <p:sld xmlns:a="http://schemas.openxmlformats.org/drawingml/2006/main" xmlns:r="http://schemas.openxmlformats.org/officeDocument/2006/relationships" xmlns:p="http://schemas.openxmlformats.org/presentationml/2006/main">
   <p:cSld>
     <p:spTree>
@@ -12130,7 +9774,7 @@
               <a:pPr>
                 <a:defRPr/>
               </a:pPr>
-              <a:t>17</a:t>
+              <a:t>16</a:t>
             </a:fld>
             <a:endParaRPr lang="ru-RU" altLang="ru-RU"/>
           </a:p>
@@ -12179,7 +9823,7 @@
 </p:sld>
 </file>
 
-<file path=ppt/slides/slide18.xml><?xml version="1.0" encoding="utf-8"?>
+<file path=ppt/slides/slide17.xml><?xml version="1.0" encoding="utf-8"?>
 <p:sld xmlns:a="http://schemas.openxmlformats.org/drawingml/2006/main" xmlns:r="http://schemas.openxmlformats.org/officeDocument/2006/relationships" xmlns:p="http://schemas.openxmlformats.org/presentationml/2006/main">
   <p:cSld>
     <p:spTree>
@@ -12224,8 +9868,8 @@
           </a:p>
         </p:txBody>
       </p:sp>
-      <mc:AlternateContent xmlns:mc="http://schemas.openxmlformats.org/markup-compatibility/2006">
-        <mc:Choice xmlns:a14="http://schemas.microsoft.com/office/drawing/2010/main" Requires="a14">
+      <mc:AlternateContent xmlns:mc="http://schemas.openxmlformats.org/markup-compatibility/2006" xmlns:a14="http://schemas.microsoft.com/office/drawing/2010/main">
+        <mc:Choice Requires="a14">
           <p:sp>
             <p:nvSpPr>
               <p:cNvPr id="3" name="Объект 2">
@@ -13283,7 +10927,7 @@
             </p:txBody>
           </p:sp>
         </mc:Choice>
-        <mc:Fallback>
+        <mc:Fallback xmlns="">
           <p:sp>
             <p:nvSpPr>
               <p:cNvPr id="3" name="Объект 2">
@@ -13356,7 +11000,7 @@
               <a:pPr>
                 <a:defRPr/>
               </a:pPr>
-              <a:t>18</a:t>
+              <a:t>17</a:t>
             </a:fld>
             <a:endParaRPr lang="ru-RU" altLang="ru-RU" sz="2000"/>
           </a:p>
@@ -13412,7 +11056,7 @@
 </p:sld>
 </file>
 
-<file path=ppt/slides/slide19.xml><?xml version="1.0" encoding="utf-8"?>
+<file path=ppt/slides/slide18.xml><?xml version="1.0" encoding="utf-8"?>
 <p:sld xmlns:a="http://schemas.openxmlformats.org/drawingml/2006/main" xmlns:r="http://schemas.openxmlformats.org/officeDocument/2006/relationships" xmlns:p="http://schemas.openxmlformats.org/presentationml/2006/main">
   <p:cSld>
     <p:spTree>
@@ -13486,7 +11130,7 @@
               <a:pPr>
                 <a:defRPr/>
               </a:pPr>
-              <a:t>19</a:t>
+              <a:t>18</a:t>
             </a:fld>
             <a:endParaRPr lang="ru-RU" altLang="ru-RU" sz="2000"/>
           </a:p>
@@ -13664,6 +11308,117 @@
     <p:extLst>
       <p:ext uri="{BB962C8B-B14F-4D97-AF65-F5344CB8AC3E}">
         <p14:creationId xmlns:p14="http://schemas.microsoft.com/office/powerpoint/2010/main" val="3354369142"/>
+      </p:ext>
+    </p:extLst>
+  </p:cSld>
+  <p:clrMapOvr>
+    <a:masterClrMapping/>
+  </p:clrMapOvr>
+</p:sld>
+</file>
+
+<file path=ppt/slides/slide19.xml><?xml version="1.0" encoding="utf-8"?>
+<p:sld xmlns:a="http://schemas.openxmlformats.org/drawingml/2006/main" xmlns:r="http://schemas.openxmlformats.org/officeDocument/2006/relationships" xmlns:p="http://schemas.openxmlformats.org/presentationml/2006/main">
+  <p:cSld>
+    <p:spTree>
+      <p:nvGrpSpPr>
+        <p:cNvPr id="1" name=""/>
+        <p:cNvGrpSpPr/>
+        <p:nvPr/>
+      </p:nvGrpSpPr>
+      <p:grpSpPr>
+        <a:xfrm>
+          <a:off x="0" y="0"/>
+          <a:ext cx="0" cy="0"/>
+          <a:chOff x="0" y="0"/>
+          <a:chExt cx="0" cy="0"/>
+        </a:xfrm>
+      </p:grpSpPr>
+      <p:sp>
+        <p:nvSpPr>
+          <p:cNvPr id="2" name="Заголовок 1"/>
+          <p:cNvSpPr>
+            <a:spLocks noGrp="1"/>
+          </p:cNvSpPr>
+          <p:nvPr>
+            <p:ph type="title"/>
+          </p:nvPr>
+        </p:nvSpPr>
+        <p:spPr/>
+        <p:txBody>
+          <a:bodyPr/>
+          <a:lstStyle/>
+          <a:p>
+            <a:r>
+              <a:rPr lang="ru-RU" dirty="0"/>
+              <a:t>Симулятор инфраструктуры</a:t>
+            </a:r>
+          </a:p>
+        </p:txBody>
+      </p:sp>
+      <p:sp>
+        <p:nvSpPr>
+          <p:cNvPr id="4" name="Номер слайда 3"/>
+          <p:cNvSpPr>
+            <a:spLocks noGrp="1"/>
+          </p:cNvSpPr>
+          <p:nvPr>
+            <p:ph type="sldNum" sz="quarter" idx="12"/>
+          </p:nvPr>
+        </p:nvSpPr>
+        <p:spPr/>
+        <p:txBody>
+          <a:bodyPr/>
+          <a:lstStyle/>
+          <a:p>
+            <a:pPr>
+              <a:defRPr/>
+            </a:pPr>
+            <a:fld id="{21BDEC18-8067-4417-9D22-B28DB0185129}" type="slidenum">
+              <a:rPr lang="ru-RU" altLang="ru-RU" smtClean="0"/>
+              <a:pPr>
+                <a:defRPr/>
+              </a:pPr>
+              <a:t>19</a:t>
+            </a:fld>
+            <a:endParaRPr lang="ru-RU" altLang="ru-RU"/>
+          </a:p>
+        </p:txBody>
+      </p:sp>
+      <p:pic>
+        <p:nvPicPr>
+          <p:cNvPr id="6" name="Рисунок 5">
+            <a:extLst>
+              <a:ext uri="{FF2B5EF4-FFF2-40B4-BE49-F238E27FC236}">
+                <a16:creationId xmlns:a16="http://schemas.microsoft.com/office/drawing/2014/main" id="{A76CBDE6-CC08-4615-A9E8-E2EFD7CE495F}"/>
+              </a:ext>
+            </a:extLst>
+          </p:cNvPr>
+          <p:cNvPicPr>
+            <a:picLocks noChangeAspect="1"/>
+          </p:cNvPicPr>
+          <p:nvPr/>
+        </p:nvPicPr>
+        <p:blipFill>
+          <a:blip r:embed="rId2"/>
+          <a:stretch>
+            <a:fillRect/>
+          </a:stretch>
+        </p:blipFill>
+        <p:spPr>
+          <a:xfrm>
+            <a:off x="272785" y="2884789"/>
+            <a:ext cx="9360430" cy="1088422"/>
+          </a:xfrm>
+          <a:prstGeom prst="rect">
+            <a:avLst/>
+          </a:prstGeom>
+        </p:spPr>
+      </p:pic>
+    </p:spTree>
+    <p:extLst>
+      <p:ext uri="{BB962C8B-B14F-4D97-AF65-F5344CB8AC3E}">
+        <p14:creationId xmlns:p14="http://schemas.microsoft.com/office/powerpoint/2010/main" val="1002546162"/>
       </p:ext>
     </p:extLst>
   </p:cSld>
@@ -16721,36 +14476,36 @@
           </a:p>
         </p:txBody>
       </p:sp>
-      <p:graphicFrame>
-        <p:nvGraphicFramePr>
-          <p:cNvPr id="7" name="Диаграмма 6">
+      <p:pic>
+        <p:nvPicPr>
+          <p:cNvPr id="18" name="Рисунок 17">
             <a:extLst>
               <a:ext uri="{FF2B5EF4-FFF2-40B4-BE49-F238E27FC236}">
-                <a16:creationId xmlns:a16="http://schemas.microsoft.com/office/drawing/2014/main" id="{A9B8FA8D-846D-4543-9224-EE639874342B}"/>
+                <a16:creationId xmlns:a16="http://schemas.microsoft.com/office/drawing/2014/main" id="{3A5D26B5-61B9-4179-BF60-2654B5921142}"/>
               </a:ext>
             </a:extLst>
           </p:cNvPr>
-          <p:cNvGraphicFramePr>
-            <a:graphicFrameLocks/>
-          </p:cNvGraphicFramePr>
-          <p:nvPr>
-            <p:extLst>
-              <p:ext uri="{D42A27DB-BD31-4B8C-83A1-F6EECF244321}">
-                <p14:modId xmlns:p14="http://schemas.microsoft.com/office/powerpoint/2010/main" val="1292552326"/>
-              </p:ext>
-            </p:extLst>
-          </p:nvPr>
-        </p:nvGraphicFramePr>
-        <p:xfrm>
-          <a:off x="128464" y="1268760"/>
-          <a:ext cx="9433644" cy="4873816"/>
-        </p:xfrm>
-        <a:graphic>
-          <a:graphicData uri="http://schemas.openxmlformats.org/drawingml/2006/chart">
-            <c:chart xmlns:c="http://schemas.openxmlformats.org/drawingml/2006/chart" xmlns:r="http://schemas.openxmlformats.org/officeDocument/2006/relationships" r:id="rId2"/>
-          </a:graphicData>
-        </a:graphic>
-      </p:graphicFrame>
+          <p:cNvPicPr>
+            <a:picLocks noChangeAspect="1"/>
+          </p:cNvPicPr>
+          <p:nvPr/>
+        </p:nvPicPr>
+        <p:blipFill>
+          <a:blip r:embed="rId2"/>
+          <a:stretch>
+            <a:fillRect/>
+          </a:stretch>
+        </p:blipFill>
+        <p:spPr>
+          <a:xfrm>
+            <a:off x="310493" y="1241363"/>
+            <a:ext cx="9285013" cy="5114987"/>
+          </a:xfrm>
+          <a:prstGeom prst="rect">
+            <a:avLst/>
+          </a:prstGeom>
+        </p:spPr>
+      </p:pic>
     </p:spTree>
     <p:extLst>
       <p:ext uri="{BB962C8B-B14F-4D97-AF65-F5344CB8AC3E}">
@@ -16858,36 +14613,36 @@
           </a:p>
         </p:txBody>
       </p:sp>
-      <p:graphicFrame>
-        <p:nvGraphicFramePr>
-          <p:cNvPr id="5" name="Диаграмма 4">
+      <p:pic>
+        <p:nvPicPr>
+          <p:cNvPr id="8" name="Рисунок 7">
             <a:extLst>
               <a:ext uri="{FF2B5EF4-FFF2-40B4-BE49-F238E27FC236}">
-                <a16:creationId xmlns:a16="http://schemas.microsoft.com/office/drawing/2014/main" id="{656B9A5C-C379-4C4B-84AD-EA5C6FEBF1C8}"/>
+                <a16:creationId xmlns:a16="http://schemas.microsoft.com/office/drawing/2014/main" id="{AE71F101-1A87-4499-BDBB-9850E090474C}"/>
               </a:ext>
             </a:extLst>
           </p:cNvPr>
-          <p:cNvGraphicFramePr>
-            <a:graphicFrameLocks/>
-          </p:cNvGraphicFramePr>
-          <p:nvPr>
-            <p:extLst>
-              <p:ext uri="{D42A27DB-BD31-4B8C-83A1-F6EECF244321}">
-                <p14:modId xmlns:p14="http://schemas.microsoft.com/office/powerpoint/2010/main" val="3142367018"/>
-              </p:ext>
-            </p:extLst>
-          </p:nvPr>
-        </p:nvGraphicFramePr>
-        <p:xfrm>
-          <a:off x="333655" y="1154914"/>
-          <a:ext cx="9238690" cy="5201435"/>
-        </p:xfrm>
-        <a:graphic>
-          <a:graphicData uri="http://schemas.openxmlformats.org/drawingml/2006/chart">
-            <c:chart xmlns:c="http://schemas.openxmlformats.org/drawingml/2006/chart" xmlns:r="http://schemas.openxmlformats.org/officeDocument/2006/relationships" r:id="rId2"/>
-          </a:graphicData>
-        </a:graphic>
-      </p:graphicFrame>
+          <p:cNvPicPr>
+            <a:picLocks noChangeAspect="1"/>
+          </p:cNvPicPr>
+          <p:nvPr/>
+        </p:nvPicPr>
+        <p:blipFill>
+          <a:blip r:embed="rId2"/>
+          <a:stretch>
+            <a:fillRect/>
+          </a:stretch>
+        </p:blipFill>
+        <p:spPr>
+          <a:xfrm>
+            <a:off x="307445" y="1247459"/>
+            <a:ext cx="9291109" cy="5108891"/>
+          </a:xfrm>
+          <a:prstGeom prst="rect">
+            <a:avLst/>
+          </a:prstGeom>
+        </p:spPr>
+      </p:pic>
     </p:spTree>
     <p:extLst>
       <p:ext uri="{BB962C8B-B14F-4D97-AF65-F5344CB8AC3E}">
@@ -16995,36 +14750,36 @@
           </a:p>
         </p:txBody>
       </p:sp>
-      <p:graphicFrame>
-        <p:nvGraphicFramePr>
-          <p:cNvPr id="5" name="Диаграмма 4">
+      <p:pic>
+        <p:nvPicPr>
+          <p:cNvPr id="3" name="Рисунок 2">
             <a:extLst>
               <a:ext uri="{FF2B5EF4-FFF2-40B4-BE49-F238E27FC236}">
-                <a16:creationId xmlns:a16="http://schemas.microsoft.com/office/drawing/2014/main" id="{9BED7B29-68C0-4B62-842E-315B46440ABD}"/>
+                <a16:creationId xmlns:a16="http://schemas.microsoft.com/office/drawing/2014/main" id="{E0F48BEB-9FD5-42FD-B17F-03D914B49BF7}"/>
               </a:ext>
             </a:extLst>
           </p:cNvPr>
-          <p:cNvGraphicFramePr>
-            <a:graphicFrameLocks/>
-          </p:cNvGraphicFramePr>
-          <p:nvPr>
-            <p:extLst>
-              <p:ext uri="{D42A27DB-BD31-4B8C-83A1-F6EECF244321}">
-                <p14:modId xmlns:p14="http://schemas.microsoft.com/office/powerpoint/2010/main" val="1345401940"/>
-              </p:ext>
-            </p:extLst>
-          </p:nvPr>
-        </p:nvGraphicFramePr>
-        <p:xfrm>
-          <a:off x="172010" y="1166830"/>
-          <a:ext cx="9389502" cy="4926466"/>
-        </p:xfrm>
-        <a:graphic>
-          <a:graphicData uri="http://schemas.openxmlformats.org/drawingml/2006/chart">
-            <c:chart xmlns:c="http://schemas.openxmlformats.org/drawingml/2006/chart" xmlns:r="http://schemas.openxmlformats.org/officeDocument/2006/relationships" r:id="rId2"/>
-          </a:graphicData>
-        </a:graphic>
-      </p:graphicFrame>
+          <p:cNvPicPr>
+            <a:picLocks noChangeAspect="1"/>
+          </p:cNvPicPr>
+          <p:nvPr/>
+        </p:nvPicPr>
+        <p:blipFill>
+          <a:blip r:embed="rId2"/>
+          <a:stretch>
+            <a:fillRect/>
+          </a:stretch>
+        </p:blipFill>
+        <p:spPr>
+          <a:xfrm>
+            <a:off x="310493" y="1247459"/>
+            <a:ext cx="9285013" cy="5108891"/>
+          </a:xfrm>
+          <a:prstGeom prst="rect">
+            <a:avLst/>
+          </a:prstGeom>
+        </p:spPr>
+      </p:pic>
     </p:spTree>
     <p:extLst>
       <p:ext uri="{BB962C8B-B14F-4D97-AF65-F5344CB8AC3E}">
@@ -17132,36 +14887,36 @@
           </a:p>
         </p:txBody>
       </p:sp>
-      <p:graphicFrame>
-        <p:nvGraphicFramePr>
-          <p:cNvPr id="6" name="Диаграмма 5">
+      <p:pic>
+        <p:nvPicPr>
+          <p:cNvPr id="3" name="Рисунок 2">
             <a:extLst>
               <a:ext uri="{FF2B5EF4-FFF2-40B4-BE49-F238E27FC236}">
-                <a16:creationId xmlns:a16="http://schemas.microsoft.com/office/drawing/2014/main" id="{344B1A15-3125-406E-A26C-54F8629CECF2}"/>
+                <a16:creationId xmlns:a16="http://schemas.microsoft.com/office/drawing/2014/main" id="{452E4A19-9FBE-4D7A-BCC7-28F40C108CB6}"/>
               </a:ext>
             </a:extLst>
           </p:cNvPr>
-          <p:cNvGraphicFramePr>
-            <a:graphicFrameLocks/>
-          </p:cNvGraphicFramePr>
-          <p:nvPr>
-            <p:extLst>
-              <p:ext uri="{D42A27DB-BD31-4B8C-83A1-F6EECF244321}">
-                <p14:modId xmlns:p14="http://schemas.microsoft.com/office/powerpoint/2010/main" val="419076776"/>
-              </p:ext>
-            </p:extLst>
-          </p:nvPr>
-        </p:nvGraphicFramePr>
-        <p:xfrm>
-          <a:off x="344488" y="1154916"/>
-          <a:ext cx="9361040" cy="5201434"/>
-        </p:xfrm>
-        <a:graphic>
-          <a:graphicData uri="http://schemas.openxmlformats.org/drawingml/2006/chart">
-            <c:chart xmlns:c="http://schemas.openxmlformats.org/drawingml/2006/chart" xmlns:r="http://schemas.openxmlformats.org/officeDocument/2006/relationships" r:id="rId3"/>
-          </a:graphicData>
-        </a:graphic>
-      </p:graphicFrame>
+          <p:cNvPicPr>
+            <a:picLocks noChangeAspect="1"/>
+          </p:cNvPicPr>
+          <p:nvPr/>
+        </p:nvPicPr>
+        <p:blipFill>
+          <a:blip r:embed="rId3"/>
+          <a:stretch>
+            <a:fillRect/>
+          </a:stretch>
+        </p:blipFill>
+        <p:spPr>
+          <a:xfrm>
+            <a:off x="310493" y="1241363"/>
+            <a:ext cx="9285013" cy="5114987"/>
+          </a:xfrm>
+          <a:prstGeom prst="rect">
+            <a:avLst/>
+          </a:prstGeom>
+        </p:spPr>
+      </p:pic>
     </p:spTree>
     <p:extLst>
       <p:ext uri="{BB962C8B-B14F-4D97-AF65-F5344CB8AC3E}">
@@ -17296,7 +15051,7 @@
                 <a:ea typeface="Calibri" panose="020F0502020204030204" pitchFamily="34" charset="0"/>
                 <a:cs typeface="Times New Roman" panose="02020603050405020304" pitchFamily="18" charset="0"/>
               </a:rPr>
-              <a:t>Сохраняется тенденция к минимизации количества задействованных серверов при увеличении числа устанавливаемых сервисов.</a:t>
+              <a:t>Количество задействованных серверов при увеличении числа устанавливаемых сервисов наименьшее.</a:t>
             </a:r>
           </a:p>
           <a:p>
@@ -17633,7 +15388,7 @@
         </p:nvSpPr>
         <p:spPr>
           <a:xfrm>
-            <a:off x="523239" y="2873777"/>
+            <a:off x="416496" y="2873777"/>
             <a:ext cx="4141729" cy="430887"/>
           </a:xfrm>
           <a:prstGeom prst="rect">
@@ -17672,7 +15427,7 @@
         </p:nvSpPr>
         <p:spPr>
           <a:xfrm>
-            <a:off x="5025008" y="2835949"/>
+            <a:off x="4953000" y="2835949"/>
             <a:ext cx="4680520" cy="769441"/>
           </a:xfrm>
           <a:prstGeom prst="rect">
@@ -17711,7 +15466,7 @@
         </p:nvSpPr>
         <p:spPr>
           <a:xfrm>
-            <a:off x="523239" y="4197467"/>
+            <a:off x="495299" y="3678451"/>
             <a:ext cx="3702953" cy="430887"/>
           </a:xfrm>
           <a:prstGeom prst="rect">
@@ -17748,7 +15503,7 @@
         </p:nvSpPr>
         <p:spPr>
           <a:xfrm>
-            <a:off x="523352" y="4913874"/>
+            <a:off x="507637" y="4482987"/>
             <a:ext cx="3702953" cy="430887"/>
           </a:xfrm>
           <a:prstGeom prst="rect">
@@ -17785,7 +15540,7 @@
         </p:nvSpPr>
         <p:spPr>
           <a:xfrm>
-            <a:off x="5025201" y="4144433"/>
+            <a:off x="4958308" y="3649364"/>
             <a:ext cx="4680328" cy="769441"/>
           </a:xfrm>
           <a:prstGeom prst="rect">
@@ -17822,7 +15577,7 @@
         </p:nvSpPr>
         <p:spPr>
           <a:xfrm>
-            <a:off x="5025008" y="4913874"/>
+            <a:off x="4953000" y="4455879"/>
             <a:ext cx="4176464" cy="430887"/>
           </a:xfrm>
           <a:prstGeom prst="rect">
@@ -17859,7 +15614,7 @@
         </p:nvSpPr>
         <p:spPr>
           <a:xfrm>
-            <a:off x="5025008" y="5467871"/>
+            <a:off x="4953000" y="5014838"/>
             <a:ext cx="4536504" cy="769441"/>
           </a:xfrm>
           <a:prstGeom prst="rect">
@@ -19811,7 +17566,7 @@
             <a:pPr algn="just"/>
             <a:r>
               <a:rPr lang="ru-RU" altLang="ru-RU" sz="2400" b="1" dirty="0"/>
-              <a:t>Для достижения поставленной цели в работе поставлены следующие задачи</a:t>
+              <a:t>Для достижения поставленной цели в работе сформулированы следующие задачи</a:t>
             </a:r>
             <a:r>
               <a:rPr lang="ru-RU" altLang="ru-RU" sz="2400" b="0" dirty="0"/>
@@ -20112,15 +17867,7 @@
             <a:pPr algn="ctr"/>
             <a:r>
               <a:rPr lang="ru-RU" dirty="0"/>
-              <a:t>Наиболее распространенный </a:t>
-            </a:r>
-            <a:r>
-              <a:rPr lang="ru-RU" dirty="0" err="1"/>
-              <a:t>контейнеризатор</a:t>
-            </a:r>
-            <a:r>
-              <a:rPr lang="ru-RU" dirty="0"/>
-              <a:t> - </a:t>
+              <a:t>Наиболее распространенный инструмент контейнеризации - </a:t>
             </a:r>
             <a:r>
               <a:rPr lang="en-US" dirty="0"/>

--- a/Презентация/Презентация диплома.pptx
+++ b/Презентация/Презентация диплома.pptx
@@ -323,7 +323,7 @@
               <a:pPr>
                 <a:defRPr/>
               </a:pPr>
-              <a:t>06.06.2021</a:t>
+              <a:t>08.06.2021</a:t>
             </a:fld>
             <a:endParaRPr lang="ru-RU"/>
           </a:p>
@@ -1559,7 +1559,7 @@
               <a:pPr>
                 <a:defRPr/>
               </a:pPr>
-              <a:t>06.06.2021</a:t>
+              <a:t>08.06.2021</a:t>
             </a:fld>
             <a:endParaRPr lang="ru-RU"/>
           </a:p>
@@ -1772,7 +1772,7 @@
               <a:pPr>
                 <a:defRPr/>
               </a:pPr>
-              <a:t>06.06.2021</a:t>
+              <a:t>08.06.2021</a:t>
             </a:fld>
             <a:endParaRPr lang="ru-RU"/>
           </a:p>
@@ -1995,7 +1995,7 @@
               <a:pPr>
                 <a:defRPr/>
               </a:pPr>
-              <a:t>06.06.2021</a:t>
+              <a:t>08.06.2021</a:t>
             </a:fld>
             <a:endParaRPr lang="ru-RU"/>
           </a:p>
@@ -2301,7 +2301,7 @@
               <a:pPr>
                 <a:defRPr/>
               </a:pPr>
-              <a:t>06.06.2021</a:t>
+              <a:t>08.06.2021</a:t>
             </a:fld>
             <a:endParaRPr lang="ru-RU"/>
           </a:p>
@@ -2595,7 +2595,7 @@
               <a:pPr>
                 <a:defRPr/>
               </a:pPr>
-              <a:t>06.06.2021</a:t>
+              <a:t>08.06.2021</a:t>
             </a:fld>
             <a:endParaRPr lang="ru-RU"/>
           </a:p>
@@ -2925,7 +2925,7 @@
               <a:pPr>
                 <a:defRPr/>
               </a:pPr>
-              <a:t>06.06.2021</a:t>
+              <a:t>08.06.2021</a:t>
             </a:fld>
             <a:endParaRPr lang="ru-RU"/>
           </a:p>
@@ -3389,7 +3389,7 @@
               <a:pPr>
                 <a:defRPr/>
               </a:pPr>
-              <a:t>06.06.2021</a:t>
+              <a:t>08.06.2021</a:t>
             </a:fld>
             <a:endParaRPr lang="ru-RU"/>
           </a:p>
@@ -3551,7 +3551,7 @@
               <a:pPr>
                 <a:defRPr/>
               </a:pPr>
-              <a:t>06.06.2021</a:t>
+              <a:t>08.06.2021</a:t>
             </a:fld>
             <a:endParaRPr lang="ru-RU"/>
           </a:p>
@@ -3691,7 +3691,7 @@
               <a:pPr>
                 <a:defRPr/>
               </a:pPr>
-              <a:t>06.06.2021</a:t>
+              <a:t>08.06.2021</a:t>
             </a:fld>
             <a:endParaRPr lang="ru-RU"/>
           </a:p>
@@ -4011,7 +4011,7 @@
               <a:pPr>
                 <a:defRPr/>
               </a:pPr>
-              <a:t>06.06.2021</a:t>
+              <a:t>08.06.2021</a:t>
             </a:fld>
             <a:endParaRPr lang="ru-RU"/>
           </a:p>
@@ -4311,7 +4311,7 @@
               <a:pPr>
                 <a:defRPr/>
               </a:pPr>
-              <a:t>06.06.2021</a:t>
+              <a:t>08.06.2021</a:t>
             </a:fld>
             <a:endParaRPr lang="ru-RU"/>
           </a:p>
@@ -4637,7 +4637,7 @@
               <a:pPr>
                 <a:defRPr/>
               </a:pPr>
-              <a:t>06.06.2021</a:t>
+              <a:t>08.06.2021</a:t>
             </a:fld>
             <a:endParaRPr lang="ru-RU"/>
           </a:p>
@@ -14429,14 +14429,7 @@
           <a:p>
             <a:r>
               <a:rPr lang="ru-RU" dirty="0"/>
-              <a:t>Результаты сравнения работы алгоритмов </a:t>
-            </a:r>
-            <a:br>
-              <a:rPr lang="ru-RU" dirty="0"/>
-            </a:br>
-            <a:r>
-              <a:rPr lang="ru-RU" dirty="0"/>
-              <a:t>на тестовой выборке</a:t>
+              <a:t>Результаты работы алгоритма «наилучший подходящий с упорядочиванием»</a:t>
             </a:r>
           </a:p>
         </p:txBody>
@@ -14566,14 +14559,7 @@
           <a:p>
             <a:r>
               <a:rPr lang="ru-RU" dirty="0"/>
-              <a:t>Результаты сравнения работы алгоритмов </a:t>
-            </a:r>
-            <a:br>
-              <a:rPr lang="ru-RU" dirty="0"/>
-            </a:br>
-            <a:r>
-              <a:rPr lang="ru-RU" dirty="0"/>
-              <a:t>на тестовой выборке</a:t>
+              <a:t>Результаты работы алгоритма имитации отжига</a:t>
             </a:r>
           </a:p>
         </p:txBody>
@@ -14703,14 +14689,7 @@
           <a:p>
             <a:r>
               <a:rPr lang="ru-RU" dirty="0"/>
-              <a:t>Результаты сравнения работы алгоритмов </a:t>
-            </a:r>
-            <a:br>
-              <a:rPr lang="ru-RU" dirty="0"/>
-            </a:br>
-            <a:r>
-              <a:rPr lang="ru-RU" dirty="0"/>
-              <a:t>на тестовой выборке</a:t>
+              <a:t>Результаты работы генетического алгоритма</a:t>
             </a:r>
           </a:p>
         </p:txBody>
@@ -15878,7 +15857,7 @@
         </p:nvSpPr>
         <p:spPr bwMode="auto">
           <a:xfrm>
-            <a:off x="495300" y="4571438"/>
+            <a:off x="495300" y="4407673"/>
             <a:ext cx="8915400" cy="1621146"/>
           </a:xfrm>
           <a:prstGeom prst="rect">
@@ -15913,7 +15892,7 @@
             <a:prstTxWarp prst="textNoShape">
               <a:avLst/>
             </a:prstTxWarp>
-            <a:normAutofit fontScale="70000" lnSpcReduction="20000"/>
+            <a:normAutofit/>
           </a:bodyPr>
           <a:lstStyle>
             <a:lvl1pPr marL="0" indent="0" algn="l" rtl="0" eaLnBrk="0" fontAlgn="base" hangingPunct="0">
@@ -16080,35 +16059,22 @@
               </a:tabLst>
             </a:pPr>
             <a:r>
-              <a:rPr lang="ru-RU" sz="3500" b="1" dirty="0">
+              <a:rPr lang="ru-RU" sz="2200" b="1" dirty="0">
                 <a:solidFill>
                   <a:srgbClr val="C00000"/>
                 </a:solidFill>
               </a:rPr>
-              <a:t>Выступления на мероприятиях с материалами ВКР:</a:t>
+              <a:t>Публикация материалов ВКР:</a:t>
             </a:r>
           </a:p>
           <a:p>
-            <a:pPr marL="342900" lvl="0" indent="-342900" algn="just">
-              <a:lnSpc>
-                <a:spcPct val="150000"/>
-              </a:lnSpc>
-              <a:spcAft>
-                <a:spcPts val="0"/>
-              </a:spcAft>
+            <a:pPr marL="342900" indent="-342900" algn="l">
               <a:buFont typeface="Arial" panose="020B0604020202020204" pitchFamily="34" charset="0"/>
               <a:buChar char="•"/>
-              <a:tabLst>
-                <a:tab pos="457200" algn="l"/>
-              </a:tabLst>
             </a:pPr>
             <a:r>
-              <a:rPr lang="en-US" sz="2500" dirty="0"/>
-              <a:t>VI </a:t>
-            </a:r>
-            <a:r>
-              <a:rPr lang="ru-RU" sz="2500" dirty="0"/>
-              <a:t>Всероссийская научно-практическая конференция «Современные информационные технологии. Теория и практика», Череповец, 2021 г.</a:t>
+              <a:rPr lang="ru-RU" sz="1900" dirty="0"/>
+              <a:t>международная научно-практическая конференция «Молодой исследователь: вызовы и перспективы»</a:t>
             </a:r>
           </a:p>
           <a:p>
@@ -16156,8 +16122,8 @@
         </p:nvSpPr>
         <p:spPr bwMode="auto">
           <a:xfrm>
-            <a:off x="520339" y="3321954"/>
-            <a:ext cx="8915400" cy="1085719"/>
+            <a:off x="495300" y="3199223"/>
+            <a:ext cx="8915400" cy="1331182"/>
           </a:xfrm>
           <a:prstGeom prst="rect">
             <a:avLst/>
@@ -16191,7 +16157,7 @@
             <a:prstTxWarp prst="textNoShape">
               <a:avLst/>
             </a:prstTxWarp>
-            <a:normAutofit fontScale="70000" lnSpcReduction="20000"/>
+            <a:normAutofit lnSpcReduction="10000"/>
           </a:bodyPr>
           <a:lstStyle>
             <a:lvl1pPr marL="0" indent="0" algn="l" rtl="0" eaLnBrk="0" fontAlgn="base" hangingPunct="0">
@@ -16358,7 +16324,7 @@
               </a:tabLst>
             </a:pPr>
             <a:r>
-              <a:rPr lang="ru-RU" sz="2800" b="1" dirty="0">
+              <a:rPr lang="ru-RU" sz="2500" b="1" dirty="0">
                 <a:solidFill>
                   <a:srgbClr val="C00000"/>
                 </a:solidFill>
@@ -16381,7 +16347,7 @@
               </a:tabLst>
             </a:pPr>
             <a:r>
-              <a:rPr lang="ru-RU" sz="2500" dirty="0"/>
+              <a:rPr lang="ru-RU" sz="2100" dirty="0"/>
               <a:t>Применение на предприятии подтверждено актом внедрения</a:t>
             </a:r>
           </a:p>
@@ -18301,13 +18267,18 @@
               <a:t>При размещении сервисов на сервера должно учитываться ограничение на объем ПЗУ, ОЗУ, кол-во занятого процессорного времени и тип ОС</a:t>
             </a:r>
             <a:r>
-              <a:rPr lang="ru-RU" dirty="0">
+              <a:rPr lang="ru-RU">
                 <a:solidFill>
                   <a:srgbClr val="FF0000"/>
                 </a:solidFill>
               </a:rPr>
-              <a:t>. Указать эти ограничения на мат модели?</a:t>
+              <a:t>. </a:t>
             </a:r>
+            <a:endParaRPr lang="ru-RU" dirty="0">
+              <a:solidFill>
+                <a:srgbClr val="FF0000"/>
+              </a:solidFill>
+            </a:endParaRPr>
           </a:p>
         </p:txBody>
       </p:sp>
